--- a/cool.pptx
+++ b/cool.pptx
@@ -6,6 +6,21 @@
   </p:sldMasterIdLst>
   <p:sldIdLst>
     <p:sldId id="256" r:id="rId7"/>
+    <p:sldId id="257" r:id="rId8"/>
+    <p:sldId id="258" r:id="rId9"/>
+    <p:sldId id="259" r:id="rId10"/>
+    <p:sldId id="260" r:id="rId11"/>
+    <p:sldId id="261" r:id="rId12"/>
+    <p:sldId id="262" r:id="rId13"/>
+    <p:sldId id="263" r:id="rId14"/>
+    <p:sldId id="264" r:id="rId15"/>
+    <p:sldId id="265" r:id="rId16"/>
+    <p:sldId id="266" r:id="rId17"/>
+    <p:sldId id="267" r:id="rId18"/>
+    <p:sldId id="268" r:id="rId19"/>
+    <p:sldId id="269" r:id="rId20"/>
+    <p:sldId id="270" r:id="rId21"/>
+    <p:sldId id="271" r:id="rId22"/>
   </p:sldIdLst>
   <p:sldSz cx="9144000" cy="5143500" type="screen4x3"/>
   <p:notesSz cx="6858000" cy="9144000"/>
@@ -3121,7 +3136,7 @@
               <a:buNone/>
             </a:pPr>
             <a:r>
-              <a:t>How to Cook Eggs</a:t>
+              <a:t>How to Cook the Perfect Scrambled Eggs</a:t>
             </a:r>
             <a:endParaRPr/>
           </a:p>
@@ -3160,7 +3175,1507 @@
               <a:buNone/>
             </a:pPr>
             <a:r>
-              <a:t>A Guide to Perfect Eggs Every Time</a:t>
+              <a:t>Mastering the Art of Breakfast</a:t>
+            </a:r>
+            <a:endParaRPr>
+              <a:solidFill>
+                <a:schemeClr val="dk1"/>
+              </a:solidFill>
+            </a:endParaRPr>
+          </a:p>
+        </p:txBody>
+      </p:sp>
+    </p:spTree>
+  </p:cSld>
+  <p:clrMapOvr>
+    <a:masterClrMapping/>
+  </p:clrMapOvr>
+</p:sld>
+</file>
+
+<file path=ppt/slides/slide10.xml><?xml version="1.0" encoding="utf-8"?>
+<p:sld xmlns:a="http://schemas.openxmlformats.org/drawingml/2006/main" xmlns:p="http://schemas.openxmlformats.org/presentationml/2006/main" xmlns:r="http://schemas.openxmlformats.org/officeDocument/2006/relationships">
+  <p:cSld>
+    <p:spTree>
+      <p:nvGrpSpPr>
+        <p:cNvPr id="1" name=""/>
+        <p:cNvGrpSpPr/>
+        <p:nvPr/>
+      </p:nvGrpSpPr>
+      <p:grpSpPr/>
+      <p:sp>
+        <p:nvSpPr>
+          <p:cNvPr id="60" name="Google Shape;60;p14"/>
+          <p:cNvSpPr txBox="1"/>
+          <p:nvPr>
+            <p:ph type="title"/>
+          </p:nvPr>
+        </p:nvSpPr>
+        <p:spPr>
+          <a:xfrm>
+            <a:off x="311700" y="445025"/>
+            <a:ext cx="8520600" cy="572700"/>
+          </a:xfrm>
+          <a:prstGeom prst="rect">
+            <a:avLst/>
+          </a:prstGeom>
+        </p:spPr>
+        <p:txBody>
+          <a:bodyPr anchorCtr="0" anchor="t" bIns="91425" lIns="91425" spcFirstLastPara="1" rIns="91425" wrap="square" tIns="91425">
+            <a:normAutofit fontScale="90000"/>
+          </a:bodyPr>
+          <a:lstStyle/>
+          <a:p>
+            <a:pPr indent="0" lvl="0" marL="0" rtl="0" algn="l">
+              <a:spcBef>
+                <a:spcPts val="0"/>
+              </a:spcBef>
+              <a:spcAft>
+                <a:spcPts val="0"/>
+              </a:spcAft>
+              <a:buNone/>
+            </a:pPr>
+            <a:r>
+              <a:t>Step 5: Finishing Up</a:t>
+            </a:r>
+            <a:endParaRPr/>
+          </a:p>
+        </p:txBody>
+      </p:sp>
+      <p:sp>
+        <p:nvSpPr>
+          <p:cNvPr id="61" name="Google Shape;61;p14"/>
+          <p:cNvSpPr txBox="1"/>
+          <p:nvPr>
+            <p:ph idx="1" type="body"/>
+          </p:nvPr>
+        </p:nvSpPr>
+        <p:spPr>
+          <a:xfrm>
+            <a:off x="311700" y="1152475"/>
+            <a:ext cx="8520600" cy="3416400"/>
+          </a:xfrm>
+          <a:prstGeom prst="rect">
+            <a:avLst/>
+          </a:prstGeom>
+        </p:spPr>
+        <p:txBody>
+          <a:bodyPr anchorCtr="0" anchor="t" bIns="91425" lIns="91425" spcFirstLastPara="1" rIns="91425" wrap="square" tIns="91425">
+            <a:normAutofit/>
+          </a:bodyPr>
+          <a:lstStyle/>
+          <a:p>
+            <a:pPr indent="0" lvl="0" marL="0" rtl="0" algn="l">
+              <a:spcBef>
+                <a:spcPts val="0"/>
+              </a:spcBef>
+              <a:spcAft>
+                <a:spcPts val="1200"/>
+              </a:spcAft>
+              <a:buNone/>
+            </a:pPr>
+            <a:r>
+              <a:t>Remove the pan from heat when eggs are still slightly runny. They will continue to cook from residual heat.</a:t>
+            </a:r>
+            <a:endParaRPr>
+              <a:solidFill>
+                <a:schemeClr val="dk1"/>
+              </a:solidFill>
+            </a:endParaRPr>
+          </a:p>
+        </p:txBody>
+      </p:sp>
+    </p:spTree>
+  </p:cSld>
+  <p:clrMapOvr>
+    <a:masterClrMapping/>
+  </p:clrMapOvr>
+</p:sld>
+</file>
+
+<file path=ppt/slides/slide11.xml><?xml version="1.0" encoding="utf-8"?>
+<p:sld xmlns:a="http://schemas.openxmlformats.org/drawingml/2006/main" xmlns:p="http://schemas.openxmlformats.org/presentationml/2006/main" xmlns:r="http://schemas.openxmlformats.org/officeDocument/2006/relationships">
+  <p:cSld>
+    <p:spTree>
+      <p:nvGrpSpPr>
+        <p:cNvPr id="1" name=""/>
+        <p:cNvGrpSpPr/>
+        <p:nvPr/>
+      </p:nvGrpSpPr>
+      <p:grpSpPr/>
+      <p:sp>
+        <p:nvSpPr>
+          <p:cNvPr id="60" name="Google Shape;60;p14"/>
+          <p:cNvSpPr txBox="1"/>
+          <p:nvPr>
+            <p:ph type="title"/>
+          </p:nvPr>
+        </p:nvSpPr>
+        <p:spPr>
+          <a:xfrm>
+            <a:off x="311700" y="445025"/>
+            <a:ext cx="8520600" cy="572700"/>
+          </a:xfrm>
+          <a:prstGeom prst="rect">
+            <a:avLst/>
+          </a:prstGeom>
+        </p:spPr>
+        <p:txBody>
+          <a:bodyPr anchorCtr="0" anchor="t" bIns="91425" lIns="91425" spcFirstLastPara="1" rIns="91425" wrap="square" tIns="91425">
+            <a:normAutofit fontScale="90000"/>
+          </a:bodyPr>
+          <a:lstStyle/>
+          <a:p>
+            <a:pPr indent="0" lvl="0" marL="0" rtl="0" algn="l">
+              <a:spcBef>
+                <a:spcPts val="0"/>
+              </a:spcBef>
+              <a:spcAft>
+                <a:spcPts val="0"/>
+              </a:spcAft>
+              <a:buNone/>
+            </a:pPr>
+            <a:r>
+              <a:t>Step 6: Serving</a:t>
+            </a:r>
+            <a:endParaRPr/>
+          </a:p>
+        </p:txBody>
+      </p:sp>
+      <p:sp>
+        <p:nvSpPr>
+          <p:cNvPr id="61" name="Google Shape;61;p14"/>
+          <p:cNvSpPr txBox="1"/>
+          <p:nvPr>
+            <p:ph idx="1" type="body"/>
+          </p:nvPr>
+        </p:nvSpPr>
+        <p:spPr>
+          <a:xfrm>
+            <a:off x="311700" y="1152475"/>
+            <a:ext cx="8520600" cy="3416400"/>
+          </a:xfrm>
+          <a:prstGeom prst="rect">
+            <a:avLst/>
+          </a:prstGeom>
+        </p:spPr>
+        <p:txBody>
+          <a:bodyPr anchorCtr="0" anchor="t" bIns="91425" lIns="91425" spcFirstLastPara="1" rIns="91425" wrap="square" tIns="91425">
+            <a:normAutofit/>
+          </a:bodyPr>
+          <a:lstStyle/>
+          <a:p>
+            <a:pPr indent="0" lvl="0" marL="0" rtl="0" algn="l">
+              <a:spcBef>
+                <a:spcPts val="0"/>
+              </a:spcBef>
+              <a:spcAft>
+                <a:spcPts val="1200"/>
+              </a:spcAft>
+              <a:buNone/>
+            </a:pPr>
+            <a:r>
+              <a:t>Transfer the scrambled eggs to a plate. Serve immediately for the best taste and texture.</a:t>
+            </a:r>
+            <a:endParaRPr>
+              <a:solidFill>
+                <a:schemeClr val="dk1"/>
+              </a:solidFill>
+            </a:endParaRPr>
+          </a:p>
+        </p:txBody>
+      </p:sp>
+    </p:spTree>
+  </p:cSld>
+  <p:clrMapOvr>
+    <a:masterClrMapping/>
+  </p:clrMapOvr>
+</p:sld>
+</file>
+
+<file path=ppt/slides/slide12.xml><?xml version="1.0" encoding="utf-8"?>
+<p:sld xmlns:a="http://schemas.openxmlformats.org/drawingml/2006/main" xmlns:p="http://schemas.openxmlformats.org/presentationml/2006/main" xmlns:r="http://schemas.openxmlformats.org/officeDocument/2006/relationships">
+  <p:cSld>
+    <p:spTree>
+      <p:nvGrpSpPr>
+        <p:cNvPr id="1" name=""/>
+        <p:cNvGrpSpPr/>
+        <p:nvPr/>
+      </p:nvGrpSpPr>
+      <p:grpSpPr/>
+      <p:sp>
+        <p:nvSpPr>
+          <p:cNvPr id="60" name="Google Shape;60;p14"/>
+          <p:cNvSpPr txBox="1"/>
+          <p:nvPr>
+            <p:ph type="title"/>
+          </p:nvPr>
+        </p:nvSpPr>
+        <p:spPr>
+          <a:xfrm>
+            <a:off x="311700" y="445025"/>
+            <a:ext cx="8520600" cy="572700"/>
+          </a:xfrm>
+          <a:prstGeom prst="rect">
+            <a:avLst/>
+          </a:prstGeom>
+        </p:spPr>
+        <p:txBody>
+          <a:bodyPr anchorCtr="0" anchor="t" bIns="91425" lIns="91425" spcFirstLastPara="1" rIns="91425" wrap="square" tIns="91425">
+            <a:normAutofit fontScale="90000"/>
+          </a:bodyPr>
+          <a:lstStyle/>
+          <a:p>
+            <a:pPr indent="0" lvl="0" marL="0" rtl="0" algn="l">
+              <a:spcBef>
+                <a:spcPts val="0"/>
+              </a:spcBef>
+              <a:spcAft>
+                <a:spcPts val="0"/>
+              </a:spcAft>
+              <a:buNone/>
+            </a:pPr>
+            <a:r>
+              <a:t>Tips and Tricks</a:t>
+            </a:r>
+            <a:endParaRPr/>
+          </a:p>
+        </p:txBody>
+      </p:sp>
+      <p:sp>
+        <p:nvSpPr>
+          <p:cNvPr id="61" name="Google Shape;61;p14"/>
+          <p:cNvSpPr txBox="1"/>
+          <p:nvPr>
+            <p:ph idx="1" type="body"/>
+          </p:nvPr>
+        </p:nvSpPr>
+        <p:spPr>
+          <a:xfrm>
+            <a:off x="311700" y="1152475"/>
+            <a:ext cx="8520600" cy="3416400"/>
+          </a:xfrm>
+          <a:prstGeom prst="rect">
+            <a:avLst/>
+          </a:prstGeom>
+        </p:spPr>
+        <p:txBody>
+          <a:bodyPr anchorCtr="0" anchor="t" bIns="91425" lIns="91425" spcFirstLastPara="1" rIns="91425" wrap="square" tIns="91425">
+            <a:normAutofit/>
+          </a:bodyPr>
+          <a:lstStyle/>
+          <a:p>
+            <a:pPr indent="0" lvl="0" marL="0" rtl="0" algn="l">
+              <a:spcBef>
+                <a:spcPts val="0"/>
+              </a:spcBef>
+              <a:spcAft>
+                <a:spcPts val="1200"/>
+              </a:spcAft>
+              <a:buNone/>
+            </a:pPr>
+            <a:r>
+              <a:t>Use fresh eggs, whisk vigorously for airiness, cook on low heat, and don't stir too frequently.</a:t>
+            </a:r>
+            <a:endParaRPr>
+              <a:solidFill>
+                <a:schemeClr val="dk1"/>
+              </a:solidFill>
+            </a:endParaRPr>
+          </a:p>
+        </p:txBody>
+      </p:sp>
+    </p:spTree>
+  </p:cSld>
+  <p:clrMapOvr>
+    <a:masterClrMapping/>
+  </p:clrMapOvr>
+</p:sld>
+</file>
+
+<file path=ppt/slides/slide13.xml><?xml version="1.0" encoding="utf-8"?>
+<p:sld xmlns:a="http://schemas.openxmlformats.org/drawingml/2006/main" xmlns:p="http://schemas.openxmlformats.org/presentationml/2006/main" xmlns:r="http://schemas.openxmlformats.org/officeDocument/2006/relationships">
+  <p:cSld>
+    <p:spTree>
+      <p:nvGrpSpPr>
+        <p:cNvPr id="1" name=""/>
+        <p:cNvGrpSpPr/>
+        <p:nvPr/>
+      </p:nvGrpSpPr>
+      <p:grpSpPr/>
+      <p:sp>
+        <p:nvSpPr>
+          <p:cNvPr id="60" name="Google Shape;60;p14"/>
+          <p:cNvSpPr txBox="1"/>
+          <p:nvPr>
+            <p:ph type="title"/>
+          </p:nvPr>
+        </p:nvSpPr>
+        <p:spPr>
+          <a:xfrm>
+            <a:off x="311700" y="445025"/>
+            <a:ext cx="8520600" cy="572700"/>
+          </a:xfrm>
+          <a:prstGeom prst="rect">
+            <a:avLst/>
+          </a:prstGeom>
+        </p:spPr>
+        <p:txBody>
+          <a:bodyPr anchorCtr="0" anchor="t" bIns="91425" lIns="91425" spcFirstLastPara="1" rIns="91425" wrap="square" tIns="91425">
+            <a:normAutofit fontScale="90000"/>
+          </a:bodyPr>
+          <a:lstStyle/>
+          <a:p>
+            <a:pPr indent="0" lvl="0" marL="0" rtl="0" algn="l">
+              <a:spcBef>
+                <a:spcPts val="0"/>
+              </a:spcBef>
+              <a:spcAft>
+                <a:spcPts val="0"/>
+              </a:spcAft>
+              <a:buNone/>
+            </a:pPr>
+            <a:r>
+              <a:t>Common Mistakes</a:t>
+            </a:r>
+            <a:endParaRPr/>
+          </a:p>
+        </p:txBody>
+      </p:sp>
+      <p:sp>
+        <p:nvSpPr>
+          <p:cNvPr id="61" name="Google Shape;61;p14"/>
+          <p:cNvSpPr txBox="1"/>
+          <p:nvPr>
+            <p:ph idx="1" type="body"/>
+          </p:nvPr>
+        </p:nvSpPr>
+        <p:spPr>
+          <a:xfrm>
+            <a:off x="311700" y="1152475"/>
+            <a:ext cx="8520600" cy="3416400"/>
+          </a:xfrm>
+          <a:prstGeom prst="rect">
+            <a:avLst/>
+          </a:prstGeom>
+        </p:spPr>
+        <p:txBody>
+          <a:bodyPr anchorCtr="0" anchor="t" bIns="91425" lIns="91425" spcFirstLastPara="1" rIns="91425" wrap="square" tIns="91425">
+            <a:normAutofit/>
+          </a:bodyPr>
+          <a:lstStyle/>
+          <a:p>
+            <a:pPr indent="0" lvl="0" marL="0" rtl="0" algn="l">
+              <a:spcBef>
+                <a:spcPts val="0"/>
+              </a:spcBef>
+              <a:spcAft>
+                <a:spcPts val="1200"/>
+              </a:spcAft>
+              <a:buNone/>
+            </a:pPr>
+            <a:r>
+              <a:t>Overbeating the eggs, using high heat, overcooking, and not using butter.</a:t>
+            </a:r>
+            <a:endParaRPr>
+              <a:solidFill>
+                <a:schemeClr val="dk1"/>
+              </a:solidFill>
+            </a:endParaRPr>
+          </a:p>
+        </p:txBody>
+      </p:sp>
+    </p:spTree>
+  </p:cSld>
+  <p:clrMapOvr>
+    <a:masterClrMapping/>
+  </p:clrMapOvr>
+</p:sld>
+</file>
+
+<file path=ppt/slides/slide14.xml><?xml version="1.0" encoding="utf-8"?>
+<p:sld xmlns:a="http://schemas.openxmlformats.org/drawingml/2006/main" xmlns:p="http://schemas.openxmlformats.org/presentationml/2006/main" xmlns:r="http://schemas.openxmlformats.org/officeDocument/2006/relationships">
+  <p:cSld>
+    <p:spTree>
+      <p:nvGrpSpPr>
+        <p:cNvPr id="1" name=""/>
+        <p:cNvGrpSpPr/>
+        <p:nvPr/>
+      </p:nvGrpSpPr>
+      <p:grpSpPr/>
+      <p:sp>
+        <p:nvSpPr>
+          <p:cNvPr id="60" name="Google Shape;60;p14"/>
+          <p:cNvSpPr txBox="1"/>
+          <p:nvPr>
+            <p:ph type="title"/>
+          </p:nvPr>
+        </p:nvSpPr>
+        <p:spPr>
+          <a:xfrm>
+            <a:off x="311700" y="445025"/>
+            <a:ext cx="8520600" cy="572700"/>
+          </a:xfrm>
+          <a:prstGeom prst="rect">
+            <a:avLst/>
+          </a:prstGeom>
+        </p:spPr>
+        <p:txBody>
+          <a:bodyPr anchorCtr="0" anchor="t" bIns="91425" lIns="91425" spcFirstLastPara="1" rIns="91425" wrap="square" tIns="91425">
+            <a:normAutofit fontScale="90000"/>
+          </a:bodyPr>
+          <a:lstStyle/>
+          <a:p>
+            <a:pPr indent="0" lvl="0" marL="0" rtl="0" algn="l">
+              <a:spcBef>
+                <a:spcPts val="0"/>
+              </a:spcBef>
+              <a:spcAft>
+                <a:spcPts val="0"/>
+              </a:spcAft>
+              <a:buNone/>
+            </a:pPr>
+            <a:r>
+              <a:t>Variations</a:t>
+            </a:r>
+            <a:endParaRPr/>
+          </a:p>
+        </p:txBody>
+      </p:sp>
+      <p:sp>
+        <p:nvSpPr>
+          <p:cNvPr id="61" name="Google Shape;61;p14"/>
+          <p:cNvSpPr txBox="1"/>
+          <p:nvPr>
+            <p:ph idx="1" type="body"/>
+          </p:nvPr>
+        </p:nvSpPr>
+        <p:spPr>
+          <a:xfrm>
+            <a:off x="311700" y="1152475"/>
+            <a:ext cx="8520600" cy="3416400"/>
+          </a:xfrm>
+          <a:prstGeom prst="rect">
+            <a:avLst/>
+          </a:prstGeom>
+        </p:spPr>
+        <p:txBody>
+          <a:bodyPr anchorCtr="0" anchor="t" bIns="91425" lIns="91425" spcFirstLastPara="1" rIns="91425" wrap="square" tIns="91425">
+            <a:normAutofit/>
+          </a:bodyPr>
+          <a:lstStyle/>
+          <a:p>
+            <a:pPr indent="0" lvl="0" marL="0" rtl="0" algn="l">
+              <a:spcBef>
+                <a:spcPts val="0"/>
+              </a:spcBef>
+              <a:spcAft>
+                <a:spcPts val="1200"/>
+              </a:spcAft>
+              <a:buNone/>
+            </a:pPr>
+            <a:r>
+              <a:t>Add cheese, herbs, or cream for variety. Try different cooking techniques like adding water for fluffiness.</a:t>
+            </a:r>
+            <a:endParaRPr>
+              <a:solidFill>
+                <a:schemeClr val="dk1"/>
+              </a:solidFill>
+            </a:endParaRPr>
+          </a:p>
+        </p:txBody>
+      </p:sp>
+    </p:spTree>
+  </p:cSld>
+  <p:clrMapOvr>
+    <a:masterClrMapping/>
+  </p:clrMapOvr>
+</p:sld>
+</file>
+
+<file path=ppt/slides/slide15.xml><?xml version="1.0" encoding="utf-8"?>
+<p:sld xmlns:a="http://schemas.openxmlformats.org/drawingml/2006/main" xmlns:p="http://schemas.openxmlformats.org/presentationml/2006/main" xmlns:r="http://schemas.openxmlformats.org/officeDocument/2006/relationships">
+  <p:cSld>
+    <p:spTree>
+      <p:nvGrpSpPr>
+        <p:cNvPr id="1" name=""/>
+        <p:cNvGrpSpPr/>
+        <p:nvPr/>
+      </p:nvGrpSpPr>
+      <p:grpSpPr/>
+      <p:sp>
+        <p:nvSpPr>
+          <p:cNvPr id="60" name="Google Shape;60;p14"/>
+          <p:cNvSpPr txBox="1"/>
+          <p:nvPr>
+            <p:ph type="title"/>
+          </p:nvPr>
+        </p:nvSpPr>
+        <p:spPr>
+          <a:xfrm>
+            <a:off x="311700" y="445025"/>
+            <a:ext cx="8520600" cy="572700"/>
+          </a:xfrm>
+          <a:prstGeom prst="rect">
+            <a:avLst/>
+          </a:prstGeom>
+        </p:spPr>
+        <p:txBody>
+          <a:bodyPr anchorCtr="0" anchor="t" bIns="91425" lIns="91425" spcFirstLastPara="1" rIns="91425" wrap="square" tIns="91425">
+            <a:normAutofit fontScale="90000"/>
+          </a:bodyPr>
+          <a:lstStyle/>
+          <a:p>
+            <a:pPr indent="0" lvl="0" marL="0" rtl="0" algn="l">
+              <a:spcBef>
+                <a:spcPts val="0"/>
+              </a:spcBef>
+              <a:spcAft>
+                <a:spcPts val="0"/>
+              </a:spcAft>
+              <a:buNone/>
+            </a:pPr>
+            <a:r>
+              <a:t>Nutritional Information</a:t>
+            </a:r>
+            <a:endParaRPr/>
+          </a:p>
+        </p:txBody>
+      </p:sp>
+      <p:sp>
+        <p:nvSpPr>
+          <p:cNvPr id="61" name="Google Shape;61;p14"/>
+          <p:cNvSpPr txBox="1"/>
+          <p:nvPr>
+            <p:ph idx="1" type="body"/>
+          </p:nvPr>
+        </p:nvSpPr>
+        <p:spPr>
+          <a:xfrm>
+            <a:off x="311700" y="1152475"/>
+            <a:ext cx="8520600" cy="3416400"/>
+          </a:xfrm>
+          <a:prstGeom prst="rect">
+            <a:avLst/>
+          </a:prstGeom>
+        </p:spPr>
+        <p:txBody>
+          <a:bodyPr anchorCtr="0" anchor="t" bIns="91425" lIns="91425" spcFirstLastPara="1" rIns="91425" wrap="square" tIns="91425">
+            <a:normAutofit/>
+          </a:bodyPr>
+          <a:lstStyle/>
+          <a:p>
+            <a:pPr indent="0" lvl="0" marL="0" rtl="0" algn="l">
+              <a:spcBef>
+                <a:spcPts val="0"/>
+              </a:spcBef>
+              <a:spcAft>
+                <a:spcPts val="1200"/>
+              </a:spcAft>
+              <a:buNone/>
+            </a:pPr>
+            <a:r>
+              <a:t>Discuss the protein, vitamins, and calories in scrambled eggs. Option to compare with other breakfast choices.</a:t>
+            </a:r>
+            <a:endParaRPr>
+              <a:solidFill>
+                <a:schemeClr val="dk1"/>
+              </a:solidFill>
+            </a:endParaRPr>
+          </a:p>
+        </p:txBody>
+      </p:sp>
+    </p:spTree>
+  </p:cSld>
+  <p:clrMapOvr>
+    <a:masterClrMapping/>
+  </p:clrMapOvr>
+</p:sld>
+</file>
+
+<file path=ppt/slides/slide16.xml><?xml version="1.0" encoding="utf-8"?>
+<p:sld xmlns:a="http://schemas.openxmlformats.org/drawingml/2006/main" xmlns:p="http://schemas.openxmlformats.org/presentationml/2006/main" xmlns:r="http://schemas.openxmlformats.org/officeDocument/2006/relationships">
+  <p:cSld>
+    <p:spTree>
+      <p:nvGrpSpPr>
+        <p:cNvPr id="1" name=""/>
+        <p:cNvGrpSpPr/>
+        <p:nvPr/>
+      </p:nvGrpSpPr>
+      <p:grpSpPr/>
+      <p:sp>
+        <p:nvSpPr>
+          <p:cNvPr id="60" name="Google Shape;60;p14"/>
+          <p:cNvSpPr txBox="1"/>
+          <p:nvPr>
+            <p:ph type="title"/>
+          </p:nvPr>
+        </p:nvSpPr>
+        <p:spPr>
+          <a:xfrm>
+            <a:off x="311700" y="445025"/>
+            <a:ext cx="8520600" cy="572700"/>
+          </a:xfrm>
+          <a:prstGeom prst="rect">
+            <a:avLst/>
+          </a:prstGeom>
+        </p:spPr>
+        <p:txBody>
+          <a:bodyPr anchorCtr="0" anchor="t" bIns="91425" lIns="91425" spcFirstLastPara="1" rIns="91425" wrap="square" tIns="91425">
+            <a:normAutofit fontScale="90000"/>
+          </a:bodyPr>
+          <a:lstStyle/>
+          <a:p>
+            <a:pPr indent="0" lvl="0" marL="0" rtl="0" algn="l">
+              <a:spcBef>
+                <a:spcPts val="0"/>
+              </a:spcBef>
+              <a:spcAft>
+                <a:spcPts val="0"/>
+              </a:spcAft>
+              <a:buNone/>
+            </a:pPr>
+            <a:r>
+              <a:t>Summary</a:t>
+            </a:r>
+            <a:endParaRPr/>
+          </a:p>
+        </p:txBody>
+      </p:sp>
+      <p:sp>
+        <p:nvSpPr>
+          <p:cNvPr id="61" name="Google Shape;61;p14"/>
+          <p:cNvSpPr txBox="1"/>
+          <p:nvPr>
+            <p:ph idx="1" type="body"/>
+          </p:nvPr>
+        </p:nvSpPr>
+        <p:spPr>
+          <a:xfrm>
+            <a:off x="311700" y="1152475"/>
+            <a:ext cx="8520600" cy="3416400"/>
+          </a:xfrm>
+          <a:prstGeom prst="rect">
+            <a:avLst/>
+          </a:prstGeom>
+        </p:spPr>
+        <p:txBody>
+          <a:bodyPr anchorCtr="0" anchor="t" bIns="91425" lIns="91425" spcFirstLastPara="1" rIns="91425" wrap="square" tIns="91425">
+            <a:normAutofit/>
+          </a:bodyPr>
+          <a:lstStyle/>
+          <a:p>
+            <a:pPr indent="0" lvl="0" marL="0" rtl="0" algn="l">
+              <a:spcBef>
+                <a:spcPts val="0"/>
+              </a:spcBef>
+              <a:spcAft>
+                <a:spcPts val="1200"/>
+              </a:spcAft>
+              <a:buNone/>
+            </a:pPr>
+            <a:r>
+              <a:t>A quick recap of the process, tips, and variations in making the perfect scrambled eggs.</a:t>
+            </a:r>
+            <a:endParaRPr>
+              <a:solidFill>
+                <a:schemeClr val="dk1"/>
+              </a:solidFill>
+            </a:endParaRPr>
+          </a:p>
+        </p:txBody>
+      </p:sp>
+    </p:spTree>
+  </p:cSld>
+  <p:clrMapOvr>
+    <a:masterClrMapping/>
+  </p:clrMapOvr>
+</p:sld>
+</file>
+
+<file path=ppt/slides/slide2.xml><?xml version="1.0" encoding="utf-8"?>
+<p:sld xmlns:a="http://schemas.openxmlformats.org/drawingml/2006/main" xmlns:p="http://schemas.openxmlformats.org/presentationml/2006/main" xmlns:r="http://schemas.openxmlformats.org/officeDocument/2006/relationships">
+  <p:cSld>
+    <p:spTree>
+      <p:nvGrpSpPr>
+        <p:cNvPr id="1" name=""/>
+        <p:cNvGrpSpPr/>
+        <p:nvPr/>
+      </p:nvGrpSpPr>
+      <p:grpSpPr/>
+      <p:sp>
+        <p:nvSpPr>
+          <p:cNvPr id="60" name="Google Shape;60;p14"/>
+          <p:cNvSpPr txBox="1"/>
+          <p:nvPr>
+            <p:ph type="title"/>
+          </p:nvPr>
+        </p:nvSpPr>
+        <p:spPr>
+          <a:xfrm>
+            <a:off x="311700" y="445025"/>
+            <a:ext cx="8520600" cy="572700"/>
+          </a:xfrm>
+          <a:prstGeom prst="rect">
+            <a:avLst/>
+          </a:prstGeom>
+        </p:spPr>
+        <p:txBody>
+          <a:bodyPr anchorCtr="0" anchor="t" bIns="91425" lIns="91425" spcFirstLastPara="1" rIns="91425" wrap="square" tIns="91425">
+            <a:normAutofit fontScale="90000"/>
+          </a:bodyPr>
+          <a:lstStyle/>
+          <a:p>
+            <a:pPr indent="0" lvl="0" marL="0" rtl="0" algn="l">
+              <a:spcBef>
+                <a:spcPts val="0"/>
+              </a:spcBef>
+              <a:spcAft>
+                <a:spcPts val="0"/>
+              </a:spcAft>
+              <a:buNone/>
+            </a:pPr>
+            <a:r>
+              <a:t>Objective</a:t>
+            </a:r>
+            <a:endParaRPr/>
+          </a:p>
+        </p:txBody>
+      </p:sp>
+      <p:sp>
+        <p:nvSpPr>
+          <p:cNvPr id="61" name="Google Shape;61;p14"/>
+          <p:cNvSpPr txBox="1"/>
+          <p:nvPr>
+            <p:ph idx="1" type="body"/>
+          </p:nvPr>
+        </p:nvSpPr>
+        <p:spPr>
+          <a:xfrm>
+            <a:off x="311700" y="1152475"/>
+            <a:ext cx="8520600" cy="3416400"/>
+          </a:xfrm>
+          <a:prstGeom prst="rect">
+            <a:avLst/>
+          </a:prstGeom>
+        </p:spPr>
+        <p:txBody>
+          <a:bodyPr anchorCtr="0" anchor="t" bIns="91425" lIns="91425" spcFirstLastPara="1" rIns="91425" wrap="square" tIns="91425">
+            <a:normAutofit/>
+          </a:bodyPr>
+          <a:lstStyle/>
+          <a:p>
+            <a:pPr indent="0" lvl="0" marL="0" rtl="0" algn="l">
+              <a:spcBef>
+                <a:spcPts val="0"/>
+              </a:spcBef>
+              <a:spcAft>
+                <a:spcPts val="1200"/>
+              </a:spcAft>
+              <a:buNone/>
+            </a:pPr>
+            <a:r>
+              <a:t>Understand the ingredients, equipment, and steps needed to cook scrambled eggs. Learn tips and tricks for enhancing flavor and texture.</a:t>
+            </a:r>
+            <a:endParaRPr>
+              <a:solidFill>
+                <a:schemeClr val="dk1"/>
+              </a:solidFill>
+            </a:endParaRPr>
+          </a:p>
+        </p:txBody>
+      </p:sp>
+    </p:spTree>
+  </p:cSld>
+  <p:clrMapOvr>
+    <a:masterClrMapping/>
+  </p:clrMapOvr>
+</p:sld>
+</file>
+
+<file path=ppt/slides/slide3.xml><?xml version="1.0" encoding="utf-8"?>
+<p:sld xmlns:a="http://schemas.openxmlformats.org/drawingml/2006/main" xmlns:p="http://schemas.openxmlformats.org/presentationml/2006/main" xmlns:r="http://schemas.openxmlformats.org/officeDocument/2006/relationships">
+  <p:cSld>
+    <p:spTree>
+      <p:nvGrpSpPr>
+        <p:cNvPr id="1" name=""/>
+        <p:cNvGrpSpPr/>
+        <p:nvPr/>
+      </p:nvGrpSpPr>
+      <p:grpSpPr/>
+      <p:sp>
+        <p:nvSpPr>
+          <p:cNvPr id="60" name="Google Shape;60;p14"/>
+          <p:cNvSpPr txBox="1"/>
+          <p:nvPr>
+            <p:ph type="title"/>
+          </p:nvPr>
+        </p:nvSpPr>
+        <p:spPr>
+          <a:xfrm>
+            <a:off x="311700" y="445025"/>
+            <a:ext cx="8520600" cy="572700"/>
+          </a:xfrm>
+          <a:prstGeom prst="rect">
+            <a:avLst/>
+          </a:prstGeom>
+        </p:spPr>
+        <p:txBody>
+          <a:bodyPr anchorCtr="0" anchor="t" bIns="91425" lIns="91425" spcFirstLastPara="1" rIns="91425" wrap="square" tIns="91425">
+            <a:normAutofit fontScale="90000"/>
+          </a:bodyPr>
+          <a:lstStyle/>
+          <a:p>
+            <a:pPr indent="0" lvl="0" marL="0" rtl="0" algn="l">
+              <a:spcBef>
+                <a:spcPts val="0"/>
+              </a:spcBef>
+              <a:spcAft>
+                <a:spcPts val="0"/>
+              </a:spcAft>
+              <a:buNone/>
+            </a:pPr>
+            <a:r>
+              <a:t>Ingredients</a:t>
+            </a:r>
+            <a:endParaRPr/>
+          </a:p>
+        </p:txBody>
+      </p:sp>
+      <p:sp>
+        <p:nvSpPr>
+          <p:cNvPr id="61" name="Google Shape;61;p14"/>
+          <p:cNvSpPr txBox="1"/>
+          <p:nvPr>
+            <p:ph idx="1" type="body"/>
+          </p:nvPr>
+        </p:nvSpPr>
+        <p:spPr>
+          <a:xfrm>
+            <a:off x="311700" y="1152475"/>
+            <a:ext cx="8520600" cy="3416400"/>
+          </a:xfrm>
+          <a:prstGeom prst="rect">
+            <a:avLst/>
+          </a:prstGeom>
+        </p:spPr>
+        <p:txBody>
+          <a:bodyPr anchorCtr="0" anchor="t" bIns="91425" lIns="91425" spcFirstLastPara="1" rIns="91425" wrap="square" tIns="91425">
+            <a:normAutofit/>
+          </a:bodyPr>
+          <a:lstStyle/>
+          <a:p>
+            <a:pPr indent="0" lvl="0" marL="0" rtl="0" algn="l">
+              <a:spcBef>
+                <a:spcPts val="0"/>
+              </a:spcBef>
+              <a:spcAft>
+                <a:spcPts val="1200"/>
+              </a:spcAft>
+              <a:buNone/>
+            </a:pPr>
+            <a:r>
+              <a:t>Eggs, Salt, Butter, Optional add-ins such as cheese, herbs, and milk.</a:t>
+            </a:r>
+            <a:endParaRPr>
+              <a:solidFill>
+                <a:schemeClr val="dk1"/>
+              </a:solidFill>
+            </a:endParaRPr>
+          </a:p>
+        </p:txBody>
+      </p:sp>
+    </p:spTree>
+  </p:cSld>
+  <p:clrMapOvr>
+    <a:masterClrMapping/>
+  </p:clrMapOvr>
+</p:sld>
+</file>
+
+<file path=ppt/slides/slide4.xml><?xml version="1.0" encoding="utf-8"?>
+<p:sld xmlns:a="http://schemas.openxmlformats.org/drawingml/2006/main" xmlns:p="http://schemas.openxmlformats.org/presentationml/2006/main" xmlns:r="http://schemas.openxmlformats.org/officeDocument/2006/relationships">
+  <p:cSld>
+    <p:spTree>
+      <p:nvGrpSpPr>
+        <p:cNvPr id="1" name=""/>
+        <p:cNvGrpSpPr/>
+        <p:nvPr/>
+      </p:nvGrpSpPr>
+      <p:grpSpPr/>
+      <p:sp>
+        <p:nvSpPr>
+          <p:cNvPr id="60" name="Google Shape;60;p14"/>
+          <p:cNvSpPr txBox="1"/>
+          <p:nvPr>
+            <p:ph type="title"/>
+          </p:nvPr>
+        </p:nvSpPr>
+        <p:spPr>
+          <a:xfrm>
+            <a:off x="311700" y="445025"/>
+            <a:ext cx="8520600" cy="572700"/>
+          </a:xfrm>
+          <a:prstGeom prst="rect">
+            <a:avLst/>
+          </a:prstGeom>
+        </p:spPr>
+        <p:txBody>
+          <a:bodyPr anchorCtr="0" anchor="t" bIns="91425" lIns="91425" spcFirstLastPara="1" rIns="91425" wrap="square" tIns="91425">
+            <a:normAutofit fontScale="90000"/>
+          </a:bodyPr>
+          <a:lstStyle/>
+          <a:p>
+            <a:pPr indent="0" lvl="0" marL="0" rtl="0" algn="l">
+              <a:spcBef>
+                <a:spcPts val="0"/>
+              </a:spcBef>
+              <a:spcAft>
+                <a:spcPts val="0"/>
+              </a:spcAft>
+              <a:buNone/>
+            </a:pPr>
+            <a:r>
+              <a:t>Equipment</a:t>
+            </a:r>
+            <a:endParaRPr/>
+          </a:p>
+        </p:txBody>
+      </p:sp>
+      <p:sp>
+        <p:nvSpPr>
+          <p:cNvPr id="61" name="Google Shape;61;p14"/>
+          <p:cNvSpPr txBox="1"/>
+          <p:nvPr>
+            <p:ph idx="1" type="body"/>
+          </p:nvPr>
+        </p:nvSpPr>
+        <p:spPr>
+          <a:xfrm>
+            <a:off x="311700" y="1152475"/>
+            <a:ext cx="8520600" cy="3416400"/>
+          </a:xfrm>
+          <a:prstGeom prst="rect">
+            <a:avLst/>
+          </a:prstGeom>
+        </p:spPr>
+        <p:txBody>
+          <a:bodyPr anchorCtr="0" anchor="t" bIns="91425" lIns="91425" spcFirstLastPara="1" rIns="91425" wrap="square" tIns="91425">
+            <a:normAutofit/>
+          </a:bodyPr>
+          <a:lstStyle/>
+          <a:p>
+            <a:pPr indent="0" lvl="0" marL="0" rtl="0" algn="l">
+              <a:spcBef>
+                <a:spcPts val="0"/>
+              </a:spcBef>
+              <a:spcAft>
+                <a:spcPts val="1200"/>
+              </a:spcAft>
+              <a:buNone/>
+            </a:pPr>
+            <a:r>
+              <a:t>Non-stick frying pan, whisk or fork, spatula, mixing bowl.</a:t>
+            </a:r>
+            <a:endParaRPr>
+              <a:solidFill>
+                <a:schemeClr val="dk1"/>
+              </a:solidFill>
+            </a:endParaRPr>
+          </a:p>
+        </p:txBody>
+      </p:sp>
+    </p:spTree>
+  </p:cSld>
+  <p:clrMapOvr>
+    <a:masterClrMapping/>
+  </p:clrMapOvr>
+</p:sld>
+</file>
+
+<file path=ppt/slides/slide5.xml><?xml version="1.0" encoding="utf-8"?>
+<p:sld xmlns:a="http://schemas.openxmlformats.org/drawingml/2006/main" xmlns:p="http://schemas.openxmlformats.org/presentationml/2006/main" xmlns:r="http://schemas.openxmlformats.org/officeDocument/2006/relationships">
+  <p:cSld>
+    <p:spTree>
+      <p:nvGrpSpPr>
+        <p:cNvPr id="1" name=""/>
+        <p:cNvGrpSpPr/>
+        <p:nvPr/>
+      </p:nvGrpSpPr>
+      <p:grpSpPr/>
+      <p:sp>
+        <p:nvSpPr>
+          <p:cNvPr id="60" name="Google Shape;60;p14"/>
+          <p:cNvSpPr txBox="1"/>
+          <p:nvPr>
+            <p:ph type="title"/>
+          </p:nvPr>
+        </p:nvSpPr>
+        <p:spPr>
+          <a:xfrm>
+            <a:off x="311700" y="445025"/>
+            <a:ext cx="8520600" cy="572700"/>
+          </a:xfrm>
+          <a:prstGeom prst="rect">
+            <a:avLst/>
+          </a:prstGeom>
+        </p:spPr>
+        <p:txBody>
+          <a:bodyPr anchorCtr="0" anchor="t" bIns="91425" lIns="91425" spcFirstLastPara="1" rIns="91425" wrap="square" tIns="91425">
+            <a:normAutofit fontScale="90000"/>
+          </a:bodyPr>
+          <a:lstStyle/>
+          <a:p>
+            <a:pPr indent="0" lvl="0" marL="0" rtl="0" algn="l">
+              <a:spcBef>
+                <a:spcPts val="0"/>
+              </a:spcBef>
+              <a:spcAft>
+                <a:spcPts val="0"/>
+              </a:spcAft>
+              <a:buNone/>
+            </a:pPr>
+            <a:r>
+              <a:t>Procedure Overview</a:t>
+            </a:r>
+            <a:endParaRPr/>
+          </a:p>
+        </p:txBody>
+      </p:sp>
+      <p:sp>
+        <p:nvSpPr>
+          <p:cNvPr id="61" name="Google Shape;61;p14"/>
+          <p:cNvSpPr txBox="1"/>
+          <p:nvPr>
+            <p:ph idx="1" type="body"/>
+          </p:nvPr>
+        </p:nvSpPr>
+        <p:spPr>
+          <a:xfrm>
+            <a:off x="311700" y="1152475"/>
+            <a:ext cx="8520600" cy="3416400"/>
+          </a:xfrm>
+          <a:prstGeom prst="rect">
+            <a:avLst/>
+          </a:prstGeom>
+        </p:spPr>
+        <p:txBody>
+          <a:bodyPr anchorCtr="0" anchor="t" bIns="91425" lIns="91425" spcFirstLastPara="1" rIns="91425" wrap="square" tIns="91425">
+            <a:normAutofit/>
+          </a:bodyPr>
+          <a:lstStyle/>
+          <a:p>
+            <a:pPr indent="0" lvl="0" marL="0" rtl="0" algn="l">
+              <a:spcBef>
+                <a:spcPts val="0"/>
+              </a:spcBef>
+              <a:spcAft>
+                <a:spcPts val="1200"/>
+              </a:spcAft>
+              <a:buNone/>
+            </a:pPr>
+            <a:r>
+              <a:t>Brief overview of steps: Beat eggs, heat pan, cook with constant stirring, remove when slightly underdone.</a:t>
+            </a:r>
+            <a:endParaRPr>
+              <a:solidFill>
+                <a:schemeClr val="dk1"/>
+              </a:solidFill>
+            </a:endParaRPr>
+          </a:p>
+        </p:txBody>
+      </p:sp>
+    </p:spTree>
+  </p:cSld>
+  <p:clrMapOvr>
+    <a:masterClrMapping/>
+  </p:clrMapOvr>
+</p:sld>
+</file>
+
+<file path=ppt/slides/slide6.xml><?xml version="1.0" encoding="utf-8"?>
+<p:sld xmlns:a="http://schemas.openxmlformats.org/drawingml/2006/main" xmlns:p="http://schemas.openxmlformats.org/presentationml/2006/main" xmlns:r="http://schemas.openxmlformats.org/officeDocument/2006/relationships">
+  <p:cSld>
+    <p:spTree>
+      <p:nvGrpSpPr>
+        <p:cNvPr id="1" name=""/>
+        <p:cNvGrpSpPr/>
+        <p:nvPr/>
+      </p:nvGrpSpPr>
+      <p:grpSpPr/>
+      <p:sp>
+        <p:nvSpPr>
+          <p:cNvPr id="60" name="Google Shape;60;p14"/>
+          <p:cNvSpPr txBox="1"/>
+          <p:nvPr>
+            <p:ph type="title"/>
+          </p:nvPr>
+        </p:nvSpPr>
+        <p:spPr>
+          <a:xfrm>
+            <a:off x="311700" y="445025"/>
+            <a:ext cx="8520600" cy="572700"/>
+          </a:xfrm>
+          <a:prstGeom prst="rect">
+            <a:avLst/>
+          </a:prstGeom>
+        </p:spPr>
+        <p:txBody>
+          <a:bodyPr anchorCtr="0" anchor="t" bIns="91425" lIns="91425" spcFirstLastPara="1" rIns="91425" wrap="square" tIns="91425">
+            <a:normAutofit fontScale="90000"/>
+          </a:bodyPr>
+          <a:lstStyle/>
+          <a:p>
+            <a:pPr indent="0" lvl="0" marL="0" rtl="0" algn="l">
+              <a:spcBef>
+                <a:spcPts val="0"/>
+              </a:spcBef>
+              <a:spcAft>
+                <a:spcPts val="0"/>
+              </a:spcAft>
+              <a:buNone/>
+            </a:pPr>
+            <a:r>
+              <a:t>Step 1: Beating the Eggs</a:t>
+            </a:r>
+            <a:endParaRPr/>
+          </a:p>
+        </p:txBody>
+      </p:sp>
+      <p:sp>
+        <p:nvSpPr>
+          <p:cNvPr id="61" name="Google Shape;61;p14"/>
+          <p:cNvSpPr txBox="1"/>
+          <p:nvPr>
+            <p:ph idx="1" type="body"/>
+          </p:nvPr>
+        </p:nvSpPr>
+        <p:spPr>
+          <a:xfrm>
+            <a:off x="311700" y="1152475"/>
+            <a:ext cx="8520600" cy="3416400"/>
+          </a:xfrm>
+          <a:prstGeom prst="rect">
+            <a:avLst/>
+          </a:prstGeom>
+        </p:spPr>
+        <p:txBody>
+          <a:bodyPr anchorCtr="0" anchor="t" bIns="91425" lIns="91425" spcFirstLastPara="1" rIns="91425" wrap="square" tIns="91425">
+            <a:normAutofit/>
+          </a:bodyPr>
+          <a:lstStyle/>
+          <a:p>
+            <a:pPr indent="0" lvl="0" marL="0" rtl="0" algn="l">
+              <a:spcBef>
+                <a:spcPts val="0"/>
+              </a:spcBef>
+              <a:spcAft>
+                <a:spcPts val="1200"/>
+              </a:spcAft>
+              <a:buNone/>
+            </a:pPr>
+            <a:r>
+              <a:t>Break the eggs into a bowl. Season with salt. Whisk until fully blended</a:t>
+            </a:r>
+            <a:endParaRPr>
+              <a:solidFill>
+                <a:schemeClr val="dk1"/>
+              </a:solidFill>
+            </a:endParaRPr>
+          </a:p>
+        </p:txBody>
+      </p:sp>
+    </p:spTree>
+  </p:cSld>
+  <p:clrMapOvr>
+    <a:masterClrMapping/>
+  </p:clrMapOvr>
+</p:sld>
+</file>
+
+<file path=ppt/slides/slide7.xml><?xml version="1.0" encoding="utf-8"?>
+<p:sld xmlns:a="http://schemas.openxmlformats.org/drawingml/2006/main" xmlns:p="http://schemas.openxmlformats.org/presentationml/2006/main" xmlns:r="http://schemas.openxmlformats.org/officeDocument/2006/relationships">
+  <p:cSld>
+    <p:spTree>
+      <p:nvGrpSpPr>
+        <p:cNvPr id="1" name=""/>
+        <p:cNvGrpSpPr/>
+        <p:nvPr/>
+      </p:nvGrpSpPr>
+      <p:grpSpPr/>
+      <p:sp>
+        <p:nvSpPr>
+          <p:cNvPr id="60" name="Google Shape;60;p14"/>
+          <p:cNvSpPr txBox="1"/>
+          <p:nvPr>
+            <p:ph type="title"/>
+          </p:nvPr>
+        </p:nvSpPr>
+        <p:spPr>
+          <a:xfrm>
+            <a:off x="311700" y="445025"/>
+            <a:ext cx="8520600" cy="572700"/>
+          </a:xfrm>
+          <a:prstGeom prst="rect">
+            <a:avLst/>
+          </a:prstGeom>
+        </p:spPr>
+        <p:txBody>
+          <a:bodyPr anchorCtr="0" anchor="t" bIns="91425" lIns="91425" spcFirstLastPara="1" rIns="91425" wrap="square" tIns="91425">
+            <a:normAutofit fontScale="90000"/>
+          </a:bodyPr>
+          <a:lstStyle/>
+          <a:p>
+            <a:pPr indent="0" lvl="0" marL="0" rtl="0" algn="l">
+              <a:spcBef>
+                <a:spcPts val="0"/>
+              </a:spcBef>
+              <a:spcAft>
+                <a:spcPts val="0"/>
+              </a:spcAft>
+              <a:buNone/>
+            </a:pPr>
+            <a:r>
+              <a:t>Step 2: Prepping the Pan</a:t>
+            </a:r>
+            <a:endParaRPr/>
+          </a:p>
+        </p:txBody>
+      </p:sp>
+      <p:sp>
+        <p:nvSpPr>
+          <p:cNvPr id="61" name="Google Shape;61;p14"/>
+          <p:cNvSpPr txBox="1"/>
+          <p:nvPr>
+            <p:ph idx="1" type="body"/>
+          </p:nvPr>
+        </p:nvSpPr>
+        <p:spPr>
+          <a:xfrm>
+            <a:off x="311700" y="1152475"/>
+            <a:ext cx="8520600" cy="3416400"/>
+          </a:xfrm>
+          <a:prstGeom prst="rect">
+            <a:avLst/>
+          </a:prstGeom>
+        </p:spPr>
+        <p:txBody>
+          <a:bodyPr anchorCtr="0" anchor="t" bIns="91425" lIns="91425" spcFirstLastPara="1" rIns="91425" wrap="square" tIns="91425">
+            <a:normAutofit/>
+          </a:bodyPr>
+          <a:lstStyle/>
+          <a:p>
+            <a:pPr indent="0" lvl="0" marL="0" rtl="0" algn="l">
+              <a:spcBef>
+                <a:spcPts val="0"/>
+              </a:spcBef>
+              <a:spcAft>
+                <a:spcPts val="1200"/>
+              </a:spcAft>
+              <a:buNone/>
+            </a:pPr>
+            <a:r>
+              <a:t>Heat the non-stick pan over medium-low heat. Add butter and let it melt.</a:t>
+            </a:r>
+            <a:endParaRPr>
+              <a:solidFill>
+                <a:schemeClr val="dk1"/>
+              </a:solidFill>
+            </a:endParaRPr>
+          </a:p>
+        </p:txBody>
+      </p:sp>
+    </p:spTree>
+  </p:cSld>
+  <p:clrMapOvr>
+    <a:masterClrMapping/>
+  </p:clrMapOvr>
+</p:sld>
+</file>
+
+<file path=ppt/slides/slide8.xml><?xml version="1.0" encoding="utf-8"?>
+<p:sld xmlns:a="http://schemas.openxmlformats.org/drawingml/2006/main" xmlns:p="http://schemas.openxmlformats.org/presentationml/2006/main" xmlns:r="http://schemas.openxmlformats.org/officeDocument/2006/relationships">
+  <p:cSld>
+    <p:spTree>
+      <p:nvGrpSpPr>
+        <p:cNvPr id="1" name=""/>
+        <p:cNvGrpSpPr/>
+        <p:nvPr/>
+      </p:nvGrpSpPr>
+      <p:grpSpPr/>
+      <p:sp>
+        <p:nvSpPr>
+          <p:cNvPr id="60" name="Google Shape;60;p14"/>
+          <p:cNvSpPr txBox="1"/>
+          <p:nvPr>
+            <p:ph type="title"/>
+          </p:nvPr>
+        </p:nvSpPr>
+        <p:spPr>
+          <a:xfrm>
+            <a:off x="311700" y="445025"/>
+            <a:ext cx="8520600" cy="572700"/>
+          </a:xfrm>
+          <a:prstGeom prst="rect">
+            <a:avLst/>
+          </a:prstGeom>
+        </p:spPr>
+        <p:txBody>
+          <a:bodyPr anchorCtr="0" anchor="t" bIns="91425" lIns="91425" spcFirstLastPara="1" rIns="91425" wrap="square" tIns="91425">
+            <a:normAutofit fontScale="90000"/>
+          </a:bodyPr>
+          <a:lstStyle/>
+          <a:p>
+            <a:pPr indent="0" lvl="0" marL="0" rtl="0" algn="l">
+              <a:spcBef>
+                <a:spcPts val="0"/>
+              </a:spcBef>
+              <a:spcAft>
+                <a:spcPts val="0"/>
+              </a:spcAft>
+              <a:buNone/>
+            </a:pPr>
+            <a:r>
+              <a:t>Step 3: Cooking the Eggs</a:t>
+            </a:r>
+            <a:endParaRPr/>
+          </a:p>
+        </p:txBody>
+      </p:sp>
+      <p:sp>
+        <p:nvSpPr>
+          <p:cNvPr id="61" name="Google Shape;61;p14"/>
+          <p:cNvSpPr txBox="1"/>
+          <p:nvPr>
+            <p:ph idx="1" type="body"/>
+          </p:nvPr>
+        </p:nvSpPr>
+        <p:spPr>
+          <a:xfrm>
+            <a:off x="311700" y="1152475"/>
+            <a:ext cx="8520600" cy="3416400"/>
+          </a:xfrm>
+          <a:prstGeom prst="rect">
+            <a:avLst/>
+          </a:prstGeom>
+        </p:spPr>
+        <p:txBody>
+          <a:bodyPr anchorCtr="0" anchor="t" bIns="91425" lIns="91425" spcFirstLastPara="1" rIns="91425" wrap="square" tIns="91425">
+            <a:normAutofit/>
+          </a:bodyPr>
+          <a:lstStyle/>
+          <a:p>
+            <a:pPr indent="0" lvl="0" marL="0" rtl="0" algn="l">
+              <a:spcBef>
+                <a:spcPts val="0"/>
+              </a:spcBef>
+              <a:spcAft>
+                <a:spcPts val="1200"/>
+              </a:spcAft>
+              <a:buNone/>
+            </a:pPr>
+            <a:r>
+              <a:t>Pour the beaten eggs into the pan. Gently stir with a spatula, scraping the bottom and sides.</a:t>
+            </a:r>
+            <a:endParaRPr>
+              <a:solidFill>
+                <a:schemeClr val="dk1"/>
+              </a:solidFill>
+            </a:endParaRPr>
+          </a:p>
+        </p:txBody>
+      </p:sp>
+    </p:spTree>
+  </p:cSld>
+  <p:clrMapOvr>
+    <a:masterClrMapping/>
+  </p:clrMapOvr>
+</p:sld>
+</file>
+
+<file path=ppt/slides/slide9.xml><?xml version="1.0" encoding="utf-8"?>
+<p:sld xmlns:a="http://schemas.openxmlformats.org/drawingml/2006/main" xmlns:p="http://schemas.openxmlformats.org/presentationml/2006/main" xmlns:r="http://schemas.openxmlformats.org/officeDocument/2006/relationships">
+  <p:cSld>
+    <p:spTree>
+      <p:nvGrpSpPr>
+        <p:cNvPr id="1" name=""/>
+        <p:cNvGrpSpPr/>
+        <p:nvPr/>
+      </p:nvGrpSpPr>
+      <p:grpSpPr/>
+      <p:sp>
+        <p:nvSpPr>
+          <p:cNvPr id="60" name="Google Shape;60;p14"/>
+          <p:cNvSpPr txBox="1"/>
+          <p:nvPr>
+            <p:ph type="title"/>
+          </p:nvPr>
+        </p:nvSpPr>
+        <p:spPr>
+          <a:xfrm>
+            <a:off x="311700" y="445025"/>
+            <a:ext cx="8520600" cy="572700"/>
+          </a:xfrm>
+          <a:prstGeom prst="rect">
+            <a:avLst/>
+          </a:prstGeom>
+        </p:spPr>
+        <p:txBody>
+          <a:bodyPr anchorCtr="0" anchor="t" bIns="91425" lIns="91425" spcFirstLastPara="1" rIns="91425" wrap="square" tIns="91425">
+            <a:normAutofit fontScale="90000"/>
+          </a:bodyPr>
+          <a:lstStyle/>
+          <a:p>
+            <a:pPr indent="0" lvl="0" marL="0" rtl="0" algn="l">
+              <a:spcBef>
+                <a:spcPts val="0"/>
+              </a:spcBef>
+              <a:spcAft>
+                <a:spcPts val="0"/>
+              </a:spcAft>
+              <a:buNone/>
+            </a:pPr>
+            <a:r>
+              <a:t>Step 4: Soft Scramble</a:t>
+            </a:r>
+            <a:endParaRPr/>
+          </a:p>
+        </p:txBody>
+      </p:sp>
+      <p:sp>
+        <p:nvSpPr>
+          <p:cNvPr id="61" name="Google Shape;61;p14"/>
+          <p:cNvSpPr txBox="1"/>
+          <p:nvPr>
+            <p:ph idx="1" type="body"/>
+          </p:nvPr>
+        </p:nvSpPr>
+        <p:spPr>
+          <a:xfrm>
+            <a:off x="311700" y="1152475"/>
+            <a:ext cx="8520600" cy="3416400"/>
+          </a:xfrm>
+          <a:prstGeom prst="rect">
+            <a:avLst/>
+          </a:prstGeom>
+        </p:spPr>
+        <p:txBody>
+          <a:bodyPr anchorCtr="0" anchor="t" bIns="91425" lIns="91425" spcFirstLastPara="1" rIns="91425" wrap="square" tIns="91425">
+            <a:normAutofit/>
+          </a:bodyPr>
+          <a:lstStyle/>
+          <a:p>
+            <a:pPr indent="0" lvl="0" marL="0" rtl="0" algn="l">
+              <a:spcBef>
+                <a:spcPts val="0"/>
+              </a:spcBef>
+              <a:spcAft>
+                <a:spcPts val="1200"/>
+              </a:spcAft>
+              <a:buNone/>
+            </a:pPr>
+            <a:r>
+              <a:t>Continue to stir, allowing the eggs to form soft curds. Avoid overcooking.</a:t>
             </a:r>
             <a:endParaRPr>
               <a:solidFill>

--- a/cool.pptx
+++ b/cool.pptx
@@ -16,11 +16,6 @@
     <p:sldId id="264" r:id="rId15"/>
     <p:sldId id="265" r:id="rId16"/>
     <p:sldId id="266" r:id="rId17"/>
-    <p:sldId id="267" r:id="rId18"/>
-    <p:sldId id="268" r:id="rId19"/>
-    <p:sldId id="269" r:id="rId20"/>
-    <p:sldId id="270" r:id="rId21"/>
-    <p:sldId id="271" r:id="rId22"/>
   </p:sldIdLst>
   <p:sldSz cx="9144000" cy="5143500" type="screen4x3"/>
   <p:notesSz cx="6858000" cy="9144000"/>
@@ -3136,7 +3131,7 @@
               <a:buNone/>
             </a:pPr>
             <a:r>
-              <a:t>How to Cook the Perfect Scrambled Eggs</a:t>
+              <a:t>Mastering the AK-47</a:t>
             </a:r>
             <a:endParaRPr/>
           </a:p>
@@ -3175,7 +3170,7 @@
               <a:buNone/>
             </a:pPr>
             <a:r>
-              <a:t>Mastering the Art of Breakfast</a:t>
+              <a:t>Improve Your Aiming in Counter-Strike</a:t>
             </a:r>
             <a:endParaRPr>
               <a:solidFill>
@@ -3236,7 +3231,7 @@
               <a:buNone/>
             </a:pPr>
             <a:r>
-              <a:t>Step 5: Finishing Up</a:t>
+              <a:t>Resources for Further Improvement</a:t>
             </a:r>
             <a:endParaRPr/>
           </a:p>
@@ -3275,7 +3270,7 @@
               <a:buNone/>
             </a:pPr>
             <a:r>
-              <a:t>Remove the pan from heat when eggs are still slightly runny. They will continue to cook from residual heat.</a:t>
+              <a:t>Guides, tutorials, and tools for continuous learning and practice.</a:t>
             </a:r>
             <a:endParaRPr>
               <a:solidFill>
@@ -3336,7 +3331,7 @@
               <a:buNone/>
             </a:pPr>
             <a:r>
-              <a:t>Step 6: Serving</a:t>
+              <a:t>Conclusion and Encouragement</a:t>
             </a:r>
             <a:endParaRPr/>
           </a:p>
@@ -3375,507 +3370,7 @@
               <a:buNone/>
             </a:pPr>
             <a:r>
-              <a:t>Transfer the scrambled eggs to a plate. Serve immediately for the best taste and texture.</a:t>
-            </a:r>
-            <a:endParaRPr>
-              <a:solidFill>
-                <a:schemeClr val="dk1"/>
-              </a:solidFill>
-            </a:endParaRPr>
-          </a:p>
-        </p:txBody>
-      </p:sp>
-    </p:spTree>
-  </p:cSld>
-  <p:clrMapOvr>
-    <a:masterClrMapping/>
-  </p:clrMapOvr>
-</p:sld>
-</file>
-
-<file path=ppt/slides/slide12.xml><?xml version="1.0" encoding="utf-8"?>
-<p:sld xmlns:a="http://schemas.openxmlformats.org/drawingml/2006/main" xmlns:p="http://schemas.openxmlformats.org/presentationml/2006/main" xmlns:r="http://schemas.openxmlformats.org/officeDocument/2006/relationships">
-  <p:cSld>
-    <p:spTree>
-      <p:nvGrpSpPr>
-        <p:cNvPr id="1" name=""/>
-        <p:cNvGrpSpPr/>
-        <p:nvPr/>
-      </p:nvGrpSpPr>
-      <p:grpSpPr/>
-      <p:sp>
-        <p:nvSpPr>
-          <p:cNvPr id="60" name="Google Shape;60;p14"/>
-          <p:cNvSpPr txBox="1"/>
-          <p:nvPr>
-            <p:ph type="title"/>
-          </p:nvPr>
-        </p:nvSpPr>
-        <p:spPr>
-          <a:xfrm>
-            <a:off x="311700" y="445025"/>
-            <a:ext cx="8520600" cy="572700"/>
-          </a:xfrm>
-          <a:prstGeom prst="rect">
-            <a:avLst/>
-          </a:prstGeom>
-        </p:spPr>
-        <p:txBody>
-          <a:bodyPr anchorCtr="0" anchor="t" bIns="91425" lIns="91425" spcFirstLastPara="1" rIns="91425" wrap="square" tIns="91425">
-            <a:normAutofit fontScale="90000"/>
-          </a:bodyPr>
-          <a:lstStyle/>
-          <a:p>
-            <a:pPr indent="0" lvl="0" marL="0" rtl="0" algn="l">
-              <a:spcBef>
-                <a:spcPts val="0"/>
-              </a:spcBef>
-              <a:spcAft>
-                <a:spcPts val="0"/>
-              </a:spcAft>
-              <a:buNone/>
-            </a:pPr>
-            <a:r>
-              <a:t>Tips and Tricks</a:t>
-            </a:r>
-            <a:endParaRPr/>
-          </a:p>
-        </p:txBody>
-      </p:sp>
-      <p:sp>
-        <p:nvSpPr>
-          <p:cNvPr id="61" name="Google Shape;61;p14"/>
-          <p:cNvSpPr txBox="1"/>
-          <p:nvPr>
-            <p:ph idx="1" type="body"/>
-          </p:nvPr>
-        </p:nvSpPr>
-        <p:spPr>
-          <a:xfrm>
-            <a:off x="311700" y="1152475"/>
-            <a:ext cx="8520600" cy="3416400"/>
-          </a:xfrm>
-          <a:prstGeom prst="rect">
-            <a:avLst/>
-          </a:prstGeom>
-        </p:spPr>
-        <p:txBody>
-          <a:bodyPr anchorCtr="0" anchor="t" bIns="91425" lIns="91425" spcFirstLastPara="1" rIns="91425" wrap="square" tIns="91425">
-            <a:normAutofit/>
-          </a:bodyPr>
-          <a:lstStyle/>
-          <a:p>
-            <a:pPr indent="0" lvl="0" marL="0" rtl="0" algn="l">
-              <a:spcBef>
-                <a:spcPts val="0"/>
-              </a:spcBef>
-              <a:spcAft>
-                <a:spcPts val="1200"/>
-              </a:spcAft>
-              <a:buNone/>
-            </a:pPr>
-            <a:r>
-              <a:t>Use fresh eggs, whisk vigorously for airiness, cook on low heat, and don't stir too frequently.</a:t>
-            </a:r>
-            <a:endParaRPr>
-              <a:solidFill>
-                <a:schemeClr val="dk1"/>
-              </a:solidFill>
-            </a:endParaRPr>
-          </a:p>
-        </p:txBody>
-      </p:sp>
-    </p:spTree>
-  </p:cSld>
-  <p:clrMapOvr>
-    <a:masterClrMapping/>
-  </p:clrMapOvr>
-</p:sld>
-</file>
-
-<file path=ppt/slides/slide13.xml><?xml version="1.0" encoding="utf-8"?>
-<p:sld xmlns:a="http://schemas.openxmlformats.org/drawingml/2006/main" xmlns:p="http://schemas.openxmlformats.org/presentationml/2006/main" xmlns:r="http://schemas.openxmlformats.org/officeDocument/2006/relationships">
-  <p:cSld>
-    <p:spTree>
-      <p:nvGrpSpPr>
-        <p:cNvPr id="1" name=""/>
-        <p:cNvGrpSpPr/>
-        <p:nvPr/>
-      </p:nvGrpSpPr>
-      <p:grpSpPr/>
-      <p:sp>
-        <p:nvSpPr>
-          <p:cNvPr id="60" name="Google Shape;60;p14"/>
-          <p:cNvSpPr txBox="1"/>
-          <p:nvPr>
-            <p:ph type="title"/>
-          </p:nvPr>
-        </p:nvSpPr>
-        <p:spPr>
-          <a:xfrm>
-            <a:off x="311700" y="445025"/>
-            <a:ext cx="8520600" cy="572700"/>
-          </a:xfrm>
-          <a:prstGeom prst="rect">
-            <a:avLst/>
-          </a:prstGeom>
-        </p:spPr>
-        <p:txBody>
-          <a:bodyPr anchorCtr="0" anchor="t" bIns="91425" lIns="91425" spcFirstLastPara="1" rIns="91425" wrap="square" tIns="91425">
-            <a:normAutofit fontScale="90000"/>
-          </a:bodyPr>
-          <a:lstStyle/>
-          <a:p>
-            <a:pPr indent="0" lvl="0" marL="0" rtl="0" algn="l">
-              <a:spcBef>
-                <a:spcPts val="0"/>
-              </a:spcBef>
-              <a:spcAft>
-                <a:spcPts val="0"/>
-              </a:spcAft>
-              <a:buNone/>
-            </a:pPr>
-            <a:r>
-              <a:t>Common Mistakes</a:t>
-            </a:r>
-            <a:endParaRPr/>
-          </a:p>
-        </p:txBody>
-      </p:sp>
-      <p:sp>
-        <p:nvSpPr>
-          <p:cNvPr id="61" name="Google Shape;61;p14"/>
-          <p:cNvSpPr txBox="1"/>
-          <p:nvPr>
-            <p:ph idx="1" type="body"/>
-          </p:nvPr>
-        </p:nvSpPr>
-        <p:spPr>
-          <a:xfrm>
-            <a:off x="311700" y="1152475"/>
-            <a:ext cx="8520600" cy="3416400"/>
-          </a:xfrm>
-          <a:prstGeom prst="rect">
-            <a:avLst/>
-          </a:prstGeom>
-        </p:spPr>
-        <p:txBody>
-          <a:bodyPr anchorCtr="0" anchor="t" bIns="91425" lIns="91425" spcFirstLastPara="1" rIns="91425" wrap="square" tIns="91425">
-            <a:normAutofit/>
-          </a:bodyPr>
-          <a:lstStyle/>
-          <a:p>
-            <a:pPr indent="0" lvl="0" marL="0" rtl="0" algn="l">
-              <a:spcBef>
-                <a:spcPts val="0"/>
-              </a:spcBef>
-              <a:spcAft>
-                <a:spcPts val="1200"/>
-              </a:spcAft>
-              <a:buNone/>
-            </a:pPr>
-            <a:r>
-              <a:t>Overbeating the eggs, using high heat, overcooking, and not using butter.</a:t>
-            </a:r>
-            <a:endParaRPr>
-              <a:solidFill>
-                <a:schemeClr val="dk1"/>
-              </a:solidFill>
-            </a:endParaRPr>
-          </a:p>
-        </p:txBody>
-      </p:sp>
-    </p:spTree>
-  </p:cSld>
-  <p:clrMapOvr>
-    <a:masterClrMapping/>
-  </p:clrMapOvr>
-</p:sld>
-</file>
-
-<file path=ppt/slides/slide14.xml><?xml version="1.0" encoding="utf-8"?>
-<p:sld xmlns:a="http://schemas.openxmlformats.org/drawingml/2006/main" xmlns:p="http://schemas.openxmlformats.org/presentationml/2006/main" xmlns:r="http://schemas.openxmlformats.org/officeDocument/2006/relationships">
-  <p:cSld>
-    <p:spTree>
-      <p:nvGrpSpPr>
-        <p:cNvPr id="1" name=""/>
-        <p:cNvGrpSpPr/>
-        <p:nvPr/>
-      </p:nvGrpSpPr>
-      <p:grpSpPr/>
-      <p:sp>
-        <p:nvSpPr>
-          <p:cNvPr id="60" name="Google Shape;60;p14"/>
-          <p:cNvSpPr txBox="1"/>
-          <p:nvPr>
-            <p:ph type="title"/>
-          </p:nvPr>
-        </p:nvSpPr>
-        <p:spPr>
-          <a:xfrm>
-            <a:off x="311700" y="445025"/>
-            <a:ext cx="8520600" cy="572700"/>
-          </a:xfrm>
-          <a:prstGeom prst="rect">
-            <a:avLst/>
-          </a:prstGeom>
-        </p:spPr>
-        <p:txBody>
-          <a:bodyPr anchorCtr="0" anchor="t" bIns="91425" lIns="91425" spcFirstLastPara="1" rIns="91425" wrap="square" tIns="91425">
-            <a:normAutofit fontScale="90000"/>
-          </a:bodyPr>
-          <a:lstStyle/>
-          <a:p>
-            <a:pPr indent="0" lvl="0" marL="0" rtl="0" algn="l">
-              <a:spcBef>
-                <a:spcPts val="0"/>
-              </a:spcBef>
-              <a:spcAft>
-                <a:spcPts val="0"/>
-              </a:spcAft>
-              <a:buNone/>
-            </a:pPr>
-            <a:r>
-              <a:t>Variations</a:t>
-            </a:r>
-            <a:endParaRPr/>
-          </a:p>
-        </p:txBody>
-      </p:sp>
-      <p:sp>
-        <p:nvSpPr>
-          <p:cNvPr id="61" name="Google Shape;61;p14"/>
-          <p:cNvSpPr txBox="1"/>
-          <p:nvPr>
-            <p:ph idx="1" type="body"/>
-          </p:nvPr>
-        </p:nvSpPr>
-        <p:spPr>
-          <a:xfrm>
-            <a:off x="311700" y="1152475"/>
-            <a:ext cx="8520600" cy="3416400"/>
-          </a:xfrm>
-          <a:prstGeom prst="rect">
-            <a:avLst/>
-          </a:prstGeom>
-        </p:spPr>
-        <p:txBody>
-          <a:bodyPr anchorCtr="0" anchor="t" bIns="91425" lIns="91425" spcFirstLastPara="1" rIns="91425" wrap="square" tIns="91425">
-            <a:normAutofit/>
-          </a:bodyPr>
-          <a:lstStyle/>
-          <a:p>
-            <a:pPr indent="0" lvl="0" marL="0" rtl="0" algn="l">
-              <a:spcBef>
-                <a:spcPts val="0"/>
-              </a:spcBef>
-              <a:spcAft>
-                <a:spcPts val="1200"/>
-              </a:spcAft>
-              <a:buNone/>
-            </a:pPr>
-            <a:r>
-              <a:t>Add cheese, herbs, or cream for variety. Try different cooking techniques like adding water for fluffiness.</a:t>
-            </a:r>
-            <a:endParaRPr>
-              <a:solidFill>
-                <a:schemeClr val="dk1"/>
-              </a:solidFill>
-            </a:endParaRPr>
-          </a:p>
-        </p:txBody>
-      </p:sp>
-    </p:spTree>
-  </p:cSld>
-  <p:clrMapOvr>
-    <a:masterClrMapping/>
-  </p:clrMapOvr>
-</p:sld>
-</file>
-
-<file path=ppt/slides/slide15.xml><?xml version="1.0" encoding="utf-8"?>
-<p:sld xmlns:a="http://schemas.openxmlformats.org/drawingml/2006/main" xmlns:p="http://schemas.openxmlformats.org/presentationml/2006/main" xmlns:r="http://schemas.openxmlformats.org/officeDocument/2006/relationships">
-  <p:cSld>
-    <p:spTree>
-      <p:nvGrpSpPr>
-        <p:cNvPr id="1" name=""/>
-        <p:cNvGrpSpPr/>
-        <p:nvPr/>
-      </p:nvGrpSpPr>
-      <p:grpSpPr/>
-      <p:sp>
-        <p:nvSpPr>
-          <p:cNvPr id="60" name="Google Shape;60;p14"/>
-          <p:cNvSpPr txBox="1"/>
-          <p:nvPr>
-            <p:ph type="title"/>
-          </p:nvPr>
-        </p:nvSpPr>
-        <p:spPr>
-          <a:xfrm>
-            <a:off x="311700" y="445025"/>
-            <a:ext cx="8520600" cy="572700"/>
-          </a:xfrm>
-          <a:prstGeom prst="rect">
-            <a:avLst/>
-          </a:prstGeom>
-        </p:spPr>
-        <p:txBody>
-          <a:bodyPr anchorCtr="0" anchor="t" bIns="91425" lIns="91425" spcFirstLastPara="1" rIns="91425" wrap="square" tIns="91425">
-            <a:normAutofit fontScale="90000"/>
-          </a:bodyPr>
-          <a:lstStyle/>
-          <a:p>
-            <a:pPr indent="0" lvl="0" marL="0" rtl="0" algn="l">
-              <a:spcBef>
-                <a:spcPts val="0"/>
-              </a:spcBef>
-              <a:spcAft>
-                <a:spcPts val="0"/>
-              </a:spcAft>
-              <a:buNone/>
-            </a:pPr>
-            <a:r>
-              <a:t>Nutritional Information</a:t>
-            </a:r>
-            <a:endParaRPr/>
-          </a:p>
-        </p:txBody>
-      </p:sp>
-      <p:sp>
-        <p:nvSpPr>
-          <p:cNvPr id="61" name="Google Shape;61;p14"/>
-          <p:cNvSpPr txBox="1"/>
-          <p:nvPr>
-            <p:ph idx="1" type="body"/>
-          </p:nvPr>
-        </p:nvSpPr>
-        <p:spPr>
-          <a:xfrm>
-            <a:off x="311700" y="1152475"/>
-            <a:ext cx="8520600" cy="3416400"/>
-          </a:xfrm>
-          <a:prstGeom prst="rect">
-            <a:avLst/>
-          </a:prstGeom>
-        </p:spPr>
-        <p:txBody>
-          <a:bodyPr anchorCtr="0" anchor="t" bIns="91425" lIns="91425" spcFirstLastPara="1" rIns="91425" wrap="square" tIns="91425">
-            <a:normAutofit/>
-          </a:bodyPr>
-          <a:lstStyle/>
-          <a:p>
-            <a:pPr indent="0" lvl="0" marL="0" rtl="0" algn="l">
-              <a:spcBef>
-                <a:spcPts val="0"/>
-              </a:spcBef>
-              <a:spcAft>
-                <a:spcPts val="1200"/>
-              </a:spcAft>
-              <a:buNone/>
-            </a:pPr>
-            <a:r>
-              <a:t>Discuss the protein, vitamins, and calories in scrambled eggs. Option to compare with other breakfast choices.</a:t>
-            </a:r>
-            <a:endParaRPr>
-              <a:solidFill>
-                <a:schemeClr val="dk1"/>
-              </a:solidFill>
-            </a:endParaRPr>
-          </a:p>
-        </p:txBody>
-      </p:sp>
-    </p:spTree>
-  </p:cSld>
-  <p:clrMapOvr>
-    <a:masterClrMapping/>
-  </p:clrMapOvr>
-</p:sld>
-</file>
-
-<file path=ppt/slides/slide16.xml><?xml version="1.0" encoding="utf-8"?>
-<p:sld xmlns:a="http://schemas.openxmlformats.org/drawingml/2006/main" xmlns:p="http://schemas.openxmlformats.org/presentationml/2006/main" xmlns:r="http://schemas.openxmlformats.org/officeDocument/2006/relationships">
-  <p:cSld>
-    <p:spTree>
-      <p:nvGrpSpPr>
-        <p:cNvPr id="1" name=""/>
-        <p:cNvGrpSpPr/>
-        <p:nvPr/>
-      </p:nvGrpSpPr>
-      <p:grpSpPr/>
-      <p:sp>
-        <p:nvSpPr>
-          <p:cNvPr id="60" name="Google Shape;60;p14"/>
-          <p:cNvSpPr txBox="1"/>
-          <p:nvPr>
-            <p:ph type="title"/>
-          </p:nvPr>
-        </p:nvSpPr>
-        <p:spPr>
-          <a:xfrm>
-            <a:off x="311700" y="445025"/>
-            <a:ext cx="8520600" cy="572700"/>
-          </a:xfrm>
-          <a:prstGeom prst="rect">
-            <a:avLst/>
-          </a:prstGeom>
-        </p:spPr>
-        <p:txBody>
-          <a:bodyPr anchorCtr="0" anchor="t" bIns="91425" lIns="91425" spcFirstLastPara="1" rIns="91425" wrap="square" tIns="91425">
-            <a:normAutofit fontScale="90000"/>
-          </a:bodyPr>
-          <a:lstStyle/>
-          <a:p>
-            <a:pPr indent="0" lvl="0" marL="0" rtl="0" algn="l">
-              <a:spcBef>
-                <a:spcPts val="0"/>
-              </a:spcBef>
-              <a:spcAft>
-                <a:spcPts val="0"/>
-              </a:spcAft>
-              <a:buNone/>
-            </a:pPr>
-            <a:r>
-              <a:t>Summary</a:t>
-            </a:r>
-            <a:endParaRPr/>
-          </a:p>
-        </p:txBody>
-      </p:sp>
-      <p:sp>
-        <p:nvSpPr>
-          <p:cNvPr id="61" name="Google Shape;61;p14"/>
-          <p:cNvSpPr txBox="1"/>
-          <p:nvPr>
-            <p:ph idx="1" type="body"/>
-          </p:nvPr>
-        </p:nvSpPr>
-        <p:spPr>
-          <a:xfrm>
-            <a:off x="311700" y="1152475"/>
-            <a:ext cx="8520600" cy="3416400"/>
-          </a:xfrm>
-          <a:prstGeom prst="rect">
-            <a:avLst/>
-          </a:prstGeom>
-        </p:spPr>
-        <p:txBody>
-          <a:bodyPr anchorCtr="0" anchor="t" bIns="91425" lIns="91425" spcFirstLastPara="1" rIns="91425" wrap="square" tIns="91425">
-            <a:normAutofit/>
-          </a:bodyPr>
-          <a:lstStyle/>
-          <a:p>
-            <a:pPr indent="0" lvl="0" marL="0" rtl="0" algn="l">
-              <a:spcBef>
-                <a:spcPts val="0"/>
-              </a:spcBef>
-              <a:spcAft>
-                <a:spcPts val="1200"/>
-              </a:spcAft>
-              <a:buNone/>
-            </a:pPr>
-            <a:r>
-              <a:t>A quick recap of the process, tips, and variations in making the perfect scrambled eggs.</a:t>
+              <a:t>Final words to motivate players on their journey to mastering aiming with the AK-47.</a:t>
             </a:r>
             <a:endParaRPr>
               <a:solidFill>
@@ -3936,7 +3431,7 @@
               <a:buNone/>
             </a:pPr>
             <a:r>
-              <a:t>Objective</a:t>
+              <a:t>Introduction to the AK-47</a:t>
             </a:r>
             <a:endParaRPr/>
           </a:p>
@@ -3975,7 +3470,7 @@
               <a:buNone/>
             </a:pPr>
             <a:r>
-              <a:t>Understand the ingredients, equipment, and steps needed to cook scrambled eggs. Learn tips and tricks for enhancing flavor and texture.</a:t>
+              <a:t>Overview of the weapon's significance in the game and basic attributes.</a:t>
             </a:r>
             <a:endParaRPr>
               <a:solidFill>
@@ -4036,7 +3531,7 @@
               <a:buNone/>
             </a:pPr>
             <a:r>
-              <a:t>Ingredients</a:t>
+              <a:t>Basic Aiming Techniques</a:t>
             </a:r>
             <a:endParaRPr/>
           </a:p>
@@ -4075,7 +3570,7 @@
               <a:buNone/>
             </a:pPr>
             <a:r>
-              <a:t>Eggs, Salt, Butter, Optional add-ins such as cheese, herbs, and milk.</a:t>
+              <a:t>Fundamentals of aiming with the AK-47, including stance and mouse handling.</a:t>
             </a:r>
             <a:endParaRPr>
               <a:solidFill>
@@ -4136,7 +3631,7 @@
               <a:buNone/>
             </a:pPr>
             <a:r>
-              <a:t>Equipment</a:t>
+              <a:t>Understanding Recoil Patterns</a:t>
             </a:r>
             <a:endParaRPr/>
           </a:p>
@@ -4175,7 +3670,7 @@
               <a:buNone/>
             </a:pPr>
             <a:r>
-              <a:t>Non-stick frying pan, whisk or fork, spatula, mixing bowl.</a:t>
+              <a:t>How to control the AK-47's recoil for better accuracy.</a:t>
             </a:r>
             <a:endParaRPr>
               <a:solidFill>
@@ -4236,7 +3731,7 @@
               <a:buNone/>
             </a:pPr>
             <a:r>
-              <a:t>Procedure Overview</a:t>
+              <a:t>Stance and Movement</a:t>
             </a:r>
             <a:endParaRPr/>
           </a:p>
@@ -4275,7 +3770,7 @@
               <a:buNone/>
             </a:pPr>
             <a:r>
-              <a:t>Brief overview of steps: Beat eggs, heat pan, cook with constant stirring, remove when slightly underdone.</a:t>
+              <a:t>Effective ways to move and position yourself for optimal aiming.</a:t>
             </a:r>
             <a:endParaRPr>
               <a:solidFill>
@@ -4336,7 +3831,7 @@
               <a:buNone/>
             </a:pPr>
             <a:r>
-              <a:t>Step 1: Beating the Eggs</a:t>
+              <a:t>Crosshair Placement Strategies</a:t>
             </a:r>
             <a:endParaRPr/>
           </a:p>
@@ -4375,7 +3870,7 @@
               <a:buNone/>
             </a:pPr>
             <a:r>
-              <a:t>Break the eggs into a bowl. Season with salt. Whisk until fully blended</a:t>
+              <a:t>Tips on where to place your crosshair for quick and precise shots.</a:t>
             </a:r>
             <a:endParaRPr>
               <a:solidFill>
@@ -4436,7 +3931,7 @@
               <a:buNone/>
             </a:pPr>
             <a:r>
-              <a:t>Step 2: Prepping the Pan</a:t>
+              <a:t>Practice Routines</a:t>
             </a:r>
             <a:endParaRPr/>
           </a:p>
@@ -4475,7 +3970,7 @@
               <a:buNone/>
             </a:pPr>
             <a:r>
-              <a:t>Heat the non-stick pan over medium-low heat. Add butter and let it melt.</a:t>
+              <a:t>Drills and routine exercises to enhance your aiming skills.</a:t>
             </a:r>
             <a:endParaRPr>
               <a:solidFill>
@@ -4536,7 +4031,7 @@
               <a:buNone/>
             </a:pPr>
             <a:r>
-              <a:t>Step 3: Cooking the Eggs</a:t>
+              <a:t>Analyzing and Learning from Gameplay</a:t>
             </a:r>
             <a:endParaRPr/>
           </a:p>
@@ -4575,7 +4070,7 @@
               <a:buNone/>
             </a:pPr>
             <a:r>
-              <a:t>Pour the beaten eggs into the pan. Gently stir with a spatula, scraping the bottom and sides.</a:t>
+              <a:t>Methods for reviewing your play to identify and work on weaknesses.</a:t>
             </a:r>
             <a:endParaRPr>
               <a:solidFill>
@@ -4636,7 +4131,7 @@
               <a:buNone/>
             </a:pPr>
             <a:r>
-              <a:t>Step 4: Soft Scramble</a:t>
+              <a:t>Advanced Tips and Tricks</a:t>
             </a:r>
             <a:endParaRPr/>
           </a:p>
@@ -4675,7 +4170,7 @@
               <a:buNone/>
             </a:pPr>
             <a:r>
-              <a:t>Continue to stir, allowing the eggs to form soft curds. Avoid overcooking.</a:t>
+              <a:t>Expert level strategies to take your aiming to the next level.</a:t>
             </a:r>
             <a:endParaRPr>
               <a:solidFill>

--- a/cool.pptx
+++ b/cool.pptx
@@ -11,11 +11,6 @@
     <p:sldId id="259" r:id="rId10"/>
     <p:sldId id="260" r:id="rId11"/>
     <p:sldId id="261" r:id="rId12"/>
-    <p:sldId id="262" r:id="rId13"/>
-    <p:sldId id="263" r:id="rId14"/>
-    <p:sldId id="264" r:id="rId15"/>
-    <p:sldId id="265" r:id="rId16"/>
-    <p:sldId id="266" r:id="rId17"/>
   </p:sldIdLst>
   <p:sldSz cx="9144000" cy="5143500" type="screen4x3"/>
   <p:notesSz cx="6858000" cy="9144000"/>
@@ -3091,6 +3086,14 @@
 <file path=ppt/slides/slide1.xml><?xml version="1.0" encoding="utf-8"?>
 <p:sld xmlns:a="http://schemas.openxmlformats.org/drawingml/2006/main" xmlns:p="http://schemas.openxmlformats.org/presentationml/2006/main" xmlns:r="http://schemas.openxmlformats.org/officeDocument/2006/relationships">
   <p:cSld>
+    <p:bg>
+      <p:bgPr>
+        <a:solidFill>
+          <a:srgbClr val="00FF00"/>
+        </a:solidFill>
+        <a:effectLst/>
+      </p:bgPr>
+    </p:bg>
     <p:spTree>
       <p:nvGrpSpPr>
         <p:cNvPr id="1" name=""/>
@@ -3102,281 +3105,1179 @@
         <p:nvSpPr>
           <p:cNvPr id="54" name="Google Shape;54;p13"/>
           <p:cNvSpPr txBox="1"/>
-          <p:nvPr>
-            <p:ph type="ctrTitle"/>
-          </p:nvPr>
+          <p:nvPr/>
         </p:nvSpPr>
         <p:spPr>
           <a:xfrm>
-            <a:off x="311708" y="744575"/>
+            <a:off x="311700" y="2494900"/>
             <a:ext cx="8520600" cy="2052600"/>
+          </a:xfrm>
+          <a:prstGeom prst="rect">
+            <a:avLst/>
+          </a:prstGeom>
+          <a:noFill/>
+          <a:ln>
+            <a:noFill/>
+          </a:ln>
+        </p:spPr>
+        <p:txBody>
+          <a:bodyPr anchorCtr="0" anchor="b" bIns="91425" lIns="91425" spcFirstLastPara="1" rIns="91425" wrap="square" tIns="91425">
+            <a:normAutofit/>
+          </a:bodyPr>
+          <a:lstStyle/>
+          <a:p>
+            <a:pPr indent="0" lvl="0" marL="0" rtl="0" algn="ctr">
+              <a:spcBef>
+                <a:spcPts val="0"/>
+              </a:spcBef>
+              <a:spcAft>
+                <a:spcPts val="0"/>
+              </a:spcAft>
+              <a:buNone/>
+            </a:pPr>
+            <a:r>
+              <a:t>Chick Hicks: Racing to Success</a:t>
+            </a:r>
+            <a:endParaRPr sz="5200">
+              <a:solidFill>
+                <a:srgbClr val="FFFF00"/>
+              </a:solidFill>
+              <a:latin typeface="Concert One"/>
+              <a:ea typeface="Concert One"/>
+              <a:cs typeface="Concert One"/>
+              <a:sym typeface="Concert One"/>
+            </a:endParaRPr>
+          </a:p>
+        </p:txBody>
+      </p:sp>
+      <p:sp>
+        <p:nvSpPr>
+          <p:cNvPr id="55" name="Google Shape;55;p13"/>
+          <p:cNvSpPr txBox="1"/>
+          <p:nvPr/>
+        </p:nvSpPr>
+        <p:spPr>
+          <a:xfrm>
+            <a:off x="311700" y="4584450"/>
+            <a:ext cx="8520600" cy="792600"/>
+          </a:xfrm>
+          <a:prstGeom prst="rect">
+            <a:avLst/>
+          </a:prstGeom>
+          <a:noFill/>
+          <a:ln>
+            <a:noFill/>
+          </a:ln>
+        </p:spPr>
+        <p:txBody>
+          <a:bodyPr anchorCtr="0" anchor="t" bIns="91425" lIns="91425" spcFirstLastPara="1" rIns="91425" wrap="square" tIns="91425">
+            <a:normAutofit/>
+          </a:bodyPr>
+          <a:lstStyle/>
+          <a:p>
+            <a:pPr indent="0" lvl="0" marL="0" rtl="0" algn="ctr">
+              <a:spcBef>
+                <a:spcPts val="0"/>
+              </a:spcBef>
+              <a:spcAft>
+                <a:spcPts val="0"/>
+              </a:spcAft>
+              <a:buNone/>
+            </a:pPr>
+            <a:r>
+              <a:t>An Appreciation of The Green Thunder</a:t>
+            </a:r>
+            <a:endParaRPr sz="2800">
+              <a:solidFill>
+                <a:srgbClr val="FFFFFF"/>
+              </a:solidFill>
+              <a:latin typeface="Concert One"/>
+              <a:ea typeface="Concert One"/>
+              <a:cs typeface="Concert One"/>
+              <a:sym typeface="Concert One"/>
+            </a:endParaRPr>
+          </a:p>
+        </p:txBody>
+      </p:sp>
+      <p:sp>
+        <p:nvSpPr>
+          <p:cNvPr id="56" name="Google Shape;56;p13"/>
+          <p:cNvSpPr txBox="1"/>
+          <p:nvPr/>
+        </p:nvSpPr>
+        <p:spPr>
+          <a:xfrm>
+            <a:off x="8472458" y="4663217"/>
+            <a:ext cx="548700" cy="393600"/>
+          </a:xfrm>
+          <a:prstGeom prst="rect">
+            <a:avLst/>
+          </a:prstGeom>
+          <a:noFill/>
+          <a:ln>
+            <a:noFill/>
+          </a:ln>
+        </p:spPr>
+        <p:txBody>
+          <a:bodyPr anchorCtr="0" anchor="ctr" bIns="91425" lIns="91425" spcFirstLastPara="1" rIns="91425" wrap="square" tIns="91425">
+            <a:normAutofit/>
+          </a:bodyPr>
+          <a:lstStyle/>
+          <a:p>
+            <a:pPr indent="0" lvl="0" marL="0" rtl="0" algn="r">
+              <a:spcBef>
+                <a:spcPts val="0"/>
+              </a:spcBef>
+              <a:spcAft>
+                <a:spcPts val="0"/>
+              </a:spcAft>
+              <a:buNone/>
+            </a:pPr>
+            <a:fld id="{00000000-1234-1234-1234-123412341234}" type="slidenum">
+              <a:rPr lang="en" sz="1000">
+                <a:solidFill>
+                  <a:srgbClr val="595959"/>
+                </a:solidFill>
+              </a:rPr>
+              <a:t>‹#›</a:t>
+            </a:fld>
+            <a:endParaRPr sz="1000">
+              <a:solidFill>
+                <a:srgbClr val="595959"/>
+              </a:solidFill>
+            </a:endParaRPr>
+          </a:p>
+        </p:txBody>
+      </p:sp>
+      <p:grpSp>
+        <p:nvGrpSpPr>
+          <p:cNvPr id="57" name="Google Shape;57;p13"/>
+          <p:cNvGrpSpPr/>
+          <p:nvPr/>
+        </p:nvGrpSpPr>
+        <p:grpSpPr>
+          <a:xfrm>
+            <a:off x="2157750" y="835200"/>
+            <a:ext cx="4828500" cy="1956375"/>
+            <a:chOff x="1750350" y="835200"/>
+            <a:chExt cx="4828500" cy="1956375"/>
+          </a:xfrm>
+        </p:grpSpPr>
+        <p:sp>
+          <p:nvSpPr>
+            <p:cNvPr id="58" name="Google Shape;58;p13"/>
+            <p:cNvSpPr/>
+            <p:nvPr/>
+          </p:nvSpPr>
+          <p:spPr>
+            <a:xfrm>
+              <a:off x="1750350" y="835200"/>
+              <a:ext cx="4828500" cy="1946400"/>
+            </a:xfrm>
+            <a:prstGeom prst="trapezoid">
+              <a:avLst>
+                <a:gd fmla="val 25000" name="adj"/>
+              </a:avLst>
+            </a:prstGeom>
+            <a:solidFill>
+              <a:srgbClr val="000000"/>
+            </a:solidFill>
+            <a:ln cap="flat" cmpd="sng" w="9525">
+              <a:solidFill>
+                <a:srgbClr val="595959"/>
+              </a:solidFill>
+              <a:prstDash val="solid"/>
+              <a:round/>
+              <a:headEnd len="sm" w="sm" type="none"/>
+              <a:tailEnd len="sm" w="sm" type="none"/>
+            </a:ln>
+          </p:spPr>
+          <p:txBody>
+            <a:bodyPr anchorCtr="0" anchor="ctr" bIns="91425" lIns="91425" spcFirstLastPara="1" rIns="91425" wrap="square" tIns="91425">
+              <a:noAutofit/>
+            </a:bodyPr>
+            <a:lstStyle/>
+            <a:p>
+              <a:pPr indent="0" lvl="0" marL="0" rtl="0" algn="l">
+                <a:spcBef>
+                  <a:spcPts val="0"/>
+                </a:spcBef>
+                <a:spcAft>
+                  <a:spcPts val="0"/>
+                </a:spcAft>
+                <a:buNone/>
+              </a:pPr>
+              <a:r>
+                <a:t/>
+              </a:r>
+              <a:endParaRPr/>
+            </a:p>
+          </p:txBody>
+        </p:sp>
+        <p:cxnSp>
+          <p:nvCxnSpPr>
+            <p:cNvPr id="59" name="Google Shape;59;p13"/>
+            <p:cNvCxnSpPr>
+              <a:stCxn id="58" idx="1"/>
+            </p:cNvCxnSpPr>
+            <p:nvPr/>
+          </p:nvCxnSpPr>
+          <p:spPr>
+            <a:xfrm flipH="1">
+              <a:off x="1976550" y="1808400"/>
+              <a:ext cx="17100" cy="983100"/>
+            </a:xfrm>
+            <a:prstGeom prst="straightConnector1">
+              <a:avLst/>
+            </a:prstGeom>
+            <a:noFill/>
+            <a:ln cap="flat" cmpd="sng" w="19050">
+              <a:solidFill>
+                <a:srgbClr val="666666"/>
+              </a:solidFill>
+              <a:prstDash val="solid"/>
+              <a:round/>
+              <a:headEnd len="med" w="med" type="none"/>
+              <a:tailEnd len="med" w="med" type="none"/>
+            </a:ln>
+          </p:spPr>
+        </p:cxnSp>
+        <p:cxnSp>
+          <p:nvCxnSpPr>
+            <p:cNvPr id="60" name="Google Shape;60;p13"/>
+            <p:cNvCxnSpPr/>
+            <p:nvPr/>
+          </p:nvCxnSpPr>
+          <p:spPr>
+            <a:xfrm>
+              <a:off x="4621800" y="835200"/>
+              <a:ext cx="0" cy="1946400"/>
+            </a:xfrm>
+            <a:prstGeom prst="straightConnector1">
+              <a:avLst/>
+            </a:prstGeom>
+            <a:noFill/>
+            <a:ln cap="flat" cmpd="sng" w="19050">
+              <a:solidFill>
+                <a:srgbClr val="666666"/>
+              </a:solidFill>
+              <a:prstDash val="solid"/>
+              <a:round/>
+              <a:headEnd len="med" w="med" type="none"/>
+              <a:tailEnd len="med" w="med" type="none"/>
+            </a:ln>
+          </p:spPr>
+        </p:cxnSp>
+        <p:cxnSp>
+          <p:nvCxnSpPr>
+            <p:cNvPr id="61" name="Google Shape;61;p13"/>
+            <p:cNvCxnSpPr/>
+            <p:nvPr/>
+          </p:nvCxnSpPr>
+          <p:spPr>
+            <a:xfrm>
+              <a:off x="4774200" y="845100"/>
+              <a:ext cx="0" cy="1946400"/>
+            </a:xfrm>
+            <a:prstGeom prst="straightConnector1">
+              <a:avLst/>
+            </a:prstGeom>
+            <a:noFill/>
+            <a:ln cap="flat" cmpd="sng" w="19050">
+              <a:solidFill>
+                <a:srgbClr val="666666"/>
+              </a:solidFill>
+              <a:prstDash val="solid"/>
+              <a:round/>
+              <a:headEnd len="med" w="med" type="none"/>
+              <a:tailEnd len="med" w="med" type="none"/>
+            </a:ln>
+          </p:spPr>
+        </p:cxnSp>
+        <p:cxnSp>
+          <p:nvCxnSpPr>
+            <p:cNvPr id="62" name="Google Shape;62;p13"/>
+            <p:cNvCxnSpPr/>
+            <p:nvPr/>
+          </p:nvCxnSpPr>
+          <p:spPr>
+            <a:xfrm>
+              <a:off x="4896425" y="845100"/>
+              <a:ext cx="0" cy="1946400"/>
+            </a:xfrm>
+            <a:prstGeom prst="straightConnector1">
+              <a:avLst/>
+            </a:prstGeom>
+            <a:noFill/>
+            <a:ln cap="flat" cmpd="sng" w="19050">
+              <a:solidFill>
+                <a:srgbClr val="666666"/>
+              </a:solidFill>
+              <a:prstDash val="solid"/>
+              <a:round/>
+              <a:headEnd len="med" w="med" type="none"/>
+              <a:tailEnd len="med" w="med" type="none"/>
+            </a:ln>
+          </p:spPr>
+        </p:cxnSp>
+        <p:cxnSp>
+          <p:nvCxnSpPr>
+            <p:cNvPr id="63" name="Google Shape;63;p13"/>
+            <p:cNvCxnSpPr/>
+            <p:nvPr/>
+          </p:nvCxnSpPr>
+          <p:spPr>
+            <a:xfrm>
+              <a:off x="5033725" y="845100"/>
+              <a:ext cx="0" cy="1946400"/>
+            </a:xfrm>
+            <a:prstGeom prst="straightConnector1">
+              <a:avLst/>
+            </a:prstGeom>
+            <a:noFill/>
+            <a:ln cap="flat" cmpd="sng" w="19050">
+              <a:solidFill>
+                <a:srgbClr val="666666"/>
+              </a:solidFill>
+              <a:prstDash val="solid"/>
+              <a:round/>
+              <a:headEnd len="med" w="med" type="none"/>
+              <a:tailEnd len="med" w="med" type="none"/>
+            </a:ln>
+          </p:spPr>
+        </p:cxnSp>
+        <p:cxnSp>
+          <p:nvCxnSpPr>
+            <p:cNvPr id="64" name="Google Shape;64;p13"/>
+            <p:cNvCxnSpPr/>
+            <p:nvPr/>
+          </p:nvCxnSpPr>
+          <p:spPr>
+            <a:xfrm>
+              <a:off x="5186125" y="845100"/>
+              <a:ext cx="0" cy="1946400"/>
+            </a:xfrm>
+            <a:prstGeom prst="straightConnector1">
+              <a:avLst/>
+            </a:prstGeom>
+            <a:noFill/>
+            <a:ln cap="flat" cmpd="sng" w="19050">
+              <a:solidFill>
+                <a:srgbClr val="666666"/>
+              </a:solidFill>
+              <a:prstDash val="solid"/>
+              <a:round/>
+              <a:headEnd len="med" w="med" type="none"/>
+              <a:tailEnd len="med" w="med" type="none"/>
+            </a:ln>
+          </p:spPr>
+        </p:cxnSp>
+        <p:cxnSp>
+          <p:nvCxnSpPr>
+            <p:cNvPr id="65" name="Google Shape;65;p13"/>
+            <p:cNvCxnSpPr/>
+            <p:nvPr/>
+          </p:nvCxnSpPr>
+          <p:spPr>
+            <a:xfrm>
+              <a:off x="5338525" y="845100"/>
+              <a:ext cx="0" cy="1946400"/>
+            </a:xfrm>
+            <a:prstGeom prst="straightConnector1">
+              <a:avLst/>
+            </a:prstGeom>
+            <a:noFill/>
+            <a:ln cap="flat" cmpd="sng" w="19050">
+              <a:solidFill>
+                <a:srgbClr val="666666"/>
+              </a:solidFill>
+              <a:prstDash val="solid"/>
+              <a:round/>
+              <a:headEnd len="med" w="med" type="none"/>
+              <a:tailEnd len="med" w="med" type="none"/>
+            </a:ln>
+          </p:spPr>
+        </p:cxnSp>
+        <p:cxnSp>
+          <p:nvCxnSpPr>
+            <p:cNvPr id="66" name="Google Shape;66;p13"/>
+            <p:cNvCxnSpPr/>
+            <p:nvPr/>
+          </p:nvCxnSpPr>
+          <p:spPr>
+            <a:xfrm>
+              <a:off x="4469400" y="845100"/>
+              <a:ext cx="0" cy="1946400"/>
+            </a:xfrm>
+            <a:prstGeom prst="straightConnector1">
+              <a:avLst/>
+            </a:prstGeom>
+            <a:noFill/>
+            <a:ln cap="flat" cmpd="sng" w="19050">
+              <a:solidFill>
+                <a:srgbClr val="666666"/>
+              </a:solidFill>
+              <a:prstDash val="solid"/>
+              <a:round/>
+              <a:headEnd len="med" w="med" type="none"/>
+              <a:tailEnd len="med" w="med" type="none"/>
+            </a:ln>
+          </p:spPr>
+        </p:cxnSp>
+        <p:cxnSp>
+          <p:nvCxnSpPr>
+            <p:cNvPr id="67" name="Google Shape;67;p13"/>
+            <p:cNvCxnSpPr/>
+            <p:nvPr/>
+          </p:nvCxnSpPr>
+          <p:spPr>
+            <a:xfrm>
+              <a:off x="4317000" y="835200"/>
+              <a:ext cx="0" cy="1946400"/>
+            </a:xfrm>
+            <a:prstGeom prst="straightConnector1">
+              <a:avLst/>
+            </a:prstGeom>
+            <a:noFill/>
+            <a:ln cap="flat" cmpd="sng" w="19050">
+              <a:solidFill>
+                <a:srgbClr val="666666"/>
+              </a:solidFill>
+              <a:prstDash val="solid"/>
+              <a:round/>
+              <a:headEnd len="med" w="med" type="none"/>
+              <a:tailEnd len="med" w="med" type="none"/>
+            </a:ln>
+          </p:spPr>
+        </p:cxnSp>
+        <p:cxnSp>
+          <p:nvCxnSpPr>
+            <p:cNvPr id="68" name="Google Shape;68;p13"/>
+            <p:cNvCxnSpPr/>
+            <p:nvPr/>
+          </p:nvCxnSpPr>
+          <p:spPr>
+            <a:xfrm>
+              <a:off x="4164600" y="845100"/>
+              <a:ext cx="0" cy="1946400"/>
+            </a:xfrm>
+            <a:prstGeom prst="straightConnector1">
+              <a:avLst/>
+            </a:prstGeom>
+            <a:noFill/>
+            <a:ln cap="flat" cmpd="sng" w="19050">
+              <a:solidFill>
+                <a:srgbClr val="666666"/>
+              </a:solidFill>
+              <a:prstDash val="solid"/>
+              <a:round/>
+              <a:headEnd len="med" w="med" type="none"/>
+              <a:tailEnd len="med" w="med" type="none"/>
+            </a:ln>
+          </p:spPr>
+        </p:cxnSp>
+        <p:cxnSp>
+          <p:nvCxnSpPr>
+            <p:cNvPr id="69" name="Google Shape;69;p13"/>
+            <p:cNvCxnSpPr/>
+            <p:nvPr/>
+          </p:nvCxnSpPr>
+          <p:spPr>
+            <a:xfrm>
+              <a:off x="4012200" y="835200"/>
+              <a:ext cx="0" cy="1946400"/>
+            </a:xfrm>
+            <a:prstGeom prst="straightConnector1">
+              <a:avLst/>
+            </a:prstGeom>
+            <a:noFill/>
+            <a:ln cap="flat" cmpd="sng" w="19050">
+              <a:solidFill>
+                <a:srgbClr val="666666"/>
+              </a:solidFill>
+              <a:prstDash val="solid"/>
+              <a:round/>
+              <a:headEnd len="med" w="med" type="none"/>
+              <a:tailEnd len="med" w="med" type="none"/>
+            </a:ln>
+          </p:spPr>
+        </p:cxnSp>
+        <p:cxnSp>
+          <p:nvCxnSpPr>
+            <p:cNvPr id="70" name="Google Shape;70;p13"/>
+            <p:cNvCxnSpPr/>
+            <p:nvPr/>
+          </p:nvCxnSpPr>
+          <p:spPr>
+            <a:xfrm>
+              <a:off x="5512050" y="845100"/>
+              <a:ext cx="0" cy="1946400"/>
+            </a:xfrm>
+            <a:prstGeom prst="straightConnector1">
+              <a:avLst/>
+            </a:prstGeom>
+            <a:noFill/>
+            <a:ln cap="flat" cmpd="sng" w="19050">
+              <a:solidFill>
+                <a:srgbClr val="666666"/>
+              </a:solidFill>
+              <a:prstDash val="solid"/>
+              <a:round/>
+              <a:headEnd len="med" w="med" type="none"/>
+              <a:tailEnd len="med" w="med" type="none"/>
+            </a:ln>
+          </p:spPr>
+        </p:cxnSp>
+        <p:cxnSp>
+          <p:nvCxnSpPr>
+            <p:cNvPr id="71" name="Google Shape;71;p13"/>
+            <p:cNvCxnSpPr/>
+            <p:nvPr/>
+          </p:nvCxnSpPr>
+          <p:spPr>
+            <a:xfrm>
+              <a:off x="5694625" y="845100"/>
+              <a:ext cx="0" cy="1946400"/>
+            </a:xfrm>
+            <a:prstGeom prst="straightConnector1">
+              <a:avLst/>
+            </a:prstGeom>
+            <a:noFill/>
+            <a:ln cap="flat" cmpd="sng" w="19050">
+              <a:solidFill>
+                <a:srgbClr val="666666"/>
+              </a:solidFill>
+              <a:prstDash val="solid"/>
+              <a:round/>
+              <a:headEnd len="med" w="med" type="none"/>
+              <a:tailEnd len="med" w="med" type="none"/>
+            </a:ln>
+          </p:spPr>
+        </p:cxnSp>
+        <p:cxnSp>
+          <p:nvCxnSpPr>
+            <p:cNvPr id="72" name="Google Shape;72;p13"/>
+            <p:cNvCxnSpPr/>
+            <p:nvPr/>
+          </p:nvCxnSpPr>
+          <p:spPr>
+            <a:xfrm>
+              <a:off x="5847025" y="835200"/>
+              <a:ext cx="0" cy="1946400"/>
+            </a:xfrm>
+            <a:prstGeom prst="straightConnector1">
+              <a:avLst/>
+            </a:prstGeom>
+            <a:noFill/>
+            <a:ln cap="flat" cmpd="sng" w="19050">
+              <a:solidFill>
+                <a:srgbClr val="666666"/>
+              </a:solidFill>
+              <a:prstDash val="solid"/>
+              <a:round/>
+              <a:headEnd len="med" w="med" type="none"/>
+              <a:tailEnd len="med" w="med" type="none"/>
+            </a:ln>
+          </p:spPr>
+        </p:cxnSp>
+        <p:cxnSp>
+          <p:nvCxnSpPr>
+            <p:cNvPr id="73" name="Google Shape;73;p13"/>
+            <p:cNvCxnSpPr/>
+            <p:nvPr/>
+          </p:nvCxnSpPr>
+          <p:spPr>
+            <a:xfrm>
+              <a:off x="5999425" y="835200"/>
+              <a:ext cx="0" cy="1946400"/>
+            </a:xfrm>
+            <a:prstGeom prst="straightConnector1">
+              <a:avLst/>
+            </a:prstGeom>
+            <a:noFill/>
+            <a:ln cap="flat" cmpd="sng" w="19050">
+              <a:solidFill>
+                <a:srgbClr val="666666"/>
+              </a:solidFill>
+              <a:prstDash val="solid"/>
+              <a:round/>
+              <a:headEnd len="med" w="med" type="none"/>
+              <a:tailEnd len="med" w="med" type="none"/>
+            </a:ln>
+          </p:spPr>
+        </p:cxnSp>
+        <p:cxnSp>
+          <p:nvCxnSpPr>
+            <p:cNvPr id="74" name="Google Shape;74;p13"/>
+            <p:cNvCxnSpPr/>
+            <p:nvPr/>
+          </p:nvCxnSpPr>
+          <p:spPr>
+            <a:xfrm>
+              <a:off x="3859800" y="845100"/>
+              <a:ext cx="0" cy="1946400"/>
+            </a:xfrm>
+            <a:prstGeom prst="straightConnector1">
+              <a:avLst/>
+            </a:prstGeom>
+            <a:noFill/>
+            <a:ln cap="flat" cmpd="sng" w="19050">
+              <a:solidFill>
+                <a:srgbClr val="666666"/>
+              </a:solidFill>
+              <a:prstDash val="solid"/>
+              <a:round/>
+              <a:headEnd len="med" w="med" type="none"/>
+              <a:tailEnd len="med" w="med" type="none"/>
+            </a:ln>
+          </p:spPr>
+        </p:cxnSp>
+        <p:cxnSp>
+          <p:nvCxnSpPr>
+            <p:cNvPr id="75" name="Google Shape;75;p13"/>
+            <p:cNvCxnSpPr/>
+            <p:nvPr/>
+          </p:nvCxnSpPr>
+          <p:spPr>
+            <a:xfrm>
+              <a:off x="3707400" y="835200"/>
+              <a:ext cx="0" cy="1946400"/>
+            </a:xfrm>
+            <a:prstGeom prst="straightConnector1">
+              <a:avLst/>
+            </a:prstGeom>
+            <a:noFill/>
+            <a:ln cap="flat" cmpd="sng" w="19050">
+              <a:solidFill>
+                <a:srgbClr val="666666"/>
+              </a:solidFill>
+              <a:prstDash val="solid"/>
+              <a:round/>
+              <a:headEnd len="med" w="med" type="none"/>
+              <a:tailEnd len="med" w="med" type="none"/>
+            </a:ln>
+          </p:spPr>
+        </p:cxnSp>
+        <p:cxnSp>
+          <p:nvCxnSpPr>
+            <p:cNvPr id="76" name="Google Shape;76;p13"/>
+            <p:cNvCxnSpPr/>
+            <p:nvPr/>
+          </p:nvCxnSpPr>
+          <p:spPr>
+            <a:xfrm>
+              <a:off x="3555000" y="835200"/>
+              <a:ext cx="0" cy="1946400"/>
+            </a:xfrm>
+            <a:prstGeom prst="straightConnector1">
+              <a:avLst/>
+            </a:prstGeom>
+            <a:noFill/>
+            <a:ln cap="flat" cmpd="sng" w="19050">
+              <a:solidFill>
+                <a:srgbClr val="666666"/>
+              </a:solidFill>
+              <a:prstDash val="solid"/>
+              <a:round/>
+              <a:headEnd len="med" w="med" type="none"/>
+              <a:tailEnd len="med" w="med" type="none"/>
+            </a:ln>
+          </p:spPr>
+        </p:cxnSp>
+        <p:cxnSp>
+          <p:nvCxnSpPr>
+            <p:cNvPr id="77" name="Google Shape;77;p13"/>
+            <p:cNvCxnSpPr/>
+            <p:nvPr/>
+          </p:nvCxnSpPr>
+          <p:spPr>
+            <a:xfrm>
+              <a:off x="3402600" y="845100"/>
+              <a:ext cx="0" cy="1946400"/>
+            </a:xfrm>
+            <a:prstGeom prst="straightConnector1">
+              <a:avLst/>
+            </a:prstGeom>
+            <a:noFill/>
+            <a:ln cap="flat" cmpd="sng" w="19050">
+              <a:solidFill>
+                <a:srgbClr val="666666"/>
+              </a:solidFill>
+              <a:prstDash val="solid"/>
+              <a:round/>
+              <a:headEnd len="med" w="med" type="none"/>
+              <a:tailEnd len="med" w="med" type="none"/>
+            </a:ln>
+          </p:spPr>
+        </p:cxnSp>
+        <p:cxnSp>
+          <p:nvCxnSpPr>
+            <p:cNvPr id="78" name="Google Shape;78;p13"/>
+            <p:cNvCxnSpPr/>
+            <p:nvPr/>
+          </p:nvCxnSpPr>
+          <p:spPr>
+            <a:xfrm>
+              <a:off x="3250200" y="845100"/>
+              <a:ext cx="0" cy="1946400"/>
+            </a:xfrm>
+            <a:prstGeom prst="straightConnector1">
+              <a:avLst/>
+            </a:prstGeom>
+            <a:noFill/>
+            <a:ln cap="flat" cmpd="sng" w="19050">
+              <a:solidFill>
+                <a:srgbClr val="666666"/>
+              </a:solidFill>
+              <a:prstDash val="solid"/>
+              <a:round/>
+              <a:headEnd len="med" w="med" type="none"/>
+              <a:tailEnd len="med" w="med" type="none"/>
+            </a:ln>
+          </p:spPr>
+        </p:cxnSp>
+        <p:cxnSp>
+          <p:nvCxnSpPr>
+            <p:cNvPr id="79" name="Google Shape;79;p13"/>
+            <p:cNvCxnSpPr/>
+            <p:nvPr/>
+          </p:nvCxnSpPr>
+          <p:spPr>
+            <a:xfrm>
+              <a:off x="3097800" y="845100"/>
+              <a:ext cx="0" cy="1946400"/>
+            </a:xfrm>
+            <a:prstGeom prst="straightConnector1">
+              <a:avLst/>
+            </a:prstGeom>
+            <a:noFill/>
+            <a:ln cap="flat" cmpd="sng" w="19050">
+              <a:solidFill>
+                <a:srgbClr val="666666"/>
+              </a:solidFill>
+              <a:prstDash val="solid"/>
+              <a:round/>
+              <a:headEnd len="med" w="med" type="none"/>
+              <a:tailEnd len="med" w="med" type="none"/>
+            </a:ln>
+          </p:spPr>
+        </p:cxnSp>
+        <p:cxnSp>
+          <p:nvCxnSpPr>
+            <p:cNvPr id="80" name="Google Shape;80;p13"/>
+            <p:cNvCxnSpPr/>
+            <p:nvPr/>
+          </p:nvCxnSpPr>
+          <p:spPr>
+            <a:xfrm>
+              <a:off x="2945400" y="845100"/>
+              <a:ext cx="0" cy="1946400"/>
+            </a:xfrm>
+            <a:prstGeom prst="straightConnector1">
+              <a:avLst/>
+            </a:prstGeom>
+            <a:noFill/>
+            <a:ln cap="flat" cmpd="sng" w="19050">
+              <a:solidFill>
+                <a:srgbClr val="666666"/>
+              </a:solidFill>
+              <a:prstDash val="solid"/>
+              <a:round/>
+              <a:headEnd len="med" w="med" type="none"/>
+              <a:tailEnd len="med" w="med" type="none"/>
+            </a:ln>
+          </p:spPr>
+        </p:cxnSp>
+        <p:cxnSp>
+          <p:nvCxnSpPr>
+            <p:cNvPr id="81" name="Google Shape;81;p13"/>
+            <p:cNvCxnSpPr/>
+            <p:nvPr/>
+          </p:nvCxnSpPr>
+          <p:spPr>
+            <a:xfrm>
+              <a:off x="2793000" y="845100"/>
+              <a:ext cx="0" cy="1946400"/>
+            </a:xfrm>
+            <a:prstGeom prst="straightConnector1">
+              <a:avLst/>
+            </a:prstGeom>
+            <a:noFill/>
+            <a:ln cap="flat" cmpd="sng" w="19050">
+              <a:solidFill>
+                <a:srgbClr val="666666"/>
+              </a:solidFill>
+              <a:prstDash val="solid"/>
+              <a:round/>
+              <a:headEnd len="med" w="med" type="none"/>
+              <a:tailEnd len="med" w="med" type="none"/>
+            </a:ln>
+          </p:spPr>
+        </p:cxnSp>
+        <p:cxnSp>
+          <p:nvCxnSpPr>
+            <p:cNvPr id="82" name="Google Shape;82;p13"/>
+            <p:cNvCxnSpPr/>
+            <p:nvPr/>
+          </p:nvCxnSpPr>
+          <p:spPr>
+            <a:xfrm>
+              <a:off x="2640600" y="845100"/>
+              <a:ext cx="0" cy="1946400"/>
+            </a:xfrm>
+            <a:prstGeom prst="straightConnector1">
+              <a:avLst/>
+            </a:prstGeom>
+            <a:noFill/>
+            <a:ln cap="flat" cmpd="sng" w="19050">
+              <a:solidFill>
+                <a:srgbClr val="666666"/>
+              </a:solidFill>
+              <a:prstDash val="solid"/>
+              <a:round/>
+              <a:headEnd len="med" w="med" type="none"/>
+              <a:tailEnd len="med" w="med" type="none"/>
+            </a:ln>
+          </p:spPr>
+        </p:cxnSp>
+        <p:cxnSp>
+          <p:nvCxnSpPr>
+            <p:cNvPr id="83" name="Google Shape;83;p13"/>
+            <p:cNvCxnSpPr/>
+            <p:nvPr/>
+          </p:nvCxnSpPr>
+          <p:spPr>
+            <a:xfrm>
+              <a:off x="2488200" y="845100"/>
+              <a:ext cx="0" cy="1946400"/>
+            </a:xfrm>
+            <a:prstGeom prst="straightConnector1">
+              <a:avLst/>
+            </a:prstGeom>
+            <a:noFill/>
+            <a:ln cap="flat" cmpd="sng" w="19050">
+              <a:solidFill>
+                <a:srgbClr val="666666"/>
+              </a:solidFill>
+              <a:prstDash val="solid"/>
+              <a:round/>
+              <a:headEnd len="med" w="med" type="none"/>
+              <a:tailEnd len="med" w="med" type="none"/>
+            </a:ln>
+          </p:spPr>
+        </p:cxnSp>
+        <p:cxnSp>
+          <p:nvCxnSpPr>
+            <p:cNvPr id="84" name="Google Shape;84;p13"/>
+            <p:cNvCxnSpPr/>
+            <p:nvPr/>
+          </p:nvCxnSpPr>
+          <p:spPr>
+            <a:xfrm>
+              <a:off x="2335800" y="845100"/>
+              <a:ext cx="0" cy="1946400"/>
+            </a:xfrm>
+            <a:prstGeom prst="straightConnector1">
+              <a:avLst/>
+            </a:prstGeom>
+            <a:noFill/>
+            <a:ln cap="flat" cmpd="sng" w="19050">
+              <a:solidFill>
+                <a:srgbClr val="666666"/>
+              </a:solidFill>
+              <a:prstDash val="solid"/>
+              <a:round/>
+              <a:headEnd len="med" w="med" type="none"/>
+              <a:tailEnd len="med" w="med" type="none"/>
+            </a:ln>
+          </p:spPr>
+        </p:cxnSp>
+        <p:cxnSp>
+          <p:nvCxnSpPr>
+            <p:cNvPr id="85" name="Google Shape;85;p13"/>
+            <p:cNvCxnSpPr/>
+            <p:nvPr/>
+          </p:nvCxnSpPr>
+          <p:spPr>
+            <a:xfrm flipH="1">
+              <a:off x="2172900" y="1014075"/>
+              <a:ext cx="10500" cy="1777500"/>
+            </a:xfrm>
+            <a:prstGeom prst="straightConnector1">
+              <a:avLst/>
+            </a:prstGeom>
+            <a:noFill/>
+            <a:ln cap="flat" cmpd="sng" w="19050">
+              <a:solidFill>
+                <a:srgbClr val="666666"/>
+              </a:solidFill>
+              <a:prstDash val="solid"/>
+              <a:round/>
+              <a:headEnd len="med" w="med" type="none"/>
+              <a:tailEnd len="med" w="med" type="none"/>
+            </a:ln>
+          </p:spPr>
+        </p:cxnSp>
+        <p:cxnSp>
+          <p:nvCxnSpPr>
+            <p:cNvPr id="86" name="Google Shape;86;p13"/>
+            <p:cNvCxnSpPr/>
+            <p:nvPr/>
+          </p:nvCxnSpPr>
+          <p:spPr>
+            <a:xfrm>
+              <a:off x="6171450" y="1267475"/>
+              <a:ext cx="15000" cy="1493700"/>
+            </a:xfrm>
+            <a:prstGeom prst="straightConnector1">
+              <a:avLst/>
+            </a:prstGeom>
+            <a:noFill/>
+            <a:ln cap="flat" cmpd="sng" w="19050">
+              <a:solidFill>
+                <a:srgbClr val="666666"/>
+              </a:solidFill>
+              <a:prstDash val="solid"/>
+              <a:round/>
+              <a:headEnd len="med" w="med" type="none"/>
+              <a:tailEnd len="med" w="med" type="none"/>
+            </a:ln>
+          </p:spPr>
+        </p:cxnSp>
+        <p:cxnSp>
+          <p:nvCxnSpPr>
+            <p:cNvPr id="87" name="Google Shape;87;p13"/>
+            <p:cNvCxnSpPr/>
+            <p:nvPr/>
+          </p:nvCxnSpPr>
+          <p:spPr>
+            <a:xfrm flipH="1">
+              <a:off x="6304225" y="1808400"/>
+              <a:ext cx="17100" cy="983100"/>
+            </a:xfrm>
+            <a:prstGeom prst="straightConnector1">
+              <a:avLst/>
+            </a:prstGeom>
+            <a:noFill/>
+            <a:ln cap="flat" cmpd="sng" w="19050">
+              <a:solidFill>
+                <a:srgbClr val="666666"/>
+              </a:solidFill>
+              <a:prstDash val="solid"/>
+              <a:round/>
+              <a:headEnd len="med" w="med" type="none"/>
+              <a:tailEnd len="med" w="med" type="none"/>
+            </a:ln>
+          </p:spPr>
+        </p:cxnSp>
+      </p:grpSp>
+      <p:grpSp>
+        <p:nvGrpSpPr>
+          <p:cNvPr id="88" name="Google Shape;88;p13"/>
+          <p:cNvGrpSpPr/>
+          <p:nvPr/>
+        </p:nvGrpSpPr>
+        <p:grpSpPr>
+          <a:xfrm>
+            <a:off x="466275" y="1197750"/>
+            <a:ext cx="1418375" cy="672880"/>
+            <a:chOff x="241425" y="154675"/>
+            <a:chExt cx="1418375" cy="672880"/>
+          </a:xfrm>
+        </p:grpSpPr>
+        <p:sp>
+          <p:nvSpPr>
+            <p:cNvPr id="89" name="Google Shape;89;p13"/>
+            <p:cNvSpPr/>
+            <p:nvPr/>
+          </p:nvSpPr>
+          <p:spPr>
+            <a:xfrm>
+              <a:off x="241425" y="181075"/>
+              <a:ext cx="1418375" cy="646480"/>
+            </a:xfrm>
+            <a:custGeom>
+              <a:rect b="b" l="l" r="r" t="t"/>
+              <a:pathLst>
+                <a:path extrusionOk="0" h="22935" w="56735">
+                  <a:moveTo>
+                    <a:pt x="0" y="0"/>
+                  </a:moveTo>
+                  <a:lnTo>
+                    <a:pt x="56735" y="603"/>
+                  </a:lnTo>
+                  <a:lnTo>
+                    <a:pt x="47078" y="22332"/>
+                  </a:lnTo>
+                  <a:lnTo>
+                    <a:pt x="1207" y="22935"/>
+                  </a:lnTo>
+                  <a:close/>
+                </a:path>
+              </a:pathLst>
+            </a:custGeom>
+            <a:solidFill>
+              <a:srgbClr val="6FA8DC"/>
+            </a:solidFill>
+            <a:ln cap="flat" cmpd="sng" w="9525">
+              <a:solidFill>
+                <a:srgbClr val="595959"/>
+              </a:solidFill>
+              <a:prstDash val="solid"/>
+              <a:round/>
+              <a:headEnd len="med" w="med" type="none"/>
+              <a:tailEnd len="med" w="med" type="none"/>
+            </a:ln>
+          </p:spPr>
+        </p:sp>
+        <p:sp>
+          <p:nvSpPr>
+            <p:cNvPr id="90" name="Google Shape;90;p13"/>
+            <p:cNvSpPr txBox="1"/>
+            <p:nvPr/>
+          </p:nvSpPr>
+          <p:spPr>
+            <a:xfrm>
+              <a:off x="317625" y="154675"/>
+              <a:ext cx="1161900" cy="646500"/>
+            </a:xfrm>
+            <a:prstGeom prst="rect">
+              <a:avLst/>
+            </a:prstGeom>
+            <a:noFill/>
+            <a:ln>
+              <a:noFill/>
+            </a:ln>
+          </p:spPr>
+          <p:txBody>
+            <a:bodyPr anchorCtr="0" anchor="t" bIns="91425" lIns="91425" spcFirstLastPara="1" rIns="91425" wrap="square" tIns="91425">
+              <a:spAutoFit/>
+            </a:bodyPr>
+            <a:lstStyle/>
+            <a:p>
+              <a:pPr indent="0" lvl="0" marL="0" rtl="0" algn="l">
+                <a:spcBef>
+                  <a:spcPts val="0"/>
+                </a:spcBef>
+                <a:spcAft>
+                  <a:spcPts val="0"/>
+                </a:spcAft>
+                <a:buNone/>
+              </a:pPr>
+              <a:r>
+                <a:rPr lang="en" sz="3000">
+                  <a:solidFill>
+                    <a:srgbClr val="FFFFFF"/>
+                  </a:solidFill>
+                  <a:latin typeface="Concert One"/>
+                  <a:ea typeface="Concert One"/>
+                  <a:cs typeface="Concert One"/>
+                  <a:sym typeface="Concert One"/>
+                </a:rPr>
+                <a:t>htB</a:t>
+              </a:r>
+              <a:endParaRPr sz="3000">
+                <a:solidFill>
+                  <a:srgbClr val="FFFFFF"/>
+                </a:solidFill>
+                <a:latin typeface="Concert One"/>
+                <a:ea typeface="Concert One"/>
+                <a:cs typeface="Concert One"/>
+                <a:sym typeface="Concert One"/>
+              </a:endParaRPr>
+            </a:p>
+          </p:txBody>
+        </p:sp>
+      </p:grpSp>
+      <p:sp>
+        <p:nvSpPr>
+          <p:cNvPr id="91" name="Google Shape;91;p13"/>
+          <p:cNvSpPr/>
+          <p:nvPr/>
+        </p:nvSpPr>
+        <p:spPr>
+          <a:xfrm flipH="1">
+            <a:off x="7259350" y="1210938"/>
+            <a:ext cx="1418375" cy="646480"/>
+          </a:xfrm>
+          <a:custGeom>
+            <a:rect b="b" l="l" r="r" t="t"/>
+            <a:pathLst>
+              <a:path extrusionOk="0" h="22935" w="56735">
+                <a:moveTo>
+                  <a:pt x="0" y="0"/>
+                </a:moveTo>
+                <a:lnTo>
+                  <a:pt x="56735" y="603"/>
+                </a:lnTo>
+                <a:lnTo>
+                  <a:pt x="47078" y="22332"/>
+                </a:lnTo>
+                <a:lnTo>
+                  <a:pt x="1207" y="22935"/>
+                </a:lnTo>
+                <a:close/>
+              </a:path>
+            </a:pathLst>
+          </a:custGeom>
+          <a:solidFill>
+            <a:srgbClr val="6FA8DC"/>
+          </a:solidFill>
+          <a:ln cap="flat" cmpd="sng" w="9525">
+            <a:solidFill>
+              <a:srgbClr val="595959"/>
+            </a:solidFill>
+            <a:prstDash val="solid"/>
+            <a:round/>
+            <a:headEnd len="med" w="med" type="none"/>
+            <a:tailEnd len="med" w="med" type="none"/>
+          </a:ln>
+        </p:spPr>
+        <p:txBody>
+          <a:bodyPr/>
+          <a:p/>
+        </p:txBody>
+      </p:sp>
+      <p:sp>
+        <p:nvSpPr>
+          <p:cNvPr id="92" name="Google Shape;92;p13"/>
+          <p:cNvSpPr/>
+          <p:nvPr/>
+        </p:nvSpPr>
+        <p:spPr>
+          <a:xfrm>
+            <a:off x="7623450" y="1246763"/>
+            <a:ext cx="982525" cy="574850"/>
           </a:xfrm>
           <a:prstGeom prst="rect">
             <a:avLst/>
           </a:prstGeom>
         </p:spPr>
         <p:txBody>
-          <a:bodyPr anchorCtr="0" anchor="b" bIns="91425" lIns="91425" spcFirstLastPara="1" rIns="91425" wrap="square" tIns="91425">
-            <a:normAutofit/>
+          <a:bodyPr>
+            <a:prstTxWarp prst="textPlain"/>
           </a:bodyPr>
           <a:lstStyle/>
           <a:p>
-            <a:pPr indent="0" lvl="0" marL="0" rtl="0" algn="ctr">
-              <a:spcBef>
-                <a:spcPts val="0"/>
-              </a:spcBef>
-              <a:spcAft>
-                <a:spcPts val="0"/>
-              </a:spcAft>
-              <a:buNone/>
-            </a:pPr>
-            <a:r>
-              <a:t>Mastering the AK-47</a:t>
-            </a:r>
-            <a:endParaRPr/>
-          </a:p>
-        </p:txBody>
-      </p:sp>
-      <p:sp>
-        <p:nvSpPr>
-          <p:cNvPr id="55" name="Google Shape;55;p13"/>
-          <p:cNvSpPr txBox="1"/>
-          <p:nvPr>
-            <p:ph idx="1" type="subTitle"/>
-          </p:nvPr>
-        </p:nvSpPr>
-        <p:spPr>
-          <a:xfrm>
-            <a:off x="311700" y="2834125"/>
-            <a:ext cx="8520600" cy="792600"/>
-          </a:xfrm>
-          <a:prstGeom prst="rect">
-            <a:avLst/>
-          </a:prstGeom>
-        </p:spPr>
-        <p:txBody>
-          <a:bodyPr anchorCtr="0" anchor="t" bIns="91425" lIns="91425" spcFirstLastPara="1" rIns="91425" wrap="square" tIns="91425">
-            <a:normAutofit/>
-          </a:bodyPr>
-          <a:lstStyle/>
-          <a:p>
-            <a:pPr indent="0" lvl="0" marL="0" rtl="0" algn="ctr">
-              <a:spcBef>
-                <a:spcPts val="0"/>
-              </a:spcBef>
-              <a:spcAft>
-                <a:spcPts val="0"/>
-              </a:spcAft>
-              <a:buNone/>
-            </a:pPr>
-            <a:r>
-              <a:t>Improve Your Aiming in Counter-Strike</a:t>
-            </a:r>
-            <a:endParaRPr>
-              <a:solidFill>
-                <a:schemeClr val="dk1"/>
-              </a:solidFill>
-            </a:endParaRPr>
-          </a:p>
-        </p:txBody>
-      </p:sp>
-    </p:spTree>
-  </p:cSld>
-  <p:clrMapOvr>
-    <a:masterClrMapping/>
-  </p:clrMapOvr>
-</p:sld>
-</file>
-
-<file path=ppt/slides/slide10.xml><?xml version="1.0" encoding="utf-8"?>
-<p:sld xmlns:a="http://schemas.openxmlformats.org/drawingml/2006/main" xmlns:p="http://schemas.openxmlformats.org/presentationml/2006/main" xmlns:r="http://schemas.openxmlformats.org/officeDocument/2006/relationships">
-  <p:cSld>
-    <p:spTree>
-      <p:nvGrpSpPr>
-        <p:cNvPr id="1" name=""/>
-        <p:cNvGrpSpPr/>
-        <p:nvPr/>
-      </p:nvGrpSpPr>
-      <p:grpSpPr/>
-      <p:sp>
-        <p:nvSpPr>
-          <p:cNvPr id="60" name="Google Shape;60;p14"/>
-          <p:cNvSpPr txBox="1"/>
-          <p:nvPr>
-            <p:ph type="title"/>
-          </p:nvPr>
-        </p:nvSpPr>
-        <p:spPr>
-          <a:xfrm>
-            <a:off x="311700" y="445025"/>
-            <a:ext cx="8520600" cy="572700"/>
-          </a:xfrm>
-          <a:prstGeom prst="rect">
-            <a:avLst/>
-          </a:prstGeom>
-        </p:spPr>
-        <p:txBody>
-          <a:bodyPr anchorCtr="0" anchor="t" bIns="91425" lIns="91425" spcFirstLastPara="1" rIns="91425" wrap="square" tIns="91425">
-            <a:normAutofit fontScale="90000"/>
-          </a:bodyPr>
-          <a:lstStyle/>
-          <a:p>
-            <a:pPr indent="0" lvl="0" marL="0" rtl="0" algn="l">
-              <a:spcBef>
-                <a:spcPts val="0"/>
-              </a:spcBef>
-              <a:spcAft>
-                <a:spcPts val="0"/>
-              </a:spcAft>
-              <a:buNone/>
-            </a:pPr>
-            <a:r>
-              <a:t>Resources for Further Improvement</a:t>
-            </a:r>
-            <a:endParaRPr/>
-          </a:p>
-        </p:txBody>
-      </p:sp>
-      <p:sp>
-        <p:nvSpPr>
-          <p:cNvPr id="61" name="Google Shape;61;p14"/>
-          <p:cNvSpPr txBox="1"/>
-          <p:nvPr>
-            <p:ph idx="1" type="body"/>
-          </p:nvPr>
-        </p:nvSpPr>
-        <p:spPr>
-          <a:xfrm>
-            <a:off x="311700" y="1152475"/>
-            <a:ext cx="8520600" cy="3416400"/>
-          </a:xfrm>
-          <a:prstGeom prst="rect">
-            <a:avLst/>
-          </a:prstGeom>
-        </p:spPr>
-        <p:txBody>
-          <a:bodyPr anchorCtr="0" anchor="t" bIns="91425" lIns="91425" spcFirstLastPara="1" rIns="91425" wrap="square" tIns="91425">
-            <a:normAutofit/>
-          </a:bodyPr>
-          <a:lstStyle/>
-          <a:p>
-            <a:pPr indent="0" lvl="0" marL="0" rtl="0" algn="l">
-              <a:spcBef>
-                <a:spcPts val="0"/>
-              </a:spcBef>
-              <a:spcAft>
-                <a:spcPts val="1200"/>
-              </a:spcAft>
-              <a:buNone/>
-            </a:pPr>
-            <a:r>
-              <a:t>Guides, tutorials, and tools for continuous learning and practice.</a:t>
-            </a:r>
-            <a:endParaRPr>
-              <a:solidFill>
-                <a:schemeClr val="dk1"/>
-              </a:solidFill>
-            </a:endParaRPr>
-          </a:p>
-        </p:txBody>
-      </p:sp>
-    </p:spTree>
-  </p:cSld>
-  <p:clrMapOvr>
-    <a:masterClrMapping/>
-  </p:clrMapOvr>
-</p:sld>
-</file>
-
-<file path=ppt/slides/slide11.xml><?xml version="1.0" encoding="utf-8"?>
-<p:sld xmlns:a="http://schemas.openxmlformats.org/drawingml/2006/main" xmlns:p="http://schemas.openxmlformats.org/presentationml/2006/main" xmlns:r="http://schemas.openxmlformats.org/officeDocument/2006/relationships">
-  <p:cSld>
-    <p:spTree>
-      <p:nvGrpSpPr>
-        <p:cNvPr id="1" name=""/>
-        <p:cNvGrpSpPr/>
-        <p:nvPr/>
-      </p:nvGrpSpPr>
-      <p:grpSpPr/>
-      <p:sp>
-        <p:nvSpPr>
-          <p:cNvPr id="60" name="Google Shape;60;p14"/>
-          <p:cNvSpPr txBox="1"/>
-          <p:nvPr>
-            <p:ph type="title"/>
-          </p:nvPr>
-        </p:nvSpPr>
-        <p:spPr>
-          <a:xfrm>
-            <a:off x="311700" y="445025"/>
-            <a:ext cx="8520600" cy="572700"/>
-          </a:xfrm>
-          <a:prstGeom prst="rect">
-            <a:avLst/>
-          </a:prstGeom>
-        </p:spPr>
-        <p:txBody>
-          <a:bodyPr anchorCtr="0" anchor="t" bIns="91425" lIns="91425" spcFirstLastPara="1" rIns="91425" wrap="square" tIns="91425">
-            <a:normAutofit fontScale="90000"/>
-          </a:bodyPr>
-          <a:lstStyle/>
-          <a:p>
-            <a:pPr indent="0" lvl="0" marL="0" rtl="0" algn="l">
-              <a:spcBef>
-                <a:spcPts val="0"/>
-              </a:spcBef>
-              <a:spcAft>
-                <a:spcPts val="0"/>
-              </a:spcAft>
-              <a:buNone/>
-            </a:pPr>
-            <a:r>
-              <a:t>Conclusion and Encouragement</a:t>
-            </a:r>
-            <a:endParaRPr/>
-          </a:p>
-        </p:txBody>
-      </p:sp>
-      <p:sp>
-        <p:nvSpPr>
-          <p:cNvPr id="61" name="Google Shape;61;p14"/>
-          <p:cNvSpPr txBox="1"/>
-          <p:nvPr>
-            <p:ph idx="1" type="body"/>
-          </p:nvPr>
-        </p:nvSpPr>
-        <p:spPr>
-          <a:xfrm>
-            <a:off x="311700" y="1152475"/>
-            <a:ext cx="8520600" cy="3416400"/>
-          </a:xfrm>
-          <a:prstGeom prst="rect">
-            <a:avLst/>
-          </a:prstGeom>
-        </p:spPr>
-        <p:txBody>
-          <a:bodyPr anchorCtr="0" anchor="t" bIns="91425" lIns="91425" spcFirstLastPara="1" rIns="91425" wrap="square" tIns="91425">
-            <a:normAutofit/>
-          </a:bodyPr>
-          <a:lstStyle/>
-          <a:p>
-            <a:pPr indent="0" lvl="0" marL="0" rtl="0" algn="l">
-              <a:spcBef>
-                <a:spcPts val="0"/>
-              </a:spcBef>
-              <a:spcAft>
-                <a:spcPts val="1200"/>
-              </a:spcAft>
-              <a:buNone/>
-            </a:pPr>
-            <a:r>
-              <a:t>Final words to motivate players on their journey to mastering aiming with the AK-47.</a:t>
-            </a:r>
-            <a:endParaRPr>
-              <a:solidFill>
-                <a:schemeClr val="dk1"/>
-              </a:solidFill>
-            </a:endParaRPr>
+            <a:pPr lvl="0" algn="ctr"/>
+            <a:r>
+              <a:rPr b="0" i="0">
+                <a:ln cap="flat" cmpd="sng" w="38100">
+                  <a:solidFill>
+                    <a:srgbClr val="EEFF41"/>
+                  </a:solidFill>
+                  <a:prstDash val="solid"/>
+                  <a:round/>
+                  <a:headEnd len="sm" w="sm" type="none"/>
+                  <a:tailEnd len="sm" w="sm" type="none"/>
+                </a:ln>
+                <a:solidFill>
+                  <a:srgbClr val="FFFFFF"/>
+                </a:solidFill>
+                <a:latin typeface="Bookman Old Style"/>
+              </a:rPr>
+              <a:t>86</a:t>
+            </a:r>
           </a:p>
         </p:txBody>
       </p:sp>
@@ -3391,6 +4292,14 @@
 <file path=ppt/slides/slide2.xml><?xml version="1.0" encoding="utf-8"?>
 <p:sld xmlns:a="http://schemas.openxmlformats.org/drawingml/2006/main" xmlns:p="http://schemas.openxmlformats.org/presentationml/2006/main" xmlns:r="http://schemas.openxmlformats.org/officeDocument/2006/relationships">
   <p:cSld>
+    <p:bg>
+      <p:bgPr>
+        <a:solidFill>
+          <a:srgbClr val="00FF00"/>
+        </a:solidFill>
+        <a:effectLst/>
+      </p:bgPr>
+    </p:bg>
     <p:spTree>
       <p:nvGrpSpPr>
         <p:cNvPr id="1" name=""/>
@@ -3400,28 +4309,30 @@
       <p:grpSpPr/>
       <p:sp>
         <p:nvSpPr>
-          <p:cNvPr id="60" name="Google Shape;60;p14"/>
+          <p:cNvPr id="97" name="Google Shape;97;p14"/>
           <p:cNvSpPr txBox="1"/>
-          <p:nvPr>
-            <p:ph type="title"/>
-          </p:nvPr>
+          <p:nvPr/>
         </p:nvSpPr>
         <p:spPr>
           <a:xfrm>
-            <a:off x="311700" y="445025"/>
-            <a:ext cx="8520600" cy="572700"/>
+            <a:off x="311700" y="2150850"/>
+            <a:ext cx="8520600" cy="841800"/>
           </a:xfrm>
           <a:prstGeom prst="rect">
             <a:avLst/>
           </a:prstGeom>
+          <a:noFill/>
+          <a:ln>
+            <a:noFill/>
+          </a:ln>
         </p:spPr>
         <p:txBody>
-          <a:bodyPr anchorCtr="0" anchor="t" bIns="91425" lIns="91425" spcFirstLastPara="1" rIns="91425" wrap="square" tIns="91425">
-            <a:normAutofit fontScale="90000"/>
+          <a:bodyPr anchorCtr="0" anchor="ctr" bIns="91425" lIns="91425" spcFirstLastPara="1" rIns="91425" wrap="square" tIns="91425">
+            <a:normAutofit/>
           </a:bodyPr>
           <a:lstStyle/>
           <a:p>
-            <a:pPr indent="0" lvl="0" marL="0" rtl="0" algn="l">
+            <a:pPr indent="0" lvl="0" marL="0" rtl="0" algn="ctr">
               <a:spcBef>
                 <a:spcPts val="0"/>
               </a:spcBef>
@@ -3431,28 +4342,701 @@
               <a:buNone/>
             </a:pPr>
             <a:r>
-              <a:t>Introduction to the AK-47</a:t>
-            </a:r>
-            <a:endParaRPr/>
-          </a:p>
-        </p:txBody>
-      </p:sp>
-      <p:sp>
-        <p:nvSpPr>
-          <p:cNvPr id="61" name="Google Shape;61;p14"/>
+              <a:t/>
+            </a:r>
+            <a:endParaRPr sz="3600">
+              <a:solidFill>
+                <a:srgbClr val="FFFF00"/>
+              </a:solidFill>
+              <a:latin typeface="Concert One"/>
+              <a:ea typeface="Concert One"/>
+              <a:cs typeface="Concert One"/>
+              <a:sym typeface="Concert One"/>
+            </a:endParaRPr>
+          </a:p>
+        </p:txBody>
+      </p:sp>
+      <p:sp>
+        <p:nvSpPr>
+          <p:cNvPr id="98" name="Google Shape;98;p14"/>
           <p:cNvSpPr txBox="1"/>
-          <p:nvPr>
-            <p:ph idx="1" type="body"/>
-          </p:nvPr>
+          <p:nvPr/>
         </p:nvSpPr>
         <p:spPr>
           <a:xfrm>
-            <a:off x="311700" y="1152475"/>
-            <a:ext cx="8520600" cy="3416400"/>
+            <a:off x="8472458" y="4663217"/>
+            <a:ext cx="548700" cy="393600"/>
           </a:xfrm>
           <a:prstGeom prst="rect">
             <a:avLst/>
           </a:prstGeom>
+          <a:noFill/>
+          <a:ln>
+            <a:noFill/>
+          </a:ln>
+        </p:spPr>
+        <p:txBody>
+          <a:bodyPr anchorCtr="0" anchor="ctr" bIns="91425" lIns="91425" spcFirstLastPara="1" rIns="91425" wrap="square" tIns="91425">
+            <a:normAutofit/>
+          </a:bodyPr>
+          <a:lstStyle/>
+          <a:p>
+            <a:pPr indent="0" lvl="0" marL="0" rtl="0" algn="r">
+              <a:spcBef>
+                <a:spcPts val="0"/>
+              </a:spcBef>
+              <a:spcAft>
+                <a:spcPts val="0"/>
+              </a:spcAft>
+              <a:buNone/>
+            </a:pPr>
+            <a:fld id="{00000000-1234-1234-1234-123412341234}" type="slidenum">
+              <a:rPr lang="en" sz="1000">
+                <a:solidFill>
+                  <a:srgbClr val="595959"/>
+                </a:solidFill>
+              </a:rPr>
+              <a:t>‹#›</a:t>
+            </a:fld>
+            <a:endParaRPr sz="1000">
+              <a:solidFill>
+                <a:srgbClr val="595959"/>
+              </a:solidFill>
+            </a:endParaRPr>
+          </a:p>
+        </p:txBody>
+      </p:sp>
+      <p:grpSp>
+        <p:nvGrpSpPr>
+          <p:cNvPr id="99" name="Google Shape;99;p14"/>
+          <p:cNvGrpSpPr/>
+          <p:nvPr/>
+        </p:nvGrpSpPr>
+        <p:grpSpPr>
+          <a:xfrm>
+            <a:off x="0" y="0"/>
+            <a:ext cx="1630822" cy="1778529"/>
+            <a:chOff x="0" y="0"/>
+            <a:chExt cx="1630822" cy="1778529"/>
+          </a:xfrm>
+        </p:grpSpPr>
+        <p:sp>
+          <p:nvSpPr>
+            <p:cNvPr id="100" name="Google Shape;100;p14"/>
+            <p:cNvSpPr/>
+            <p:nvPr/>
+          </p:nvSpPr>
+          <p:spPr>
+            <a:xfrm rot="278943">
+              <a:off x="467742" y="543209"/>
+              <a:ext cx="1116614" cy="1192029"/>
+            </a:xfrm>
+            <a:prstGeom prst="lightningBolt">
+              <a:avLst/>
+            </a:prstGeom>
+            <a:solidFill>
+              <a:srgbClr val="FFFF00"/>
+            </a:solidFill>
+            <a:ln cap="flat" cmpd="sng" w="9525">
+              <a:solidFill>
+                <a:srgbClr val="595959"/>
+              </a:solidFill>
+              <a:prstDash val="solid"/>
+              <a:round/>
+              <a:headEnd len="sm" w="sm" type="none"/>
+              <a:tailEnd len="sm" w="sm" type="none"/>
+            </a:ln>
+          </p:spPr>
+          <p:txBody>
+            <a:bodyPr anchorCtr="0" anchor="ctr" bIns="91425" lIns="91425" spcFirstLastPara="1" rIns="91425" wrap="square" tIns="91425">
+              <a:noAutofit/>
+            </a:bodyPr>
+            <a:lstStyle/>
+            <a:p>
+              <a:pPr indent="0" lvl="0" marL="0" rtl="0" algn="l">
+                <a:spcBef>
+                  <a:spcPts val="0"/>
+                </a:spcBef>
+                <a:spcAft>
+                  <a:spcPts val="0"/>
+                </a:spcAft>
+                <a:buNone/>
+              </a:pPr>
+              <a:r>
+                <a:t/>
+              </a:r>
+              <a:endParaRPr/>
+            </a:p>
+          </p:txBody>
+        </p:sp>
+        <p:sp>
+          <p:nvSpPr>
+            <p:cNvPr id="101" name="Google Shape;101;p14"/>
+            <p:cNvSpPr/>
+            <p:nvPr/>
+          </p:nvSpPr>
+          <p:spPr>
+            <a:xfrm>
+              <a:off x="0" y="0"/>
+              <a:ext cx="1342872" cy="1010988"/>
+            </a:xfrm>
+            <a:prstGeom prst="cloud">
+              <a:avLst/>
+            </a:prstGeom>
+            <a:solidFill>
+              <a:srgbClr val="666666"/>
+            </a:solidFill>
+            <a:ln cap="flat" cmpd="sng" w="9525">
+              <a:solidFill>
+                <a:srgbClr val="595959"/>
+              </a:solidFill>
+              <a:prstDash val="solid"/>
+              <a:round/>
+              <a:headEnd len="sm" w="sm" type="none"/>
+              <a:tailEnd len="sm" w="sm" type="none"/>
+            </a:ln>
+          </p:spPr>
+          <p:txBody>
+            <a:bodyPr anchorCtr="0" anchor="ctr" bIns="91425" lIns="91425" spcFirstLastPara="1" rIns="91425" wrap="square" tIns="91425">
+              <a:noAutofit/>
+            </a:bodyPr>
+            <a:lstStyle/>
+            <a:p>
+              <a:pPr indent="0" lvl="0" marL="0" rtl="0" algn="l">
+                <a:spcBef>
+                  <a:spcPts val="0"/>
+                </a:spcBef>
+                <a:spcAft>
+                  <a:spcPts val="0"/>
+                </a:spcAft>
+                <a:buNone/>
+              </a:pPr>
+              <a:r>
+                <a:t/>
+              </a:r>
+              <a:endParaRPr/>
+            </a:p>
+          </p:txBody>
+        </p:sp>
+        <p:sp>
+          <p:nvSpPr>
+            <p:cNvPr id="102" name="Google Shape;102;p14"/>
+            <p:cNvSpPr txBox="1"/>
+            <p:nvPr/>
+          </p:nvSpPr>
+          <p:spPr>
+            <a:xfrm>
+              <a:off x="421275" y="5250"/>
+              <a:ext cx="709200" cy="1000500"/>
+            </a:xfrm>
+            <a:prstGeom prst="rect">
+              <a:avLst/>
+            </a:prstGeom>
+            <a:noFill/>
+            <a:ln>
+              <a:noFill/>
+            </a:ln>
+          </p:spPr>
+          <p:txBody>
+            <a:bodyPr anchorCtr="0" anchor="t" bIns="91425" lIns="91425" spcFirstLastPara="1" rIns="91425" wrap="square" tIns="91425">
+              <a:spAutoFit/>
+            </a:bodyPr>
+            <a:lstStyle/>
+            <a:p>
+              <a:pPr indent="0" lvl="0" marL="0" rtl="0" algn="l">
+                <a:spcBef>
+                  <a:spcPts val="0"/>
+                </a:spcBef>
+                <a:spcAft>
+                  <a:spcPts val="0"/>
+                </a:spcAft>
+                <a:buNone/>
+              </a:pPr>
+              <a:r>
+                <a:rPr lang="en" sz="5300">
+                  <a:solidFill>
+                    <a:srgbClr val="FFFFFF"/>
+                  </a:solidFill>
+                  <a:latin typeface="Concert One"/>
+                  <a:ea typeface="Concert One"/>
+                  <a:cs typeface="Concert One"/>
+                  <a:sym typeface="Concert One"/>
+                </a:rPr>
+                <a:t>C</a:t>
+              </a:r>
+              <a:endParaRPr sz="5300">
+                <a:solidFill>
+                  <a:srgbClr val="FFFFFF"/>
+                </a:solidFill>
+                <a:latin typeface="Concert One"/>
+                <a:ea typeface="Concert One"/>
+                <a:cs typeface="Concert One"/>
+                <a:sym typeface="Concert One"/>
+              </a:endParaRPr>
+            </a:p>
+          </p:txBody>
+        </p:sp>
+      </p:grpSp>
+      <p:sp>
+        <p:nvSpPr>
+          <p:cNvPr id="103" name="Google Shape;103;p14"/>
+          <p:cNvSpPr/>
+          <p:nvPr/>
+        </p:nvSpPr>
+        <p:spPr>
+          <a:xfrm rot="-1823892">
+            <a:off x="6492446" y="3564364"/>
+            <a:ext cx="3403710" cy="3062170"/>
+          </a:xfrm>
+          <a:prstGeom prst="blockArc">
+            <a:avLst>
+              <a:gd fmla="val 12453525" name="adj1"/>
+              <a:gd fmla="val 21126457" name="adj2"/>
+              <a:gd fmla="val 14451" name="adj3"/>
+            </a:avLst>
+          </a:prstGeom>
+          <a:solidFill>
+            <a:srgbClr val="000000"/>
+          </a:solidFill>
+          <a:ln cap="flat" cmpd="sng" w="9525">
+            <a:solidFill>
+              <a:srgbClr val="595959"/>
+            </a:solidFill>
+            <a:prstDash val="solid"/>
+            <a:round/>
+            <a:headEnd len="sm" w="sm" type="none"/>
+            <a:tailEnd len="sm" w="sm" type="none"/>
+          </a:ln>
+        </p:spPr>
+        <p:txBody>
+          <a:bodyPr anchorCtr="0" anchor="ctr" bIns="91425" lIns="91425" spcFirstLastPara="1" rIns="91425" wrap="square" tIns="91425">
+            <a:noAutofit/>
+          </a:bodyPr>
+          <a:lstStyle/>
+          <a:p>
+            <a:pPr indent="0" lvl="0" marL="0" rtl="0" algn="l">
+              <a:spcBef>
+                <a:spcPts val="0"/>
+              </a:spcBef>
+              <a:spcAft>
+                <a:spcPts val="0"/>
+              </a:spcAft>
+              <a:buNone/>
+            </a:pPr>
+            <a:r>
+              <a:t/>
+            </a:r>
+            <a:endParaRPr>
+              <a:solidFill>
+                <a:srgbClr val="FFFFFF"/>
+              </a:solidFill>
+            </a:endParaRPr>
+          </a:p>
+        </p:txBody>
+      </p:sp>
+      <p:sp>
+        <p:nvSpPr>
+          <p:cNvPr id="104" name="Google Shape;104;p14"/>
+          <p:cNvSpPr/>
+          <p:nvPr/>
+        </p:nvSpPr>
+        <p:spPr>
+          <a:xfrm>
+            <a:off x="6986250" y="3968425"/>
+            <a:ext cx="2157750" cy="1192050"/>
+          </a:xfrm>
+          <a:custGeom>
+            <a:rect b="b" l="l" r="r" t="t"/>
+            <a:pathLst>
+              <a:path extrusionOk="0" h="47682" w="86310">
+                <a:moveTo>
+                  <a:pt x="0" y="47682"/>
+                </a:moveTo>
+                <a:lnTo>
+                  <a:pt x="85706" y="47078"/>
+                </a:lnTo>
+                <a:lnTo>
+                  <a:pt x="86310" y="13279"/>
+                </a:lnTo>
+                <a:lnTo>
+                  <a:pt x="80274" y="6640"/>
+                </a:lnTo>
+                <a:lnTo>
+                  <a:pt x="66392" y="604"/>
+                </a:lnTo>
+                <a:lnTo>
+                  <a:pt x="50096" y="0"/>
+                </a:lnTo>
+                <a:lnTo>
+                  <a:pt x="35611" y="2415"/>
+                </a:lnTo>
+                <a:lnTo>
+                  <a:pt x="22332" y="9657"/>
+                </a:lnTo>
+                <a:lnTo>
+                  <a:pt x="12072" y="18711"/>
+                </a:lnTo>
+                <a:lnTo>
+                  <a:pt x="4829" y="30179"/>
+                </a:lnTo>
+                <a:lnTo>
+                  <a:pt x="0" y="38629"/>
+                </a:lnTo>
+                <a:close/>
+              </a:path>
+            </a:pathLst>
+          </a:custGeom>
+          <a:solidFill>
+            <a:srgbClr val="EEFF41"/>
+          </a:solidFill>
+          <a:ln cap="flat" cmpd="sng" w="9525">
+            <a:solidFill>
+              <a:srgbClr val="595959"/>
+            </a:solidFill>
+            <a:prstDash val="solid"/>
+            <a:round/>
+            <a:headEnd len="med" w="med" type="none"/>
+            <a:tailEnd len="med" w="med" type="none"/>
+          </a:ln>
+        </p:spPr>
+        <p:txBody>
+          <a:bodyPr/>
+          <a:p/>
+        </p:txBody>
+      </p:sp>
+      <p:sp>
+        <p:nvSpPr>
+          <p:cNvPr id="105" name="Google Shape;105;p14"/>
+          <p:cNvSpPr txBox="1"/>
+          <p:nvPr/>
+        </p:nvSpPr>
+        <p:spPr>
+          <a:xfrm rot="-2036850">
+            <a:off x="6803389" y="3812943"/>
+            <a:ext cx="1333374" cy="492498"/>
+          </a:xfrm>
+          <a:prstGeom prst="rect">
+            <a:avLst/>
+          </a:prstGeom>
+          <a:noFill/>
+          <a:ln>
+            <a:noFill/>
+          </a:ln>
+        </p:spPr>
+        <p:txBody>
+          <a:bodyPr anchorCtr="0" anchor="t" bIns="91425" lIns="91425" spcFirstLastPara="1" rIns="91425" wrap="square" tIns="91425">
+            <a:spAutoFit/>
+          </a:bodyPr>
+          <a:lstStyle/>
+          <a:p>
+            <a:pPr indent="0" lvl="0" marL="0" rtl="0" algn="l">
+              <a:spcBef>
+                <a:spcPts val="0"/>
+              </a:spcBef>
+              <a:spcAft>
+                <a:spcPts val="0"/>
+              </a:spcAft>
+              <a:buNone/>
+            </a:pPr>
+            <a:r>
+              <a:rPr lang="en" sz="2000">
+                <a:solidFill>
+                  <a:srgbClr val="FFFFFF"/>
+                </a:solidFill>
+                <a:latin typeface="Concert One"/>
+                <a:ea typeface="Concert One"/>
+                <a:cs typeface="Concert One"/>
+                <a:sym typeface="Concert One"/>
+              </a:rPr>
+              <a:t>LIGHTYEAR</a:t>
+            </a:r>
+            <a:endParaRPr sz="2000">
+              <a:solidFill>
+                <a:srgbClr val="FFFFFF"/>
+              </a:solidFill>
+              <a:latin typeface="Concert One"/>
+              <a:ea typeface="Concert One"/>
+              <a:cs typeface="Concert One"/>
+              <a:sym typeface="Concert One"/>
+            </a:endParaRPr>
+          </a:p>
+        </p:txBody>
+      </p:sp>
+      <p:sp>
+        <p:nvSpPr>
+          <p:cNvPr id="106" name="Google Shape;106;p14"/>
+          <p:cNvSpPr/>
+          <p:nvPr/>
+        </p:nvSpPr>
+        <p:spPr>
+          <a:xfrm>
+            <a:off x="7978775" y="4121775"/>
+            <a:ext cx="267000" cy="220500"/>
+          </a:xfrm>
+          <a:prstGeom prst="heptagon">
+            <a:avLst>
+              <a:gd fmla="val 102572" name="hf"/>
+              <a:gd fmla="val 105210" name="vf"/>
+            </a:avLst>
+          </a:prstGeom>
+          <a:solidFill>
+            <a:srgbClr val="595959"/>
+          </a:solidFill>
+          <a:ln cap="flat" cmpd="sng" w="9525">
+            <a:solidFill>
+              <a:srgbClr val="595959"/>
+            </a:solidFill>
+            <a:prstDash val="solid"/>
+            <a:round/>
+            <a:headEnd len="sm" w="sm" type="none"/>
+            <a:tailEnd len="sm" w="sm" type="none"/>
+          </a:ln>
+        </p:spPr>
+        <p:txBody>
+          <a:bodyPr anchorCtr="0" anchor="ctr" bIns="91425" lIns="91425" spcFirstLastPara="1" rIns="91425" wrap="square" tIns="91425">
+            <a:noAutofit/>
+          </a:bodyPr>
+          <a:lstStyle/>
+          <a:p>
+            <a:pPr indent="0" lvl="0" marL="0" rtl="0" algn="l">
+              <a:spcBef>
+                <a:spcPts val="0"/>
+              </a:spcBef>
+              <a:spcAft>
+                <a:spcPts val="0"/>
+              </a:spcAft>
+              <a:buNone/>
+            </a:pPr>
+            <a:r>
+              <a:t/>
+            </a:r>
+            <a:endParaRPr/>
+          </a:p>
+        </p:txBody>
+      </p:sp>
+      <p:sp>
+        <p:nvSpPr>
+          <p:cNvPr id="107" name="Google Shape;107;p14"/>
+          <p:cNvSpPr/>
+          <p:nvPr/>
+        </p:nvSpPr>
+        <p:spPr>
+          <a:xfrm>
+            <a:off x="8677950" y="4342275"/>
+            <a:ext cx="267000" cy="220500"/>
+          </a:xfrm>
+          <a:prstGeom prst="heptagon">
+            <a:avLst>
+              <a:gd fmla="val 102572" name="hf"/>
+              <a:gd fmla="val 105210" name="vf"/>
+            </a:avLst>
+          </a:prstGeom>
+          <a:solidFill>
+            <a:srgbClr val="595959"/>
+          </a:solidFill>
+          <a:ln cap="flat" cmpd="sng" w="9525">
+            <a:solidFill>
+              <a:srgbClr val="595959"/>
+            </a:solidFill>
+            <a:prstDash val="solid"/>
+            <a:round/>
+            <a:headEnd len="sm" w="sm" type="none"/>
+            <a:tailEnd len="sm" w="sm" type="none"/>
+          </a:ln>
+        </p:spPr>
+        <p:txBody>
+          <a:bodyPr anchorCtr="0" anchor="ctr" bIns="91425" lIns="91425" spcFirstLastPara="1" rIns="91425" wrap="square" tIns="91425">
+            <a:noAutofit/>
+          </a:bodyPr>
+          <a:lstStyle/>
+          <a:p>
+            <a:pPr indent="0" lvl="0" marL="0" rtl="0" algn="l">
+              <a:spcBef>
+                <a:spcPts val="0"/>
+              </a:spcBef>
+              <a:spcAft>
+                <a:spcPts val="0"/>
+              </a:spcAft>
+              <a:buNone/>
+            </a:pPr>
+            <a:r>
+              <a:t/>
+            </a:r>
+            <a:endParaRPr/>
+          </a:p>
+        </p:txBody>
+      </p:sp>
+      <p:sp>
+        <p:nvSpPr>
+          <p:cNvPr id="108" name="Google Shape;108;p14"/>
+          <p:cNvSpPr/>
+          <p:nvPr/>
+        </p:nvSpPr>
+        <p:spPr>
+          <a:xfrm>
+            <a:off x="7341675" y="4486575"/>
+            <a:ext cx="267000" cy="220500"/>
+          </a:xfrm>
+          <a:prstGeom prst="heptagon">
+            <a:avLst>
+              <a:gd fmla="val 102572" name="hf"/>
+              <a:gd fmla="val 105210" name="vf"/>
+            </a:avLst>
+          </a:prstGeom>
+          <a:solidFill>
+            <a:srgbClr val="595959"/>
+          </a:solidFill>
+          <a:ln cap="flat" cmpd="sng" w="9525">
+            <a:solidFill>
+              <a:srgbClr val="595959"/>
+            </a:solidFill>
+            <a:prstDash val="solid"/>
+            <a:round/>
+            <a:headEnd len="sm" w="sm" type="none"/>
+            <a:tailEnd len="sm" w="sm" type="none"/>
+          </a:ln>
+        </p:spPr>
+        <p:txBody>
+          <a:bodyPr anchorCtr="0" anchor="ctr" bIns="91425" lIns="91425" spcFirstLastPara="1" rIns="91425" wrap="square" tIns="91425">
+            <a:noAutofit/>
+          </a:bodyPr>
+          <a:lstStyle/>
+          <a:p>
+            <a:pPr indent="0" lvl="0" marL="0" rtl="0" algn="l">
+              <a:spcBef>
+                <a:spcPts val="0"/>
+              </a:spcBef>
+              <a:spcAft>
+                <a:spcPts val="0"/>
+              </a:spcAft>
+              <a:buNone/>
+            </a:pPr>
+            <a:r>
+              <a:t/>
+            </a:r>
+            <a:endParaRPr/>
+          </a:p>
+        </p:txBody>
+      </p:sp>
+      <p:sp>
+        <p:nvSpPr>
+          <p:cNvPr id="109" name="Google Shape;109;p14"/>
+          <p:cNvSpPr/>
+          <p:nvPr/>
+        </p:nvSpPr>
+        <p:spPr>
+          <a:xfrm>
+            <a:off x="7189275" y="5089450"/>
+            <a:ext cx="267000" cy="220500"/>
+          </a:xfrm>
+          <a:prstGeom prst="heptagon">
+            <a:avLst>
+              <a:gd fmla="val 102572" name="hf"/>
+              <a:gd fmla="val 105210" name="vf"/>
+            </a:avLst>
+          </a:prstGeom>
+          <a:solidFill>
+            <a:srgbClr val="595959"/>
+          </a:solidFill>
+          <a:ln cap="flat" cmpd="sng" w="9525">
+            <a:solidFill>
+              <a:srgbClr val="595959"/>
+            </a:solidFill>
+            <a:prstDash val="solid"/>
+            <a:round/>
+            <a:headEnd len="sm" w="sm" type="none"/>
+            <a:tailEnd len="sm" w="sm" type="none"/>
+          </a:ln>
+        </p:spPr>
+        <p:txBody>
+          <a:bodyPr anchorCtr="0" anchor="ctr" bIns="91425" lIns="91425" spcFirstLastPara="1" rIns="91425" wrap="square" tIns="91425">
+            <a:noAutofit/>
+          </a:bodyPr>
+          <a:lstStyle/>
+          <a:p>
+            <a:pPr indent="0" lvl="0" marL="0" rtl="0" algn="l">
+              <a:spcBef>
+                <a:spcPts val="0"/>
+              </a:spcBef>
+              <a:spcAft>
+                <a:spcPts val="0"/>
+              </a:spcAft>
+              <a:buNone/>
+            </a:pPr>
+            <a:r>
+              <a:t/>
+            </a:r>
+            <a:endParaRPr/>
+          </a:p>
+        </p:txBody>
+      </p:sp>
+      <p:sp>
+        <p:nvSpPr>
+          <p:cNvPr id="110" name="Google Shape;110;p14"/>
+          <p:cNvSpPr txBox="1"/>
+          <p:nvPr/>
+        </p:nvSpPr>
+        <p:spPr>
+          <a:xfrm>
+            <a:off x="1794475" y="179925"/>
+            <a:ext cx="7150500" cy="841800"/>
+          </a:xfrm>
+          <a:prstGeom prst="rect">
+            <a:avLst/>
+          </a:prstGeom>
+          <a:noFill/>
+          <a:ln>
+            <a:noFill/>
+          </a:ln>
+        </p:spPr>
+        <p:txBody>
+          <a:bodyPr anchorCtr="0" anchor="ctr" bIns="91425" lIns="91425" spcFirstLastPara="1" rIns="91425" wrap="square" tIns="91425">
+            <a:normAutofit/>
+          </a:bodyPr>
+          <a:lstStyle/>
+          <a:p>
+            <a:pPr indent="0" lvl="0" marL="0" rtl="0" algn="l">
+              <a:spcBef>
+                <a:spcPts val="0"/>
+              </a:spcBef>
+              <a:spcAft>
+                <a:spcPts val="0"/>
+              </a:spcAft>
+              <a:buNone/>
+            </a:pPr>
+            <a:r>
+              <a:t>Who is Chick Hicks?</a:t>
+            </a:r>
+            <a:endParaRPr sz="3600">
+              <a:solidFill>
+                <a:srgbClr val="FFFF00"/>
+              </a:solidFill>
+              <a:latin typeface="Concert One"/>
+              <a:ea typeface="Concert One"/>
+              <a:cs typeface="Concert One"/>
+              <a:sym typeface="Concert One"/>
+            </a:endParaRPr>
+          </a:p>
+        </p:txBody>
+      </p:sp>
+      <p:sp>
+        <p:nvSpPr>
+          <p:cNvPr id="111" name="Google Shape;111;p14"/>
+          <p:cNvSpPr txBox="1"/>
+          <p:nvPr/>
+        </p:nvSpPr>
+        <p:spPr>
+          <a:xfrm>
+            <a:off x="828275" y="1925252"/>
+            <a:ext cx="7150500" cy="2637600"/>
+          </a:xfrm>
+          <a:prstGeom prst="rect">
+            <a:avLst/>
+          </a:prstGeom>
+          <a:noFill/>
+          <a:ln>
+            <a:noFill/>
+          </a:ln>
         </p:spPr>
         <p:txBody>
           <a:bodyPr anchorCtr="0" anchor="t" bIns="91425" lIns="91425" spcFirstLastPara="1" rIns="91425" wrap="square" tIns="91425">
@@ -3465,17 +5049,21 @@
                 <a:spcPts val="0"/>
               </a:spcBef>
               <a:spcAft>
-                <a:spcPts val="1200"/>
+                <a:spcPts val="0"/>
               </a:spcAft>
               <a:buNone/>
             </a:pPr>
             <a:r>
-              <a:t>Overview of the weapon's significance in the game and basic attributes.</a:t>
-            </a:r>
-            <a:endParaRPr>
+              <a:t>Meet Chick Hicks, also known as 'The Green Thunder,' a veteran racecar with unmatched ambition and a knack for winning. Notorious for his aggressive racing technique and unwavering confidence, Hicks stands out as a pivotal character in the racing industry.</a:t>
+            </a:r>
+            <a:endParaRPr sz="2200">
               <a:solidFill>
-                <a:schemeClr val="dk1"/>
+                <a:srgbClr val="FFFF00"/>
               </a:solidFill>
+              <a:latin typeface="Concert One"/>
+              <a:ea typeface="Concert One"/>
+              <a:cs typeface="Concert One"/>
+              <a:sym typeface="Concert One"/>
             </a:endParaRPr>
           </a:p>
         </p:txBody>
@@ -3491,6 +5079,14 @@
 <file path=ppt/slides/slide3.xml><?xml version="1.0" encoding="utf-8"?>
 <p:sld xmlns:a="http://schemas.openxmlformats.org/drawingml/2006/main" xmlns:p="http://schemas.openxmlformats.org/presentationml/2006/main" xmlns:r="http://schemas.openxmlformats.org/officeDocument/2006/relationships">
   <p:cSld>
+    <p:bg>
+      <p:bgPr>
+        <a:solidFill>
+          <a:srgbClr val="00FF00"/>
+        </a:solidFill>
+        <a:effectLst/>
+      </p:bgPr>
+    </p:bg>
     <p:spTree>
       <p:nvGrpSpPr>
         <p:cNvPr id="1" name=""/>
@@ -3500,28 +5096,30 @@
       <p:grpSpPr/>
       <p:sp>
         <p:nvSpPr>
-          <p:cNvPr id="60" name="Google Shape;60;p14"/>
+          <p:cNvPr id="97" name="Google Shape;97;p14"/>
           <p:cNvSpPr txBox="1"/>
-          <p:nvPr>
-            <p:ph type="title"/>
-          </p:nvPr>
+          <p:nvPr/>
         </p:nvSpPr>
         <p:spPr>
           <a:xfrm>
-            <a:off x="311700" y="445025"/>
-            <a:ext cx="8520600" cy="572700"/>
+            <a:off x="311700" y="2150850"/>
+            <a:ext cx="8520600" cy="841800"/>
           </a:xfrm>
           <a:prstGeom prst="rect">
             <a:avLst/>
           </a:prstGeom>
+          <a:noFill/>
+          <a:ln>
+            <a:noFill/>
+          </a:ln>
         </p:spPr>
         <p:txBody>
-          <a:bodyPr anchorCtr="0" anchor="t" bIns="91425" lIns="91425" spcFirstLastPara="1" rIns="91425" wrap="square" tIns="91425">
-            <a:normAutofit fontScale="90000"/>
+          <a:bodyPr anchorCtr="0" anchor="ctr" bIns="91425" lIns="91425" spcFirstLastPara="1" rIns="91425" wrap="square" tIns="91425">
+            <a:normAutofit/>
           </a:bodyPr>
           <a:lstStyle/>
           <a:p>
-            <a:pPr indent="0" lvl="0" marL="0" rtl="0" algn="l">
+            <a:pPr indent="0" lvl="0" marL="0" rtl="0" algn="ctr">
               <a:spcBef>
                 <a:spcPts val="0"/>
               </a:spcBef>
@@ -3531,28 +5129,701 @@
               <a:buNone/>
             </a:pPr>
             <a:r>
-              <a:t>Basic Aiming Techniques</a:t>
-            </a:r>
-            <a:endParaRPr/>
-          </a:p>
-        </p:txBody>
-      </p:sp>
-      <p:sp>
-        <p:nvSpPr>
-          <p:cNvPr id="61" name="Google Shape;61;p14"/>
+              <a:t/>
+            </a:r>
+            <a:endParaRPr sz="3600">
+              <a:solidFill>
+                <a:srgbClr val="FFFF00"/>
+              </a:solidFill>
+              <a:latin typeface="Concert One"/>
+              <a:ea typeface="Concert One"/>
+              <a:cs typeface="Concert One"/>
+              <a:sym typeface="Concert One"/>
+            </a:endParaRPr>
+          </a:p>
+        </p:txBody>
+      </p:sp>
+      <p:sp>
+        <p:nvSpPr>
+          <p:cNvPr id="98" name="Google Shape;98;p14"/>
           <p:cNvSpPr txBox="1"/>
-          <p:nvPr>
-            <p:ph idx="1" type="body"/>
-          </p:nvPr>
+          <p:nvPr/>
         </p:nvSpPr>
         <p:spPr>
           <a:xfrm>
-            <a:off x="311700" y="1152475"/>
-            <a:ext cx="8520600" cy="3416400"/>
+            <a:off x="8472458" y="4663217"/>
+            <a:ext cx="548700" cy="393600"/>
           </a:xfrm>
           <a:prstGeom prst="rect">
             <a:avLst/>
           </a:prstGeom>
+          <a:noFill/>
+          <a:ln>
+            <a:noFill/>
+          </a:ln>
+        </p:spPr>
+        <p:txBody>
+          <a:bodyPr anchorCtr="0" anchor="ctr" bIns="91425" lIns="91425" spcFirstLastPara="1" rIns="91425" wrap="square" tIns="91425">
+            <a:normAutofit/>
+          </a:bodyPr>
+          <a:lstStyle/>
+          <a:p>
+            <a:pPr indent="0" lvl="0" marL="0" rtl="0" algn="r">
+              <a:spcBef>
+                <a:spcPts val="0"/>
+              </a:spcBef>
+              <a:spcAft>
+                <a:spcPts val="0"/>
+              </a:spcAft>
+              <a:buNone/>
+            </a:pPr>
+            <a:fld id="{00000000-1234-1234-1234-123412341234}" type="slidenum">
+              <a:rPr lang="en" sz="1000">
+                <a:solidFill>
+                  <a:srgbClr val="595959"/>
+                </a:solidFill>
+              </a:rPr>
+              <a:t>‹#›</a:t>
+            </a:fld>
+            <a:endParaRPr sz="1000">
+              <a:solidFill>
+                <a:srgbClr val="595959"/>
+              </a:solidFill>
+            </a:endParaRPr>
+          </a:p>
+        </p:txBody>
+      </p:sp>
+      <p:grpSp>
+        <p:nvGrpSpPr>
+          <p:cNvPr id="99" name="Google Shape;99;p14"/>
+          <p:cNvGrpSpPr/>
+          <p:nvPr/>
+        </p:nvGrpSpPr>
+        <p:grpSpPr>
+          <a:xfrm>
+            <a:off x="0" y="0"/>
+            <a:ext cx="1630822" cy="1778529"/>
+            <a:chOff x="0" y="0"/>
+            <a:chExt cx="1630822" cy="1778529"/>
+          </a:xfrm>
+        </p:grpSpPr>
+        <p:sp>
+          <p:nvSpPr>
+            <p:cNvPr id="100" name="Google Shape;100;p14"/>
+            <p:cNvSpPr/>
+            <p:nvPr/>
+          </p:nvSpPr>
+          <p:spPr>
+            <a:xfrm rot="278943">
+              <a:off x="467742" y="543209"/>
+              <a:ext cx="1116614" cy="1192029"/>
+            </a:xfrm>
+            <a:prstGeom prst="lightningBolt">
+              <a:avLst/>
+            </a:prstGeom>
+            <a:solidFill>
+              <a:srgbClr val="FFFF00"/>
+            </a:solidFill>
+            <a:ln cap="flat" cmpd="sng" w="9525">
+              <a:solidFill>
+                <a:srgbClr val="595959"/>
+              </a:solidFill>
+              <a:prstDash val="solid"/>
+              <a:round/>
+              <a:headEnd len="sm" w="sm" type="none"/>
+              <a:tailEnd len="sm" w="sm" type="none"/>
+            </a:ln>
+          </p:spPr>
+          <p:txBody>
+            <a:bodyPr anchorCtr="0" anchor="ctr" bIns="91425" lIns="91425" spcFirstLastPara="1" rIns="91425" wrap="square" tIns="91425">
+              <a:noAutofit/>
+            </a:bodyPr>
+            <a:lstStyle/>
+            <a:p>
+              <a:pPr indent="0" lvl="0" marL="0" rtl="0" algn="l">
+                <a:spcBef>
+                  <a:spcPts val="0"/>
+                </a:spcBef>
+                <a:spcAft>
+                  <a:spcPts val="0"/>
+                </a:spcAft>
+                <a:buNone/>
+              </a:pPr>
+              <a:r>
+                <a:t/>
+              </a:r>
+              <a:endParaRPr/>
+            </a:p>
+          </p:txBody>
+        </p:sp>
+        <p:sp>
+          <p:nvSpPr>
+            <p:cNvPr id="101" name="Google Shape;101;p14"/>
+            <p:cNvSpPr/>
+            <p:nvPr/>
+          </p:nvSpPr>
+          <p:spPr>
+            <a:xfrm>
+              <a:off x="0" y="0"/>
+              <a:ext cx="1342872" cy="1010988"/>
+            </a:xfrm>
+            <a:prstGeom prst="cloud">
+              <a:avLst/>
+            </a:prstGeom>
+            <a:solidFill>
+              <a:srgbClr val="666666"/>
+            </a:solidFill>
+            <a:ln cap="flat" cmpd="sng" w="9525">
+              <a:solidFill>
+                <a:srgbClr val="595959"/>
+              </a:solidFill>
+              <a:prstDash val="solid"/>
+              <a:round/>
+              <a:headEnd len="sm" w="sm" type="none"/>
+              <a:tailEnd len="sm" w="sm" type="none"/>
+            </a:ln>
+          </p:spPr>
+          <p:txBody>
+            <a:bodyPr anchorCtr="0" anchor="ctr" bIns="91425" lIns="91425" spcFirstLastPara="1" rIns="91425" wrap="square" tIns="91425">
+              <a:noAutofit/>
+            </a:bodyPr>
+            <a:lstStyle/>
+            <a:p>
+              <a:pPr indent="0" lvl="0" marL="0" rtl="0" algn="l">
+                <a:spcBef>
+                  <a:spcPts val="0"/>
+                </a:spcBef>
+                <a:spcAft>
+                  <a:spcPts val="0"/>
+                </a:spcAft>
+                <a:buNone/>
+              </a:pPr>
+              <a:r>
+                <a:t/>
+              </a:r>
+              <a:endParaRPr/>
+            </a:p>
+          </p:txBody>
+        </p:sp>
+        <p:sp>
+          <p:nvSpPr>
+            <p:cNvPr id="102" name="Google Shape;102;p14"/>
+            <p:cNvSpPr txBox="1"/>
+            <p:nvPr/>
+          </p:nvSpPr>
+          <p:spPr>
+            <a:xfrm>
+              <a:off x="421275" y="5250"/>
+              <a:ext cx="709200" cy="1000500"/>
+            </a:xfrm>
+            <a:prstGeom prst="rect">
+              <a:avLst/>
+            </a:prstGeom>
+            <a:noFill/>
+            <a:ln>
+              <a:noFill/>
+            </a:ln>
+          </p:spPr>
+          <p:txBody>
+            <a:bodyPr anchorCtr="0" anchor="t" bIns="91425" lIns="91425" spcFirstLastPara="1" rIns="91425" wrap="square" tIns="91425">
+              <a:spAutoFit/>
+            </a:bodyPr>
+            <a:lstStyle/>
+            <a:p>
+              <a:pPr indent="0" lvl="0" marL="0" rtl="0" algn="l">
+                <a:spcBef>
+                  <a:spcPts val="0"/>
+                </a:spcBef>
+                <a:spcAft>
+                  <a:spcPts val="0"/>
+                </a:spcAft>
+                <a:buNone/>
+              </a:pPr>
+              <a:r>
+                <a:rPr lang="en" sz="5300">
+                  <a:solidFill>
+                    <a:srgbClr val="FFFFFF"/>
+                  </a:solidFill>
+                  <a:latin typeface="Concert One"/>
+                  <a:ea typeface="Concert One"/>
+                  <a:cs typeface="Concert One"/>
+                  <a:sym typeface="Concert One"/>
+                </a:rPr>
+                <a:t>C</a:t>
+              </a:r>
+              <a:endParaRPr sz="5300">
+                <a:solidFill>
+                  <a:srgbClr val="FFFFFF"/>
+                </a:solidFill>
+                <a:latin typeface="Concert One"/>
+                <a:ea typeface="Concert One"/>
+                <a:cs typeface="Concert One"/>
+                <a:sym typeface="Concert One"/>
+              </a:endParaRPr>
+            </a:p>
+          </p:txBody>
+        </p:sp>
+      </p:grpSp>
+      <p:sp>
+        <p:nvSpPr>
+          <p:cNvPr id="103" name="Google Shape;103;p14"/>
+          <p:cNvSpPr/>
+          <p:nvPr/>
+        </p:nvSpPr>
+        <p:spPr>
+          <a:xfrm rot="-1823892">
+            <a:off x="6492446" y="3564364"/>
+            <a:ext cx="3403710" cy="3062170"/>
+          </a:xfrm>
+          <a:prstGeom prst="blockArc">
+            <a:avLst>
+              <a:gd fmla="val 12453525" name="adj1"/>
+              <a:gd fmla="val 21126457" name="adj2"/>
+              <a:gd fmla="val 14451" name="adj3"/>
+            </a:avLst>
+          </a:prstGeom>
+          <a:solidFill>
+            <a:srgbClr val="000000"/>
+          </a:solidFill>
+          <a:ln cap="flat" cmpd="sng" w="9525">
+            <a:solidFill>
+              <a:srgbClr val="595959"/>
+            </a:solidFill>
+            <a:prstDash val="solid"/>
+            <a:round/>
+            <a:headEnd len="sm" w="sm" type="none"/>
+            <a:tailEnd len="sm" w="sm" type="none"/>
+          </a:ln>
+        </p:spPr>
+        <p:txBody>
+          <a:bodyPr anchorCtr="0" anchor="ctr" bIns="91425" lIns="91425" spcFirstLastPara="1" rIns="91425" wrap="square" tIns="91425">
+            <a:noAutofit/>
+          </a:bodyPr>
+          <a:lstStyle/>
+          <a:p>
+            <a:pPr indent="0" lvl="0" marL="0" rtl="0" algn="l">
+              <a:spcBef>
+                <a:spcPts val="0"/>
+              </a:spcBef>
+              <a:spcAft>
+                <a:spcPts val="0"/>
+              </a:spcAft>
+              <a:buNone/>
+            </a:pPr>
+            <a:r>
+              <a:t/>
+            </a:r>
+            <a:endParaRPr>
+              <a:solidFill>
+                <a:srgbClr val="FFFFFF"/>
+              </a:solidFill>
+            </a:endParaRPr>
+          </a:p>
+        </p:txBody>
+      </p:sp>
+      <p:sp>
+        <p:nvSpPr>
+          <p:cNvPr id="104" name="Google Shape;104;p14"/>
+          <p:cNvSpPr/>
+          <p:nvPr/>
+        </p:nvSpPr>
+        <p:spPr>
+          <a:xfrm>
+            <a:off x="6986250" y="3968425"/>
+            <a:ext cx="2157750" cy="1192050"/>
+          </a:xfrm>
+          <a:custGeom>
+            <a:rect b="b" l="l" r="r" t="t"/>
+            <a:pathLst>
+              <a:path extrusionOk="0" h="47682" w="86310">
+                <a:moveTo>
+                  <a:pt x="0" y="47682"/>
+                </a:moveTo>
+                <a:lnTo>
+                  <a:pt x="85706" y="47078"/>
+                </a:lnTo>
+                <a:lnTo>
+                  <a:pt x="86310" y="13279"/>
+                </a:lnTo>
+                <a:lnTo>
+                  <a:pt x="80274" y="6640"/>
+                </a:lnTo>
+                <a:lnTo>
+                  <a:pt x="66392" y="604"/>
+                </a:lnTo>
+                <a:lnTo>
+                  <a:pt x="50096" y="0"/>
+                </a:lnTo>
+                <a:lnTo>
+                  <a:pt x="35611" y="2415"/>
+                </a:lnTo>
+                <a:lnTo>
+                  <a:pt x="22332" y="9657"/>
+                </a:lnTo>
+                <a:lnTo>
+                  <a:pt x="12072" y="18711"/>
+                </a:lnTo>
+                <a:lnTo>
+                  <a:pt x="4829" y="30179"/>
+                </a:lnTo>
+                <a:lnTo>
+                  <a:pt x="0" y="38629"/>
+                </a:lnTo>
+                <a:close/>
+              </a:path>
+            </a:pathLst>
+          </a:custGeom>
+          <a:solidFill>
+            <a:srgbClr val="EEFF41"/>
+          </a:solidFill>
+          <a:ln cap="flat" cmpd="sng" w="9525">
+            <a:solidFill>
+              <a:srgbClr val="595959"/>
+            </a:solidFill>
+            <a:prstDash val="solid"/>
+            <a:round/>
+            <a:headEnd len="med" w="med" type="none"/>
+            <a:tailEnd len="med" w="med" type="none"/>
+          </a:ln>
+        </p:spPr>
+        <p:txBody>
+          <a:bodyPr/>
+          <a:p/>
+        </p:txBody>
+      </p:sp>
+      <p:sp>
+        <p:nvSpPr>
+          <p:cNvPr id="105" name="Google Shape;105;p14"/>
+          <p:cNvSpPr txBox="1"/>
+          <p:nvPr/>
+        </p:nvSpPr>
+        <p:spPr>
+          <a:xfrm rot="-2036850">
+            <a:off x="6803389" y="3812943"/>
+            <a:ext cx="1333374" cy="492498"/>
+          </a:xfrm>
+          <a:prstGeom prst="rect">
+            <a:avLst/>
+          </a:prstGeom>
+          <a:noFill/>
+          <a:ln>
+            <a:noFill/>
+          </a:ln>
+        </p:spPr>
+        <p:txBody>
+          <a:bodyPr anchorCtr="0" anchor="t" bIns="91425" lIns="91425" spcFirstLastPara="1" rIns="91425" wrap="square" tIns="91425">
+            <a:spAutoFit/>
+          </a:bodyPr>
+          <a:lstStyle/>
+          <a:p>
+            <a:pPr indent="0" lvl="0" marL="0" rtl="0" algn="l">
+              <a:spcBef>
+                <a:spcPts val="0"/>
+              </a:spcBef>
+              <a:spcAft>
+                <a:spcPts val="0"/>
+              </a:spcAft>
+              <a:buNone/>
+            </a:pPr>
+            <a:r>
+              <a:rPr lang="en" sz="2000">
+                <a:solidFill>
+                  <a:srgbClr val="FFFFFF"/>
+                </a:solidFill>
+                <a:latin typeface="Concert One"/>
+                <a:ea typeface="Concert One"/>
+                <a:cs typeface="Concert One"/>
+                <a:sym typeface="Concert One"/>
+              </a:rPr>
+              <a:t>LIGHTYEAR</a:t>
+            </a:r>
+            <a:endParaRPr sz="2000">
+              <a:solidFill>
+                <a:srgbClr val="FFFFFF"/>
+              </a:solidFill>
+              <a:latin typeface="Concert One"/>
+              <a:ea typeface="Concert One"/>
+              <a:cs typeface="Concert One"/>
+              <a:sym typeface="Concert One"/>
+            </a:endParaRPr>
+          </a:p>
+        </p:txBody>
+      </p:sp>
+      <p:sp>
+        <p:nvSpPr>
+          <p:cNvPr id="106" name="Google Shape;106;p14"/>
+          <p:cNvSpPr/>
+          <p:nvPr/>
+        </p:nvSpPr>
+        <p:spPr>
+          <a:xfrm>
+            <a:off x="7978775" y="4121775"/>
+            <a:ext cx="267000" cy="220500"/>
+          </a:xfrm>
+          <a:prstGeom prst="heptagon">
+            <a:avLst>
+              <a:gd fmla="val 102572" name="hf"/>
+              <a:gd fmla="val 105210" name="vf"/>
+            </a:avLst>
+          </a:prstGeom>
+          <a:solidFill>
+            <a:srgbClr val="595959"/>
+          </a:solidFill>
+          <a:ln cap="flat" cmpd="sng" w="9525">
+            <a:solidFill>
+              <a:srgbClr val="595959"/>
+            </a:solidFill>
+            <a:prstDash val="solid"/>
+            <a:round/>
+            <a:headEnd len="sm" w="sm" type="none"/>
+            <a:tailEnd len="sm" w="sm" type="none"/>
+          </a:ln>
+        </p:spPr>
+        <p:txBody>
+          <a:bodyPr anchorCtr="0" anchor="ctr" bIns="91425" lIns="91425" spcFirstLastPara="1" rIns="91425" wrap="square" tIns="91425">
+            <a:noAutofit/>
+          </a:bodyPr>
+          <a:lstStyle/>
+          <a:p>
+            <a:pPr indent="0" lvl="0" marL="0" rtl="0" algn="l">
+              <a:spcBef>
+                <a:spcPts val="0"/>
+              </a:spcBef>
+              <a:spcAft>
+                <a:spcPts val="0"/>
+              </a:spcAft>
+              <a:buNone/>
+            </a:pPr>
+            <a:r>
+              <a:t/>
+            </a:r>
+            <a:endParaRPr/>
+          </a:p>
+        </p:txBody>
+      </p:sp>
+      <p:sp>
+        <p:nvSpPr>
+          <p:cNvPr id="107" name="Google Shape;107;p14"/>
+          <p:cNvSpPr/>
+          <p:nvPr/>
+        </p:nvSpPr>
+        <p:spPr>
+          <a:xfrm>
+            <a:off x="8677950" y="4342275"/>
+            <a:ext cx="267000" cy="220500"/>
+          </a:xfrm>
+          <a:prstGeom prst="heptagon">
+            <a:avLst>
+              <a:gd fmla="val 102572" name="hf"/>
+              <a:gd fmla="val 105210" name="vf"/>
+            </a:avLst>
+          </a:prstGeom>
+          <a:solidFill>
+            <a:srgbClr val="595959"/>
+          </a:solidFill>
+          <a:ln cap="flat" cmpd="sng" w="9525">
+            <a:solidFill>
+              <a:srgbClr val="595959"/>
+            </a:solidFill>
+            <a:prstDash val="solid"/>
+            <a:round/>
+            <a:headEnd len="sm" w="sm" type="none"/>
+            <a:tailEnd len="sm" w="sm" type="none"/>
+          </a:ln>
+        </p:spPr>
+        <p:txBody>
+          <a:bodyPr anchorCtr="0" anchor="ctr" bIns="91425" lIns="91425" spcFirstLastPara="1" rIns="91425" wrap="square" tIns="91425">
+            <a:noAutofit/>
+          </a:bodyPr>
+          <a:lstStyle/>
+          <a:p>
+            <a:pPr indent="0" lvl="0" marL="0" rtl="0" algn="l">
+              <a:spcBef>
+                <a:spcPts val="0"/>
+              </a:spcBef>
+              <a:spcAft>
+                <a:spcPts val="0"/>
+              </a:spcAft>
+              <a:buNone/>
+            </a:pPr>
+            <a:r>
+              <a:t/>
+            </a:r>
+            <a:endParaRPr/>
+          </a:p>
+        </p:txBody>
+      </p:sp>
+      <p:sp>
+        <p:nvSpPr>
+          <p:cNvPr id="108" name="Google Shape;108;p14"/>
+          <p:cNvSpPr/>
+          <p:nvPr/>
+        </p:nvSpPr>
+        <p:spPr>
+          <a:xfrm>
+            <a:off x="7341675" y="4486575"/>
+            <a:ext cx="267000" cy="220500"/>
+          </a:xfrm>
+          <a:prstGeom prst="heptagon">
+            <a:avLst>
+              <a:gd fmla="val 102572" name="hf"/>
+              <a:gd fmla="val 105210" name="vf"/>
+            </a:avLst>
+          </a:prstGeom>
+          <a:solidFill>
+            <a:srgbClr val="595959"/>
+          </a:solidFill>
+          <a:ln cap="flat" cmpd="sng" w="9525">
+            <a:solidFill>
+              <a:srgbClr val="595959"/>
+            </a:solidFill>
+            <a:prstDash val="solid"/>
+            <a:round/>
+            <a:headEnd len="sm" w="sm" type="none"/>
+            <a:tailEnd len="sm" w="sm" type="none"/>
+          </a:ln>
+        </p:spPr>
+        <p:txBody>
+          <a:bodyPr anchorCtr="0" anchor="ctr" bIns="91425" lIns="91425" spcFirstLastPara="1" rIns="91425" wrap="square" tIns="91425">
+            <a:noAutofit/>
+          </a:bodyPr>
+          <a:lstStyle/>
+          <a:p>
+            <a:pPr indent="0" lvl="0" marL="0" rtl="0" algn="l">
+              <a:spcBef>
+                <a:spcPts val="0"/>
+              </a:spcBef>
+              <a:spcAft>
+                <a:spcPts val="0"/>
+              </a:spcAft>
+              <a:buNone/>
+            </a:pPr>
+            <a:r>
+              <a:t/>
+            </a:r>
+            <a:endParaRPr/>
+          </a:p>
+        </p:txBody>
+      </p:sp>
+      <p:sp>
+        <p:nvSpPr>
+          <p:cNvPr id="109" name="Google Shape;109;p14"/>
+          <p:cNvSpPr/>
+          <p:nvPr/>
+        </p:nvSpPr>
+        <p:spPr>
+          <a:xfrm>
+            <a:off x="7189275" y="5089450"/>
+            <a:ext cx="267000" cy="220500"/>
+          </a:xfrm>
+          <a:prstGeom prst="heptagon">
+            <a:avLst>
+              <a:gd fmla="val 102572" name="hf"/>
+              <a:gd fmla="val 105210" name="vf"/>
+            </a:avLst>
+          </a:prstGeom>
+          <a:solidFill>
+            <a:srgbClr val="595959"/>
+          </a:solidFill>
+          <a:ln cap="flat" cmpd="sng" w="9525">
+            <a:solidFill>
+              <a:srgbClr val="595959"/>
+            </a:solidFill>
+            <a:prstDash val="solid"/>
+            <a:round/>
+            <a:headEnd len="sm" w="sm" type="none"/>
+            <a:tailEnd len="sm" w="sm" type="none"/>
+          </a:ln>
+        </p:spPr>
+        <p:txBody>
+          <a:bodyPr anchorCtr="0" anchor="ctr" bIns="91425" lIns="91425" spcFirstLastPara="1" rIns="91425" wrap="square" tIns="91425">
+            <a:noAutofit/>
+          </a:bodyPr>
+          <a:lstStyle/>
+          <a:p>
+            <a:pPr indent="0" lvl="0" marL="0" rtl="0" algn="l">
+              <a:spcBef>
+                <a:spcPts val="0"/>
+              </a:spcBef>
+              <a:spcAft>
+                <a:spcPts val="0"/>
+              </a:spcAft>
+              <a:buNone/>
+            </a:pPr>
+            <a:r>
+              <a:t/>
+            </a:r>
+            <a:endParaRPr/>
+          </a:p>
+        </p:txBody>
+      </p:sp>
+      <p:sp>
+        <p:nvSpPr>
+          <p:cNvPr id="110" name="Google Shape;110;p14"/>
+          <p:cNvSpPr txBox="1"/>
+          <p:nvPr/>
+        </p:nvSpPr>
+        <p:spPr>
+          <a:xfrm>
+            <a:off x="1794475" y="179925"/>
+            <a:ext cx="7150500" cy="841800"/>
+          </a:xfrm>
+          <a:prstGeom prst="rect">
+            <a:avLst/>
+          </a:prstGeom>
+          <a:noFill/>
+          <a:ln>
+            <a:noFill/>
+          </a:ln>
+        </p:spPr>
+        <p:txBody>
+          <a:bodyPr anchorCtr="0" anchor="ctr" bIns="91425" lIns="91425" spcFirstLastPara="1" rIns="91425" wrap="square" tIns="91425">
+            <a:normAutofit/>
+          </a:bodyPr>
+          <a:lstStyle/>
+          <a:p>
+            <a:pPr indent="0" lvl="0" marL="0" rtl="0" algn="l">
+              <a:spcBef>
+                <a:spcPts val="0"/>
+              </a:spcBef>
+              <a:spcAft>
+                <a:spcPts val="0"/>
+              </a:spcAft>
+              <a:buNone/>
+            </a:pPr>
+            <a:r>
+              <a:t>Champion on the Track</a:t>
+            </a:r>
+            <a:endParaRPr sz="3600">
+              <a:solidFill>
+                <a:srgbClr val="FFFF00"/>
+              </a:solidFill>
+              <a:latin typeface="Concert One"/>
+              <a:ea typeface="Concert One"/>
+              <a:cs typeface="Concert One"/>
+              <a:sym typeface="Concert One"/>
+            </a:endParaRPr>
+          </a:p>
+        </p:txBody>
+      </p:sp>
+      <p:sp>
+        <p:nvSpPr>
+          <p:cNvPr id="111" name="Google Shape;111;p14"/>
+          <p:cNvSpPr txBox="1"/>
+          <p:nvPr/>
+        </p:nvSpPr>
+        <p:spPr>
+          <a:xfrm>
+            <a:off x="828275" y="1925252"/>
+            <a:ext cx="7150500" cy="2637600"/>
+          </a:xfrm>
+          <a:prstGeom prst="rect">
+            <a:avLst/>
+          </a:prstGeom>
+          <a:noFill/>
+          <a:ln>
+            <a:noFill/>
+          </a:ln>
         </p:spPr>
         <p:txBody>
           <a:bodyPr anchorCtr="0" anchor="t" bIns="91425" lIns="91425" spcFirstLastPara="1" rIns="91425" wrap="square" tIns="91425">
@@ -3565,17 +5836,21 @@
                 <a:spcPts val="0"/>
               </a:spcBef>
               <a:spcAft>
-                <a:spcPts val="1200"/>
+                <a:spcPts val="0"/>
               </a:spcAft>
               <a:buNone/>
             </a:pPr>
             <a:r>
-              <a:t>Fundamentals of aiming with the AK-47, including stance and mouse handling.</a:t>
-            </a:r>
-            <a:endParaRPr>
+              <a:t>Chick Hicks is not just a competitor; he's a champion. Celebrated for his numerous Piston Cup wins and relentless pursuit of victory, Chick's racing prowess and tactics have cemented his status as a formidable presence on the circuit.</a:t>
+            </a:r>
+            <a:endParaRPr sz="2200">
               <a:solidFill>
-                <a:schemeClr val="dk1"/>
+                <a:srgbClr val="FFFF00"/>
               </a:solidFill>
+              <a:latin typeface="Concert One"/>
+              <a:ea typeface="Concert One"/>
+              <a:cs typeface="Concert One"/>
+              <a:sym typeface="Concert One"/>
             </a:endParaRPr>
           </a:p>
         </p:txBody>
@@ -3591,6 +5866,14 @@
 <file path=ppt/slides/slide4.xml><?xml version="1.0" encoding="utf-8"?>
 <p:sld xmlns:a="http://schemas.openxmlformats.org/drawingml/2006/main" xmlns:p="http://schemas.openxmlformats.org/presentationml/2006/main" xmlns:r="http://schemas.openxmlformats.org/officeDocument/2006/relationships">
   <p:cSld>
+    <p:bg>
+      <p:bgPr>
+        <a:solidFill>
+          <a:srgbClr val="00FF00"/>
+        </a:solidFill>
+        <a:effectLst/>
+      </p:bgPr>
+    </p:bg>
     <p:spTree>
       <p:nvGrpSpPr>
         <p:cNvPr id="1" name=""/>
@@ -3600,28 +5883,30 @@
       <p:grpSpPr/>
       <p:sp>
         <p:nvSpPr>
-          <p:cNvPr id="60" name="Google Shape;60;p14"/>
+          <p:cNvPr id="97" name="Google Shape;97;p14"/>
           <p:cNvSpPr txBox="1"/>
-          <p:nvPr>
-            <p:ph type="title"/>
-          </p:nvPr>
+          <p:nvPr/>
         </p:nvSpPr>
         <p:spPr>
           <a:xfrm>
-            <a:off x="311700" y="445025"/>
-            <a:ext cx="8520600" cy="572700"/>
+            <a:off x="311700" y="2150850"/>
+            <a:ext cx="8520600" cy="841800"/>
           </a:xfrm>
           <a:prstGeom prst="rect">
             <a:avLst/>
           </a:prstGeom>
+          <a:noFill/>
+          <a:ln>
+            <a:noFill/>
+          </a:ln>
         </p:spPr>
         <p:txBody>
-          <a:bodyPr anchorCtr="0" anchor="t" bIns="91425" lIns="91425" spcFirstLastPara="1" rIns="91425" wrap="square" tIns="91425">
-            <a:normAutofit fontScale="90000"/>
+          <a:bodyPr anchorCtr="0" anchor="ctr" bIns="91425" lIns="91425" spcFirstLastPara="1" rIns="91425" wrap="square" tIns="91425">
+            <a:normAutofit/>
           </a:bodyPr>
           <a:lstStyle/>
           <a:p>
-            <a:pPr indent="0" lvl="0" marL="0" rtl="0" algn="l">
+            <a:pPr indent="0" lvl="0" marL="0" rtl="0" algn="ctr">
               <a:spcBef>
                 <a:spcPts val="0"/>
               </a:spcBef>
@@ -3631,28 +5916,701 @@
               <a:buNone/>
             </a:pPr>
             <a:r>
-              <a:t>Understanding Recoil Patterns</a:t>
-            </a:r>
-            <a:endParaRPr/>
-          </a:p>
-        </p:txBody>
-      </p:sp>
-      <p:sp>
-        <p:nvSpPr>
-          <p:cNvPr id="61" name="Google Shape;61;p14"/>
+              <a:t/>
+            </a:r>
+            <a:endParaRPr sz="3600">
+              <a:solidFill>
+                <a:srgbClr val="FFFF00"/>
+              </a:solidFill>
+              <a:latin typeface="Concert One"/>
+              <a:ea typeface="Concert One"/>
+              <a:cs typeface="Concert One"/>
+              <a:sym typeface="Concert One"/>
+            </a:endParaRPr>
+          </a:p>
+        </p:txBody>
+      </p:sp>
+      <p:sp>
+        <p:nvSpPr>
+          <p:cNvPr id="98" name="Google Shape;98;p14"/>
           <p:cNvSpPr txBox="1"/>
-          <p:nvPr>
-            <p:ph idx="1" type="body"/>
-          </p:nvPr>
+          <p:nvPr/>
         </p:nvSpPr>
         <p:spPr>
           <a:xfrm>
-            <a:off x="311700" y="1152475"/>
-            <a:ext cx="8520600" cy="3416400"/>
+            <a:off x="8472458" y="4663217"/>
+            <a:ext cx="548700" cy="393600"/>
           </a:xfrm>
           <a:prstGeom prst="rect">
             <a:avLst/>
           </a:prstGeom>
+          <a:noFill/>
+          <a:ln>
+            <a:noFill/>
+          </a:ln>
+        </p:spPr>
+        <p:txBody>
+          <a:bodyPr anchorCtr="0" anchor="ctr" bIns="91425" lIns="91425" spcFirstLastPara="1" rIns="91425" wrap="square" tIns="91425">
+            <a:normAutofit/>
+          </a:bodyPr>
+          <a:lstStyle/>
+          <a:p>
+            <a:pPr indent="0" lvl="0" marL="0" rtl="0" algn="r">
+              <a:spcBef>
+                <a:spcPts val="0"/>
+              </a:spcBef>
+              <a:spcAft>
+                <a:spcPts val="0"/>
+              </a:spcAft>
+              <a:buNone/>
+            </a:pPr>
+            <a:fld id="{00000000-1234-1234-1234-123412341234}" type="slidenum">
+              <a:rPr lang="en" sz="1000">
+                <a:solidFill>
+                  <a:srgbClr val="595959"/>
+                </a:solidFill>
+              </a:rPr>
+              <a:t>‹#›</a:t>
+            </a:fld>
+            <a:endParaRPr sz="1000">
+              <a:solidFill>
+                <a:srgbClr val="595959"/>
+              </a:solidFill>
+            </a:endParaRPr>
+          </a:p>
+        </p:txBody>
+      </p:sp>
+      <p:grpSp>
+        <p:nvGrpSpPr>
+          <p:cNvPr id="99" name="Google Shape;99;p14"/>
+          <p:cNvGrpSpPr/>
+          <p:nvPr/>
+        </p:nvGrpSpPr>
+        <p:grpSpPr>
+          <a:xfrm>
+            <a:off x="0" y="0"/>
+            <a:ext cx="1630822" cy="1778529"/>
+            <a:chOff x="0" y="0"/>
+            <a:chExt cx="1630822" cy="1778529"/>
+          </a:xfrm>
+        </p:grpSpPr>
+        <p:sp>
+          <p:nvSpPr>
+            <p:cNvPr id="100" name="Google Shape;100;p14"/>
+            <p:cNvSpPr/>
+            <p:nvPr/>
+          </p:nvSpPr>
+          <p:spPr>
+            <a:xfrm rot="278943">
+              <a:off x="467742" y="543209"/>
+              <a:ext cx="1116614" cy="1192029"/>
+            </a:xfrm>
+            <a:prstGeom prst="lightningBolt">
+              <a:avLst/>
+            </a:prstGeom>
+            <a:solidFill>
+              <a:srgbClr val="FFFF00"/>
+            </a:solidFill>
+            <a:ln cap="flat" cmpd="sng" w="9525">
+              <a:solidFill>
+                <a:srgbClr val="595959"/>
+              </a:solidFill>
+              <a:prstDash val="solid"/>
+              <a:round/>
+              <a:headEnd len="sm" w="sm" type="none"/>
+              <a:tailEnd len="sm" w="sm" type="none"/>
+            </a:ln>
+          </p:spPr>
+          <p:txBody>
+            <a:bodyPr anchorCtr="0" anchor="ctr" bIns="91425" lIns="91425" spcFirstLastPara="1" rIns="91425" wrap="square" tIns="91425">
+              <a:noAutofit/>
+            </a:bodyPr>
+            <a:lstStyle/>
+            <a:p>
+              <a:pPr indent="0" lvl="0" marL="0" rtl="0" algn="l">
+                <a:spcBef>
+                  <a:spcPts val="0"/>
+                </a:spcBef>
+                <a:spcAft>
+                  <a:spcPts val="0"/>
+                </a:spcAft>
+                <a:buNone/>
+              </a:pPr>
+              <a:r>
+                <a:t/>
+              </a:r>
+              <a:endParaRPr/>
+            </a:p>
+          </p:txBody>
+        </p:sp>
+        <p:sp>
+          <p:nvSpPr>
+            <p:cNvPr id="101" name="Google Shape;101;p14"/>
+            <p:cNvSpPr/>
+            <p:nvPr/>
+          </p:nvSpPr>
+          <p:spPr>
+            <a:xfrm>
+              <a:off x="0" y="0"/>
+              <a:ext cx="1342872" cy="1010988"/>
+            </a:xfrm>
+            <a:prstGeom prst="cloud">
+              <a:avLst/>
+            </a:prstGeom>
+            <a:solidFill>
+              <a:srgbClr val="666666"/>
+            </a:solidFill>
+            <a:ln cap="flat" cmpd="sng" w="9525">
+              <a:solidFill>
+                <a:srgbClr val="595959"/>
+              </a:solidFill>
+              <a:prstDash val="solid"/>
+              <a:round/>
+              <a:headEnd len="sm" w="sm" type="none"/>
+              <a:tailEnd len="sm" w="sm" type="none"/>
+            </a:ln>
+          </p:spPr>
+          <p:txBody>
+            <a:bodyPr anchorCtr="0" anchor="ctr" bIns="91425" lIns="91425" spcFirstLastPara="1" rIns="91425" wrap="square" tIns="91425">
+              <a:noAutofit/>
+            </a:bodyPr>
+            <a:lstStyle/>
+            <a:p>
+              <a:pPr indent="0" lvl="0" marL="0" rtl="0" algn="l">
+                <a:spcBef>
+                  <a:spcPts val="0"/>
+                </a:spcBef>
+                <a:spcAft>
+                  <a:spcPts val="0"/>
+                </a:spcAft>
+                <a:buNone/>
+              </a:pPr>
+              <a:r>
+                <a:t/>
+              </a:r>
+              <a:endParaRPr/>
+            </a:p>
+          </p:txBody>
+        </p:sp>
+        <p:sp>
+          <p:nvSpPr>
+            <p:cNvPr id="102" name="Google Shape;102;p14"/>
+            <p:cNvSpPr txBox="1"/>
+            <p:nvPr/>
+          </p:nvSpPr>
+          <p:spPr>
+            <a:xfrm>
+              <a:off x="421275" y="5250"/>
+              <a:ext cx="709200" cy="1000500"/>
+            </a:xfrm>
+            <a:prstGeom prst="rect">
+              <a:avLst/>
+            </a:prstGeom>
+            <a:noFill/>
+            <a:ln>
+              <a:noFill/>
+            </a:ln>
+          </p:spPr>
+          <p:txBody>
+            <a:bodyPr anchorCtr="0" anchor="t" bIns="91425" lIns="91425" spcFirstLastPara="1" rIns="91425" wrap="square" tIns="91425">
+              <a:spAutoFit/>
+            </a:bodyPr>
+            <a:lstStyle/>
+            <a:p>
+              <a:pPr indent="0" lvl="0" marL="0" rtl="0" algn="l">
+                <a:spcBef>
+                  <a:spcPts val="0"/>
+                </a:spcBef>
+                <a:spcAft>
+                  <a:spcPts val="0"/>
+                </a:spcAft>
+                <a:buNone/>
+              </a:pPr>
+              <a:r>
+                <a:rPr lang="en" sz="5300">
+                  <a:solidFill>
+                    <a:srgbClr val="FFFFFF"/>
+                  </a:solidFill>
+                  <a:latin typeface="Concert One"/>
+                  <a:ea typeface="Concert One"/>
+                  <a:cs typeface="Concert One"/>
+                  <a:sym typeface="Concert One"/>
+                </a:rPr>
+                <a:t>C</a:t>
+              </a:r>
+              <a:endParaRPr sz="5300">
+                <a:solidFill>
+                  <a:srgbClr val="FFFFFF"/>
+                </a:solidFill>
+                <a:latin typeface="Concert One"/>
+                <a:ea typeface="Concert One"/>
+                <a:cs typeface="Concert One"/>
+                <a:sym typeface="Concert One"/>
+              </a:endParaRPr>
+            </a:p>
+          </p:txBody>
+        </p:sp>
+      </p:grpSp>
+      <p:sp>
+        <p:nvSpPr>
+          <p:cNvPr id="103" name="Google Shape;103;p14"/>
+          <p:cNvSpPr/>
+          <p:nvPr/>
+        </p:nvSpPr>
+        <p:spPr>
+          <a:xfrm rot="-1823892">
+            <a:off x="6492446" y="3564364"/>
+            <a:ext cx="3403710" cy="3062170"/>
+          </a:xfrm>
+          <a:prstGeom prst="blockArc">
+            <a:avLst>
+              <a:gd fmla="val 12453525" name="adj1"/>
+              <a:gd fmla="val 21126457" name="adj2"/>
+              <a:gd fmla="val 14451" name="adj3"/>
+            </a:avLst>
+          </a:prstGeom>
+          <a:solidFill>
+            <a:srgbClr val="000000"/>
+          </a:solidFill>
+          <a:ln cap="flat" cmpd="sng" w="9525">
+            <a:solidFill>
+              <a:srgbClr val="595959"/>
+            </a:solidFill>
+            <a:prstDash val="solid"/>
+            <a:round/>
+            <a:headEnd len="sm" w="sm" type="none"/>
+            <a:tailEnd len="sm" w="sm" type="none"/>
+          </a:ln>
+        </p:spPr>
+        <p:txBody>
+          <a:bodyPr anchorCtr="0" anchor="ctr" bIns="91425" lIns="91425" spcFirstLastPara="1" rIns="91425" wrap="square" tIns="91425">
+            <a:noAutofit/>
+          </a:bodyPr>
+          <a:lstStyle/>
+          <a:p>
+            <a:pPr indent="0" lvl="0" marL="0" rtl="0" algn="l">
+              <a:spcBef>
+                <a:spcPts val="0"/>
+              </a:spcBef>
+              <a:spcAft>
+                <a:spcPts val="0"/>
+              </a:spcAft>
+              <a:buNone/>
+            </a:pPr>
+            <a:r>
+              <a:t/>
+            </a:r>
+            <a:endParaRPr>
+              <a:solidFill>
+                <a:srgbClr val="FFFFFF"/>
+              </a:solidFill>
+            </a:endParaRPr>
+          </a:p>
+        </p:txBody>
+      </p:sp>
+      <p:sp>
+        <p:nvSpPr>
+          <p:cNvPr id="104" name="Google Shape;104;p14"/>
+          <p:cNvSpPr/>
+          <p:nvPr/>
+        </p:nvSpPr>
+        <p:spPr>
+          <a:xfrm>
+            <a:off x="6986250" y="3968425"/>
+            <a:ext cx="2157750" cy="1192050"/>
+          </a:xfrm>
+          <a:custGeom>
+            <a:rect b="b" l="l" r="r" t="t"/>
+            <a:pathLst>
+              <a:path extrusionOk="0" h="47682" w="86310">
+                <a:moveTo>
+                  <a:pt x="0" y="47682"/>
+                </a:moveTo>
+                <a:lnTo>
+                  <a:pt x="85706" y="47078"/>
+                </a:lnTo>
+                <a:lnTo>
+                  <a:pt x="86310" y="13279"/>
+                </a:lnTo>
+                <a:lnTo>
+                  <a:pt x="80274" y="6640"/>
+                </a:lnTo>
+                <a:lnTo>
+                  <a:pt x="66392" y="604"/>
+                </a:lnTo>
+                <a:lnTo>
+                  <a:pt x="50096" y="0"/>
+                </a:lnTo>
+                <a:lnTo>
+                  <a:pt x="35611" y="2415"/>
+                </a:lnTo>
+                <a:lnTo>
+                  <a:pt x="22332" y="9657"/>
+                </a:lnTo>
+                <a:lnTo>
+                  <a:pt x="12072" y="18711"/>
+                </a:lnTo>
+                <a:lnTo>
+                  <a:pt x="4829" y="30179"/>
+                </a:lnTo>
+                <a:lnTo>
+                  <a:pt x="0" y="38629"/>
+                </a:lnTo>
+                <a:close/>
+              </a:path>
+            </a:pathLst>
+          </a:custGeom>
+          <a:solidFill>
+            <a:srgbClr val="EEFF41"/>
+          </a:solidFill>
+          <a:ln cap="flat" cmpd="sng" w="9525">
+            <a:solidFill>
+              <a:srgbClr val="595959"/>
+            </a:solidFill>
+            <a:prstDash val="solid"/>
+            <a:round/>
+            <a:headEnd len="med" w="med" type="none"/>
+            <a:tailEnd len="med" w="med" type="none"/>
+          </a:ln>
+        </p:spPr>
+        <p:txBody>
+          <a:bodyPr/>
+          <a:p/>
+        </p:txBody>
+      </p:sp>
+      <p:sp>
+        <p:nvSpPr>
+          <p:cNvPr id="105" name="Google Shape;105;p14"/>
+          <p:cNvSpPr txBox="1"/>
+          <p:nvPr/>
+        </p:nvSpPr>
+        <p:spPr>
+          <a:xfrm rot="-2036850">
+            <a:off x="6803389" y="3812943"/>
+            <a:ext cx="1333374" cy="492498"/>
+          </a:xfrm>
+          <a:prstGeom prst="rect">
+            <a:avLst/>
+          </a:prstGeom>
+          <a:noFill/>
+          <a:ln>
+            <a:noFill/>
+          </a:ln>
+        </p:spPr>
+        <p:txBody>
+          <a:bodyPr anchorCtr="0" anchor="t" bIns="91425" lIns="91425" spcFirstLastPara="1" rIns="91425" wrap="square" tIns="91425">
+            <a:spAutoFit/>
+          </a:bodyPr>
+          <a:lstStyle/>
+          <a:p>
+            <a:pPr indent="0" lvl="0" marL="0" rtl="0" algn="l">
+              <a:spcBef>
+                <a:spcPts val="0"/>
+              </a:spcBef>
+              <a:spcAft>
+                <a:spcPts val="0"/>
+              </a:spcAft>
+              <a:buNone/>
+            </a:pPr>
+            <a:r>
+              <a:rPr lang="en" sz="2000">
+                <a:solidFill>
+                  <a:srgbClr val="FFFFFF"/>
+                </a:solidFill>
+                <a:latin typeface="Concert One"/>
+                <a:ea typeface="Concert One"/>
+                <a:cs typeface="Concert One"/>
+                <a:sym typeface="Concert One"/>
+              </a:rPr>
+              <a:t>LIGHTYEAR</a:t>
+            </a:r>
+            <a:endParaRPr sz="2000">
+              <a:solidFill>
+                <a:srgbClr val="FFFFFF"/>
+              </a:solidFill>
+              <a:latin typeface="Concert One"/>
+              <a:ea typeface="Concert One"/>
+              <a:cs typeface="Concert One"/>
+              <a:sym typeface="Concert One"/>
+            </a:endParaRPr>
+          </a:p>
+        </p:txBody>
+      </p:sp>
+      <p:sp>
+        <p:nvSpPr>
+          <p:cNvPr id="106" name="Google Shape;106;p14"/>
+          <p:cNvSpPr/>
+          <p:nvPr/>
+        </p:nvSpPr>
+        <p:spPr>
+          <a:xfrm>
+            <a:off x="7978775" y="4121775"/>
+            <a:ext cx="267000" cy="220500"/>
+          </a:xfrm>
+          <a:prstGeom prst="heptagon">
+            <a:avLst>
+              <a:gd fmla="val 102572" name="hf"/>
+              <a:gd fmla="val 105210" name="vf"/>
+            </a:avLst>
+          </a:prstGeom>
+          <a:solidFill>
+            <a:srgbClr val="595959"/>
+          </a:solidFill>
+          <a:ln cap="flat" cmpd="sng" w="9525">
+            <a:solidFill>
+              <a:srgbClr val="595959"/>
+            </a:solidFill>
+            <a:prstDash val="solid"/>
+            <a:round/>
+            <a:headEnd len="sm" w="sm" type="none"/>
+            <a:tailEnd len="sm" w="sm" type="none"/>
+          </a:ln>
+        </p:spPr>
+        <p:txBody>
+          <a:bodyPr anchorCtr="0" anchor="ctr" bIns="91425" lIns="91425" spcFirstLastPara="1" rIns="91425" wrap="square" tIns="91425">
+            <a:noAutofit/>
+          </a:bodyPr>
+          <a:lstStyle/>
+          <a:p>
+            <a:pPr indent="0" lvl="0" marL="0" rtl="0" algn="l">
+              <a:spcBef>
+                <a:spcPts val="0"/>
+              </a:spcBef>
+              <a:spcAft>
+                <a:spcPts val="0"/>
+              </a:spcAft>
+              <a:buNone/>
+            </a:pPr>
+            <a:r>
+              <a:t/>
+            </a:r>
+            <a:endParaRPr/>
+          </a:p>
+        </p:txBody>
+      </p:sp>
+      <p:sp>
+        <p:nvSpPr>
+          <p:cNvPr id="107" name="Google Shape;107;p14"/>
+          <p:cNvSpPr/>
+          <p:nvPr/>
+        </p:nvSpPr>
+        <p:spPr>
+          <a:xfrm>
+            <a:off x="8677950" y="4342275"/>
+            <a:ext cx="267000" cy="220500"/>
+          </a:xfrm>
+          <a:prstGeom prst="heptagon">
+            <a:avLst>
+              <a:gd fmla="val 102572" name="hf"/>
+              <a:gd fmla="val 105210" name="vf"/>
+            </a:avLst>
+          </a:prstGeom>
+          <a:solidFill>
+            <a:srgbClr val="595959"/>
+          </a:solidFill>
+          <a:ln cap="flat" cmpd="sng" w="9525">
+            <a:solidFill>
+              <a:srgbClr val="595959"/>
+            </a:solidFill>
+            <a:prstDash val="solid"/>
+            <a:round/>
+            <a:headEnd len="sm" w="sm" type="none"/>
+            <a:tailEnd len="sm" w="sm" type="none"/>
+          </a:ln>
+        </p:spPr>
+        <p:txBody>
+          <a:bodyPr anchorCtr="0" anchor="ctr" bIns="91425" lIns="91425" spcFirstLastPara="1" rIns="91425" wrap="square" tIns="91425">
+            <a:noAutofit/>
+          </a:bodyPr>
+          <a:lstStyle/>
+          <a:p>
+            <a:pPr indent="0" lvl="0" marL="0" rtl="0" algn="l">
+              <a:spcBef>
+                <a:spcPts val="0"/>
+              </a:spcBef>
+              <a:spcAft>
+                <a:spcPts val="0"/>
+              </a:spcAft>
+              <a:buNone/>
+            </a:pPr>
+            <a:r>
+              <a:t/>
+            </a:r>
+            <a:endParaRPr/>
+          </a:p>
+        </p:txBody>
+      </p:sp>
+      <p:sp>
+        <p:nvSpPr>
+          <p:cNvPr id="108" name="Google Shape;108;p14"/>
+          <p:cNvSpPr/>
+          <p:nvPr/>
+        </p:nvSpPr>
+        <p:spPr>
+          <a:xfrm>
+            <a:off x="7341675" y="4486575"/>
+            <a:ext cx="267000" cy="220500"/>
+          </a:xfrm>
+          <a:prstGeom prst="heptagon">
+            <a:avLst>
+              <a:gd fmla="val 102572" name="hf"/>
+              <a:gd fmla="val 105210" name="vf"/>
+            </a:avLst>
+          </a:prstGeom>
+          <a:solidFill>
+            <a:srgbClr val="595959"/>
+          </a:solidFill>
+          <a:ln cap="flat" cmpd="sng" w="9525">
+            <a:solidFill>
+              <a:srgbClr val="595959"/>
+            </a:solidFill>
+            <a:prstDash val="solid"/>
+            <a:round/>
+            <a:headEnd len="sm" w="sm" type="none"/>
+            <a:tailEnd len="sm" w="sm" type="none"/>
+          </a:ln>
+        </p:spPr>
+        <p:txBody>
+          <a:bodyPr anchorCtr="0" anchor="ctr" bIns="91425" lIns="91425" spcFirstLastPara="1" rIns="91425" wrap="square" tIns="91425">
+            <a:noAutofit/>
+          </a:bodyPr>
+          <a:lstStyle/>
+          <a:p>
+            <a:pPr indent="0" lvl="0" marL="0" rtl="0" algn="l">
+              <a:spcBef>
+                <a:spcPts val="0"/>
+              </a:spcBef>
+              <a:spcAft>
+                <a:spcPts val="0"/>
+              </a:spcAft>
+              <a:buNone/>
+            </a:pPr>
+            <a:r>
+              <a:t/>
+            </a:r>
+            <a:endParaRPr/>
+          </a:p>
+        </p:txBody>
+      </p:sp>
+      <p:sp>
+        <p:nvSpPr>
+          <p:cNvPr id="109" name="Google Shape;109;p14"/>
+          <p:cNvSpPr/>
+          <p:nvPr/>
+        </p:nvSpPr>
+        <p:spPr>
+          <a:xfrm>
+            <a:off x="7189275" y="5089450"/>
+            <a:ext cx="267000" cy="220500"/>
+          </a:xfrm>
+          <a:prstGeom prst="heptagon">
+            <a:avLst>
+              <a:gd fmla="val 102572" name="hf"/>
+              <a:gd fmla="val 105210" name="vf"/>
+            </a:avLst>
+          </a:prstGeom>
+          <a:solidFill>
+            <a:srgbClr val="595959"/>
+          </a:solidFill>
+          <a:ln cap="flat" cmpd="sng" w="9525">
+            <a:solidFill>
+              <a:srgbClr val="595959"/>
+            </a:solidFill>
+            <a:prstDash val="solid"/>
+            <a:round/>
+            <a:headEnd len="sm" w="sm" type="none"/>
+            <a:tailEnd len="sm" w="sm" type="none"/>
+          </a:ln>
+        </p:spPr>
+        <p:txBody>
+          <a:bodyPr anchorCtr="0" anchor="ctr" bIns="91425" lIns="91425" spcFirstLastPara="1" rIns="91425" wrap="square" tIns="91425">
+            <a:noAutofit/>
+          </a:bodyPr>
+          <a:lstStyle/>
+          <a:p>
+            <a:pPr indent="0" lvl="0" marL="0" rtl="0" algn="l">
+              <a:spcBef>
+                <a:spcPts val="0"/>
+              </a:spcBef>
+              <a:spcAft>
+                <a:spcPts val="0"/>
+              </a:spcAft>
+              <a:buNone/>
+            </a:pPr>
+            <a:r>
+              <a:t/>
+            </a:r>
+            <a:endParaRPr/>
+          </a:p>
+        </p:txBody>
+      </p:sp>
+      <p:sp>
+        <p:nvSpPr>
+          <p:cNvPr id="110" name="Google Shape;110;p14"/>
+          <p:cNvSpPr txBox="1"/>
+          <p:nvPr/>
+        </p:nvSpPr>
+        <p:spPr>
+          <a:xfrm>
+            <a:off x="1794475" y="179925"/>
+            <a:ext cx="7150500" cy="841800"/>
+          </a:xfrm>
+          <a:prstGeom prst="rect">
+            <a:avLst/>
+          </a:prstGeom>
+          <a:noFill/>
+          <a:ln>
+            <a:noFill/>
+          </a:ln>
+        </p:spPr>
+        <p:txBody>
+          <a:bodyPr anchorCtr="0" anchor="ctr" bIns="91425" lIns="91425" spcFirstLastPara="1" rIns="91425" wrap="square" tIns="91425">
+            <a:normAutofit/>
+          </a:bodyPr>
+          <a:lstStyle/>
+          <a:p>
+            <a:pPr indent="0" lvl="0" marL="0" rtl="0" algn="l">
+              <a:spcBef>
+                <a:spcPts val="0"/>
+              </a:spcBef>
+              <a:spcAft>
+                <a:spcPts val="0"/>
+              </a:spcAft>
+              <a:buNone/>
+            </a:pPr>
+            <a:r>
+              <a:t>The Iconic #86</a:t>
+            </a:r>
+            <a:endParaRPr sz="3600">
+              <a:solidFill>
+                <a:srgbClr val="FFFF00"/>
+              </a:solidFill>
+              <a:latin typeface="Concert One"/>
+              <a:ea typeface="Concert One"/>
+              <a:cs typeface="Concert One"/>
+              <a:sym typeface="Concert One"/>
+            </a:endParaRPr>
+          </a:p>
+        </p:txBody>
+      </p:sp>
+      <p:sp>
+        <p:nvSpPr>
+          <p:cNvPr id="111" name="Google Shape;111;p14"/>
+          <p:cNvSpPr txBox="1"/>
+          <p:nvPr/>
+        </p:nvSpPr>
+        <p:spPr>
+          <a:xfrm>
+            <a:off x="828275" y="1925252"/>
+            <a:ext cx="7150500" cy="2637600"/>
+          </a:xfrm>
+          <a:prstGeom prst="rect">
+            <a:avLst/>
+          </a:prstGeom>
+          <a:noFill/>
+          <a:ln>
+            <a:noFill/>
+          </a:ln>
         </p:spPr>
         <p:txBody>
           <a:bodyPr anchorCtr="0" anchor="t" bIns="91425" lIns="91425" spcFirstLastPara="1" rIns="91425" wrap="square" tIns="91425">
@@ -3665,17 +6623,21 @@
                 <a:spcPts val="0"/>
               </a:spcBef>
               <a:spcAft>
-                <a:spcPts val="1200"/>
+                <a:spcPts val="0"/>
               </a:spcAft>
               <a:buNone/>
             </a:pPr>
             <a:r>
-              <a:t>How to control the AK-47's recoil for better accuracy.</a:t>
-            </a:r>
-            <a:endParaRPr>
+              <a:t>Distinguishing himself with the iconic #86 and vibrant green color, Chick Hicks isn't just a racecar – he's a brand. His memorable look reflects his bold personality and echoes his drive to be first across the finish line.</a:t>
+            </a:r>
+            <a:endParaRPr sz="2200">
               <a:solidFill>
-                <a:schemeClr val="dk1"/>
+                <a:srgbClr val="FFFF00"/>
               </a:solidFill>
+              <a:latin typeface="Concert One"/>
+              <a:ea typeface="Concert One"/>
+              <a:cs typeface="Concert One"/>
+              <a:sym typeface="Concert One"/>
             </a:endParaRPr>
           </a:p>
         </p:txBody>
@@ -3691,6 +6653,14 @@
 <file path=ppt/slides/slide5.xml><?xml version="1.0" encoding="utf-8"?>
 <p:sld xmlns:a="http://schemas.openxmlformats.org/drawingml/2006/main" xmlns:p="http://schemas.openxmlformats.org/presentationml/2006/main" xmlns:r="http://schemas.openxmlformats.org/officeDocument/2006/relationships">
   <p:cSld>
+    <p:bg>
+      <p:bgPr>
+        <a:solidFill>
+          <a:srgbClr val="00FF00"/>
+        </a:solidFill>
+        <a:effectLst/>
+      </p:bgPr>
+    </p:bg>
     <p:spTree>
       <p:nvGrpSpPr>
         <p:cNvPr id="1" name=""/>
@@ -3700,28 +6670,30 @@
       <p:grpSpPr/>
       <p:sp>
         <p:nvSpPr>
-          <p:cNvPr id="60" name="Google Shape;60;p14"/>
+          <p:cNvPr id="97" name="Google Shape;97;p14"/>
           <p:cNvSpPr txBox="1"/>
-          <p:nvPr>
-            <p:ph type="title"/>
-          </p:nvPr>
+          <p:nvPr/>
         </p:nvSpPr>
         <p:spPr>
           <a:xfrm>
-            <a:off x="311700" y="445025"/>
-            <a:ext cx="8520600" cy="572700"/>
+            <a:off x="311700" y="2150850"/>
+            <a:ext cx="8520600" cy="841800"/>
           </a:xfrm>
           <a:prstGeom prst="rect">
             <a:avLst/>
           </a:prstGeom>
+          <a:noFill/>
+          <a:ln>
+            <a:noFill/>
+          </a:ln>
         </p:spPr>
         <p:txBody>
-          <a:bodyPr anchorCtr="0" anchor="t" bIns="91425" lIns="91425" spcFirstLastPara="1" rIns="91425" wrap="square" tIns="91425">
-            <a:normAutofit fontScale="90000"/>
+          <a:bodyPr anchorCtr="0" anchor="ctr" bIns="91425" lIns="91425" spcFirstLastPara="1" rIns="91425" wrap="square" tIns="91425">
+            <a:normAutofit/>
           </a:bodyPr>
           <a:lstStyle/>
           <a:p>
-            <a:pPr indent="0" lvl="0" marL="0" rtl="0" algn="l">
+            <a:pPr indent="0" lvl="0" marL="0" rtl="0" algn="ctr">
               <a:spcBef>
                 <a:spcPts val="0"/>
               </a:spcBef>
@@ -3731,28 +6703,701 @@
               <a:buNone/>
             </a:pPr>
             <a:r>
-              <a:t>Stance and Movement</a:t>
-            </a:r>
-            <a:endParaRPr/>
-          </a:p>
-        </p:txBody>
-      </p:sp>
-      <p:sp>
-        <p:nvSpPr>
-          <p:cNvPr id="61" name="Google Shape;61;p14"/>
+              <a:t/>
+            </a:r>
+            <a:endParaRPr sz="3600">
+              <a:solidFill>
+                <a:srgbClr val="FFFF00"/>
+              </a:solidFill>
+              <a:latin typeface="Concert One"/>
+              <a:ea typeface="Concert One"/>
+              <a:cs typeface="Concert One"/>
+              <a:sym typeface="Concert One"/>
+            </a:endParaRPr>
+          </a:p>
+        </p:txBody>
+      </p:sp>
+      <p:sp>
+        <p:nvSpPr>
+          <p:cNvPr id="98" name="Google Shape;98;p14"/>
           <p:cNvSpPr txBox="1"/>
-          <p:nvPr>
-            <p:ph idx="1" type="body"/>
-          </p:nvPr>
+          <p:nvPr/>
         </p:nvSpPr>
         <p:spPr>
           <a:xfrm>
-            <a:off x="311700" y="1152475"/>
-            <a:ext cx="8520600" cy="3416400"/>
+            <a:off x="8472458" y="4663217"/>
+            <a:ext cx="548700" cy="393600"/>
           </a:xfrm>
           <a:prstGeom prst="rect">
             <a:avLst/>
           </a:prstGeom>
+          <a:noFill/>
+          <a:ln>
+            <a:noFill/>
+          </a:ln>
+        </p:spPr>
+        <p:txBody>
+          <a:bodyPr anchorCtr="0" anchor="ctr" bIns="91425" lIns="91425" spcFirstLastPara="1" rIns="91425" wrap="square" tIns="91425">
+            <a:normAutofit/>
+          </a:bodyPr>
+          <a:lstStyle/>
+          <a:p>
+            <a:pPr indent="0" lvl="0" marL="0" rtl="0" algn="r">
+              <a:spcBef>
+                <a:spcPts val="0"/>
+              </a:spcBef>
+              <a:spcAft>
+                <a:spcPts val="0"/>
+              </a:spcAft>
+              <a:buNone/>
+            </a:pPr>
+            <a:fld id="{00000000-1234-1234-1234-123412341234}" type="slidenum">
+              <a:rPr lang="en" sz="1000">
+                <a:solidFill>
+                  <a:srgbClr val="595959"/>
+                </a:solidFill>
+              </a:rPr>
+              <a:t>‹#›</a:t>
+            </a:fld>
+            <a:endParaRPr sz="1000">
+              <a:solidFill>
+                <a:srgbClr val="595959"/>
+              </a:solidFill>
+            </a:endParaRPr>
+          </a:p>
+        </p:txBody>
+      </p:sp>
+      <p:grpSp>
+        <p:nvGrpSpPr>
+          <p:cNvPr id="99" name="Google Shape;99;p14"/>
+          <p:cNvGrpSpPr/>
+          <p:nvPr/>
+        </p:nvGrpSpPr>
+        <p:grpSpPr>
+          <a:xfrm>
+            <a:off x="0" y="0"/>
+            <a:ext cx="1630822" cy="1778529"/>
+            <a:chOff x="0" y="0"/>
+            <a:chExt cx="1630822" cy="1778529"/>
+          </a:xfrm>
+        </p:grpSpPr>
+        <p:sp>
+          <p:nvSpPr>
+            <p:cNvPr id="100" name="Google Shape;100;p14"/>
+            <p:cNvSpPr/>
+            <p:nvPr/>
+          </p:nvSpPr>
+          <p:spPr>
+            <a:xfrm rot="278943">
+              <a:off x="467742" y="543209"/>
+              <a:ext cx="1116614" cy="1192029"/>
+            </a:xfrm>
+            <a:prstGeom prst="lightningBolt">
+              <a:avLst/>
+            </a:prstGeom>
+            <a:solidFill>
+              <a:srgbClr val="FFFF00"/>
+            </a:solidFill>
+            <a:ln cap="flat" cmpd="sng" w="9525">
+              <a:solidFill>
+                <a:srgbClr val="595959"/>
+              </a:solidFill>
+              <a:prstDash val="solid"/>
+              <a:round/>
+              <a:headEnd len="sm" w="sm" type="none"/>
+              <a:tailEnd len="sm" w="sm" type="none"/>
+            </a:ln>
+          </p:spPr>
+          <p:txBody>
+            <a:bodyPr anchorCtr="0" anchor="ctr" bIns="91425" lIns="91425" spcFirstLastPara="1" rIns="91425" wrap="square" tIns="91425">
+              <a:noAutofit/>
+            </a:bodyPr>
+            <a:lstStyle/>
+            <a:p>
+              <a:pPr indent="0" lvl="0" marL="0" rtl="0" algn="l">
+                <a:spcBef>
+                  <a:spcPts val="0"/>
+                </a:spcBef>
+                <a:spcAft>
+                  <a:spcPts val="0"/>
+                </a:spcAft>
+                <a:buNone/>
+              </a:pPr>
+              <a:r>
+                <a:t/>
+              </a:r>
+              <a:endParaRPr/>
+            </a:p>
+          </p:txBody>
+        </p:sp>
+        <p:sp>
+          <p:nvSpPr>
+            <p:cNvPr id="101" name="Google Shape;101;p14"/>
+            <p:cNvSpPr/>
+            <p:nvPr/>
+          </p:nvSpPr>
+          <p:spPr>
+            <a:xfrm>
+              <a:off x="0" y="0"/>
+              <a:ext cx="1342872" cy="1010988"/>
+            </a:xfrm>
+            <a:prstGeom prst="cloud">
+              <a:avLst/>
+            </a:prstGeom>
+            <a:solidFill>
+              <a:srgbClr val="666666"/>
+            </a:solidFill>
+            <a:ln cap="flat" cmpd="sng" w="9525">
+              <a:solidFill>
+                <a:srgbClr val="595959"/>
+              </a:solidFill>
+              <a:prstDash val="solid"/>
+              <a:round/>
+              <a:headEnd len="sm" w="sm" type="none"/>
+              <a:tailEnd len="sm" w="sm" type="none"/>
+            </a:ln>
+          </p:spPr>
+          <p:txBody>
+            <a:bodyPr anchorCtr="0" anchor="ctr" bIns="91425" lIns="91425" spcFirstLastPara="1" rIns="91425" wrap="square" tIns="91425">
+              <a:noAutofit/>
+            </a:bodyPr>
+            <a:lstStyle/>
+            <a:p>
+              <a:pPr indent="0" lvl="0" marL="0" rtl="0" algn="l">
+                <a:spcBef>
+                  <a:spcPts val="0"/>
+                </a:spcBef>
+                <a:spcAft>
+                  <a:spcPts val="0"/>
+                </a:spcAft>
+                <a:buNone/>
+              </a:pPr>
+              <a:r>
+                <a:t/>
+              </a:r>
+              <a:endParaRPr/>
+            </a:p>
+          </p:txBody>
+        </p:sp>
+        <p:sp>
+          <p:nvSpPr>
+            <p:cNvPr id="102" name="Google Shape;102;p14"/>
+            <p:cNvSpPr txBox="1"/>
+            <p:nvPr/>
+          </p:nvSpPr>
+          <p:spPr>
+            <a:xfrm>
+              <a:off x="421275" y="5250"/>
+              <a:ext cx="709200" cy="1000500"/>
+            </a:xfrm>
+            <a:prstGeom prst="rect">
+              <a:avLst/>
+            </a:prstGeom>
+            <a:noFill/>
+            <a:ln>
+              <a:noFill/>
+            </a:ln>
+          </p:spPr>
+          <p:txBody>
+            <a:bodyPr anchorCtr="0" anchor="t" bIns="91425" lIns="91425" spcFirstLastPara="1" rIns="91425" wrap="square" tIns="91425">
+              <a:spAutoFit/>
+            </a:bodyPr>
+            <a:lstStyle/>
+            <a:p>
+              <a:pPr indent="0" lvl="0" marL="0" rtl="0" algn="l">
+                <a:spcBef>
+                  <a:spcPts val="0"/>
+                </a:spcBef>
+                <a:spcAft>
+                  <a:spcPts val="0"/>
+                </a:spcAft>
+                <a:buNone/>
+              </a:pPr>
+              <a:r>
+                <a:rPr lang="en" sz="5300">
+                  <a:solidFill>
+                    <a:srgbClr val="FFFFFF"/>
+                  </a:solidFill>
+                  <a:latin typeface="Concert One"/>
+                  <a:ea typeface="Concert One"/>
+                  <a:cs typeface="Concert One"/>
+                  <a:sym typeface="Concert One"/>
+                </a:rPr>
+                <a:t>C</a:t>
+              </a:r>
+              <a:endParaRPr sz="5300">
+                <a:solidFill>
+                  <a:srgbClr val="FFFFFF"/>
+                </a:solidFill>
+                <a:latin typeface="Concert One"/>
+                <a:ea typeface="Concert One"/>
+                <a:cs typeface="Concert One"/>
+                <a:sym typeface="Concert One"/>
+              </a:endParaRPr>
+            </a:p>
+          </p:txBody>
+        </p:sp>
+      </p:grpSp>
+      <p:sp>
+        <p:nvSpPr>
+          <p:cNvPr id="103" name="Google Shape;103;p14"/>
+          <p:cNvSpPr/>
+          <p:nvPr/>
+        </p:nvSpPr>
+        <p:spPr>
+          <a:xfrm rot="-1823892">
+            <a:off x="6492446" y="3564364"/>
+            <a:ext cx="3403710" cy="3062170"/>
+          </a:xfrm>
+          <a:prstGeom prst="blockArc">
+            <a:avLst>
+              <a:gd fmla="val 12453525" name="adj1"/>
+              <a:gd fmla="val 21126457" name="adj2"/>
+              <a:gd fmla="val 14451" name="adj3"/>
+            </a:avLst>
+          </a:prstGeom>
+          <a:solidFill>
+            <a:srgbClr val="000000"/>
+          </a:solidFill>
+          <a:ln cap="flat" cmpd="sng" w="9525">
+            <a:solidFill>
+              <a:srgbClr val="595959"/>
+            </a:solidFill>
+            <a:prstDash val="solid"/>
+            <a:round/>
+            <a:headEnd len="sm" w="sm" type="none"/>
+            <a:tailEnd len="sm" w="sm" type="none"/>
+          </a:ln>
+        </p:spPr>
+        <p:txBody>
+          <a:bodyPr anchorCtr="0" anchor="ctr" bIns="91425" lIns="91425" spcFirstLastPara="1" rIns="91425" wrap="square" tIns="91425">
+            <a:noAutofit/>
+          </a:bodyPr>
+          <a:lstStyle/>
+          <a:p>
+            <a:pPr indent="0" lvl="0" marL="0" rtl="0" algn="l">
+              <a:spcBef>
+                <a:spcPts val="0"/>
+              </a:spcBef>
+              <a:spcAft>
+                <a:spcPts val="0"/>
+              </a:spcAft>
+              <a:buNone/>
+            </a:pPr>
+            <a:r>
+              <a:t/>
+            </a:r>
+            <a:endParaRPr>
+              <a:solidFill>
+                <a:srgbClr val="FFFFFF"/>
+              </a:solidFill>
+            </a:endParaRPr>
+          </a:p>
+        </p:txBody>
+      </p:sp>
+      <p:sp>
+        <p:nvSpPr>
+          <p:cNvPr id="104" name="Google Shape;104;p14"/>
+          <p:cNvSpPr/>
+          <p:nvPr/>
+        </p:nvSpPr>
+        <p:spPr>
+          <a:xfrm>
+            <a:off x="6986250" y="3968425"/>
+            <a:ext cx="2157750" cy="1192050"/>
+          </a:xfrm>
+          <a:custGeom>
+            <a:rect b="b" l="l" r="r" t="t"/>
+            <a:pathLst>
+              <a:path extrusionOk="0" h="47682" w="86310">
+                <a:moveTo>
+                  <a:pt x="0" y="47682"/>
+                </a:moveTo>
+                <a:lnTo>
+                  <a:pt x="85706" y="47078"/>
+                </a:lnTo>
+                <a:lnTo>
+                  <a:pt x="86310" y="13279"/>
+                </a:lnTo>
+                <a:lnTo>
+                  <a:pt x="80274" y="6640"/>
+                </a:lnTo>
+                <a:lnTo>
+                  <a:pt x="66392" y="604"/>
+                </a:lnTo>
+                <a:lnTo>
+                  <a:pt x="50096" y="0"/>
+                </a:lnTo>
+                <a:lnTo>
+                  <a:pt x="35611" y="2415"/>
+                </a:lnTo>
+                <a:lnTo>
+                  <a:pt x="22332" y="9657"/>
+                </a:lnTo>
+                <a:lnTo>
+                  <a:pt x="12072" y="18711"/>
+                </a:lnTo>
+                <a:lnTo>
+                  <a:pt x="4829" y="30179"/>
+                </a:lnTo>
+                <a:lnTo>
+                  <a:pt x="0" y="38629"/>
+                </a:lnTo>
+                <a:close/>
+              </a:path>
+            </a:pathLst>
+          </a:custGeom>
+          <a:solidFill>
+            <a:srgbClr val="EEFF41"/>
+          </a:solidFill>
+          <a:ln cap="flat" cmpd="sng" w="9525">
+            <a:solidFill>
+              <a:srgbClr val="595959"/>
+            </a:solidFill>
+            <a:prstDash val="solid"/>
+            <a:round/>
+            <a:headEnd len="med" w="med" type="none"/>
+            <a:tailEnd len="med" w="med" type="none"/>
+          </a:ln>
+        </p:spPr>
+        <p:txBody>
+          <a:bodyPr/>
+          <a:p/>
+        </p:txBody>
+      </p:sp>
+      <p:sp>
+        <p:nvSpPr>
+          <p:cNvPr id="105" name="Google Shape;105;p14"/>
+          <p:cNvSpPr txBox="1"/>
+          <p:nvPr/>
+        </p:nvSpPr>
+        <p:spPr>
+          <a:xfrm rot="-2036850">
+            <a:off x="6803389" y="3812943"/>
+            <a:ext cx="1333374" cy="492498"/>
+          </a:xfrm>
+          <a:prstGeom prst="rect">
+            <a:avLst/>
+          </a:prstGeom>
+          <a:noFill/>
+          <a:ln>
+            <a:noFill/>
+          </a:ln>
+        </p:spPr>
+        <p:txBody>
+          <a:bodyPr anchorCtr="0" anchor="t" bIns="91425" lIns="91425" spcFirstLastPara="1" rIns="91425" wrap="square" tIns="91425">
+            <a:spAutoFit/>
+          </a:bodyPr>
+          <a:lstStyle/>
+          <a:p>
+            <a:pPr indent="0" lvl="0" marL="0" rtl="0" algn="l">
+              <a:spcBef>
+                <a:spcPts val="0"/>
+              </a:spcBef>
+              <a:spcAft>
+                <a:spcPts val="0"/>
+              </a:spcAft>
+              <a:buNone/>
+            </a:pPr>
+            <a:r>
+              <a:rPr lang="en" sz="2000">
+                <a:solidFill>
+                  <a:srgbClr val="FFFFFF"/>
+                </a:solidFill>
+                <a:latin typeface="Concert One"/>
+                <a:ea typeface="Concert One"/>
+                <a:cs typeface="Concert One"/>
+                <a:sym typeface="Concert One"/>
+              </a:rPr>
+              <a:t>LIGHTYEAR</a:t>
+            </a:r>
+            <a:endParaRPr sz="2000">
+              <a:solidFill>
+                <a:srgbClr val="FFFFFF"/>
+              </a:solidFill>
+              <a:latin typeface="Concert One"/>
+              <a:ea typeface="Concert One"/>
+              <a:cs typeface="Concert One"/>
+              <a:sym typeface="Concert One"/>
+            </a:endParaRPr>
+          </a:p>
+        </p:txBody>
+      </p:sp>
+      <p:sp>
+        <p:nvSpPr>
+          <p:cNvPr id="106" name="Google Shape;106;p14"/>
+          <p:cNvSpPr/>
+          <p:nvPr/>
+        </p:nvSpPr>
+        <p:spPr>
+          <a:xfrm>
+            <a:off x="7978775" y="4121775"/>
+            <a:ext cx="267000" cy="220500"/>
+          </a:xfrm>
+          <a:prstGeom prst="heptagon">
+            <a:avLst>
+              <a:gd fmla="val 102572" name="hf"/>
+              <a:gd fmla="val 105210" name="vf"/>
+            </a:avLst>
+          </a:prstGeom>
+          <a:solidFill>
+            <a:srgbClr val="595959"/>
+          </a:solidFill>
+          <a:ln cap="flat" cmpd="sng" w="9525">
+            <a:solidFill>
+              <a:srgbClr val="595959"/>
+            </a:solidFill>
+            <a:prstDash val="solid"/>
+            <a:round/>
+            <a:headEnd len="sm" w="sm" type="none"/>
+            <a:tailEnd len="sm" w="sm" type="none"/>
+          </a:ln>
+        </p:spPr>
+        <p:txBody>
+          <a:bodyPr anchorCtr="0" anchor="ctr" bIns="91425" lIns="91425" spcFirstLastPara="1" rIns="91425" wrap="square" tIns="91425">
+            <a:noAutofit/>
+          </a:bodyPr>
+          <a:lstStyle/>
+          <a:p>
+            <a:pPr indent="0" lvl="0" marL="0" rtl="0" algn="l">
+              <a:spcBef>
+                <a:spcPts val="0"/>
+              </a:spcBef>
+              <a:spcAft>
+                <a:spcPts val="0"/>
+              </a:spcAft>
+              <a:buNone/>
+            </a:pPr>
+            <a:r>
+              <a:t/>
+            </a:r>
+            <a:endParaRPr/>
+          </a:p>
+        </p:txBody>
+      </p:sp>
+      <p:sp>
+        <p:nvSpPr>
+          <p:cNvPr id="107" name="Google Shape;107;p14"/>
+          <p:cNvSpPr/>
+          <p:nvPr/>
+        </p:nvSpPr>
+        <p:spPr>
+          <a:xfrm>
+            <a:off x="8677950" y="4342275"/>
+            <a:ext cx="267000" cy="220500"/>
+          </a:xfrm>
+          <a:prstGeom prst="heptagon">
+            <a:avLst>
+              <a:gd fmla="val 102572" name="hf"/>
+              <a:gd fmla="val 105210" name="vf"/>
+            </a:avLst>
+          </a:prstGeom>
+          <a:solidFill>
+            <a:srgbClr val="595959"/>
+          </a:solidFill>
+          <a:ln cap="flat" cmpd="sng" w="9525">
+            <a:solidFill>
+              <a:srgbClr val="595959"/>
+            </a:solidFill>
+            <a:prstDash val="solid"/>
+            <a:round/>
+            <a:headEnd len="sm" w="sm" type="none"/>
+            <a:tailEnd len="sm" w="sm" type="none"/>
+          </a:ln>
+        </p:spPr>
+        <p:txBody>
+          <a:bodyPr anchorCtr="0" anchor="ctr" bIns="91425" lIns="91425" spcFirstLastPara="1" rIns="91425" wrap="square" tIns="91425">
+            <a:noAutofit/>
+          </a:bodyPr>
+          <a:lstStyle/>
+          <a:p>
+            <a:pPr indent="0" lvl="0" marL="0" rtl="0" algn="l">
+              <a:spcBef>
+                <a:spcPts val="0"/>
+              </a:spcBef>
+              <a:spcAft>
+                <a:spcPts val="0"/>
+              </a:spcAft>
+              <a:buNone/>
+            </a:pPr>
+            <a:r>
+              <a:t/>
+            </a:r>
+            <a:endParaRPr/>
+          </a:p>
+        </p:txBody>
+      </p:sp>
+      <p:sp>
+        <p:nvSpPr>
+          <p:cNvPr id="108" name="Google Shape;108;p14"/>
+          <p:cNvSpPr/>
+          <p:nvPr/>
+        </p:nvSpPr>
+        <p:spPr>
+          <a:xfrm>
+            <a:off x="7341675" y="4486575"/>
+            <a:ext cx="267000" cy="220500"/>
+          </a:xfrm>
+          <a:prstGeom prst="heptagon">
+            <a:avLst>
+              <a:gd fmla="val 102572" name="hf"/>
+              <a:gd fmla="val 105210" name="vf"/>
+            </a:avLst>
+          </a:prstGeom>
+          <a:solidFill>
+            <a:srgbClr val="595959"/>
+          </a:solidFill>
+          <a:ln cap="flat" cmpd="sng" w="9525">
+            <a:solidFill>
+              <a:srgbClr val="595959"/>
+            </a:solidFill>
+            <a:prstDash val="solid"/>
+            <a:round/>
+            <a:headEnd len="sm" w="sm" type="none"/>
+            <a:tailEnd len="sm" w="sm" type="none"/>
+          </a:ln>
+        </p:spPr>
+        <p:txBody>
+          <a:bodyPr anchorCtr="0" anchor="ctr" bIns="91425" lIns="91425" spcFirstLastPara="1" rIns="91425" wrap="square" tIns="91425">
+            <a:noAutofit/>
+          </a:bodyPr>
+          <a:lstStyle/>
+          <a:p>
+            <a:pPr indent="0" lvl="0" marL="0" rtl="0" algn="l">
+              <a:spcBef>
+                <a:spcPts val="0"/>
+              </a:spcBef>
+              <a:spcAft>
+                <a:spcPts val="0"/>
+              </a:spcAft>
+              <a:buNone/>
+            </a:pPr>
+            <a:r>
+              <a:t/>
+            </a:r>
+            <a:endParaRPr/>
+          </a:p>
+        </p:txBody>
+      </p:sp>
+      <p:sp>
+        <p:nvSpPr>
+          <p:cNvPr id="109" name="Google Shape;109;p14"/>
+          <p:cNvSpPr/>
+          <p:nvPr/>
+        </p:nvSpPr>
+        <p:spPr>
+          <a:xfrm>
+            <a:off x="7189275" y="5089450"/>
+            <a:ext cx="267000" cy="220500"/>
+          </a:xfrm>
+          <a:prstGeom prst="heptagon">
+            <a:avLst>
+              <a:gd fmla="val 102572" name="hf"/>
+              <a:gd fmla="val 105210" name="vf"/>
+            </a:avLst>
+          </a:prstGeom>
+          <a:solidFill>
+            <a:srgbClr val="595959"/>
+          </a:solidFill>
+          <a:ln cap="flat" cmpd="sng" w="9525">
+            <a:solidFill>
+              <a:srgbClr val="595959"/>
+            </a:solidFill>
+            <a:prstDash val="solid"/>
+            <a:round/>
+            <a:headEnd len="sm" w="sm" type="none"/>
+            <a:tailEnd len="sm" w="sm" type="none"/>
+          </a:ln>
+        </p:spPr>
+        <p:txBody>
+          <a:bodyPr anchorCtr="0" anchor="ctr" bIns="91425" lIns="91425" spcFirstLastPara="1" rIns="91425" wrap="square" tIns="91425">
+            <a:noAutofit/>
+          </a:bodyPr>
+          <a:lstStyle/>
+          <a:p>
+            <a:pPr indent="0" lvl="0" marL="0" rtl="0" algn="l">
+              <a:spcBef>
+                <a:spcPts val="0"/>
+              </a:spcBef>
+              <a:spcAft>
+                <a:spcPts val="0"/>
+              </a:spcAft>
+              <a:buNone/>
+            </a:pPr>
+            <a:r>
+              <a:t/>
+            </a:r>
+            <a:endParaRPr/>
+          </a:p>
+        </p:txBody>
+      </p:sp>
+      <p:sp>
+        <p:nvSpPr>
+          <p:cNvPr id="110" name="Google Shape;110;p14"/>
+          <p:cNvSpPr txBox="1"/>
+          <p:nvPr/>
+        </p:nvSpPr>
+        <p:spPr>
+          <a:xfrm>
+            <a:off x="1794475" y="179925"/>
+            <a:ext cx="7150500" cy="841800"/>
+          </a:xfrm>
+          <a:prstGeom prst="rect">
+            <a:avLst/>
+          </a:prstGeom>
+          <a:noFill/>
+          <a:ln>
+            <a:noFill/>
+          </a:ln>
+        </p:spPr>
+        <p:txBody>
+          <a:bodyPr anchorCtr="0" anchor="ctr" bIns="91425" lIns="91425" spcFirstLastPara="1" rIns="91425" wrap="square" tIns="91425">
+            <a:normAutofit/>
+          </a:bodyPr>
+          <a:lstStyle/>
+          <a:p>
+            <a:pPr indent="0" lvl="0" marL="0" rtl="0" algn="l">
+              <a:spcBef>
+                <a:spcPts val="0"/>
+              </a:spcBef>
+              <a:spcAft>
+                <a:spcPts val="0"/>
+              </a:spcAft>
+              <a:buNone/>
+            </a:pPr>
+            <a:r>
+              <a:t>Rivalries and Controversies</a:t>
+            </a:r>
+            <a:endParaRPr sz="3600">
+              <a:solidFill>
+                <a:srgbClr val="FFFF00"/>
+              </a:solidFill>
+              <a:latin typeface="Concert One"/>
+              <a:ea typeface="Concert One"/>
+              <a:cs typeface="Concert One"/>
+              <a:sym typeface="Concert One"/>
+            </a:endParaRPr>
+          </a:p>
+        </p:txBody>
+      </p:sp>
+      <p:sp>
+        <p:nvSpPr>
+          <p:cNvPr id="111" name="Google Shape;111;p14"/>
+          <p:cNvSpPr txBox="1"/>
+          <p:nvPr/>
+        </p:nvSpPr>
+        <p:spPr>
+          <a:xfrm>
+            <a:off x="828275" y="1925252"/>
+            <a:ext cx="7150500" cy="2637600"/>
+          </a:xfrm>
+          <a:prstGeom prst="rect">
+            <a:avLst/>
+          </a:prstGeom>
+          <a:noFill/>
+          <a:ln>
+            <a:noFill/>
+          </a:ln>
         </p:spPr>
         <p:txBody>
           <a:bodyPr anchorCtr="0" anchor="t" bIns="91425" lIns="91425" spcFirstLastPara="1" rIns="91425" wrap="square" tIns="91425">
@@ -3765,17 +7410,21 @@
                 <a:spcPts val="0"/>
               </a:spcBef>
               <a:spcAft>
-                <a:spcPts val="1200"/>
+                <a:spcPts val="0"/>
               </a:spcAft>
               <a:buNone/>
             </a:pPr>
             <a:r>
-              <a:t>Effective ways to move and position yourself for optimal aiming.</a:t>
-            </a:r>
-            <a:endParaRPr>
+              <a:t>No stranger to controversy, Chick Hicks made headlines with his intense rivalries, most notably with Lightning McQueen. These clashes are more than mere spectacle; they push the boundaries of racing and entertain legions of fans.</a:t>
+            </a:r>
+            <a:endParaRPr sz="2200">
               <a:solidFill>
-                <a:schemeClr val="dk1"/>
+                <a:srgbClr val="FFFF00"/>
               </a:solidFill>
+              <a:latin typeface="Concert One"/>
+              <a:ea typeface="Concert One"/>
+              <a:cs typeface="Concert One"/>
+              <a:sym typeface="Concert One"/>
             </a:endParaRPr>
           </a:p>
         </p:txBody>
@@ -3791,6 +7440,14 @@
 <file path=ppt/slides/slide6.xml><?xml version="1.0" encoding="utf-8"?>
 <p:sld xmlns:a="http://schemas.openxmlformats.org/drawingml/2006/main" xmlns:p="http://schemas.openxmlformats.org/presentationml/2006/main" xmlns:r="http://schemas.openxmlformats.org/officeDocument/2006/relationships">
   <p:cSld>
+    <p:bg>
+      <p:bgPr>
+        <a:solidFill>
+          <a:srgbClr val="00FF00"/>
+        </a:solidFill>
+        <a:effectLst/>
+      </p:bgPr>
+    </p:bg>
     <p:spTree>
       <p:nvGrpSpPr>
         <p:cNvPr id="1" name=""/>
@@ -3800,28 +7457,30 @@
       <p:grpSpPr/>
       <p:sp>
         <p:nvSpPr>
-          <p:cNvPr id="60" name="Google Shape;60;p14"/>
+          <p:cNvPr id="97" name="Google Shape;97;p14"/>
           <p:cNvSpPr txBox="1"/>
-          <p:nvPr>
-            <p:ph type="title"/>
-          </p:nvPr>
+          <p:nvPr/>
         </p:nvSpPr>
         <p:spPr>
           <a:xfrm>
-            <a:off x="311700" y="445025"/>
-            <a:ext cx="8520600" cy="572700"/>
+            <a:off x="311700" y="2150850"/>
+            <a:ext cx="8520600" cy="841800"/>
           </a:xfrm>
           <a:prstGeom prst="rect">
             <a:avLst/>
           </a:prstGeom>
+          <a:noFill/>
+          <a:ln>
+            <a:noFill/>
+          </a:ln>
         </p:spPr>
         <p:txBody>
-          <a:bodyPr anchorCtr="0" anchor="t" bIns="91425" lIns="91425" spcFirstLastPara="1" rIns="91425" wrap="square" tIns="91425">
-            <a:normAutofit fontScale="90000"/>
+          <a:bodyPr anchorCtr="0" anchor="ctr" bIns="91425" lIns="91425" spcFirstLastPara="1" rIns="91425" wrap="square" tIns="91425">
+            <a:normAutofit/>
           </a:bodyPr>
           <a:lstStyle/>
           <a:p>
-            <a:pPr indent="0" lvl="0" marL="0" rtl="0" algn="l">
+            <a:pPr indent="0" lvl="0" marL="0" rtl="0" algn="ctr">
               <a:spcBef>
                 <a:spcPts val="0"/>
               </a:spcBef>
@@ -3831,28 +7490,701 @@
               <a:buNone/>
             </a:pPr>
             <a:r>
-              <a:t>Crosshair Placement Strategies</a:t>
-            </a:r>
-            <a:endParaRPr/>
-          </a:p>
-        </p:txBody>
-      </p:sp>
-      <p:sp>
-        <p:nvSpPr>
-          <p:cNvPr id="61" name="Google Shape;61;p14"/>
+              <a:t/>
+            </a:r>
+            <a:endParaRPr sz="3600">
+              <a:solidFill>
+                <a:srgbClr val="FFFF00"/>
+              </a:solidFill>
+              <a:latin typeface="Concert One"/>
+              <a:ea typeface="Concert One"/>
+              <a:cs typeface="Concert One"/>
+              <a:sym typeface="Concert One"/>
+            </a:endParaRPr>
+          </a:p>
+        </p:txBody>
+      </p:sp>
+      <p:sp>
+        <p:nvSpPr>
+          <p:cNvPr id="98" name="Google Shape;98;p14"/>
           <p:cNvSpPr txBox="1"/>
-          <p:nvPr>
-            <p:ph idx="1" type="body"/>
-          </p:nvPr>
+          <p:nvPr/>
         </p:nvSpPr>
         <p:spPr>
           <a:xfrm>
-            <a:off x="311700" y="1152475"/>
-            <a:ext cx="8520600" cy="3416400"/>
+            <a:off x="8472458" y="4663217"/>
+            <a:ext cx="548700" cy="393600"/>
           </a:xfrm>
           <a:prstGeom prst="rect">
             <a:avLst/>
           </a:prstGeom>
+          <a:noFill/>
+          <a:ln>
+            <a:noFill/>
+          </a:ln>
+        </p:spPr>
+        <p:txBody>
+          <a:bodyPr anchorCtr="0" anchor="ctr" bIns="91425" lIns="91425" spcFirstLastPara="1" rIns="91425" wrap="square" tIns="91425">
+            <a:normAutofit/>
+          </a:bodyPr>
+          <a:lstStyle/>
+          <a:p>
+            <a:pPr indent="0" lvl="0" marL="0" rtl="0" algn="r">
+              <a:spcBef>
+                <a:spcPts val="0"/>
+              </a:spcBef>
+              <a:spcAft>
+                <a:spcPts val="0"/>
+              </a:spcAft>
+              <a:buNone/>
+            </a:pPr>
+            <a:fld id="{00000000-1234-1234-1234-123412341234}" type="slidenum">
+              <a:rPr lang="en" sz="1000">
+                <a:solidFill>
+                  <a:srgbClr val="595959"/>
+                </a:solidFill>
+              </a:rPr>
+              <a:t>‹#›</a:t>
+            </a:fld>
+            <a:endParaRPr sz="1000">
+              <a:solidFill>
+                <a:srgbClr val="595959"/>
+              </a:solidFill>
+            </a:endParaRPr>
+          </a:p>
+        </p:txBody>
+      </p:sp>
+      <p:grpSp>
+        <p:nvGrpSpPr>
+          <p:cNvPr id="99" name="Google Shape;99;p14"/>
+          <p:cNvGrpSpPr/>
+          <p:nvPr/>
+        </p:nvGrpSpPr>
+        <p:grpSpPr>
+          <a:xfrm>
+            <a:off x="0" y="0"/>
+            <a:ext cx="1630822" cy="1778529"/>
+            <a:chOff x="0" y="0"/>
+            <a:chExt cx="1630822" cy="1778529"/>
+          </a:xfrm>
+        </p:grpSpPr>
+        <p:sp>
+          <p:nvSpPr>
+            <p:cNvPr id="100" name="Google Shape;100;p14"/>
+            <p:cNvSpPr/>
+            <p:nvPr/>
+          </p:nvSpPr>
+          <p:spPr>
+            <a:xfrm rot="278943">
+              <a:off x="467742" y="543209"/>
+              <a:ext cx="1116614" cy="1192029"/>
+            </a:xfrm>
+            <a:prstGeom prst="lightningBolt">
+              <a:avLst/>
+            </a:prstGeom>
+            <a:solidFill>
+              <a:srgbClr val="FFFF00"/>
+            </a:solidFill>
+            <a:ln cap="flat" cmpd="sng" w="9525">
+              <a:solidFill>
+                <a:srgbClr val="595959"/>
+              </a:solidFill>
+              <a:prstDash val="solid"/>
+              <a:round/>
+              <a:headEnd len="sm" w="sm" type="none"/>
+              <a:tailEnd len="sm" w="sm" type="none"/>
+            </a:ln>
+          </p:spPr>
+          <p:txBody>
+            <a:bodyPr anchorCtr="0" anchor="ctr" bIns="91425" lIns="91425" spcFirstLastPara="1" rIns="91425" wrap="square" tIns="91425">
+              <a:noAutofit/>
+            </a:bodyPr>
+            <a:lstStyle/>
+            <a:p>
+              <a:pPr indent="0" lvl="0" marL="0" rtl="0" algn="l">
+                <a:spcBef>
+                  <a:spcPts val="0"/>
+                </a:spcBef>
+                <a:spcAft>
+                  <a:spcPts val="0"/>
+                </a:spcAft>
+                <a:buNone/>
+              </a:pPr>
+              <a:r>
+                <a:t/>
+              </a:r>
+              <a:endParaRPr/>
+            </a:p>
+          </p:txBody>
+        </p:sp>
+        <p:sp>
+          <p:nvSpPr>
+            <p:cNvPr id="101" name="Google Shape;101;p14"/>
+            <p:cNvSpPr/>
+            <p:nvPr/>
+          </p:nvSpPr>
+          <p:spPr>
+            <a:xfrm>
+              <a:off x="0" y="0"/>
+              <a:ext cx="1342872" cy="1010988"/>
+            </a:xfrm>
+            <a:prstGeom prst="cloud">
+              <a:avLst/>
+            </a:prstGeom>
+            <a:solidFill>
+              <a:srgbClr val="666666"/>
+            </a:solidFill>
+            <a:ln cap="flat" cmpd="sng" w="9525">
+              <a:solidFill>
+                <a:srgbClr val="595959"/>
+              </a:solidFill>
+              <a:prstDash val="solid"/>
+              <a:round/>
+              <a:headEnd len="sm" w="sm" type="none"/>
+              <a:tailEnd len="sm" w="sm" type="none"/>
+            </a:ln>
+          </p:spPr>
+          <p:txBody>
+            <a:bodyPr anchorCtr="0" anchor="ctr" bIns="91425" lIns="91425" spcFirstLastPara="1" rIns="91425" wrap="square" tIns="91425">
+              <a:noAutofit/>
+            </a:bodyPr>
+            <a:lstStyle/>
+            <a:p>
+              <a:pPr indent="0" lvl="0" marL="0" rtl="0" algn="l">
+                <a:spcBef>
+                  <a:spcPts val="0"/>
+                </a:spcBef>
+                <a:spcAft>
+                  <a:spcPts val="0"/>
+                </a:spcAft>
+                <a:buNone/>
+              </a:pPr>
+              <a:r>
+                <a:t/>
+              </a:r>
+              <a:endParaRPr/>
+            </a:p>
+          </p:txBody>
+        </p:sp>
+        <p:sp>
+          <p:nvSpPr>
+            <p:cNvPr id="102" name="Google Shape;102;p14"/>
+            <p:cNvSpPr txBox="1"/>
+            <p:nvPr/>
+          </p:nvSpPr>
+          <p:spPr>
+            <a:xfrm>
+              <a:off x="421275" y="5250"/>
+              <a:ext cx="709200" cy="1000500"/>
+            </a:xfrm>
+            <a:prstGeom prst="rect">
+              <a:avLst/>
+            </a:prstGeom>
+            <a:noFill/>
+            <a:ln>
+              <a:noFill/>
+            </a:ln>
+          </p:spPr>
+          <p:txBody>
+            <a:bodyPr anchorCtr="0" anchor="t" bIns="91425" lIns="91425" spcFirstLastPara="1" rIns="91425" wrap="square" tIns="91425">
+              <a:spAutoFit/>
+            </a:bodyPr>
+            <a:lstStyle/>
+            <a:p>
+              <a:pPr indent="0" lvl="0" marL="0" rtl="0" algn="l">
+                <a:spcBef>
+                  <a:spcPts val="0"/>
+                </a:spcBef>
+                <a:spcAft>
+                  <a:spcPts val="0"/>
+                </a:spcAft>
+                <a:buNone/>
+              </a:pPr>
+              <a:r>
+                <a:rPr lang="en" sz="5300">
+                  <a:solidFill>
+                    <a:srgbClr val="FFFFFF"/>
+                  </a:solidFill>
+                  <a:latin typeface="Concert One"/>
+                  <a:ea typeface="Concert One"/>
+                  <a:cs typeface="Concert One"/>
+                  <a:sym typeface="Concert One"/>
+                </a:rPr>
+                <a:t>C</a:t>
+              </a:r>
+              <a:endParaRPr sz="5300">
+                <a:solidFill>
+                  <a:srgbClr val="FFFFFF"/>
+                </a:solidFill>
+                <a:latin typeface="Concert One"/>
+                <a:ea typeface="Concert One"/>
+                <a:cs typeface="Concert One"/>
+                <a:sym typeface="Concert One"/>
+              </a:endParaRPr>
+            </a:p>
+          </p:txBody>
+        </p:sp>
+      </p:grpSp>
+      <p:sp>
+        <p:nvSpPr>
+          <p:cNvPr id="103" name="Google Shape;103;p14"/>
+          <p:cNvSpPr/>
+          <p:nvPr/>
+        </p:nvSpPr>
+        <p:spPr>
+          <a:xfrm rot="-1823892">
+            <a:off x="6492446" y="3564364"/>
+            <a:ext cx="3403710" cy="3062170"/>
+          </a:xfrm>
+          <a:prstGeom prst="blockArc">
+            <a:avLst>
+              <a:gd fmla="val 12453525" name="adj1"/>
+              <a:gd fmla="val 21126457" name="adj2"/>
+              <a:gd fmla="val 14451" name="adj3"/>
+            </a:avLst>
+          </a:prstGeom>
+          <a:solidFill>
+            <a:srgbClr val="000000"/>
+          </a:solidFill>
+          <a:ln cap="flat" cmpd="sng" w="9525">
+            <a:solidFill>
+              <a:srgbClr val="595959"/>
+            </a:solidFill>
+            <a:prstDash val="solid"/>
+            <a:round/>
+            <a:headEnd len="sm" w="sm" type="none"/>
+            <a:tailEnd len="sm" w="sm" type="none"/>
+          </a:ln>
+        </p:spPr>
+        <p:txBody>
+          <a:bodyPr anchorCtr="0" anchor="ctr" bIns="91425" lIns="91425" spcFirstLastPara="1" rIns="91425" wrap="square" tIns="91425">
+            <a:noAutofit/>
+          </a:bodyPr>
+          <a:lstStyle/>
+          <a:p>
+            <a:pPr indent="0" lvl="0" marL="0" rtl="0" algn="l">
+              <a:spcBef>
+                <a:spcPts val="0"/>
+              </a:spcBef>
+              <a:spcAft>
+                <a:spcPts val="0"/>
+              </a:spcAft>
+              <a:buNone/>
+            </a:pPr>
+            <a:r>
+              <a:t/>
+            </a:r>
+            <a:endParaRPr>
+              <a:solidFill>
+                <a:srgbClr val="FFFFFF"/>
+              </a:solidFill>
+            </a:endParaRPr>
+          </a:p>
+        </p:txBody>
+      </p:sp>
+      <p:sp>
+        <p:nvSpPr>
+          <p:cNvPr id="104" name="Google Shape;104;p14"/>
+          <p:cNvSpPr/>
+          <p:nvPr/>
+        </p:nvSpPr>
+        <p:spPr>
+          <a:xfrm>
+            <a:off x="6986250" y="3968425"/>
+            <a:ext cx="2157750" cy="1192050"/>
+          </a:xfrm>
+          <a:custGeom>
+            <a:rect b="b" l="l" r="r" t="t"/>
+            <a:pathLst>
+              <a:path extrusionOk="0" h="47682" w="86310">
+                <a:moveTo>
+                  <a:pt x="0" y="47682"/>
+                </a:moveTo>
+                <a:lnTo>
+                  <a:pt x="85706" y="47078"/>
+                </a:lnTo>
+                <a:lnTo>
+                  <a:pt x="86310" y="13279"/>
+                </a:lnTo>
+                <a:lnTo>
+                  <a:pt x="80274" y="6640"/>
+                </a:lnTo>
+                <a:lnTo>
+                  <a:pt x="66392" y="604"/>
+                </a:lnTo>
+                <a:lnTo>
+                  <a:pt x="50096" y="0"/>
+                </a:lnTo>
+                <a:lnTo>
+                  <a:pt x="35611" y="2415"/>
+                </a:lnTo>
+                <a:lnTo>
+                  <a:pt x="22332" y="9657"/>
+                </a:lnTo>
+                <a:lnTo>
+                  <a:pt x="12072" y="18711"/>
+                </a:lnTo>
+                <a:lnTo>
+                  <a:pt x="4829" y="30179"/>
+                </a:lnTo>
+                <a:lnTo>
+                  <a:pt x="0" y="38629"/>
+                </a:lnTo>
+                <a:close/>
+              </a:path>
+            </a:pathLst>
+          </a:custGeom>
+          <a:solidFill>
+            <a:srgbClr val="EEFF41"/>
+          </a:solidFill>
+          <a:ln cap="flat" cmpd="sng" w="9525">
+            <a:solidFill>
+              <a:srgbClr val="595959"/>
+            </a:solidFill>
+            <a:prstDash val="solid"/>
+            <a:round/>
+            <a:headEnd len="med" w="med" type="none"/>
+            <a:tailEnd len="med" w="med" type="none"/>
+          </a:ln>
+        </p:spPr>
+        <p:txBody>
+          <a:bodyPr/>
+          <a:p/>
+        </p:txBody>
+      </p:sp>
+      <p:sp>
+        <p:nvSpPr>
+          <p:cNvPr id="105" name="Google Shape;105;p14"/>
+          <p:cNvSpPr txBox="1"/>
+          <p:nvPr/>
+        </p:nvSpPr>
+        <p:spPr>
+          <a:xfrm rot="-2036850">
+            <a:off x="6803389" y="3812943"/>
+            <a:ext cx="1333374" cy="492498"/>
+          </a:xfrm>
+          <a:prstGeom prst="rect">
+            <a:avLst/>
+          </a:prstGeom>
+          <a:noFill/>
+          <a:ln>
+            <a:noFill/>
+          </a:ln>
+        </p:spPr>
+        <p:txBody>
+          <a:bodyPr anchorCtr="0" anchor="t" bIns="91425" lIns="91425" spcFirstLastPara="1" rIns="91425" wrap="square" tIns="91425">
+            <a:spAutoFit/>
+          </a:bodyPr>
+          <a:lstStyle/>
+          <a:p>
+            <a:pPr indent="0" lvl="0" marL="0" rtl="0" algn="l">
+              <a:spcBef>
+                <a:spcPts val="0"/>
+              </a:spcBef>
+              <a:spcAft>
+                <a:spcPts val="0"/>
+              </a:spcAft>
+              <a:buNone/>
+            </a:pPr>
+            <a:r>
+              <a:rPr lang="en" sz="2000">
+                <a:solidFill>
+                  <a:srgbClr val="FFFFFF"/>
+                </a:solidFill>
+                <a:latin typeface="Concert One"/>
+                <a:ea typeface="Concert One"/>
+                <a:cs typeface="Concert One"/>
+                <a:sym typeface="Concert One"/>
+              </a:rPr>
+              <a:t>LIGHTYEAR</a:t>
+            </a:r>
+            <a:endParaRPr sz="2000">
+              <a:solidFill>
+                <a:srgbClr val="FFFFFF"/>
+              </a:solidFill>
+              <a:latin typeface="Concert One"/>
+              <a:ea typeface="Concert One"/>
+              <a:cs typeface="Concert One"/>
+              <a:sym typeface="Concert One"/>
+            </a:endParaRPr>
+          </a:p>
+        </p:txBody>
+      </p:sp>
+      <p:sp>
+        <p:nvSpPr>
+          <p:cNvPr id="106" name="Google Shape;106;p14"/>
+          <p:cNvSpPr/>
+          <p:nvPr/>
+        </p:nvSpPr>
+        <p:spPr>
+          <a:xfrm>
+            <a:off x="7978775" y="4121775"/>
+            <a:ext cx="267000" cy="220500"/>
+          </a:xfrm>
+          <a:prstGeom prst="heptagon">
+            <a:avLst>
+              <a:gd fmla="val 102572" name="hf"/>
+              <a:gd fmla="val 105210" name="vf"/>
+            </a:avLst>
+          </a:prstGeom>
+          <a:solidFill>
+            <a:srgbClr val="595959"/>
+          </a:solidFill>
+          <a:ln cap="flat" cmpd="sng" w="9525">
+            <a:solidFill>
+              <a:srgbClr val="595959"/>
+            </a:solidFill>
+            <a:prstDash val="solid"/>
+            <a:round/>
+            <a:headEnd len="sm" w="sm" type="none"/>
+            <a:tailEnd len="sm" w="sm" type="none"/>
+          </a:ln>
+        </p:spPr>
+        <p:txBody>
+          <a:bodyPr anchorCtr="0" anchor="ctr" bIns="91425" lIns="91425" spcFirstLastPara="1" rIns="91425" wrap="square" tIns="91425">
+            <a:noAutofit/>
+          </a:bodyPr>
+          <a:lstStyle/>
+          <a:p>
+            <a:pPr indent="0" lvl="0" marL="0" rtl="0" algn="l">
+              <a:spcBef>
+                <a:spcPts val="0"/>
+              </a:spcBef>
+              <a:spcAft>
+                <a:spcPts val="0"/>
+              </a:spcAft>
+              <a:buNone/>
+            </a:pPr>
+            <a:r>
+              <a:t/>
+            </a:r>
+            <a:endParaRPr/>
+          </a:p>
+        </p:txBody>
+      </p:sp>
+      <p:sp>
+        <p:nvSpPr>
+          <p:cNvPr id="107" name="Google Shape;107;p14"/>
+          <p:cNvSpPr/>
+          <p:nvPr/>
+        </p:nvSpPr>
+        <p:spPr>
+          <a:xfrm>
+            <a:off x="8677950" y="4342275"/>
+            <a:ext cx="267000" cy="220500"/>
+          </a:xfrm>
+          <a:prstGeom prst="heptagon">
+            <a:avLst>
+              <a:gd fmla="val 102572" name="hf"/>
+              <a:gd fmla="val 105210" name="vf"/>
+            </a:avLst>
+          </a:prstGeom>
+          <a:solidFill>
+            <a:srgbClr val="595959"/>
+          </a:solidFill>
+          <a:ln cap="flat" cmpd="sng" w="9525">
+            <a:solidFill>
+              <a:srgbClr val="595959"/>
+            </a:solidFill>
+            <a:prstDash val="solid"/>
+            <a:round/>
+            <a:headEnd len="sm" w="sm" type="none"/>
+            <a:tailEnd len="sm" w="sm" type="none"/>
+          </a:ln>
+        </p:spPr>
+        <p:txBody>
+          <a:bodyPr anchorCtr="0" anchor="ctr" bIns="91425" lIns="91425" spcFirstLastPara="1" rIns="91425" wrap="square" tIns="91425">
+            <a:noAutofit/>
+          </a:bodyPr>
+          <a:lstStyle/>
+          <a:p>
+            <a:pPr indent="0" lvl="0" marL="0" rtl="0" algn="l">
+              <a:spcBef>
+                <a:spcPts val="0"/>
+              </a:spcBef>
+              <a:spcAft>
+                <a:spcPts val="0"/>
+              </a:spcAft>
+              <a:buNone/>
+            </a:pPr>
+            <a:r>
+              <a:t/>
+            </a:r>
+            <a:endParaRPr/>
+          </a:p>
+        </p:txBody>
+      </p:sp>
+      <p:sp>
+        <p:nvSpPr>
+          <p:cNvPr id="108" name="Google Shape;108;p14"/>
+          <p:cNvSpPr/>
+          <p:nvPr/>
+        </p:nvSpPr>
+        <p:spPr>
+          <a:xfrm>
+            <a:off x="7341675" y="4486575"/>
+            <a:ext cx="267000" cy="220500"/>
+          </a:xfrm>
+          <a:prstGeom prst="heptagon">
+            <a:avLst>
+              <a:gd fmla="val 102572" name="hf"/>
+              <a:gd fmla="val 105210" name="vf"/>
+            </a:avLst>
+          </a:prstGeom>
+          <a:solidFill>
+            <a:srgbClr val="595959"/>
+          </a:solidFill>
+          <a:ln cap="flat" cmpd="sng" w="9525">
+            <a:solidFill>
+              <a:srgbClr val="595959"/>
+            </a:solidFill>
+            <a:prstDash val="solid"/>
+            <a:round/>
+            <a:headEnd len="sm" w="sm" type="none"/>
+            <a:tailEnd len="sm" w="sm" type="none"/>
+          </a:ln>
+        </p:spPr>
+        <p:txBody>
+          <a:bodyPr anchorCtr="0" anchor="ctr" bIns="91425" lIns="91425" spcFirstLastPara="1" rIns="91425" wrap="square" tIns="91425">
+            <a:noAutofit/>
+          </a:bodyPr>
+          <a:lstStyle/>
+          <a:p>
+            <a:pPr indent="0" lvl="0" marL="0" rtl="0" algn="l">
+              <a:spcBef>
+                <a:spcPts val="0"/>
+              </a:spcBef>
+              <a:spcAft>
+                <a:spcPts val="0"/>
+              </a:spcAft>
+              <a:buNone/>
+            </a:pPr>
+            <a:r>
+              <a:t/>
+            </a:r>
+            <a:endParaRPr/>
+          </a:p>
+        </p:txBody>
+      </p:sp>
+      <p:sp>
+        <p:nvSpPr>
+          <p:cNvPr id="109" name="Google Shape;109;p14"/>
+          <p:cNvSpPr/>
+          <p:nvPr/>
+        </p:nvSpPr>
+        <p:spPr>
+          <a:xfrm>
+            <a:off x="7189275" y="5089450"/>
+            <a:ext cx="267000" cy="220500"/>
+          </a:xfrm>
+          <a:prstGeom prst="heptagon">
+            <a:avLst>
+              <a:gd fmla="val 102572" name="hf"/>
+              <a:gd fmla="val 105210" name="vf"/>
+            </a:avLst>
+          </a:prstGeom>
+          <a:solidFill>
+            <a:srgbClr val="595959"/>
+          </a:solidFill>
+          <a:ln cap="flat" cmpd="sng" w="9525">
+            <a:solidFill>
+              <a:srgbClr val="595959"/>
+            </a:solidFill>
+            <a:prstDash val="solid"/>
+            <a:round/>
+            <a:headEnd len="sm" w="sm" type="none"/>
+            <a:tailEnd len="sm" w="sm" type="none"/>
+          </a:ln>
+        </p:spPr>
+        <p:txBody>
+          <a:bodyPr anchorCtr="0" anchor="ctr" bIns="91425" lIns="91425" spcFirstLastPara="1" rIns="91425" wrap="square" tIns="91425">
+            <a:noAutofit/>
+          </a:bodyPr>
+          <a:lstStyle/>
+          <a:p>
+            <a:pPr indent="0" lvl="0" marL="0" rtl="0" algn="l">
+              <a:spcBef>
+                <a:spcPts val="0"/>
+              </a:spcBef>
+              <a:spcAft>
+                <a:spcPts val="0"/>
+              </a:spcAft>
+              <a:buNone/>
+            </a:pPr>
+            <a:r>
+              <a:t/>
+            </a:r>
+            <a:endParaRPr/>
+          </a:p>
+        </p:txBody>
+      </p:sp>
+      <p:sp>
+        <p:nvSpPr>
+          <p:cNvPr id="110" name="Google Shape;110;p14"/>
+          <p:cNvSpPr txBox="1"/>
+          <p:nvPr/>
+        </p:nvSpPr>
+        <p:spPr>
+          <a:xfrm>
+            <a:off x="1794475" y="179925"/>
+            <a:ext cx="7150500" cy="841800"/>
+          </a:xfrm>
+          <a:prstGeom prst="rect">
+            <a:avLst/>
+          </a:prstGeom>
+          <a:noFill/>
+          <a:ln>
+            <a:noFill/>
+          </a:ln>
+        </p:spPr>
+        <p:txBody>
+          <a:bodyPr anchorCtr="0" anchor="ctr" bIns="91425" lIns="91425" spcFirstLastPara="1" rIns="91425" wrap="square" tIns="91425">
+            <a:normAutofit/>
+          </a:bodyPr>
+          <a:lstStyle/>
+          <a:p>
+            <a:pPr indent="0" lvl="0" marL="0" rtl="0" algn="l">
+              <a:spcBef>
+                <a:spcPts val="0"/>
+              </a:spcBef>
+              <a:spcAft>
+                <a:spcPts val="0"/>
+              </a:spcAft>
+              <a:buNone/>
+            </a:pPr>
+            <a:r>
+              <a:t>Chick Hicks' Legacy</a:t>
+            </a:r>
+            <a:endParaRPr sz="3600">
+              <a:solidFill>
+                <a:srgbClr val="FFFF00"/>
+              </a:solidFill>
+              <a:latin typeface="Concert One"/>
+              <a:ea typeface="Concert One"/>
+              <a:cs typeface="Concert One"/>
+              <a:sym typeface="Concert One"/>
+            </a:endParaRPr>
+          </a:p>
+        </p:txBody>
+      </p:sp>
+      <p:sp>
+        <p:nvSpPr>
+          <p:cNvPr id="111" name="Google Shape;111;p14"/>
+          <p:cNvSpPr txBox="1"/>
+          <p:nvPr/>
+        </p:nvSpPr>
+        <p:spPr>
+          <a:xfrm>
+            <a:off x="828275" y="1925252"/>
+            <a:ext cx="7150500" cy="2637600"/>
+          </a:xfrm>
+          <a:prstGeom prst="rect">
+            <a:avLst/>
+          </a:prstGeom>
+          <a:noFill/>
+          <a:ln>
+            <a:noFill/>
+          </a:ln>
         </p:spPr>
         <p:txBody>
           <a:bodyPr anchorCtr="0" anchor="t" bIns="91425" lIns="91425" spcFirstLastPara="1" rIns="91425" wrap="square" tIns="91425">
@@ -3865,317 +8197,21 @@
                 <a:spcPts val="0"/>
               </a:spcBef>
               <a:spcAft>
-                <a:spcPts val="1200"/>
+                <a:spcPts val="0"/>
               </a:spcAft>
               <a:buNone/>
             </a:pPr>
             <a:r>
-              <a:t>Tips on where to place your crosshair for quick and precise shots.</a:t>
-            </a:r>
-            <a:endParaRPr>
+              <a:t>As we look back on Chick Hicks' storied career, we find a legacy rich with excitement, strategy, and a touch of mischief. His impact on the sport is undisputed, inspiring new generations to embrace the thrill of racing.</a:t>
+            </a:r>
+            <a:endParaRPr sz="2200">
               <a:solidFill>
-                <a:schemeClr val="dk1"/>
+                <a:srgbClr val="FFFF00"/>
               </a:solidFill>
-            </a:endParaRPr>
-          </a:p>
-        </p:txBody>
-      </p:sp>
-    </p:spTree>
-  </p:cSld>
-  <p:clrMapOvr>
-    <a:masterClrMapping/>
-  </p:clrMapOvr>
-</p:sld>
-</file>
-
-<file path=ppt/slides/slide7.xml><?xml version="1.0" encoding="utf-8"?>
-<p:sld xmlns:a="http://schemas.openxmlformats.org/drawingml/2006/main" xmlns:p="http://schemas.openxmlformats.org/presentationml/2006/main" xmlns:r="http://schemas.openxmlformats.org/officeDocument/2006/relationships">
-  <p:cSld>
-    <p:spTree>
-      <p:nvGrpSpPr>
-        <p:cNvPr id="1" name=""/>
-        <p:cNvGrpSpPr/>
-        <p:nvPr/>
-      </p:nvGrpSpPr>
-      <p:grpSpPr/>
-      <p:sp>
-        <p:nvSpPr>
-          <p:cNvPr id="60" name="Google Shape;60;p14"/>
-          <p:cNvSpPr txBox="1"/>
-          <p:nvPr>
-            <p:ph type="title"/>
-          </p:nvPr>
-        </p:nvSpPr>
-        <p:spPr>
-          <a:xfrm>
-            <a:off x="311700" y="445025"/>
-            <a:ext cx="8520600" cy="572700"/>
-          </a:xfrm>
-          <a:prstGeom prst="rect">
-            <a:avLst/>
-          </a:prstGeom>
-        </p:spPr>
-        <p:txBody>
-          <a:bodyPr anchorCtr="0" anchor="t" bIns="91425" lIns="91425" spcFirstLastPara="1" rIns="91425" wrap="square" tIns="91425">
-            <a:normAutofit fontScale="90000"/>
-          </a:bodyPr>
-          <a:lstStyle/>
-          <a:p>
-            <a:pPr indent="0" lvl="0" marL="0" rtl="0" algn="l">
-              <a:spcBef>
-                <a:spcPts val="0"/>
-              </a:spcBef>
-              <a:spcAft>
-                <a:spcPts val="0"/>
-              </a:spcAft>
-              <a:buNone/>
-            </a:pPr>
-            <a:r>
-              <a:t>Practice Routines</a:t>
-            </a:r>
-            <a:endParaRPr/>
-          </a:p>
-        </p:txBody>
-      </p:sp>
-      <p:sp>
-        <p:nvSpPr>
-          <p:cNvPr id="61" name="Google Shape;61;p14"/>
-          <p:cNvSpPr txBox="1"/>
-          <p:nvPr>
-            <p:ph idx="1" type="body"/>
-          </p:nvPr>
-        </p:nvSpPr>
-        <p:spPr>
-          <a:xfrm>
-            <a:off x="311700" y="1152475"/>
-            <a:ext cx="8520600" cy="3416400"/>
-          </a:xfrm>
-          <a:prstGeom prst="rect">
-            <a:avLst/>
-          </a:prstGeom>
-        </p:spPr>
-        <p:txBody>
-          <a:bodyPr anchorCtr="0" anchor="t" bIns="91425" lIns="91425" spcFirstLastPara="1" rIns="91425" wrap="square" tIns="91425">
-            <a:normAutofit/>
-          </a:bodyPr>
-          <a:lstStyle/>
-          <a:p>
-            <a:pPr indent="0" lvl="0" marL="0" rtl="0" algn="l">
-              <a:spcBef>
-                <a:spcPts val="0"/>
-              </a:spcBef>
-              <a:spcAft>
-                <a:spcPts val="1200"/>
-              </a:spcAft>
-              <a:buNone/>
-            </a:pPr>
-            <a:r>
-              <a:t>Drills and routine exercises to enhance your aiming skills.</a:t>
-            </a:r>
-            <a:endParaRPr>
-              <a:solidFill>
-                <a:schemeClr val="dk1"/>
-              </a:solidFill>
-            </a:endParaRPr>
-          </a:p>
-        </p:txBody>
-      </p:sp>
-    </p:spTree>
-  </p:cSld>
-  <p:clrMapOvr>
-    <a:masterClrMapping/>
-  </p:clrMapOvr>
-</p:sld>
-</file>
-
-<file path=ppt/slides/slide8.xml><?xml version="1.0" encoding="utf-8"?>
-<p:sld xmlns:a="http://schemas.openxmlformats.org/drawingml/2006/main" xmlns:p="http://schemas.openxmlformats.org/presentationml/2006/main" xmlns:r="http://schemas.openxmlformats.org/officeDocument/2006/relationships">
-  <p:cSld>
-    <p:spTree>
-      <p:nvGrpSpPr>
-        <p:cNvPr id="1" name=""/>
-        <p:cNvGrpSpPr/>
-        <p:nvPr/>
-      </p:nvGrpSpPr>
-      <p:grpSpPr/>
-      <p:sp>
-        <p:nvSpPr>
-          <p:cNvPr id="60" name="Google Shape;60;p14"/>
-          <p:cNvSpPr txBox="1"/>
-          <p:nvPr>
-            <p:ph type="title"/>
-          </p:nvPr>
-        </p:nvSpPr>
-        <p:spPr>
-          <a:xfrm>
-            <a:off x="311700" y="445025"/>
-            <a:ext cx="8520600" cy="572700"/>
-          </a:xfrm>
-          <a:prstGeom prst="rect">
-            <a:avLst/>
-          </a:prstGeom>
-        </p:spPr>
-        <p:txBody>
-          <a:bodyPr anchorCtr="0" anchor="t" bIns="91425" lIns="91425" spcFirstLastPara="1" rIns="91425" wrap="square" tIns="91425">
-            <a:normAutofit fontScale="90000"/>
-          </a:bodyPr>
-          <a:lstStyle/>
-          <a:p>
-            <a:pPr indent="0" lvl="0" marL="0" rtl="0" algn="l">
-              <a:spcBef>
-                <a:spcPts val="0"/>
-              </a:spcBef>
-              <a:spcAft>
-                <a:spcPts val="0"/>
-              </a:spcAft>
-              <a:buNone/>
-            </a:pPr>
-            <a:r>
-              <a:t>Analyzing and Learning from Gameplay</a:t>
-            </a:r>
-            <a:endParaRPr/>
-          </a:p>
-        </p:txBody>
-      </p:sp>
-      <p:sp>
-        <p:nvSpPr>
-          <p:cNvPr id="61" name="Google Shape;61;p14"/>
-          <p:cNvSpPr txBox="1"/>
-          <p:nvPr>
-            <p:ph idx="1" type="body"/>
-          </p:nvPr>
-        </p:nvSpPr>
-        <p:spPr>
-          <a:xfrm>
-            <a:off x="311700" y="1152475"/>
-            <a:ext cx="8520600" cy="3416400"/>
-          </a:xfrm>
-          <a:prstGeom prst="rect">
-            <a:avLst/>
-          </a:prstGeom>
-        </p:spPr>
-        <p:txBody>
-          <a:bodyPr anchorCtr="0" anchor="t" bIns="91425" lIns="91425" spcFirstLastPara="1" rIns="91425" wrap="square" tIns="91425">
-            <a:normAutofit/>
-          </a:bodyPr>
-          <a:lstStyle/>
-          <a:p>
-            <a:pPr indent="0" lvl="0" marL="0" rtl="0" algn="l">
-              <a:spcBef>
-                <a:spcPts val="0"/>
-              </a:spcBef>
-              <a:spcAft>
-                <a:spcPts val="1200"/>
-              </a:spcAft>
-              <a:buNone/>
-            </a:pPr>
-            <a:r>
-              <a:t>Methods for reviewing your play to identify and work on weaknesses.</a:t>
-            </a:r>
-            <a:endParaRPr>
-              <a:solidFill>
-                <a:schemeClr val="dk1"/>
-              </a:solidFill>
-            </a:endParaRPr>
-          </a:p>
-        </p:txBody>
-      </p:sp>
-    </p:spTree>
-  </p:cSld>
-  <p:clrMapOvr>
-    <a:masterClrMapping/>
-  </p:clrMapOvr>
-</p:sld>
-</file>
-
-<file path=ppt/slides/slide9.xml><?xml version="1.0" encoding="utf-8"?>
-<p:sld xmlns:a="http://schemas.openxmlformats.org/drawingml/2006/main" xmlns:p="http://schemas.openxmlformats.org/presentationml/2006/main" xmlns:r="http://schemas.openxmlformats.org/officeDocument/2006/relationships">
-  <p:cSld>
-    <p:spTree>
-      <p:nvGrpSpPr>
-        <p:cNvPr id="1" name=""/>
-        <p:cNvGrpSpPr/>
-        <p:nvPr/>
-      </p:nvGrpSpPr>
-      <p:grpSpPr/>
-      <p:sp>
-        <p:nvSpPr>
-          <p:cNvPr id="60" name="Google Shape;60;p14"/>
-          <p:cNvSpPr txBox="1"/>
-          <p:nvPr>
-            <p:ph type="title"/>
-          </p:nvPr>
-        </p:nvSpPr>
-        <p:spPr>
-          <a:xfrm>
-            <a:off x="311700" y="445025"/>
-            <a:ext cx="8520600" cy="572700"/>
-          </a:xfrm>
-          <a:prstGeom prst="rect">
-            <a:avLst/>
-          </a:prstGeom>
-        </p:spPr>
-        <p:txBody>
-          <a:bodyPr anchorCtr="0" anchor="t" bIns="91425" lIns="91425" spcFirstLastPara="1" rIns="91425" wrap="square" tIns="91425">
-            <a:normAutofit fontScale="90000"/>
-          </a:bodyPr>
-          <a:lstStyle/>
-          <a:p>
-            <a:pPr indent="0" lvl="0" marL="0" rtl="0" algn="l">
-              <a:spcBef>
-                <a:spcPts val="0"/>
-              </a:spcBef>
-              <a:spcAft>
-                <a:spcPts val="0"/>
-              </a:spcAft>
-              <a:buNone/>
-            </a:pPr>
-            <a:r>
-              <a:t>Advanced Tips and Tricks</a:t>
-            </a:r>
-            <a:endParaRPr/>
-          </a:p>
-        </p:txBody>
-      </p:sp>
-      <p:sp>
-        <p:nvSpPr>
-          <p:cNvPr id="61" name="Google Shape;61;p14"/>
-          <p:cNvSpPr txBox="1"/>
-          <p:nvPr>
-            <p:ph idx="1" type="body"/>
-          </p:nvPr>
-        </p:nvSpPr>
-        <p:spPr>
-          <a:xfrm>
-            <a:off x="311700" y="1152475"/>
-            <a:ext cx="8520600" cy="3416400"/>
-          </a:xfrm>
-          <a:prstGeom prst="rect">
-            <a:avLst/>
-          </a:prstGeom>
-        </p:spPr>
-        <p:txBody>
-          <a:bodyPr anchorCtr="0" anchor="t" bIns="91425" lIns="91425" spcFirstLastPara="1" rIns="91425" wrap="square" tIns="91425">
-            <a:normAutofit/>
-          </a:bodyPr>
-          <a:lstStyle/>
-          <a:p>
-            <a:pPr indent="0" lvl="0" marL="0" rtl="0" algn="l">
-              <a:spcBef>
-                <a:spcPts val="0"/>
-              </a:spcBef>
-              <a:spcAft>
-                <a:spcPts val="1200"/>
-              </a:spcAft>
-              <a:buNone/>
-            </a:pPr>
-            <a:r>
-              <a:t>Expert level strategies to take your aiming to the next level.</a:t>
-            </a:r>
-            <a:endParaRPr>
-              <a:solidFill>
-                <a:schemeClr val="dk1"/>
-              </a:solidFill>
+              <a:latin typeface="Concert One"/>
+              <a:ea typeface="Concert One"/>
+              <a:cs typeface="Concert One"/>
+              <a:sym typeface="Concert One"/>
             </a:endParaRPr>
           </a:p>
         </p:txBody>

--- a/cool.pptx
+++ b/cool.pptx
@@ -11,6 +11,11 @@
     <p:sldId id="259" r:id="rId10"/>
     <p:sldId id="260" r:id="rId11"/>
     <p:sldId id="261" r:id="rId12"/>
+    <p:sldId id="262" r:id="rId13"/>
+    <p:sldId id="263" r:id="rId14"/>
+    <p:sldId id="264" r:id="rId15"/>
+    <p:sldId id="265" r:id="rId16"/>
+    <p:sldId id="266" r:id="rId17"/>
   </p:sldIdLst>
   <p:sldSz cx="9144000" cy="5143500" type="screen4x3"/>
   <p:notesSz cx="6858000" cy="9144000"/>
@@ -3115,12 +3120,12 @@
           </a:ln>
         </p:spPr>
         <p:txBody>
-          <a:bodyPr anchorCtr="0" anchor="ctr" bIns="91425" lIns="91425" spcFirstLastPara="1" rIns="91425" wrap="square" tIns="91425">
+          <a:bodyPr spcFirstLastPara="1" wrap="square" lIns="91425" tIns="91425" rIns="91425" bIns="91425" anchor="ctr" anchorCtr="0">
             <a:noAutofit/>
           </a:bodyPr>
           <a:lstStyle/>
           <a:p>
-            <a:pPr indent="0" lvl="0" marL="0" rtl="0" algn="l">
+            <a:pPr marL="0" lvl="0" indent="0" algn="l" rtl="0">
               <a:spcBef>
                 <a:spcPts val="0"/>
               </a:spcBef>
@@ -3129,9 +3134,6 @@
               </a:spcAft>
               <a:buNone/>
             </a:pPr>
-            <a:r>
-              <a:t/>
-            </a:r>
             <a:endParaRPr/>
           </a:p>
         </p:txBody>
@@ -3149,29 +3151,29 @@
           </a:xfrm>
           <a:prstGeom prst="diagStripe">
             <a:avLst>
-              <a:gd fmla="val 50000" name="adj"/>
+              <a:gd name="adj" fmla="val 50000"/>
             </a:avLst>
           </a:prstGeom>
           <a:solidFill>
             <a:srgbClr val="FFC971"/>
           </a:solidFill>
-          <a:ln cap="flat" cmpd="sng" w="9525">
+          <a:ln w="9525" cap="flat" cmpd="sng">
             <a:solidFill>
               <a:srgbClr val="FFC971"/>
             </a:solidFill>
             <a:prstDash val="solid"/>
             <a:round/>
-            <a:headEnd len="sm" w="sm" type="none"/>
-            <a:tailEnd len="sm" w="sm" type="none"/>
+            <a:headEnd type="none" w="sm" len="sm"/>
+            <a:tailEnd type="none" w="sm" len="sm"/>
           </a:ln>
         </p:spPr>
         <p:txBody>
-          <a:bodyPr anchorCtr="0" anchor="ctr" bIns="91425" lIns="91425" spcFirstLastPara="1" rIns="91425" wrap="square" tIns="91425">
+          <a:bodyPr spcFirstLastPara="1" wrap="square" lIns="91425" tIns="91425" rIns="91425" bIns="91425" anchor="ctr" anchorCtr="0">
             <a:noAutofit/>
           </a:bodyPr>
           <a:lstStyle/>
           <a:p>
-            <a:pPr indent="0" lvl="0" marL="0" rtl="0" algn="l">
+            <a:pPr marL="0" lvl="0" indent="0" algn="l" rtl="0">
               <a:spcBef>
                 <a:spcPts val="0"/>
               </a:spcBef>
@@ -3180,9 +3182,6 @@
               </a:spcAft>
               <a:buNone/>
             </a:pPr>
-            <a:r>
-              <a:t/>
-            </a:r>
             <a:endParaRPr/>
           </a:p>
         </p:txBody>
@@ -3207,12 +3206,12 @@
           </a:ln>
         </p:spPr>
         <p:txBody>
-          <a:bodyPr anchorCtr="0" anchor="b" bIns="91425" lIns="91425" spcFirstLastPara="1" rIns="91425" wrap="square" tIns="91425">
+          <a:bodyPr spcFirstLastPara="1" wrap="square" lIns="91425" tIns="91425" rIns="91425" bIns="91425" anchor="b" anchorCtr="0">
             <a:noAutofit/>
           </a:bodyPr>
           <a:lstStyle/>
           <a:p>
-            <a:pPr indent="0" lvl="0" marL="0" rtl="0" algn="ctr">
+            <a:pPr marL="0" lvl="0" indent="0" algn="ctr" rtl="0">
               <a:spcBef>
                 <a:spcPts val="0"/>
               </a:spcBef>
@@ -3262,12 +3261,12 @@
           </a:ln>
         </p:spPr>
         <p:txBody>
-          <a:bodyPr anchorCtr="0" anchor="t" bIns="91425" lIns="91425" spcFirstLastPara="1" rIns="91425" wrap="square" tIns="91425">
+          <a:bodyPr spcFirstLastPara="1" wrap="square" lIns="91425" tIns="91425" rIns="91425" bIns="91425" anchor="t" anchorCtr="0">
             <a:noAutofit/>
           </a:bodyPr>
           <a:lstStyle/>
           <a:p>
-            <a:pPr indent="0" lvl="0" marL="0" rtl="0" algn="ctr">
+            <a:pPr marL="0" lvl="0" indent="0" algn="ctr" rtl="0">
               <a:spcBef>
                 <a:spcPts val="0"/>
               </a:spcBef>
@@ -3313,7 +3312,7 @@
           </a:xfrm>
           <a:prstGeom prst="donut">
             <a:avLst>
-              <a:gd fmla="val 25000" name="adj"/>
+              <a:gd name="adj" fmla="val 25000"/>
             </a:avLst>
           </a:prstGeom>
           <a:solidFill>
@@ -3324,12 +3323,12 @@
           </a:ln>
         </p:spPr>
         <p:txBody>
-          <a:bodyPr anchorCtr="0" anchor="ctr" bIns="91425" lIns="91425" spcFirstLastPara="1" rIns="91425" wrap="square" tIns="91425">
+          <a:bodyPr spcFirstLastPara="1" wrap="square" lIns="91425" tIns="91425" rIns="91425" bIns="91425" anchor="ctr" anchorCtr="0">
             <a:noAutofit/>
           </a:bodyPr>
           <a:lstStyle/>
           <a:p>
-            <a:pPr indent="0" lvl="0" marL="0" rtl="0" algn="l">
+            <a:pPr marL="0" lvl="0" indent="0" algn="l" rtl="0">
               <a:spcBef>
                 <a:spcPts val="0"/>
               </a:spcBef>
@@ -3338,9 +3337,594 @@
               </a:spcAft>
               <a:buNone/>
             </a:pPr>
-            <a:r>
-              <a:t/>
-            </a:r>
+            <a:endParaRPr/>
+          </a:p>
+        </p:txBody>
+      </p:sp>
+    </p:spTree>
+  </p:cSld>
+  <p:clrMapOvr>
+    <a:masterClrMapping/>
+  </p:clrMapOvr>
+</p:sld>
+</file>
+
+<file path=ppt/slides/slide10.xml><?xml version="1.0" encoding="utf-8"?>
+<p:sld xmlns:a="http://schemas.openxmlformats.org/drawingml/2006/main" xmlns:p="http://schemas.openxmlformats.org/presentationml/2006/main" xmlns:r="http://schemas.openxmlformats.org/officeDocument/2006/relationships">
+  <p:cSld>
+    <p:spTree>
+      <p:nvGrpSpPr>
+        <p:cNvPr id="1" name=""/>
+        <p:cNvGrpSpPr/>
+        <p:nvPr/>
+      </p:nvGrpSpPr>
+      <p:grpSpPr/>
+      <p:sp>
+        <p:nvSpPr>
+          <p:cNvPr id="63" name="Google Shape;63;p14"/>
+          <p:cNvSpPr/>
+          <p:nvPr/>
+        </p:nvSpPr>
+        <p:spPr>
+          <a:xfrm>
+            <a:off x="-54925" y="-1345525"/>
+            <a:ext cx="8816400" cy="7043400"/>
+          </a:xfrm>
+          <a:prstGeom prst="rect">
+            <a:avLst/>
+          </a:prstGeom>
+          <a:solidFill>
+            <a:srgbClr val="FFC971"/>
+          </a:solidFill>
+          <a:ln>
+            <a:noFill/>
+          </a:ln>
+        </p:spPr>
+        <p:txBody>
+          <a:bodyPr spcFirstLastPara="1" wrap="square" lIns="91425" tIns="91425" rIns="91425" bIns="91425" anchor="ctr" anchorCtr="0">
+            <a:noAutofit/>
+          </a:bodyPr>
+          <a:lstStyle/>
+          <a:p>
+            <a:pPr marL="0" lvl="0" indent="0" algn="l" rtl="0">
+              <a:spcBef>
+                <a:spcPts val="0"/>
+              </a:spcBef>
+              <a:spcAft>
+                <a:spcPts val="0"/>
+              </a:spcAft>
+              <a:buNone/>
+            </a:pPr>
+            <a:endParaRPr/>
+          </a:p>
+        </p:txBody>
+      </p:sp>
+      <p:sp>
+        <p:nvSpPr>
+          <p:cNvPr id="64" name="Google Shape;64;p14"/>
+          <p:cNvSpPr/>
+          <p:nvPr/>
+        </p:nvSpPr>
+        <p:spPr>
+          <a:xfrm rot="-5400000">
+            <a:off x="1434900" y="-1489525"/>
+            <a:ext cx="5162400" cy="8141400"/>
+          </a:xfrm>
+          <a:prstGeom prst="rtTriangle">
+            <a:avLst/>
+          </a:prstGeom>
+          <a:solidFill>
+            <a:srgbClr val="FFE599"/>
+          </a:solidFill>
+          <a:ln>
+            <a:noFill/>
+          </a:ln>
+        </p:spPr>
+        <p:txBody>
+          <a:bodyPr spcFirstLastPara="1" wrap="square" lIns="91425" tIns="91425" rIns="91425" bIns="91425" anchor="ctr" anchorCtr="0">
+            <a:noAutofit/>
+          </a:bodyPr>
+          <a:lstStyle/>
+          <a:p>
+            <a:pPr marL="0" lvl="0" indent="0" algn="l" rtl="0">
+              <a:spcBef>
+                <a:spcPts val="0"/>
+              </a:spcBef>
+              <a:spcAft>
+                <a:spcPts val="0"/>
+              </a:spcAft>
+              <a:buNone/>
+            </a:pPr>
+            <a:endParaRPr/>
+          </a:p>
+        </p:txBody>
+      </p:sp>
+      <p:sp>
+        <p:nvSpPr>
+          <p:cNvPr id="65" name="Google Shape;65;p14"/>
+          <p:cNvSpPr txBox="1"/>
+          <p:nvPr/>
+        </p:nvSpPr>
+        <p:spPr>
+          <a:xfrm>
+            <a:off x="311700" y="445025"/>
+            <a:ext cx="8520600" cy="572700"/>
+          </a:xfrm>
+          <a:prstGeom prst="rect">
+            <a:avLst/>
+          </a:prstGeom>
+          <a:noFill/>
+          <a:ln>
+            <a:noFill/>
+          </a:ln>
+        </p:spPr>
+        <p:txBody>
+          <a:bodyPr spcFirstLastPara="1" wrap="square" lIns="91425" tIns="91425" rIns="91425" bIns="91425" anchor="t" anchorCtr="0">
+            <a:noAutofit/>
+          </a:bodyPr>
+          <a:lstStyle/>
+          <a:p>
+            <a:pPr marL="0" lvl="0" indent="0" algn="l" rtl="0">
+              <a:spcBef>
+                <a:spcPts val="0"/>
+              </a:spcBef>
+              <a:spcAft>
+                <a:spcPts val="0"/>
+              </a:spcAft>
+              <a:buNone/>
+            </a:pPr>
+            <a:r>
+              <a:rPr lang="en" sz="2800">
+                <a:latin typeface="Bungee"/>
+                <a:ea typeface="Bungee"/>
+                <a:cs typeface="Bungee"/>
+                <a:sym typeface="Bungee"/>
+              </a:rPr>
+              <a:t>Threats to Bee Populations</a:t>
+            </a:r>
+            <a:endParaRPr sz="2800">
+              <a:solidFill>
+                <a:srgbClr val="000000"/>
+              </a:solidFill>
+              <a:latin typeface="Bungee"/>
+              <a:ea typeface="Bungee"/>
+              <a:cs typeface="Bungee"/>
+              <a:sym typeface="Bungee"/>
+            </a:endParaRPr>
+          </a:p>
+        </p:txBody>
+      </p:sp>
+      <p:sp>
+        <p:nvSpPr>
+          <p:cNvPr id="66" name="Google Shape;66;p14"/>
+          <p:cNvSpPr txBox="1"/>
+          <p:nvPr/>
+        </p:nvSpPr>
+        <p:spPr>
+          <a:xfrm>
+            <a:off x="311700" y="1152475"/>
+            <a:ext cx="7422525" cy="3416400"/>
+          </a:xfrm>
+          <a:prstGeom prst="rect">
+            <a:avLst/>
+          </a:prstGeom>
+          <a:noFill/>
+          <a:ln>
+            <a:noFill/>
+          </a:ln>
+        </p:spPr>
+        <p:txBody>
+          <a:bodyPr spcFirstLastPara="1" wrap="square" lIns="91425" tIns="91425" rIns="91425" bIns="91425" anchor="t" anchorCtr="0">
+            <a:noAutofit/>
+          </a:bodyPr>
+          <a:lstStyle/>
+          <a:p>
+            <a:pPr marL="0" lvl="0" indent="0" algn="l" rtl="0">
+              <a:lnSpc>
+                <a:spcPct val="115000"/>
+              </a:lnSpc>
+              <a:spcBef>
+                <a:spcPts val="0"/>
+              </a:spcBef>
+              <a:spcAft>
+                <a:spcPts val="1200"/>
+              </a:spcAft>
+              <a:buNone/>
+            </a:pPr>
+            <a:r>
+              <a:rPr lang="en" sz="1800">
+                <a:solidFill>
+                  <a:srgbClr val="595959"/>
+                </a:solidFill>
+                <a:latin typeface="Oswald"/>
+                <a:ea typeface="Oswald"/>
+                <a:cs typeface="Oswald"/>
+                <a:sym typeface="Oswald"/>
+              </a:rPr>
+              <a:t>Bee populations are facing unprecedented challenges due to a combination of factors. Habitat destruction, the widespread use of pesticides, climate change, and the introduction of invasive species and diseases have all contributed to the decline of bee numbers. This worrying trend not only threatens the survival of bees but also poses a risk to global food security and biodiversity.</a:t>
+            </a:r>
+            <a:endParaRPr sz="1800">
+              <a:solidFill>
+                <a:srgbClr val="595959"/>
+              </a:solidFill>
+              <a:latin typeface="Oswald"/>
+              <a:ea typeface="Oswald"/>
+              <a:cs typeface="Oswald"/>
+              <a:sym typeface="Oswald"/>
+            </a:endParaRPr>
+          </a:p>
+        </p:txBody>
+      </p:sp>
+      <p:sp>
+        <p:nvSpPr>
+          <p:cNvPr id="67" name="Google Shape;67;p14"/>
+          <p:cNvSpPr/>
+          <p:nvPr/>
+        </p:nvSpPr>
+        <p:spPr>
+          <a:xfrm>
+            <a:off x="8074450" y="-1345525"/>
+            <a:ext cx="346800" cy="7043400"/>
+          </a:xfrm>
+          <a:prstGeom prst="rect">
+            <a:avLst/>
+          </a:prstGeom>
+          <a:solidFill>
+            <a:srgbClr val="FFB627"/>
+          </a:solidFill>
+          <a:ln>
+            <a:noFill/>
+          </a:ln>
+        </p:spPr>
+        <p:txBody>
+          <a:bodyPr spcFirstLastPara="1" wrap="square" lIns="91425" tIns="91425" rIns="91425" bIns="91425" anchor="ctr" anchorCtr="0">
+            <a:noAutofit/>
+          </a:bodyPr>
+          <a:lstStyle/>
+          <a:p>
+            <a:pPr marL="0" lvl="0" indent="0" algn="l" rtl="0">
+              <a:spcBef>
+                <a:spcPts val="0"/>
+              </a:spcBef>
+              <a:spcAft>
+                <a:spcPts val="0"/>
+              </a:spcAft>
+              <a:buNone/>
+            </a:pPr>
+            <a:endParaRPr/>
+          </a:p>
+        </p:txBody>
+      </p:sp>
+      <p:sp>
+        <p:nvSpPr>
+          <p:cNvPr id="68" name="Google Shape;68;p14"/>
+          <p:cNvSpPr/>
+          <p:nvPr/>
+        </p:nvSpPr>
+        <p:spPr>
+          <a:xfrm>
+            <a:off x="8421250" y="-1345525"/>
+            <a:ext cx="346800" cy="7043400"/>
+          </a:xfrm>
+          <a:prstGeom prst="rect">
+            <a:avLst/>
+          </a:prstGeom>
+          <a:solidFill>
+            <a:srgbClr val="FF9505"/>
+          </a:solidFill>
+          <a:ln>
+            <a:noFill/>
+          </a:ln>
+        </p:spPr>
+        <p:txBody>
+          <a:bodyPr spcFirstLastPara="1" wrap="square" lIns="91425" tIns="91425" rIns="91425" bIns="91425" anchor="ctr" anchorCtr="0">
+            <a:noAutofit/>
+          </a:bodyPr>
+          <a:lstStyle/>
+          <a:p>
+            <a:pPr marL="0" lvl="0" indent="0" algn="l" rtl="0">
+              <a:spcBef>
+                <a:spcPts val="0"/>
+              </a:spcBef>
+              <a:spcAft>
+                <a:spcPts val="0"/>
+              </a:spcAft>
+              <a:buNone/>
+            </a:pPr>
+            <a:endParaRPr/>
+          </a:p>
+        </p:txBody>
+      </p:sp>
+    </p:spTree>
+  </p:cSld>
+  <p:clrMapOvr>
+    <a:masterClrMapping/>
+  </p:clrMapOvr>
+</p:sld>
+</file>
+
+<file path=ppt/slides/slide11.xml><?xml version="1.0" encoding="utf-8"?>
+<p:sld xmlns:a="http://schemas.openxmlformats.org/drawingml/2006/main" xmlns:p="http://schemas.openxmlformats.org/presentationml/2006/main" xmlns:r="http://schemas.openxmlformats.org/officeDocument/2006/relationships">
+  <p:cSld>
+    <p:spTree>
+      <p:nvGrpSpPr>
+        <p:cNvPr id="1" name=""/>
+        <p:cNvGrpSpPr/>
+        <p:nvPr/>
+      </p:nvGrpSpPr>
+      <p:grpSpPr/>
+      <p:sp>
+        <p:nvSpPr>
+          <p:cNvPr id="63" name="Google Shape;63;p14"/>
+          <p:cNvSpPr/>
+          <p:nvPr/>
+        </p:nvSpPr>
+        <p:spPr>
+          <a:xfrm>
+            <a:off x="-54925" y="-1345525"/>
+            <a:ext cx="8816400" cy="7043400"/>
+          </a:xfrm>
+          <a:prstGeom prst="rect">
+            <a:avLst/>
+          </a:prstGeom>
+          <a:solidFill>
+            <a:srgbClr val="FFC971"/>
+          </a:solidFill>
+          <a:ln>
+            <a:noFill/>
+          </a:ln>
+        </p:spPr>
+        <p:txBody>
+          <a:bodyPr spcFirstLastPara="1" wrap="square" lIns="91425" tIns="91425" rIns="91425" bIns="91425" anchor="ctr" anchorCtr="0">
+            <a:noAutofit/>
+          </a:bodyPr>
+          <a:lstStyle/>
+          <a:p>
+            <a:pPr marL="0" lvl="0" indent="0" algn="l" rtl="0">
+              <a:spcBef>
+                <a:spcPts val="0"/>
+              </a:spcBef>
+              <a:spcAft>
+                <a:spcPts val="0"/>
+              </a:spcAft>
+              <a:buNone/>
+            </a:pPr>
+            <a:endParaRPr/>
+          </a:p>
+        </p:txBody>
+      </p:sp>
+      <p:sp>
+        <p:nvSpPr>
+          <p:cNvPr id="64" name="Google Shape;64;p14"/>
+          <p:cNvSpPr/>
+          <p:nvPr/>
+        </p:nvSpPr>
+        <p:spPr>
+          <a:xfrm rot="-5400000">
+            <a:off x="1434900" y="-1489525"/>
+            <a:ext cx="5162400" cy="8141400"/>
+          </a:xfrm>
+          <a:prstGeom prst="rtTriangle">
+            <a:avLst/>
+          </a:prstGeom>
+          <a:solidFill>
+            <a:srgbClr val="FFE599"/>
+          </a:solidFill>
+          <a:ln>
+            <a:noFill/>
+          </a:ln>
+        </p:spPr>
+        <p:txBody>
+          <a:bodyPr spcFirstLastPara="1" wrap="square" lIns="91425" tIns="91425" rIns="91425" bIns="91425" anchor="ctr" anchorCtr="0">
+            <a:noAutofit/>
+          </a:bodyPr>
+          <a:lstStyle/>
+          <a:p>
+            <a:pPr marL="0" lvl="0" indent="0" algn="l" rtl="0">
+              <a:spcBef>
+                <a:spcPts val="0"/>
+              </a:spcBef>
+              <a:spcAft>
+                <a:spcPts val="0"/>
+              </a:spcAft>
+              <a:buNone/>
+            </a:pPr>
+            <a:endParaRPr/>
+          </a:p>
+        </p:txBody>
+      </p:sp>
+      <p:sp>
+        <p:nvSpPr>
+          <p:cNvPr id="65" name="Google Shape;65;p14"/>
+          <p:cNvSpPr txBox="1"/>
+          <p:nvPr/>
+        </p:nvSpPr>
+        <p:spPr>
+          <a:xfrm>
+            <a:off x="311700" y="445025"/>
+            <a:ext cx="8520600" cy="572700"/>
+          </a:xfrm>
+          <a:prstGeom prst="rect">
+            <a:avLst/>
+          </a:prstGeom>
+          <a:noFill/>
+          <a:ln>
+            <a:noFill/>
+          </a:ln>
+        </p:spPr>
+        <p:txBody>
+          <a:bodyPr spcFirstLastPara="1" wrap="square" lIns="91425" tIns="91425" rIns="91425" bIns="91425" anchor="t" anchorCtr="0">
+            <a:noAutofit/>
+          </a:bodyPr>
+          <a:lstStyle/>
+          <a:p>
+            <a:pPr marL="0" lvl="0" indent="0" algn="l" rtl="0">
+              <a:spcBef>
+                <a:spcPts val="0"/>
+              </a:spcBef>
+              <a:spcAft>
+                <a:spcPts val="0"/>
+              </a:spcAft>
+              <a:buNone/>
+            </a:pPr>
+            <a:r>
+              <a:rPr lang="en" sz="2800">
+                <a:latin typeface="Bungee"/>
+                <a:ea typeface="Bungee"/>
+                <a:cs typeface="Bungee"/>
+                <a:sym typeface="Bungee"/>
+              </a:rPr>
+              <a:t>Protecting Bees</a:t>
+            </a:r>
+            <a:endParaRPr sz="2800">
+              <a:solidFill>
+                <a:srgbClr val="000000"/>
+              </a:solidFill>
+              <a:latin typeface="Bungee"/>
+              <a:ea typeface="Bungee"/>
+              <a:cs typeface="Bungee"/>
+              <a:sym typeface="Bungee"/>
+            </a:endParaRPr>
+          </a:p>
+        </p:txBody>
+      </p:sp>
+      <p:sp>
+        <p:nvSpPr>
+          <p:cNvPr id="66" name="Google Shape;66;p14"/>
+          <p:cNvSpPr txBox="1"/>
+          <p:nvPr/>
+        </p:nvSpPr>
+        <p:spPr>
+          <a:xfrm>
+            <a:off x="311700" y="1152475"/>
+            <a:ext cx="7422525" cy="3416400"/>
+          </a:xfrm>
+          <a:prstGeom prst="rect">
+            <a:avLst/>
+          </a:prstGeom>
+          <a:noFill/>
+          <a:ln>
+            <a:noFill/>
+          </a:ln>
+        </p:spPr>
+        <p:txBody>
+          <a:bodyPr spcFirstLastPara="1" wrap="square" lIns="91425" tIns="91425" rIns="91425" bIns="91425" anchor="t" anchorCtr="0">
+            <a:noAutofit/>
+          </a:bodyPr>
+          <a:lstStyle/>
+          <a:p>
+            <a:pPr marL="0" lvl="0" indent="0" algn="l" rtl="0">
+              <a:lnSpc>
+                <a:spcPct val="115000"/>
+              </a:lnSpc>
+              <a:spcBef>
+                <a:spcPts val="0"/>
+              </a:spcBef>
+              <a:spcAft>
+                <a:spcPts val="1200"/>
+              </a:spcAft>
+              <a:buNone/>
+            </a:pPr>
+            <a:r>
+              <a:rPr lang="en" sz="1800">
+                <a:solidFill>
+                  <a:srgbClr val="595959"/>
+                </a:solidFill>
+                <a:latin typeface="Oswald"/>
+                <a:ea typeface="Oswald"/>
+                <a:cs typeface="Oswald"/>
+                <a:sym typeface="Oswald"/>
+              </a:rPr>
+              <a:t>To combat the threats to bees, concerted efforts are required. This includes planting bee-friendly flowers, reducing pesticide use, and supporting sustainable farming practices. Conservation initiatives and research into bee health can also provide insights into improving their survival rates. By fostering an environment where bees can thrive, we ensure the continuation of their vital role in our ecosystem and secure the future of our own food supply.</a:t>
+            </a:r>
+            <a:endParaRPr sz="1800">
+              <a:solidFill>
+                <a:srgbClr val="595959"/>
+              </a:solidFill>
+              <a:latin typeface="Oswald"/>
+              <a:ea typeface="Oswald"/>
+              <a:cs typeface="Oswald"/>
+              <a:sym typeface="Oswald"/>
+            </a:endParaRPr>
+          </a:p>
+        </p:txBody>
+      </p:sp>
+      <p:sp>
+        <p:nvSpPr>
+          <p:cNvPr id="67" name="Google Shape;67;p14"/>
+          <p:cNvSpPr/>
+          <p:nvPr/>
+        </p:nvSpPr>
+        <p:spPr>
+          <a:xfrm>
+            <a:off x="8074450" y="-1345525"/>
+            <a:ext cx="346800" cy="7043400"/>
+          </a:xfrm>
+          <a:prstGeom prst="rect">
+            <a:avLst/>
+          </a:prstGeom>
+          <a:solidFill>
+            <a:srgbClr val="FFB627"/>
+          </a:solidFill>
+          <a:ln>
+            <a:noFill/>
+          </a:ln>
+        </p:spPr>
+        <p:txBody>
+          <a:bodyPr spcFirstLastPara="1" wrap="square" lIns="91425" tIns="91425" rIns="91425" bIns="91425" anchor="ctr" anchorCtr="0">
+            <a:noAutofit/>
+          </a:bodyPr>
+          <a:lstStyle/>
+          <a:p>
+            <a:pPr marL="0" lvl="0" indent="0" algn="l" rtl="0">
+              <a:spcBef>
+                <a:spcPts val="0"/>
+              </a:spcBef>
+              <a:spcAft>
+                <a:spcPts val="0"/>
+              </a:spcAft>
+              <a:buNone/>
+            </a:pPr>
+            <a:endParaRPr/>
+          </a:p>
+        </p:txBody>
+      </p:sp>
+      <p:sp>
+        <p:nvSpPr>
+          <p:cNvPr id="68" name="Google Shape;68;p14"/>
+          <p:cNvSpPr/>
+          <p:nvPr/>
+        </p:nvSpPr>
+        <p:spPr>
+          <a:xfrm>
+            <a:off x="8421250" y="-1345525"/>
+            <a:ext cx="346800" cy="7043400"/>
+          </a:xfrm>
+          <a:prstGeom prst="rect">
+            <a:avLst/>
+          </a:prstGeom>
+          <a:solidFill>
+            <a:srgbClr val="FF9505"/>
+          </a:solidFill>
+          <a:ln>
+            <a:noFill/>
+          </a:ln>
+        </p:spPr>
+        <p:txBody>
+          <a:bodyPr spcFirstLastPara="1" wrap="square" lIns="91425" tIns="91425" rIns="91425" bIns="91425" anchor="ctr" anchorCtr="0">
+            <a:noAutofit/>
+          </a:bodyPr>
+          <a:lstStyle/>
+          <a:p>
+            <a:pPr marL="0" lvl="0" indent="0" algn="l" rtl="0">
+              <a:spcBef>
+                <a:spcPts val="0"/>
+              </a:spcBef>
+              <a:spcAft>
+                <a:spcPts val="0"/>
+              </a:spcAft>
+              <a:buNone/>
+            </a:pPr>
             <a:endParaRPr/>
           </a:p>
         </p:txBody>
@@ -3385,12 +3969,12 @@
           </a:ln>
         </p:spPr>
         <p:txBody>
-          <a:bodyPr anchorCtr="0" anchor="ctr" bIns="91425" lIns="91425" spcFirstLastPara="1" rIns="91425" wrap="square" tIns="91425">
+          <a:bodyPr spcFirstLastPara="1" wrap="square" lIns="91425" tIns="91425" rIns="91425" bIns="91425" anchor="ctr" anchorCtr="0">
             <a:noAutofit/>
           </a:bodyPr>
           <a:lstStyle/>
           <a:p>
-            <a:pPr indent="0" lvl="0" marL="0" rtl="0" algn="l">
+            <a:pPr marL="0" lvl="0" indent="0" algn="l" rtl="0">
               <a:spcBef>
                 <a:spcPts val="0"/>
               </a:spcBef>
@@ -3399,9 +3983,6 @@
               </a:spcAft>
               <a:buNone/>
             </a:pPr>
-            <a:r>
-              <a:t/>
-            </a:r>
             <a:endParaRPr/>
           </a:p>
         </p:txBody>
@@ -3428,12 +4009,12 @@
           </a:ln>
         </p:spPr>
         <p:txBody>
-          <a:bodyPr anchorCtr="0" anchor="ctr" bIns="91425" lIns="91425" spcFirstLastPara="1" rIns="91425" wrap="square" tIns="91425">
+          <a:bodyPr spcFirstLastPara="1" wrap="square" lIns="91425" tIns="91425" rIns="91425" bIns="91425" anchor="ctr" anchorCtr="0">
             <a:noAutofit/>
           </a:bodyPr>
           <a:lstStyle/>
           <a:p>
-            <a:pPr indent="0" lvl="0" marL="0" rtl="0" algn="l">
+            <a:pPr marL="0" lvl="0" indent="0" algn="l" rtl="0">
               <a:spcBef>
                 <a:spcPts val="0"/>
               </a:spcBef>
@@ -3442,9 +4023,6 @@
               </a:spcAft>
               <a:buNone/>
             </a:pPr>
-            <a:r>
-              <a:t/>
-            </a:r>
             <a:endParaRPr/>
           </a:p>
         </p:txBody>
@@ -3469,12 +4047,12 @@
           </a:ln>
         </p:spPr>
         <p:txBody>
-          <a:bodyPr anchorCtr="0" anchor="t" bIns="91425" lIns="91425" spcFirstLastPara="1" rIns="91425" wrap="square" tIns="91425">
+          <a:bodyPr spcFirstLastPara="1" wrap="square" lIns="91425" tIns="91425" rIns="91425" bIns="91425" anchor="t" anchorCtr="0">
             <a:noAutofit/>
           </a:bodyPr>
           <a:lstStyle/>
           <a:p>
-            <a:pPr indent="0" lvl="0" marL="0" rtl="0" algn="l">
+            <a:pPr marL="0" lvl="0" indent="0" algn="l" rtl="0">
               <a:spcBef>
                 <a:spcPts val="0"/>
               </a:spcBef>
@@ -3513,7 +4091,7 @@
         <p:spPr>
           <a:xfrm>
             <a:off x="311700" y="1152475"/>
-            <a:ext cx="8520600" cy="3416400"/>
+            <a:ext cx="7422525" cy="3416400"/>
           </a:xfrm>
           <a:prstGeom prst="rect">
             <a:avLst/>
@@ -3524,12 +4102,12 @@
           </a:ln>
         </p:spPr>
         <p:txBody>
-          <a:bodyPr anchorCtr="0" anchor="t" bIns="91425" lIns="91425" spcFirstLastPara="1" rIns="91425" wrap="square" tIns="91425">
+          <a:bodyPr spcFirstLastPara="1" wrap="square" lIns="91425" tIns="91425" rIns="91425" bIns="91425" anchor="t" anchorCtr="0">
             <a:noAutofit/>
           </a:bodyPr>
           <a:lstStyle/>
           <a:p>
-            <a:pPr indent="0" lvl="0" marL="0" rtl="0" algn="l">
+            <a:pPr marL="0" lvl="0" indent="0" algn="l" rtl="0">
               <a:lnSpc>
                 <a:spcPct val="115000"/>
               </a:lnSpc>
@@ -3587,12 +4165,12 @@
           </a:ln>
         </p:spPr>
         <p:txBody>
-          <a:bodyPr anchorCtr="0" anchor="ctr" bIns="91425" lIns="91425" spcFirstLastPara="1" rIns="91425" wrap="square" tIns="91425">
+          <a:bodyPr spcFirstLastPara="1" wrap="square" lIns="91425" tIns="91425" rIns="91425" bIns="91425" anchor="ctr" anchorCtr="0">
             <a:noAutofit/>
           </a:bodyPr>
           <a:lstStyle/>
           <a:p>
-            <a:pPr indent="0" lvl="0" marL="0" rtl="0" algn="l">
+            <a:pPr marL="0" lvl="0" indent="0" algn="l" rtl="0">
               <a:spcBef>
                 <a:spcPts val="0"/>
               </a:spcBef>
@@ -3601,9 +4179,6 @@
               </a:spcAft>
               <a:buNone/>
             </a:pPr>
-            <a:r>
-              <a:t/>
-            </a:r>
             <a:endParaRPr/>
           </a:p>
         </p:txBody>
@@ -3630,12 +4205,12 @@
           </a:ln>
         </p:spPr>
         <p:txBody>
-          <a:bodyPr anchorCtr="0" anchor="ctr" bIns="91425" lIns="91425" spcFirstLastPara="1" rIns="91425" wrap="square" tIns="91425">
+          <a:bodyPr spcFirstLastPara="1" wrap="square" lIns="91425" tIns="91425" rIns="91425" bIns="91425" anchor="ctr" anchorCtr="0">
             <a:noAutofit/>
           </a:bodyPr>
           <a:lstStyle/>
           <a:p>
-            <a:pPr indent="0" lvl="0" marL="0" rtl="0" algn="l">
+            <a:pPr marL="0" lvl="0" indent="0" algn="l" rtl="0">
               <a:spcBef>
                 <a:spcPts val="0"/>
               </a:spcBef>
@@ -3644,9 +4219,6 @@
               </a:spcAft>
               <a:buNone/>
             </a:pPr>
-            <a:r>
-              <a:t/>
-            </a:r>
             <a:endParaRPr/>
           </a:p>
         </p:txBody>
@@ -3691,12 +4263,12 @@
           </a:ln>
         </p:spPr>
         <p:txBody>
-          <a:bodyPr anchorCtr="0" anchor="ctr" bIns="91425" lIns="91425" spcFirstLastPara="1" rIns="91425" wrap="square" tIns="91425">
+          <a:bodyPr spcFirstLastPara="1" wrap="square" lIns="91425" tIns="91425" rIns="91425" bIns="91425" anchor="ctr" anchorCtr="0">
             <a:noAutofit/>
           </a:bodyPr>
           <a:lstStyle/>
           <a:p>
-            <a:pPr indent="0" lvl="0" marL="0" rtl="0" algn="l">
+            <a:pPr marL="0" lvl="0" indent="0" algn="l" rtl="0">
               <a:spcBef>
                 <a:spcPts val="0"/>
               </a:spcBef>
@@ -3705,9 +4277,6 @@
               </a:spcAft>
               <a:buNone/>
             </a:pPr>
-            <a:r>
-              <a:t/>
-            </a:r>
             <a:endParaRPr/>
           </a:p>
         </p:txBody>
@@ -3734,12 +4303,12 @@
           </a:ln>
         </p:spPr>
         <p:txBody>
-          <a:bodyPr anchorCtr="0" anchor="ctr" bIns="91425" lIns="91425" spcFirstLastPara="1" rIns="91425" wrap="square" tIns="91425">
+          <a:bodyPr spcFirstLastPara="1" wrap="square" lIns="91425" tIns="91425" rIns="91425" bIns="91425" anchor="ctr" anchorCtr="0">
             <a:noAutofit/>
           </a:bodyPr>
           <a:lstStyle/>
           <a:p>
-            <a:pPr indent="0" lvl="0" marL="0" rtl="0" algn="l">
+            <a:pPr marL="0" lvl="0" indent="0" algn="l" rtl="0">
               <a:spcBef>
                 <a:spcPts val="0"/>
               </a:spcBef>
@@ -3748,9 +4317,6 @@
               </a:spcAft>
               <a:buNone/>
             </a:pPr>
-            <a:r>
-              <a:t/>
-            </a:r>
             <a:endParaRPr/>
           </a:p>
         </p:txBody>
@@ -3775,12 +4341,12 @@
           </a:ln>
         </p:spPr>
         <p:txBody>
-          <a:bodyPr anchorCtr="0" anchor="t" bIns="91425" lIns="91425" spcFirstLastPara="1" rIns="91425" wrap="square" tIns="91425">
+          <a:bodyPr spcFirstLastPara="1" wrap="square" lIns="91425" tIns="91425" rIns="91425" bIns="91425" anchor="t" anchorCtr="0">
             <a:noAutofit/>
           </a:bodyPr>
           <a:lstStyle/>
           <a:p>
-            <a:pPr indent="0" lvl="0" marL="0" rtl="0" algn="l">
+            <a:pPr marL="0" lvl="0" indent="0" algn="l" rtl="0">
               <a:spcBef>
                 <a:spcPts val="0"/>
               </a:spcBef>
@@ -3819,7 +4385,7 @@
         <p:spPr>
           <a:xfrm>
             <a:off x="311700" y="1152475"/>
-            <a:ext cx="8520600" cy="3416400"/>
+            <a:ext cx="7422525" cy="3416400"/>
           </a:xfrm>
           <a:prstGeom prst="rect">
             <a:avLst/>
@@ -3830,12 +4396,12 @@
           </a:ln>
         </p:spPr>
         <p:txBody>
-          <a:bodyPr anchorCtr="0" anchor="t" bIns="91425" lIns="91425" spcFirstLastPara="1" rIns="91425" wrap="square" tIns="91425">
+          <a:bodyPr spcFirstLastPara="1" wrap="square" lIns="91425" tIns="91425" rIns="91425" bIns="91425" anchor="t" anchorCtr="0">
             <a:noAutofit/>
           </a:bodyPr>
           <a:lstStyle/>
           <a:p>
-            <a:pPr indent="0" lvl="0" marL="0" rtl="0" algn="l">
+            <a:pPr marL="0" lvl="0" indent="0" algn="l" rtl="0">
               <a:lnSpc>
                 <a:spcPct val="115000"/>
               </a:lnSpc>
@@ -3893,12 +4459,12 @@
           </a:ln>
         </p:spPr>
         <p:txBody>
-          <a:bodyPr anchorCtr="0" anchor="ctr" bIns="91425" lIns="91425" spcFirstLastPara="1" rIns="91425" wrap="square" tIns="91425">
+          <a:bodyPr spcFirstLastPara="1" wrap="square" lIns="91425" tIns="91425" rIns="91425" bIns="91425" anchor="ctr" anchorCtr="0">
             <a:noAutofit/>
           </a:bodyPr>
           <a:lstStyle/>
           <a:p>
-            <a:pPr indent="0" lvl="0" marL="0" rtl="0" algn="l">
+            <a:pPr marL="0" lvl="0" indent="0" algn="l" rtl="0">
               <a:spcBef>
                 <a:spcPts val="0"/>
               </a:spcBef>
@@ -3907,9 +4473,6 @@
               </a:spcAft>
               <a:buNone/>
             </a:pPr>
-            <a:r>
-              <a:t/>
-            </a:r>
             <a:endParaRPr/>
           </a:p>
         </p:txBody>
@@ -3936,12 +4499,12 @@
           </a:ln>
         </p:spPr>
         <p:txBody>
-          <a:bodyPr anchorCtr="0" anchor="ctr" bIns="91425" lIns="91425" spcFirstLastPara="1" rIns="91425" wrap="square" tIns="91425">
+          <a:bodyPr spcFirstLastPara="1" wrap="square" lIns="91425" tIns="91425" rIns="91425" bIns="91425" anchor="ctr" anchorCtr="0">
             <a:noAutofit/>
           </a:bodyPr>
           <a:lstStyle/>
           <a:p>
-            <a:pPr indent="0" lvl="0" marL="0" rtl="0" algn="l">
+            <a:pPr marL="0" lvl="0" indent="0" algn="l" rtl="0">
               <a:spcBef>
                 <a:spcPts val="0"/>
               </a:spcBef>
@@ -3950,9 +4513,6 @@
               </a:spcAft>
               <a:buNone/>
             </a:pPr>
-            <a:r>
-              <a:t/>
-            </a:r>
             <a:endParaRPr/>
           </a:p>
         </p:txBody>
@@ -3997,12 +4557,12 @@
           </a:ln>
         </p:spPr>
         <p:txBody>
-          <a:bodyPr anchorCtr="0" anchor="ctr" bIns="91425" lIns="91425" spcFirstLastPara="1" rIns="91425" wrap="square" tIns="91425">
+          <a:bodyPr spcFirstLastPara="1" wrap="square" lIns="91425" tIns="91425" rIns="91425" bIns="91425" anchor="ctr" anchorCtr="0">
             <a:noAutofit/>
           </a:bodyPr>
           <a:lstStyle/>
           <a:p>
-            <a:pPr indent="0" lvl="0" marL="0" rtl="0" algn="l">
+            <a:pPr marL="0" lvl="0" indent="0" algn="l" rtl="0">
               <a:spcBef>
                 <a:spcPts val="0"/>
               </a:spcBef>
@@ -4011,9 +4571,6 @@
               </a:spcAft>
               <a:buNone/>
             </a:pPr>
-            <a:r>
-              <a:t/>
-            </a:r>
             <a:endParaRPr/>
           </a:p>
         </p:txBody>
@@ -4040,12 +4597,12 @@
           </a:ln>
         </p:spPr>
         <p:txBody>
-          <a:bodyPr anchorCtr="0" anchor="ctr" bIns="91425" lIns="91425" spcFirstLastPara="1" rIns="91425" wrap="square" tIns="91425">
+          <a:bodyPr spcFirstLastPara="1" wrap="square" lIns="91425" tIns="91425" rIns="91425" bIns="91425" anchor="ctr" anchorCtr="0">
             <a:noAutofit/>
           </a:bodyPr>
           <a:lstStyle/>
           <a:p>
-            <a:pPr indent="0" lvl="0" marL="0" rtl="0" algn="l">
+            <a:pPr marL="0" lvl="0" indent="0" algn="l" rtl="0">
               <a:spcBef>
                 <a:spcPts val="0"/>
               </a:spcBef>
@@ -4054,9 +4611,6 @@
               </a:spcAft>
               <a:buNone/>
             </a:pPr>
-            <a:r>
-              <a:t/>
-            </a:r>
             <a:endParaRPr/>
           </a:p>
         </p:txBody>
@@ -4081,12 +4635,12 @@
           </a:ln>
         </p:spPr>
         <p:txBody>
-          <a:bodyPr anchorCtr="0" anchor="t" bIns="91425" lIns="91425" spcFirstLastPara="1" rIns="91425" wrap="square" tIns="91425">
+          <a:bodyPr spcFirstLastPara="1" wrap="square" lIns="91425" tIns="91425" rIns="91425" bIns="91425" anchor="t" anchorCtr="0">
             <a:noAutofit/>
           </a:bodyPr>
           <a:lstStyle/>
           <a:p>
-            <a:pPr indent="0" lvl="0" marL="0" rtl="0" algn="l">
+            <a:pPr marL="0" lvl="0" indent="0" algn="l" rtl="0">
               <a:spcBef>
                 <a:spcPts val="0"/>
               </a:spcBef>
@@ -4125,7 +4679,7 @@
         <p:spPr>
           <a:xfrm>
             <a:off x="311700" y="1152475"/>
-            <a:ext cx="8520600" cy="3416400"/>
+            <a:ext cx="7422525" cy="3416400"/>
           </a:xfrm>
           <a:prstGeom prst="rect">
             <a:avLst/>
@@ -4136,12 +4690,12 @@
           </a:ln>
         </p:spPr>
         <p:txBody>
-          <a:bodyPr anchorCtr="0" anchor="t" bIns="91425" lIns="91425" spcFirstLastPara="1" rIns="91425" wrap="square" tIns="91425">
+          <a:bodyPr spcFirstLastPara="1" wrap="square" lIns="91425" tIns="91425" rIns="91425" bIns="91425" anchor="t" anchorCtr="0">
             <a:noAutofit/>
           </a:bodyPr>
           <a:lstStyle/>
           <a:p>
-            <a:pPr indent="0" lvl="0" marL="0" rtl="0" algn="l">
+            <a:pPr marL="0" lvl="0" indent="0" algn="l" rtl="0">
               <a:lnSpc>
                 <a:spcPct val="115000"/>
               </a:lnSpc>
@@ -4199,12 +4753,12 @@
           </a:ln>
         </p:spPr>
         <p:txBody>
-          <a:bodyPr anchorCtr="0" anchor="ctr" bIns="91425" lIns="91425" spcFirstLastPara="1" rIns="91425" wrap="square" tIns="91425">
+          <a:bodyPr spcFirstLastPara="1" wrap="square" lIns="91425" tIns="91425" rIns="91425" bIns="91425" anchor="ctr" anchorCtr="0">
             <a:noAutofit/>
           </a:bodyPr>
           <a:lstStyle/>
           <a:p>
-            <a:pPr indent="0" lvl="0" marL="0" rtl="0" algn="l">
+            <a:pPr marL="0" lvl="0" indent="0" algn="l" rtl="0">
               <a:spcBef>
                 <a:spcPts val="0"/>
               </a:spcBef>
@@ -4213,9 +4767,6 @@
               </a:spcAft>
               <a:buNone/>
             </a:pPr>
-            <a:r>
-              <a:t/>
-            </a:r>
             <a:endParaRPr/>
           </a:p>
         </p:txBody>
@@ -4242,12 +4793,12 @@
           </a:ln>
         </p:spPr>
         <p:txBody>
-          <a:bodyPr anchorCtr="0" anchor="ctr" bIns="91425" lIns="91425" spcFirstLastPara="1" rIns="91425" wrap="square" tIns="91425">
+          <a:bodyPr spcFirstLastPara="1" wrap="square" lIns="91425" tIns="91425" rIns="91425" bIns="91425" anchor="ctr" anchorCtr="0">
             <a:noAutofit/>
           </a:bodyPr>
           <a:lstStyle/>
           <a:p>
-            <a:pPr indent="0" lvl="0" marL="0" rtl="0" algn="l">
+            <a:pPr marL="0" lvl="0" indent="0" algn="l" rtl="0">
               <a:spcBef>
                 <a:spcPts val="0"/>
               </a:spcBef>
@@ -4256,9 +4807,6 @@
               </a:spcAft>
               <a:buNone/>
             </a:pPr>
-            <a:r>
-              <a:t/>
-            </a:r>
             <a:endParaRPr/>
           </a:p>
         </p:txBody>
@@ -4303,12 +4851,12 @@
           </a:ln>
         </p:spPr>
         <p:txBody>
-          <a:bodyPr anchorCtr="0" anchor="ctr" bIns="91425" lIns="91425" spcFirstLastPara="1" rIns="91425" wrap="square" tIns="91425">
+          <a:bodyPr spcFirstLastPara="1" wrap="square" lIns="91425" tIns="91425" rIns="91425" bIns="91425" anchor="ctr" anchorCtr="0">
             <a:noAutofit/>
           </a:bodyPr>
           <a:lstStyle/>
           <a:p>
-            <a:pPr indent="0" lvl="0" marL="0" rtl="0" algn="l">
+            <a:pPr marL="0" lvl="0" indent="0" algn="l" rtl="0">
               <a:spcBef>
                 <a:spcPts val="0"/>
               </a:spcBef>
@@ -4317,9 +4865,6 @@
               </a:spcAft>
               <a:buNone/>
             </a:pPr>
-            <a:r>
-              <a:t/>
-            </a:r>
             <a:endParaRPr/>
           </a:p>
         </p:txBody>
@@ -4346,12 +4891,12 @@
           </a:ln>
         </p:spPr>
         <p:txBody>
-          <a:bodyPr anchorCtr="0" anchor="ctr" bIns="91425" lIns="91425" spcFirstLastPara="1" rIns="91425" wrap="square" tIns="91425">
+          <a:bodyPr spcFirstLastPara="1" wrap="square" lIns="91425" tIns="91425" rIns="91425" bIns="91425" anchor="ctr" anchorCtr="0">
             <a:noAutofit/>
           </a:bodyPr>
           <a:lstStyle/>
           <a:p>
-            <a:pPr indent="0" lvl="0" marL="0" rtl="0" algn="l">
+            <a:pPr marL="0" lvl="0" indent="0" algn="l" rtl="0">
               <a:spcBef>
                 <a:spcPts val="0"/>
               </a:spcBef>
@@ -4360,9 +4905,6 @@
               </a:spcAft>
               <a:buNone/>
             </a:pPr>
-            <a:r>
-              <a:t/>
-            </a:r>
             <a:endParaRPr/>
           </a:p>
         </p:txBody>
@@ -4387,12 +4929,12 @@
           </a:ln>
         </p:spPr>
         <p:txBody>
-          <a:bodyPr anchorCtr="0" anchor="t" bIns="91425" lIns="91425" spcFirstLastPara="1" rIns="91425" wrap="square" tIns="91425">
+          <a:bodyPr spcFirstLastPara="1" wrap="square" lIns="91425" tIns="91425" rIns="91425" bIns="91425" anchor="t" anchorCtr="0">
             <a:noAutofit/>
           </a:bodyPr>
           <a:lstStyle/>
           <a:p>
-            <a:pPr indent="0" lvl="0" marL="0" rtl="0" algn="l">
+            <a:pPr marL="0" lvl="0" indent="0" algn="l" rtl="0">
               <a:spcBef>
                 <a:spcPts val="0"/>
               </a:spcBef>
@@ -4431,7 +4973,7 @@
         <p:spPr>
           <a:xfrm>
             <a:off x="311700" y="1152475"/>
-            <a:ext cx="8520600" cy="3416400"/>
+            <a:ext cx="7422525" cy="3416400"/>
           </a:xfrm>
           <a:prstGeom prst="rect">
             <a:avLst/>
@@ -4442,12 +4984,12 @@
           </a:ln>
         </p:spPr>
         <p:txBody>
-          <a:bodyPr anchorCtr="0" anchor="t" bIns="91425" lIns="91425" spcFirstLastPara="1" rIns="91425" wrap="square" tIns="91425">
+          <a:bodyPr spcFirstLastPara="1" wrap="square" lIns="91425" tIns="91425" rIns="91425" bIns="91425" anchor="t" anchorCtr="0">
             <a:noAutofit/>
           </a:bodyPr>
           <a:lstStyle/>
           <a:p>
-            <a:pPr indent="0" lvl="0" marL="0" rtl="0" algn="l">
+            <a:pPr marL="0" lvl="0" indent="0" algn="l" rtl="0">
               <a:lnSpc>
                 <a:spcPct val="115000"/>
               </a:lnSpc>
@@ -4505,12 +5047,12 @@
           </a:ln>
         </p:spPr>
         <p:txBody>
-          <a:bodyPr anchorCtr="0" anchor="ctr" bIns="91425" lIns="91425" spcFirstLastPara="1" rIns="91425" wrap="square" tIns="91425">
+          <a:bodyPr spcFirstLastPara="1" wrap="square" lIns="91425" tIns="91425" rIns="91425" bIns="91425" anchor="ctr" anchorCtr="0">
             <a:noAutofit/>
           </a:bodyPr>
           <a:lstStyle/>
           <a:p>
-            <a:pPr indent="0" lvl="0" marL="0" rtl="0" algn="l">
+            <a:pPr marL="0" lvl="0" indent="0" algn="l" rtl="0">
               <a:spcBef>
                 <a:spcPts val="0"/>
               </a:spcBef>
@@ -4519,9 +5061,6 @@
               </a:spcAft>
               <a:buNone/>
             </a:pPr>
-            <a:r>
-              <a:t/>
-            </a:r>
             <a:endParaRPr/>
           </a:p>
         </p:txBody>
@@ -4548,12 +5087,12 @@
           </a:ln>
         </p:spPr>
         <p:txBody>
-          <a:bodyPr anchorCtr="0" anchor="ctr" bIns="91425" lIns="91425" spcFirstLastPara="1" rIns="91425" wrap="square" tIns="91425">
+          <a:bodyPr spcFirstLastPara="1" wrap="square" lIns="91425" tIns="91425" rIns="91425" bIns="91425" anchor="ctr" anchorCtr="0">
             <a:noAutofit/>
           </a:bodyPr>
           <a:lstStyle/>
           <a:p>
-            <a:pPr indent="0" lvl="0" marL="0" rtl="0" algn="l">
+            <a:pPr marL="0" lvl="0" indent="0" algn="l" rtl="0">
               <a:spcBef>
                 <a:spcPts val="0"/>
               </a:spcBef>
@@ -4562,9 +5101,6 @@
               </a:spcAft>
               <a:buNone/>
             </a:pPr>
-            <a:r>
-              <a:t/>
-            </a:r>
             <a:endParaRPr/>
           </a:p>
         </p:txBody>
@@ -4609,12 +5145,12 @@
           </a:ln>
         </p:spPr>
         <p:txBody>
-          <a:bodyPr anchorCtr="0" anchor="ctr" bIns="91425" lIns="91425" spcFirstLastPara="1" rIns="91425" wrap="square" tIns="91425">
+          <a:bodyPr spcFirstLastPara="1" wrap="square" lIns="91425" tIns="91425" rIns="91425" bIns="91425" anchor="ctr" anchorCtr="0">
             <a:noAutofit/>
           </a:bodyPr>
           <a:lstStyle/>
           <a:p>
-            <a:pPr indent="0" lvl="0" marL="0" rtl="0" algn="l">
+            <a:pPr marL="0" lvl="0" indent="0" algn="l" rtl="0">
               <a:spcBef>
                 <a:spcPts val="0"/>
               </a:spcBef>
@@ -4623,9 +5159,6 @@
               </a:spcAft>
               <a:buNone/>
             </a:pPr>
-            <a:r>
-              <a:t/>
-            </a:r>
             <a:endParaRPr/>
           </a:p>
         </p:txBody>
@@ -4652,12 +5185,12 @@
           </a:ln>
         </p:spPr>
         <p:txBody>
-          <a:bodyPr anchorCtr="0" anchor="ctr" bIns="91425" lIns="91425" spcFirstLastPara="1" rIns="91425" wrap="square" tIns="91425">
+          <a:bodyPr spcFirstLastPara="1" wrap="square" lIns="91425" tIns="91425" rIns="91425" bIns="91425" anchor="ctr" anchorCtr="0">
             <a:noAutofit/>
           </a:bodyPr>
           <a:lstStyle/>
           <a:p>
-            <a:pPr indent="0" lvl="0" marL="0" rtl="0" algn="l">
+            <a:pPr marL="0" lvl="0" indent="0" algn="l" rtl="0">
               <a:spcBef>
                 <a:spcPts val="0"/>
               </a:spcBef>
@@ -4666,9 +5199,6 @@
               </a:spcAft>
               <a:buNone/>
             </a:pPr>
-            <a:r>
-              <a:t/>
-            </a:r>
             <a:endParaRPr/>
           </a:p>
         </p:txBody>
@@ -4693,12 +5223,12 @@
           </a:ln>
         </p:spPr>
         <p:txBody>
-          <a:bodyPr anchorCtr="0" anchor="t" bIns="91425" lIns="91425" spcFirstLastPara="1" rIns="91425" wrap="square" tIns="91425">
+          <a:bodyPr spcFirstLastPara="1" wrap="square" lIns="91425" tIns="91425" rIns="91425" bIns="91425" anchor="t" anchorCtr="0">
             <a:noAutofit/>
           </a:bodyPr>
           <a:lstStyle/>
           <a:p>
-            <a:pPr indent="0" lvl="0" marL="0" rtl="0" algn="l">
+            <a:pPr marL="0" lvl="0" indent="0" algn="l" rtl="0">
               <a:spcBef>
                 <a:spcPts val="0"/>
               </a:spcBef>
@@ -4737,7 +5267,7 @@
         <p:spPr>
           <a:xfrm>
             <a:off x="311700" y="1152475"/>
-            <a:ext cx="8520600" cy="3416400"/>
+            <a:ext cx="7422525" cy="3416400"/>
           </a:xfrm>
           <a:prstGeom prst="rect">
             <a:avLst/>
@@ -4748,12 +5278,12 @@
           </a:ln>
         </p:spPr>
         <p:txBody>
-          <a:bodyPr anchorCtr="0" anchor="t" bIns="91425" lIns="91425" spcFirstLastPara="1" rIns="91425" wrap="square" tIns="91425">
+          <a:bodyPr spcFirstLastPara="1" wrap="square" lIns="91425" tIns="91425" rIns="91425" bIns="91425" anchor="t" anchorCtr="0">
             <a:noAutofit/>
           </a:bodyPr>
           <a:lstStyle/>
           <a:p>
-            <a:pPr indent="0" lvl="0" marL="0" rtl="0" algn="l">
+            <a:pPr marL="0" lvl="0" indent="0" algn="l" rtl="0">
               <a:lnSpc>
                 <a:spcPct val="115000"/>
               </a:lnSpc>
@@ -4811,12 +5341,12 @@
           </a:ln>
         </p:spPr>
         <p:txBody>
-          <a:bodyPr anchorCtr="0" anchor="ctr" bIns="91425" lIns="91425" spcFirstLastPara="1" rIns="91425" wrap="square" tIns="91425">
+          <a:bodyPr spcFirstLastPara="1" wrap="square" lIns="91425" tIns="91425" rIns="91425" bIns="91425" anchor="ctr" anchorCtr="0">
             <a:noAutofit/>
           </a:bodyPr>
           <a:lstStyle/>
           <a:p>
-            <a:pPr indent="0" lvl="0" marL="0" rtl="0" algn="l">
+            <a:pPr marL="0" lvl="0" indent="0" algn="l" rtl="0">
               <a:spcBef>
                 <a:spcPts val="0"/>
               </a:spcBef>
@@ -4825,9 +5355,6 @@
               </a:spcAft>
               <a:buNone/>
             </a:pPr>
-            <a:r>
-              <a:t/>
-            </a:r>
             <a:endParaRPr/>
           </a:p>
         </p:txBody>
@@ -4854,12 +5381,12 @@
           </a:ln>
         </p:spPr>
         <p:txBody>
-          <a:bodyPr anchorCtr="0" anchor="ctr" bIns="91425" lIns="91425" spcFirstLastPara="1" rIns="91425" wrap="square" tIns="91425">
+          <a:bodyPr spcFirstLastPara="1" wrap="square" lIns="91425" tIns="91425" rIns="91425" bIns="91425" anchor="ctr" anchorCtr="0">
             <a:noAutofit/>
           </a:bodyPr>
           <a:lstStyle/>
           <a:p>
-            <a:pPr indent="0" lvl="0" marL="0" rtl="0" algn="l">
+            <a:pPr marL="0" lvl="0" indent="0" algn="l" rtl="0">
               <a:spcBef>
                 <a:spcPts val="0"/>
               </a:spcBef>
@@ -4868,9 +5395,888 @@
               </a:spcAft>
               <a:buNone/>
             </a:pPr>
-            <a:r>
-              <a:t/>
-            </a:r>
+            <a:endParaRPr/>
+          </a:p>
+        </p:txBody>
+      </p:sp>
+    </p:spTree>
+  </p:cSld>
+  <p:clrMapOvr>
+    <a:masterClrMapping/>
+  </p:clrMapOvr>
+</p:sld>
+</file>
+
+<file path=ppt/slides/slide7.xml><?xml version="1.0" encoding="utf-8"?>
+<p:sld xmlns:a="http://schemas.openxmlformats.org/drawingml/2006/main" xmlns:p="http://schemas.openxmlformats.org/presentationml/2006/main" xmlns:r="http://schemas.openxmlformats.org/officeDocument/2006/relationships">
+  <p:cSld>
+    <p:spTree>
+      <p:nvGrpSpPr>
+        <p:cNvPr id="1" name=""/>
+        <p:cNvGrpSpPr/>
+        <p:nvPr/>
+      </p:nvGrpSpPr>
+      <p:grpSpPr/>
+      <p:sp>
+        <p:nvSpPr>
+          <p:cNvPr id="63" name="Google Shape;63;p14"/>
+          <p:cNvSpPr/>
+          <p:nvPr/>
+        </p:nvSpPr>
+        <p:spPr>
+          <a:xfrm>
+            <a:off x="-54925" y="-1345525"/>
+            <a:ext cx="8816400" cy="7043400"/>
+          </a:xfrm>
+          <a:prstGeom prst="rect">
+            <a:avLst/>
+          </a:prstGeom>
+          <a:solidFill>
+            <a:srgbClr val="FFC971"/>
+          </a:solidFill>
+          <a:ln>
+            <a:noFill/>
+          </a:ln>
+        </p:spPr>
+        <p:txBody>
+          <a:bodyPr spcFirstLastPara="1" wrap="square" lIns="91425" tIns="91425" rIns="91425" bIns="91425" anchor="ctr" anchorCtr="0">
+            <a:noAutofit/>
+          </a:bodyPr>
+          <a:lstStyle/>
+          <a:p>
+            <a:pPr marL="0" lvl="0" indent="0" algn="l" rtl="0">
+              <a:spcBef>
+                <a:spcPts val="0"/>
+              </a:spcBef>
+              <a:spcAft>
+                <a:spcPts val="0"/>
+              </a:spcAft>
+              <a:buNone/>
+            </a:pPr>
+            <a:endParaRPr/>
+          </a:p>
+        </p:txBody>
+      </p:sp>
+      <p:sp>
+        <p:nvSpPr>
+          <p:cNvPr id="64" name="Google Shape;64;p14"/>
+          <p:cNvSpPr/>
+          <p:nvPr/>
+        </p:nvSpPr>
+        <p:spPr>
+          <a:xfrm rot="-5400000">
+            <a:off x="1434900" y="-1489525"/>
+            <a:ext cx="5162400" cy="8141400"/>
+          </a:xfrm>
+          <a:prstGeom prst="rtTriangle">
+            <a:avLst/>
+          </a:prstGeom>
+          <a:solidFill>
+            <a:srgbClr val="FFE599"/>
+          </a:solidFill>
+          <a:ln>
+            <a:noFill/>
+          </a:ln>
+        </p:spPr>
+        <p:txBody>
+          <a:bodyPr spcFirstLastPara="1" wrap="square" lIns="91425" tIns="91425" rIns="91425" bIns="91425" anchor="ctr" anchorCtr="0">
+            <a:noAutofit/>
+          </a:bodyPr>
+          <a:lstStyle/>
+          <a:p>
+            <a:pPr marL="0" lvl="0" indent="0" algn="l" rtl="0">
+              <a:spcBef>
+                <a:spcPts val="0"/>
+              </a:spcBef>
+              <a:spcAft>
+                <a:spcPts val="0"/>
+              </a:spcAft>
+              <a:buNone/>
+            </a:pPr>
+            <a:endParaRPr/>
+          </a:p>
+        </p:txBody>
+      </p:sp>
+      <p:sp>
+        <p:nvSpPr>
+          <p:cNvPr id="65" name="Google Shape;65;p14"/>
+          <p:cNvSpPr txBox="1"/>
+          <p:nvPr/>
+        </p:nvSpPr>
+        <p:spPr>
+          <a:xfrm>
+            <a:off x="311700" y="445025"/>
+            <a:ext cx="8520600" cy="572700"/>
+          </a:xfrm>
+          <a:prstGeom prst="rect">
+            <a:avLst/>
+          </a:prstGeom>
+          <a:noFill/>
+          <a:ln>
+            <a:noFill/>
+          </a:ln>
+        </p:spPr>
+        <p:txBody>
+          <a:bodyPr spcFirstLastPara="1" wrap="square" lIns="91425" tIns="91425" rIns="91425" bIns="91425" anchor="t" anchorCtr="0">
+            <a:noAutofit/>
+          </a:bodyPr>
+          <a:lstStyle/>
+          <a:p>
+            <a:pPr marL="0" lvl="0" indent="0" algn="l" rtl="0">
+              <a:spcBef>
+                <a:spcPts val="0"/>
+              </a:spcBef>
+              <a:spcAft>
+                <a:spcPts val="0"/>
+              </a:spcAft>
+              <a:buNone/>
+            </a:pPr>
+            <a:r>
+              <a:rPr lang="en" sz="2800">
+                <a:latin typeface="Bungee"/>
+                <a:ea typeface="Bungee"/>
+                <a:cs typeface="Bungee"/>
+                <a:sym typeface="Bungee"/>
+              </a:rPr>
+              <a:t>The Importance of Bees</a:t>
+            </a:r>
+            <a:endParaRPr sz="2800">
+              <a:solidFill>
+                <a:srgbClr val="000000"/>
+              </a:solidFill>
+              <a:latin typeface="Bungee"/>
+              <a:ea typeface="Bungee"/>
+              <a:cs typeface="Bungee"/>
+              <a:sym typeface="Bungee"/>
+            </a:endParaRPr>
+          </a:p>
+        </p:txBody>
+      </p:sp>
+      <p:sp>
+        <p:nvSpPr>
+          <p:cNvPr id="66" name="Google Shape;66;p14"/>
+          <p:cNvSpPr txBox="1"/>
+          <p:nvPr/>
+        </p:nvSpPr>
+        <p:spPr>
+          <a:xfrm>
+            <a:off x="311700" y="1152475"/>
+            <a:ext cx="7422525" cy="3416400"/>
+          </a:xfrm>
+          <a:prstGeom prst="rect">
+            <a:avLst/>
+          </a:prstGeom>
+          <a:noFill/>
+          <a:ln>
+            <a:noFill/>
+          </a:ln>
+        </p:spPr>
+        <p:txBody>
+          <a:bodyPr spcFirstLastPara="1" wrap="square" lIns="91425" tIns="91425" rIns="91425" bIns="91425" anchor="t" anchorCtr="0">
+            <a:noAutofit/>
+          </a:bodyPr>
+          <a:lstStyle/>
+          <a:p>
+            <a:pPr marL="0" lvl="0" indent="0" algn="l" rtl="0">
+              <a:lnSpc>
+                <a:spcPct val="115000"/>
+              </a:lnSpc>
+              <a:spcBef>
+                <a:spcPts val="0"/>
+              </a:spcBef>
+              <a:spcAft>
+                <a:spcPts val="1200"/>
+              </a:spcAft>
+              <a:buNone/>
+            </a:pPr>
+            <a:r>
+              <a:rPr lang="en" sz="1800">
+                <a:solidFill>
+                  <a:srgbClr val="595959"/>
+                </a:solidFill>
+                <a:latin typeface="Oswald"/>
+                <a:ea typeface="Oswald"/>
+                <a:cs typeface="Oswald"/>
+                <a:sym typeface="Oswald"/>
+              </a:rPr>
+              <a:t>Bees play a crucial role within our environment as primary pollinators. They support the growth of trees, flowers, and other plants, which serve as food and shelter for creatures large and small. Without bees, our food supply would suffer, leading to a significant impact on human health and the economy. The interdependent relationship between bees and the vast array of plants they pollinate is central to our ecosystem's health and resilience.</a:t>
+            </a:r>
+            <a:endParaRPr sz="1800">
+              <a:solidFill>
+                <a:srgbClr val="595959"/>
+              </a:solidFill>
+              <a:latin typeface="Oswald"/>
+              <a:ea typeface="Oswald"/>
+              <a:cs typeface="Oswald"/>
+              <a:sym typeface="Oswald"/>
+            </a:endParaRPr>
+          </a:p>
+        </p:txBody>
+      </p:sp>
+      <p:sp>
+        <p:nvSpPr>
+          <p:cNvPr id="67" name="Google Shape;67;p14"/>
+          <p:cNvSpPr/>
+          <p:nvPr/>
+        </p:nvSpPr>
+        <p:spPr>
+          <a:xfrm>
+            <a:off x="8074450" y="-1345525"/>
+            <a:ext cx="346800" cy="7043400"/>
+          </a:xfrm>
+          <a:prstGeom prst="rect">
+            <a:avLst/>
+          </a:prstGeom>
+          <a:solidFill>
+            <a:srgbClr val="FFB627"/>
+          </a:solidFill>
+          <a:ln>
+            <a:noFill/>
+          </a:ln>
+        </p:spPr>
+        <p:txBody>
+          <a:bodyPr spcFirstLastPara="1" wrap="square" lIns="91425" tIns="91425" rIns="91425" bIns="91425" anchor="ctr" anchorCtr="0">
+            <a:noAutofit/>
+          </a:bodyPr>
+          <a:lstStyle/>
+          <a:p>
+            <a:pPr marL="0" lvl="0" indent="0" algn="l" rtl="0">
+              <a:spcBef>
+                <a:spcPts val="0"/>
+              </a:spcBef>
+              <a:spcAft>
+                <a:spcPts val="0"/>
+              </a:spcAft>
+              <a:buNone/>
+            </a:pPr>
+            <a:endParaRPr/>
+          </a:p>
+        </p:txBody>
+      </p:sp>
+      <p:sp>
+        <p:nvSpPr>
+          <p:cNvPr id="68" name="Google Shape;68;p14"/>
+          <p:cNvSpPr/>
+          <p:nvPr/>
+        </p:nvSpPr>
+        <p:spPr>
+          <a:xfrm>
+            <a:off x="8421250" y="-1345525"/>
+            <a:ext cx="346800" cy="7043400"/>
+          </a:xfrm>
+          <a:prstGeom prst="rect">
+            <a:avLst/>
+          </a:prstGeom>
+          <a:solidFill>
+            <a:srgbClr val="FF9505"/>
+          </a:solidFill>
+          <a:ln>
+            <a:noFill/>
+          </a:ln>
+        </p:spPr>
+        <p:txBody>
+          <a:bodyPr spcFirstLastPara="1" wrap="square" lIns="91425" tIns="91425" rIns="91425" bIns="91425" anchor="ctr" anchorCtr="0">
+            <a:noAutofit/>
+          </a:bodyPr>
+          <a:lstStyle/>
+          <a:p>
+            <a:pPr marL="0" lvl="0" indent="0" algn="l" rtl="0">
+              <a:spcBef>
+                <a:spcPts val="0"/>
+              </a:spcBef>
+              <a:spcAft>
+                <a:spcPts val="0"/>
+              </a:spcAft>
+              <a:buNone/>
+            </a:pPr>
+            <a:endParaRPr/>
+          </a:p>
+        </p:txBody>
+      </p:sp>
+    </p:spTree>
+  </p:cSld>
+  <p:clrMapOvr>
+    <a:masterClrMapping/>
+  </p:clrMapOvr>
+</p:sld>
+</file>
+
+<file path=ppt/slides/slide8.xml><?xml version="1.0" encoding="utf-8"?>
+<p:sld xmlns:a="http://schemas.openxmlformats.org/drawingml/2006/main" xmlns:p="http://schemas.openxmlformats.org/presentationml/2006/main" xmlns:r="http://schemas.openxmlformats.org/officeDocument/2006/relationships">
+  <p:cSld>
+    <p:spTree>
+      <p:nvGrpSpPr>
+        <p:cNvPr id="1" name=""/>
+        <p:cNvGrpSpPr/>
+        <p:nvPr/>
+      </p:nvGrpSpPr>
+      <p:grpSpPr/>
+      <p:sp>
+        <p:nvSpPr>
+          <p:cNvPr id="63" name="Google Shape;63;p14"/>
+          <p:cNvSpPr/>
+          <p:nvPr/>
+        </p:nvSpPr>
+        <p:spPr>
+          <a:xfrm>
+            <a:off x="-54925" y="-1345525"/>
+            <a:ext cx="8816400" cy="7043400"/>
+          </a:xfrm>
+          <a:prstGeom prst="rect">
+            <a:avLst/>
+          </a:prstGeom>
+          <a:solidFill>
+            <a:srgbClr val="FFC971"/>
+          </a:solidFill>
+          <a:ln>
+            <a:noFill/>
+          </a:ln>
+        </p:spPr>
+        <p:txBody>
+          <a:bodyPr spcFirstLastPara="1" wrap="square" lIns="91425" tIns="91425" rIns="91425" bIns="91425" anchor="ctr" anchorCtr="0">
+            <a:noAutofit/>
+          </a:bodyPr>
+          <a:lstStyle/>
+          <a:p>
+            <a:pPr marL="0" lvl="0" indent="0" algn="l" rtl="0">
+              <a:spcBef>
+                <a:spcPts val="0"/>
+              </a:spcBef>
+              <a:spcAft>
+                <a:spcPts val="0"/>
+              </a:spcAft>
+              <a:buNone/>
+            </a:pPr>
+            <a:endParaRPr/>
+          </a:p>
+        </p:txBody>
+      </p:sp>
+      <p:sp>
+        <p:nvSpPr>
+          <p:cNvPr id="64" name="Google Shape;64;p14"/>
+          <p:cNvSpPr/>
+          <p:nvPr/>
+        </p:nvSpPr>
+        <p:spPr>
+          <a:xfrm rot="-5400000">
+            <a:off x="1434900" y="-1489525"/>
+            <a:ext cx="5162400" cy="8141400"/>
+          </a:xfrm>
+          <a:prstGeom prst="rtTriangle">
+            <a:avLst/>
+          </a:prstGeom>
+          <a:solidFill>
+            <a:srgbClr val="FFE599"/>
+          </a:solidFill>
+          <a:ln>
+            <a:noFill/>
+          </a:ln>
+        </p:spPr>
+        <p:txBody>
+          <a:bodyPr spcFirstLastPara="1" wrap="square" lIns="91425" tIns="91425" rIns="91425" bIns="91425" anchor="ctr" anchorCtr="0">
+            <a:noAutofit/>
+          </a:bodyPr>
+          <a:lstStyle/>
+          <a:p>
+            <a:pPr marL="0" lvl="0" indent="0" algn="l" rtl="0">
+              <a:spcBef>
+                <a:spcPts val="0"/>
+              </a:spcBef>
+              <a:spcAft>
+                <a:spcPts val="0"/>
+              </a:spcAft>
+              <a:buNone/>
+            </a:pPr>
+            <a:endParaRPr/>
+          </a:p>
+        </p:txBody>
+      </p:sp>
+      <p:sp>
+        <p:nvSpPr>
+          <p:cNvPr id="65" name="Google Shape;65;p14"/>
+          <p:cNvSpPr txBox="1"/>
+          <p:nvPr/>
+        </p:nvSpPr>
+        <p:spPr>
+          <a:xfrm>
+            <a:off x="311700" y="445025"/>
+            <a:ext cx="8520600" cy="572700"/>
+          </a:xfrm>
+          <a:prstGeom prst="rect">
+            <a:avLst/>
+          </a:prstGeom>
+          <a:noFill/>
+          <a:ln>
+            <a:noFill/>
+          </a:ln>
+        </p:spPr>
+        <p:txBody>
+          <a:bodyPr spcFirstLastPara="1" wrap="square" lIns="91425" tIns="91425" rIns="91425" bIns="91425" anchor="t" anchorCtr="0">
+            <a:noAutofit/>
+          </a:bodyPr>
+          <a:lstStyle/>
+          <a:p>
+            <a:pPr marL="0" lvl="0" indent="0" algn="l" rtl="0">
+              <a:spcBef>
+                <a:spcPts val="0"/>
+              </a:spcBef>
+              <a:spcAft>
+                <a:spcPts val="0"/>
+              </a:spcAft>
+              <a:buNone/>
+            </a:pPr>
+            <a:r>
+              <a:rPr lang="en" sz="2800">
+                <a:latin typeface="Bungee"/>
+                <a:ea typeface="Bungee"/>
+                <a:cs typeface="Bungee"/>
+                <a:sym typeface="Bungee"/>
+              </a:rPr>
+              <a:t>Types of Bees</a:t>
+            </a:r>
+            <a:endParaRPr sz="2800">
+              <a:solidFill>
+                <a:srgbClr val="000000"/>
+              </a:solidFill>
+              <a:latin typeface="Bungee"/>
+              <a:ea typeface="Bungee"/>
+              <a:cs typeface="Bungee"/>
+              <a:sym typeface="Bungee"/>
+            </a:endParaRPr>
+          </a:p>
+        </p:txBody>
+      </p:sp>
+      <p:sp>
+        <p:nvSpPr>
+          <p:cNvPr id="66" name="Google Shape;66;p14"/>
+          <p:cNvSpPr txBox="1"/>
+          <p:nvPr/>
+        </p:nvSpPr>
+        <p:spPr>
+          <a:xfrm>
+            <a:off x="311700" y="1152475"/>
+            <a:ext cx="7422525" cy="3416400"/>
+          </a:xfrm>
+          <a:prstGeom prst="rect">
+            <a:avLst/>
+          </a:prstGeom>
+          <a:noFill/>
+          <a:ln>
+            <a:noFill/>
+          </a:ln>
+        </p:spPr>
+        <p:txBody>
+          <a:bodyPr spcFirstLastPara="1" wrap="square" lIns="91425" tIns="91425" rIns="91425" bIns="91425" anchor="t" anchorCtr="0">
+            <a:noAutofit/>
+          </a:bodyPr>
+          <a:lstStyle/>
+          <a:p>
+            <a:pPr marL="0" lvl="0" indent="0" algn="l" rtl="0">
+              <a:lnSpc>
+                <a:spcPct val="115000"/>
+              </a:lnSpc>
+              <a:spcBef>
+                <a:spcPts val="0"/>
+              </a:spcBef>
+              <a:spcAft>
+                <a:spcPts val="1200"/>
+              </a:spcAft>
+              <a:buNone/>
+            </a:pPr>
+            <a:r>
+              <a:rPr lang="en" sz="1800">
+                <a:solidFill>
+                  <a:srgbClr val="595959"/>
+                </a:solidFill>
+                <a:latin typeface="Oswald"/>
+                <a:ea typeface="Oswald"/>
+                <a:cs typeface="Oswald"/>
+                <a:sym typeface="Oswald"/>
+              </a:rPr>
+              <a:t>There are over 20,000 distinct species of bees worldwide, each with unique behaviors and attributes. For instance, the honeybee is renowned for its honey production and the complex, social structure of its hives. In contrast, the bumblebee is known for its robust body, fuzzy appearance, and ability to perform 'buzz pollination'. Solitary bees, like carpenter bees, focus on individual nesting and foraging, indicating the diverse lifestyles and contributions of these pollinators.</a:t>
+            </a:r>
+            <a:endParaRPr sz="1800">
+              <a:solidFill>
+                <a:srgbClr val="595959"/>
+              </a:solidFill>
+              <a:latin typeface="Oswald"/>
+              <a:ea typeface="Oswald"/>
+              <a:cs typeface="Oswald"/>
+              <a:sym typeface="Oswald"/>
+            </a:endParaRPr>
+          </a:p>
+        </p:txBody>
+      </p:sp>
+      <p:sp>
+        <p:nvSpPr>
+          <p:cNvPr id="67" name="Google Shape;67;p14"/>
+          <p:cNvSpPr/>
+          <p:nvPr/>
+        </p:nvSpPr>
+        <p:spPr>
+          <a:xfrm>
+            <a:off x="8074450" y="-1345525"/>
+            <a:ext cx="346800" cy="7043400"/>
+          </a:xfrm>
+          <a:prstGeom prst="rect">
+            <a:avLst/>
+          </a:prstGeom>
+          <a:solidFill>
+            <a:srgbClr val="FFB627"/>
+          </a:solidFill>
+          <a:ln>
+            <a:noFill/>
+          </a:ln>
+        </p:spPr>
+        <p:txBody>
+          <a:bodyPr spcFirstLastPara="1" wrap="square" lIns="91425" tIns="91425" rIns="91425" bIns="91425" anchor="ctr" anchorCtr="0">
+            <a:noAutofit/>
+          </a:bodyPr>
+          <a:lstStyle/>
+          <a:p>
+            <a:pPr marL="0" lvl="0" indent="0" algn="l" rtl="0">
+              <a:spcBef>
+                <a:spcPts val="0"/>
+              </a:spcBef>
+              <a:spcAft>
+                <a:spcPts val="0"/>
+              </a:spcAft>
+              <a:buNone/>
+            </a:pPr>
+            <a:endParaRPr/>
+          </a:p>
+        </p:txBody>
+      </p:sp>
+      <p:sp>
+        <p:nvSpPr>
+          <p:cNvPr id="68" name="Google Shape;68;p14"/>
+          <p:cNvSpPr/>
+          <p:nvPr/>
+        </p:nvSpPr>
+        <p:spPr>
+          <a:xfrm>
+            <a:off x="8421250" y="-1345525"/>
+            <a:ext cx="346800" cy="7043400"/>
+          </a:xfrm>
+          <a:prstGeom prst="rect">
+            <a:avLst/>
+          </a:prstGeom>
+          <a:solidFill>
+            <a:srgbClr val="FF9505"/>
+          </a:solidFill>
+          <a:ln>
+            <a:noFill/>
+          </a:ln>
+        </p:spPr>
+        <p:txBody>
+          <a:bodyPr spcFirstLastPara="1" wrap="square" lIns="91425" tIns="91425" rIns="91425" bIns="91425" anchor="ctr" anchorCtr="0">
+            <a:noAutofit/>
+          </a:bodyPr>
+          <a:lstStyle/>
+          <a:p>
+            <a:pPr marL="0" lvl="0" indent="0" algn="l" rtl="0">
+              <a:spcBef>
+                <a:spcPts val="0"/>
+              </a:spcBef>
+              <a:spcAft>
+                <a:spcPts val="0"/>
+              </a:spcAft>
+              <a:buNone/>
+            </a:pPr>
+            <a:endParaRPr/>
+          </a:p>
+        </p:txBody>
+      </p:sp>
+    </p:spTree>
+  </p:cSld>
+  <p:clrMapOvr>
+    <a:masterClrMapping/>
+  </p:clrMapOvr>
+</p:sld>
+</file>
+
+<file path=ppt/slides/slide9.xml><?xml version="1.0" encoding="utf-8"?>
+<p:sld xmlns:a="http://schemas.openxmlformats.org/drawingml/2006/main" xmlns:p="http://schemas.openxmlformats.org/presentationml/2006/main" xmlns:r="http://schemas.openxmlformats.org/officeDocument/2006/relationships">
+  <p:cSld>
+    <p:spTree>
+      <p:nvGrpSpPr>
+        <p:cNvPr id="1" name=""/>
+        <p:cNvGrpSpPr/>
+        <p:nvPr/>
+      </p:nvGrpSpPr>
+      <p:grpSpPr/>
+      <p:sp>
+        <p:nvSpPr>
+          <p:cNvPr id="63" name="Google Shape;63;p14"/>
+          <p:cNvSpPr/>
+          <p:nvPr/>
+        </p:nvSpPr>
+        <p:spPr>
+          <a:xfrm>
+            <a:off x="-54925" y="-1345525"/>
+            <a:ext cx="8816400" cy="7043400"/>
+          </a:xfrm>
+          <a:prstGeom prst="rect">
+            <a:avLst/>
+          </a:prstGeom>
+          <a:solidFill>
+            <a:srgbClr val="FFC971"/>
+          </a:solidFill>
+          <a:ln>
+            <a:noFill/>
+          </a:ln>
+        </p:spPr>
+        <p:txBody>
+          <a:bodyPr spcFirstLastPara="1" wrap="square" lIns="91425" tIns="91425" rIns="91425" bIns="91425" anchor="ctr" anchorCtr="0">
+            <a:noAutofit/>
+          </a:bodyPr>
+          <a:lstStyle/>
+          <a:p>
+            <a:pPr marL="0" lvl="0" indent="0" algn="l" rtl="0">
+              <a:spcBef>
+                <a:spcPts val="0"/>
+              </a:spcBef>
+              <a:spcAft>
+                <a:spcPts val="0"/>
+              </a:spcAft>
+              <a:buNone/>
+            </a:pPr>
+            <a:endParaRPr/>
+          </a:p>
+        </p:txBody>
+      </p:sp>
+      <p:sp>
+        <p:nvSpPr>
+          <p:cNvPr id="64" name="Google Shape;64;p14"/>
+          <p:cNvSpPr/>
+          <p:nvPr/>
+        </p:nvSpPr>
+        <p:spPr>
+          <a:xfrm rot="-5400000">
+            <a:off x="1434900" y="-1489525"/>
+            <a:ext cx="5162400" cy="8141400"/>
+          </a:xfrm>
+          <a:prstGeom prst="rtTriangle">
+            <a:avLst/>
+          </a:prstGeom>
+          <a:solidFill>
+            <a:srgbClr val="FFE599"/>
+          </a:solidFill>
+          <a:ln>
+            <a:noFill/>
+          </a:ln>
+        </p:spPr>
+        <p:txBody>
+          <a:bodyPr spcFirstLastPara="1" wrap="square" lIns="91425" tIns="91425" rIns="91425" bIns="91425" anchor="ctr" anchorCtr="0">
+            <a:noAutofit/>
+          </a:bodyPr>
+          <a:lstStyle/>
+          <a:p>
+            <a:pPr marL="0" lvl="0" indent="0" algn="l" rtl="0">
+              <a:spcBef>
+                <a:spcPts val="0"/>
+              </a:spcBef>
+              <a:spcAft>
+                <a:spcPts val="0"/>
+              </a:spcAft>
+              <a:buNone/>
+            </a:pPr>
+            <a:endParaRPr/>
+          </a:p>
+        </p:txBody>
+      </p:sp>
+      <p:sp>
+        <p:nvSpPr>
+          <p:cNvPr id="65" name="Google Shape;65;p14"/>
+          <p:cNvSpPr txBox="1"/>
+          <p:nvPr/>
+        </p:nvSpPr>
+        <p:spPr>
+          <a:xfrm>
+            <a:off x="311700" y="445025"/>
+            <a:ext cx="8520600" cy="572700"/>
+          </a:xfrm>
+          <a:prstGeom prst="rect">
+            <a:avLst/>
+          </a:prstGeom>
+          <a:noFill/>
+          <a:ln>
+            <a:noFill/>
+          </a:ln>
+        </p:spPr>
+        <p:txBody>
+          <a:bodyPr spcFirstLastPara="1" wrap="square" lIns="91425" tIns="91425" rIns="91425" bIns="91425" anchor="t" anchorCtr="0">
+            <a:noAutofit/>
+          </a:bodyPr>
+          <a:lstStyle/>
+          <a:p>
+            <a:pPr marL="0" lvl="0" indent="0" algn="l" rtl="0">
+              <a:spcBef>
+                <a:spcPts val="0"/>
+              </a:spcBef>
+              <a:spcAft>
+                <a:spcPts val="0"/>
+              </a:spcAft>
+              <a:buNone/>
+            </a:pPr>
+            <a:r>
+              <a:rPr lang="en" sz="2800">
+                <a:latin typeface="Bungee"/>
+                <a:ea typeface="Bungee"/>
+                <a:cs typeface="Bungee"/>
+                <a:sym typeface="Bungee"/>
+              </a:rPr>
+              <a:t>Bees and Pollination</a:t>
+            </a:r>
+            <a:endParaRPr sz="2800">
+              <a:solidFill>
+                <a:srgbClr val="000000"/>
+              </a:solidFill>
+              <a:latin typeface="Bungee"/>
+              <a:ea typeface="Bungee"/>
+              <a:cs typeface="Bungee"/>
+              <a:sym typeface="Bungee"/>
+            </a:endParaRPr>
+          </a:p>
+        </p:txBody>
+      </p:sp>
+      <p:sp>
+        <p:nvSpPr>
+          <p:cNvPr id="66" name="Google Shape;66;p14"/>
+          <p:cNvSpPr txBox="1"/>
+          <p:nvPr/>
+        </p:nvSpPr>
+        <p:spPr>
+          <a:xfrm>
+            <a:off x="311700" y="1152475"/>
+            <a:ext cx="7422525" cy="3416400"/>
+          </a:xfrm>
+          <a:prstGeom prst="rect">
+            <a:avLst/>
+          </a:prstGeom>
+          <a:noFill/>
+          <a:ln>
+            <a:noFill/>
+          </a:ln>
+        </p:spPr>
+        <p:txBody>
+          <a:bodyPr spcFirstLastPara="1" wrap="square" lIns="91425" tIns="91425" rIns="91425" bIns="91425" anchor="t" anchorCtr="0">
+            <a:noAutofit/>
+          </a:bodyPr>
+          <a:lstStyle/>
+          <a:p>
+            <a:pPr marL="0" lvl="0" indent="0" algn="l" rtl="0">
+              <a:lnSpc>
+                <a:spcPct val="115000"/>
+              </a:lnSpc>
+              <a:spcBef>
+                <a:spcPts val="0"/>
+              </a:spcBef>
+              <a:spcAft>
+                <a:spcPts val="1200"/>
+              </a:spcAft>
+              <a:buNone/>
+            </a:pPr>
+            <a:r>
+              <a:rPr lang="en" sz="1800">
+                <a:solidFill>
+                  <a:srgbClr val="595959"/>
+                </a:solidFill>
+                <a:latin typeface="Oswald"/>
+                <a:ea typeface="Oswald"/>
+                <a:cs typeface="Oswald"/>
+                <a:sym typeface="Oswald"/>
+              </a:rPr>
+              <a:t>Bees are nature's master pollinators and are indispensable for the reproduction of many flowering plants. As they forage for nectar and pollen, they inadvertently transfer pollen from the male parts of a flower to the female parts, facilitating the growth of seeds and fruits. This service is vital for the production of a significant portion of our crops, including fruits and vegetables that form the backbone of a healthy human diet.</a:t>
+            </a:r>
+            <a:endParaRPr sz="1800">
+              <a:solidFill>
+                <a:srgbClr val="595959"/>
+              </a:solidFill>
+              <a:latin typeface="Oswald"/>
+              <a:ea typeface="Oswald"/>
+              <a:cs typeface="Oswald"/>
+              <a:sym typeface="Oswald"/>
+            </a:endParaRPr>
+          </a:p>
+        </p:txBody>
+      </p:sp>
+      <p:sp>
+        <p:nvSpPr>
+          <p:cNvPr id="67" name="Google Shape;67;p14"/>
+          <p:cNvSpPr/>
+          <p:nvPr/>
+        </p:nvSpPr>
+        <p:spPr>
+          <a:xfrm>
+            <a:off x="8074450" y="-1345525"/>
+            <a:ext cx="346800" cy="7043400"/>
+          </a:xfrm>
+          <a:prstGeom prst="rect">
+            <a:avLst/>
+          </a:prstGeom>
+          <a:solidFill>
+            <a:srgbClr val="FFB627"/>
+          </a:solidFill>
+          <a:ln>
+            <a:noFill/>
+          </a:ln>
+        </p:spPr>
+        <p:txBody>
+          <a:bodyPr spcFirstLastPara="1" wrap="square" lIns="91425" tIns="91425" rIns="91425" bIns="91425" anchor="ctr" anchorCtr="0">
+            <a:noAutofit/>
+          </a:bodyPr>
+          <a:lstStyle/>
+          <a:p>
+            <a:pPr marL="0" lvl="0" indent="0" algn="l" rtl="0">
+              <a:spcBef>
+                <a:spcPts val="0"/>
+              </a:spcBef>
+              <a:spcAft>
+                <a:spcPts val="0"/>
+              </a:spcAft>
+              <a:buNone/>
+            </a:pPr>
+            <a:endParaRPr/>
+          </a:p>
+        </p:txBody>
+      </p:sp>
+      <p:sp>
+        <p:nvSpPr>
+          <p:cNvPr id="68" name="Google Shape;68;p14"/>
+          <p:cNvSpPr/>
+          <p:nvPr/>
+        </p:nvSpPr>
+        <p:spPr>
+          <a:xfrm>
+            <a:off x="8421250" y="-1345525"/>
+            <a:ext cx="346800" cy="7043400"/>
+          </a:xfrm>
+          <a:prstGeom prst="rect">
+            <a:avLst/>
+          </a:prstGeom>
+          <a:solidFill>
+            <a:srgbClr val="FF9505"/>
+          </a:solidFill>
+          <a:ln>
+            <a:noFill/>
+          </a:ln>
+        </p:spPr>
+        <p:txBody>
+          <a:bodyPr spcFirstLastPara="1" wrap="square" lIns="91425" tIns="91425" rIns="91425" bIns="91425" anchor="ctr" anchorCtr="0">
+            <a:noAutofit/>
+          </a:bodyPr>
+          <a:lstStyle/>
+          <a:p>
+            <a:pPr marL="0" lvl="0" indent="0" algn="l" rtl="0">
+              <a:spcBef>
+                <a:spcPts val="0"/>
+              </a:spcBef>
+              <a:spcAft>
+                <a:spcPts val="0"/>
+              </a:spcAft>
+              <a:buNone/>
+            </a:pPr>
             <a:endParaRPr/>
           </a:p>
         </p:txBody>

--- a/cool.pptx
+++ b/cool.pptx
@@ -16,6 +16,13 @@
     <p:sldId id="264" r:id="rId15"/>
     <p:sldId id="265" r:id="rId16"/>
     <p:sldId id="266" r:id="rId17"/>
+    <p:sldId id="267" r:id="rId18"/>
+    <p:sldId id="268" r:id="rId19"/>
+    <p:sldId id="269" r:id="rId20"/>
+    <p:sldId id="270" r:id="rId21"/>
+    <p:sldId id="271" r:id="rId22"/>
+    <p:sldId id="272" r:id="rId23"/>
+    <p:sldId id="273" r:id="rId24"/>
   </p:sldIdLst>
   <p:sldSz cx="9144000" cy="5143500" type="screen4x3"/>
   <p:notesSz cx="6858000" cy="9144000"/>
@@ -3227,7 +3234,7 @@
                 <a:cs typeface="Bungee"/>
                 <a:sym typeface="Bungee"/>
               </a:rPr>
-              <a:t>The Wonderful World of Bees</a:t>
+              <a:t>Decoding de_nuke: A Comprehensive History of an Iconic Counter-Strike Map</a:t>
             </a:r>
             <a:endParaRPr sz="5200">
               <a:solidFill>
@@ -3285,7 +3292,7 @@
                 <a:cs typeface="Oswald"/>
                 <a:sym typeface="Oswald"/>
               </a:rPr>
-              <a:t>Exploring the Vital Role of Bees in Nature</a:t>
+              <a:t>Exploring the Evolution, Strategy, and Legacy</a:t>
             </a:r>
             <a:endParaRPr sz="2800">
               <a:solidFill>
@@ -3480,7 +3487,7 @@
                 <a:cs typeface="Bungee"/>
                 <a:sym typeface="Bungee"/>
               </a:rPr>
-              <a:t>Threats to Bee Populations</a:t>
+              <a:t>Memorable Matches: Highlights from Competitions on de_nuke</a:t>
             </a:r>
             <a:endParaRPr sz="2800">
               <a:solidFill>
@@ -3541,7 +3548,7 @@
                 <a:cs typeface="Oswald"/>
                 <a:sym typeface="Oswald"/>
               </a:rPr>
-              <a:t>Bee populations are facing unprecedented challenges due to a combination of factors. Habitat destruction, the widespread use of pesticides, climate change, and the introduction of invasive species and diseases have all contributed to the decline of bee numbers. This worrying trend not only threatens the survival of bees but also poses a risk to global food security and biodiversity.</a:t>
+              <a:t>Relive the most memorable matches played on de_nuke, showcasing the high stakes and legendary plays that have taken place.</a:t>
             </a:r>
             <a:endParaRPr sz="1800">
               <a:solidFill>
@@ -3774,7 +3781,7 @@
                 <a:cs typeface="Bungee"/>
                 <a:sym typeface="Bungee"/>
               </a:rPr>
-              <a:t>Protecting Bees</a:t>
+              <a:t>Map Aesthetics: Graphical Updates Through the Years</a:t>
             </a:r>
             <a:endParaRPr sz="2800">
               <a:solidFill>
@@ -3835,7 +3842,2065 @@
                 <a:cs typeface="Oswald"/>
                 <a:sym typeface="Oswald"/>
               </a:rPr>
-              <a:t>To combat the threats to bees, concerted efforts are required. This includes planting bee-friendly flowers, reducing pesticide use, and supporting sustainable farming practices. Conservation initiatives and research into bee health can also provide insights into improving their survival rates. By fostering an environment where bees can thrive, we ensure the continuation of their vital role in our ecosystem and secure the future of our own food supply.</a:t>
+              <a:t>Witness the transformation of de_nuke's visuals with each graphical update, reflecting the advances in game development technology.</a:t>
+            </a:r>
+            <a:endParaRPr sz="1800">
+              <a:solidFill>
+                <a:srgbClr val="595959"/>
+              </a:solidFill>
+              <a:latin typeface="Oswald"/>
+              <a:ea typeface="Oswald"/>
+              <a:cs typeface="Oswald"/>
+              <a:sym typeface="Oswald"/>
+            </a:endParaRPr>
+          </a:p>
+        </p:txBody>
+      </p:sp>
+      <p:sp>
+        <p:nvSpPr>
+          <p:cNvPr id="67" name="Google Shape;67;p14"/>
+          <p:cNvSpPr/>
+          <p:nvPr/>
+        </p:nvSpPr>
+        <p:spPr>
+          <a:xfrm>
+            <a:off x="8074450" y="-1345525"/>
+            <a:ext cx="346800" cy="7043400"/>
+          </a:xfrm>
+          <a:prstGeom prst="rect">
+            <a:avLst/>
+          </a:prstGeom>
+          <a:solidFill>
+            <a:srgbClr val="FFB627"/>
+          </a:solidFill>
+          <a:ln>
+            <a:noFill/>
+          </a:ln>
+        </p:spPr>
+        <p:txBody>
+          <a:bodyPr spcFirstLastPara="1" wrap="square" lIns="91425" tIns="91425" rIns="91425" bIns="91425" anchor="ctr" anchorCtr="0">
+            <a:noAutofit/>
+          </a:bodyPr>
+          <a:lstStyle/>
+          <a:p>
+            <a:pPr marL="0" lvl="0" indent="0" algn="l" rtl="0">
+              <a:spcBef>
+                <a:spcPts val="0"/>
+              </a:spcBef>
+              <a:spcAft>
+                <a:spcPts val="0"/>
+              </a:spcAft>
+              <a:buNone/>
+            </a:pPr>
+            <a:endParaRPr/>
+          </a:p>
+        </p:txBody>
+      </p:sp>
+      <p:sp>
+        <p:nvSpPr>
+          <p:cNvPr id="68" name="Google Shape;68;p14"/>
+          <p:cNvSpPr/>
+          <p:nvPr/>
+        </p:nvSpPr>
+        <p:spPr>
+          <a:xfrm>
+            <a:off x="8421250" y="-1345525"/>
+            <a:ext cx="346800" cy="7043400"/>
+          </a:xfrm>
+          <a:prstGeom prst="rect">
+            <a:avLst/>
+          </a:prstGeom>
+          <a:solidFill>
+            <a:srgbClr val="FF9505"/>
+          </a:solidFill>
+          <a:ln>
+            <a:noFill/>
+          </a:ln>
+        </p:spPr>
+        <p:txBody>
+          <a:bodyPr spcFirstLastPara="1" wrap="square" lIns="91425" tIns="91425" rIns="91425" bIns="91425" anchor="ctr" anchorCtr="0">
+            <a:noAutofit/>
+          </a:bodyPr>
+          <a:lstStyle/>
+          <a:p>
+            <a:pPr marL="0" lvl="0" indent="0" algn="l" rtl="0">
+              <a:spcBef>
+                <a:spcPts val="0"/>
+              </a:spcBef>
+              <a:spcAft>
+                <a:spcPts val="0"/>
+              </a:spcAft>
+              <a:buNone/>
+            </a:pPr>
+            <a:endParaRPr/>
+          </a:p>
+        </p:txBody>
+      </p:sp>
+    </p:spTree>
+  </p:cSld>
+  <p:clrMapOvr>
+    <a:masterClrMapping/>
+  </p:clrMapOvr>
+</p:sld>
+</file>
+
+<file path=ppt/slides/slide12.xml><?xml version="1.0" encoding="utf-8"?>
+<p:sld xmlns:a="http://schemas.openxmlformats.org/drawingml/2006/main" xmlns:p="http://schemas.openxmlformats.org/presentationml/2006/main" xmlns:r="http://schemas.openxmlformats.org/officeDocument/2006/relationships">
+  <p:cSld>
+    <p:spTree>
+      <p:nvGrpSpPr>
+        <p:cNvPr id="1" name=""/>
+        <p:cNvGrpSpPr/>
+        <p:nvPr/>
+      </p:nvGrpSpPr>
+      <p:grpSpPr/>
+      <p:sp>
+        <p:nvSpPr>
+          <p:cNvPr id="63" name="Google Shape;63;p14"/>
+          <p:cNvSpPr/>
+          <p:nvPr/>
+        </p:nvSpPr>
+        <p:spPr>
+          <a:xfrm>
+            <a:off x="-54925" y="-1345525"/>
+            <a:ext cx="8816400" cy="7043400"/>
+          </a:xfrm>
+          <a:prstGeom prst="rect">
+            <a:avLst/>
+          </a:prstGeom>
+          <a:solidFill>
+            <a:srgbClr val="FFC971"/>
+          </a:solidFill>
+          <a:ln>
+            <a:noFill/>
+          </a:ln>
+        </p:spPr>
+        <p:txBody>
+          <a:bodyPr spcFirstLastPara="1" wrap="square" lIns="91425" tIns="91425" rIns="91425" bIns="91425" anchor="ctr" anchorCtr="0">
+            <a:noAutofit/>
+          </a:bodyPr>
+          <a:lstStyle/>
+          <a:p>
+            <a:pPr marL="0" lvl="0" indent="0" algn="l" rtl="0">
+              <a:spcBef>
+                <a:spcPts val="0"/>
+              </a:spcBef>
+              <a:spcAft>
+                <a:spcPts val="0"/>
+              </a:spcAft>
+              <a:buNone/>
+            </a:pPr>
+            <a:endParaRPr/>
+          </a:p>
+        </p:txBody>
+      </p:sp>
+      <p:sp>
+        <p:nvSpPr>
+          <p:cNvPr id="64" name="Google Shape;64;p14"/>
+          <p:cNvSpPr/>
+          <p:nvPr/>
+        </p:nvSpPr>
+        <p:spPr>
+          <a:xfrm rot="-5400000">
+            <a:off x="1434900" y="-1489525"/>
+            <a:ext cx="5162400" cy="8141400"/>
+          </a:xfrm>
+          <a:prstGeom prst="rtTriangle">
+            <a:avLst/>
+          </a:prstGeom>
+          <a:solidFill>
+            <a:srgbClr val="FFE599"/>
+          </a:solidFill>
+          <a:ln>
+            <a:noFill/>
+          </a:ln>
+        </p:spPr>
+        <p:txBody>
+          <a:bodyPr spcFirstLastPara="1" wrap="square" lIns="91425" tIns="91425" rIns="91425" bIns="91425" anchor="ctr" anchorCtr="0">
+            <a:noAutofit/>
+          </a:bodyPr>
+          <a:lstStyle/>
+          <a:p>
+            <a:pPr marL="0" lvl="0" indent="0" algn="l" rtl="0">
+              <a:spcBef>
+                <a:spcPts val="0"/>
+              </a:spcBef>
+              <a:spcAft>
+                <a:spcPts val="0"/>
+              </a:spcAft>
+              <a:buNone/>
+            </a:pPr>
+            <a:endParaRPr/>
+          </a:p>
+        </p:txBody>
+      </p:sp>
+      <p:sp>
+        <p:nvSpPr>
+          <p:cNvPr id="65" name="Google Shape;65;p14"/>
+          <p:cNvSpPr txBox="1"/>
+          <p:nvPr/>
+        </p:nvSpPr>
+        <p:spPr>
+          <a:xfrm>
+            <a:off x="311700" y="445025"/>
+            <a:ext cx="8520600" cy="572700"/>
+          </a:xfrm>
+          <a:prstGeom prst="rect">
+            <a:avLst/>
+          </a:prstGeom>
+          <a:noFill/>
+          <a:ln>
+            <a:noFill/>
+          </a:ln>
+        </p:spPr>
+        <p:txBody>
+          <a:bodyPr spcFirstLastPara="1" wrap="square" lIns="91425" tIns="91425" rIns="91425" bIns="91425" anchor="t" anchorCtr="0">
+            <a:noAutofit/>
+          </a:bodyPr>
+          <a:lstStyle/>
+          <a:p>
+            <a:pPr marL="0" lvl="0" indent="0" algn="l" rtl="0">
+              <a:spcBef>
+                <a:spcPts val="0"/>
+              </a:spcBef>
+              <a:spcAft>
+                <a:spcPts val="0"/>
+              </a:spcAft>
+              <a:buNone/>
+            </a:pPr>
+            <a:r>
+              <a:rPr lang="en" sz="2800">
+                <a:latin typeface="Bungee"/>
+                <a:ea typeface="Bungee"/>
+                <a:cs typeface="Bungee"/>
+                <a:sym typeface="Bungee"/>
+              </a:rPr>
+              <a:t>Player and Community Perspectives on de_nuke</a:t>
+            </a:r>
+            <a:endParaRPr sz="2800">
+              <a:solidFill>
+                <a:srgbClr val="000000"/>
+              </a:solidFill>
+              <a:latin typeface="Bungee"/>
+              <a:ea typeface="Bungee"/>
+              <a:cs typeface="Bungee"/>
+              <a:sym typeface="Bungee"/>
+            </a:endParaRPr>
+          </a:p>
+        </p:txBody>
+      </p:sp>
+      <p:sp>
+        <p:nvSpPr>
+          <p:cNvPr id="66" name="Google Shape;66;p14"/>
+          <p:cNvSpPr txBox="1"/>
+          <p:nvPr/>
+        </p:nvSpPr>
+        <p:spPr>
+          <a:xfrm>
+            <a:off x="311700" y="1152475"/>
+            <a:ext cx="7422525" cy="3416400"/>
+          </a:xfrm>
+          <a:prstGeom prst="rect">
+            <a:avLst/>
+          </a:prstGeom>
+          <a:noFill/>
+          <a:ln>
+            <a:noFill/>
+          </a:ln>
+        </p:spPr>
+        <p:txBody>
+          <a:bodyPr spcFirstLastPara="1" wrap="square" lIns="91425" tIns="91425" rIns="91425" bIns="91425" anchor="t" anchorCtr="0">
+            <a:noAutofit/>
+          </a:bodyPr>
+          <a:lstStyle/>
+          <a:p>
+            <a:pPr marL="0" lvl="0" indent="0" algn="l" rtl="0">
+              <a:lnSpc>
+                <a:spcPct val="115000"/>
+              </a:lnSpc>
+              <a:spcBef>
+                <a:spcPts val="0"/>
+              </a:spcBef>
+              <a:spcAft>
+                <a:spcPts val="1200"/>
+              </a:spcAft>
+              <a:buNone/>
+            </a:pPr>
+            <a:r>
+              <a:rPr lang="en" sz="1800">
+                <a:solidFill>
+                  <a:srgbClr val="595959"/>
+                </a:solidFill>
+                <a:latin typeface="Oswald"/>
+                <a:ea typeface="Oswald"/>
+                <a:cs typeface="Oswald"/>
+                <a:sym typeface="Oswald"/>
+              </a:rPr>
+              <a:t>Gauge the varied opinions and perspectives from the player community regarding the layout, balance, and design of de_nuke.</a:t>
+            </a:r>
+            <a:endParaRPr sz="1800">
+              <a:solidFill>
+                <a:srgbClr val="595959"/>
+              </a:solidFill>
+              <a:latin typeface="Oswald"/>
+              <a:ea typeface="Oswald"/>
+              <a:cs typeface="Oswald"/>
+              <a:sym typeface="Oswald"/>
+            </a:endParaRPr>
+          </a:p>
+        </p:txBody>
+      </p:sp>
+      <p:sp>
+        <p:nvSpPr>
+          <p:cNvPr id="67" name="Google Shape;67;p14"/>
+          <p:cNvSpPr/>
+          <p:nvPr/>
+        </p:nvSpPr>
+        <p:spPr>
+          <a:xfrm>
+            <a:off x="8074450" y="-1345525"/>
+            <a:ext cx="346800" cy="7043400"/>
+          </a:xfrm>
+          <a:prstGeom prst="rect">
+            <a:avLst/>
+          </a:prstGeom>
+          <a:solidFill>
+            <a:srgbClr val="FFB627"/>
+          </a:solidFill>
+          <a:ln>
+            <a:noFill/>
+          </a:ln>
+        </p:spPr>
+        <p:txBody>
+          <a:bodyPr spcFirstLastPara="1" wrap="square" lIns="91425" tIns="91425" rIns="91425" bIns="91425" anchor="ctr" anchorCtr="0">
+            <a:noAutofit/>
+          </a:bodyPr>
+          <a:lstStyle/>
+          <a:p>
+            <a:pPr marL="0" lvl="0" indent="0" algn="l" rtl="0">
+              <a:spcBef>
+                <a:spcPts val="0"/>
+              </a:spcBef>
+              <a:spcAft>
+                <a:spcPts val="0"/>
+              </a:spcAft>
+              <a:buNone/>
+            </a:pPr>
+            <a:endParaRPr/>
+          </a:p>
+        </p:txBody>
+      </p:sp>
+      <p:sp>
+        <p:nvSpPr>
+          <p:cNvPr id="68" name="Google Shape;68;p14"/>
+          <p:cNvSpPr/>
+          <p:nvPr/>
+        </p:nvSpPr>
+        <p:spPr>
+          <a:xfrm>
+            <a:off x="8421250" y="-1345525"/>
+            <a:ext cx="346800" cy="7043400"/>
+          </a:xfrm>
+          <a:prstGeom prst="rect">
+            <a:avLst/>
+          </a:prstGeom>
+          <a:solidFill>
+            <a:srgbClr val="FF9505"/>
+          </a:solidFill>
+          <a:ln>
+            <a:noFill/>
+          </a:ln>
+        </p:spPr>
+        <p:txBody>
+          <a:bodyPr spcFirstLastPara="1" wrap="square" lIns="91425" tIns="91425" rIns="91425" bIns="91425" anchor="ctr" anchorCtr="0">
+            <a:noAutofit/>
+          </a:bodyPr>
+          <a:lstStyle/>
+          <a:p>
+            <a:pPr marL="0" lvl="0" indent="0" algn="l" rtl="0">
+              <a:spcBef>
+                <a:spcPts val="0"/>
+              </a:spcBef>
+              <a:spcAft>
+                <a:spcPts val="0"/>
+              </a:spcAft>
+              <a:buNone/>
+            </a:pPr>
+            <a:endParaRPr/>
+          </a:p>
+        </p:txBody>
+      </p:sp>
+    </p:spTree>
+  </p:cSld>
+  <p:clrMapOvr>
+    <a:masterClrMapping/>
+  </p:clrMapOvr>
+</p:sld>
+</file>
+
+<file path=ppt/slides/slide13.xml><?xml version="1.0" encoding="utf-8"?>
+<p:sld xmlns:a="http://schemas.openxmlformats.org/drawingml/2006/main" xmlns:p="http://schemas.openxmlformats.org/presentationml/2006/main" xmlns:r="http://schemas.openxmlformats.org/officeDocument/2006/relationships">
+  <p:cSld>
+    <p:spTree>
+      <p:nvGrpSpPr>
+        <p:cNvPr id="1" name=""/>
+        <p:cNvGrpSpPr/>
+        <p:nvPr/>
+      </p:nvGrpSpPr>
+      <p:grpSpPr/>
+      <p:sp>
+        <p:nvSpPr>
+          <p:cNvPr id="63" name="Google Shape;63;p14"/>
+          <p:cNvSpPr/>
+          <p:nvPr/>
+        </p:nvSpPr>
+        <p:spPr>
+          <a:xfrm>
+            <a:off x="-54925" y="-1345525"/>
+            <a:ext cx="8816400" cy="7043400"/>
+          </a:xfrm>
+          <a:prstGeom prst="rect">
+            <a:avLst/>
+          </a:prstGeom>
+          <a:solidFill>
+            <a:srgbClr val="FFC971"/>
+          </a:solidFill>
+          <a:ln>
+            <a:noFill/>
+          </a:ln>
+        </p:spPr>
+        <p:txBody>
+          <a:bodyPr spcFirstLastPara="1" wrap="square" lIns="91425" tIns="91425" rIns="91425" bIns="91425" anchor="ctr" anchorCtr="0">
+            <a:noAutofit/>
+          </a:bodyPr>
+          <a:lstStyle/>
+          <a:p>
+            <a:pPr marL="0" lvl="0" indent="0" algn="l" rtl="0">
+              <a:spcBef>
+                <a:spcPts val="0"/>
+              </a:spcBef>
+              <a:spcAft>
+                <a:spcPts val="0"/>
+              </a:spcAft>
+              <a:buNone/>
+            </a:pPr>
+            <a:endParaRPr/>
+          </a:p>
+        </p:txBody>
+      </p:sp>
+      <p:sp>
+        <p:nvSpPr>
+          <p:cNvPr id="64" name="Google Shape;64;p14"/>
+          <p:cNvSpPr/>
+          <p:nvPr/>
+        </p:nvSpPr>
+        <p:spPr>
+          <a:xfrm rot="-5400000">
+            <a:off x="1434900" y="-1489525"/>
+            <a:ext cx="5162400" cy="8141400"/>
+          </a:xfrm>
+          <a:prstGeom prst="rtTriangle">
+            <a:avLst/>
+          </a:prstGeom>
+          <a:solidFill>
+            <a:srgbClr val="FFE599"/>
+          </a:solidFill>
+          <a:ln>
+            <a:noFill/>
+          </a:ln>
+        </p:spPr>
+        <p:txBody>
+          <a:bodyPr spcFirstLastPara="1" wrap="square" lIns="91425" tIns="91425" rIns="91425" bIns="91425" anchor="ctr" anchorCtr="0">
+            <a:noAutofit/>
+          </a:bodyPr>
+          <a:lstStyle/>
+          <a:p>
+            <a:pPr marL="0" lvl="0" indent="0" algn="l" rtl="0">
+              <a:spcBef>
+                <a:spcPts val="0"/>
+              </a:spcBef>
+              <a:spcAft>
+                <a:spcPts val="0"/>
+              </a:spcAft>
+              <a:buNone/>
+            </a:pPr>
+            <a:endParaRPr/>
+          </a:p>
+        </p:txBody>
+      </p:sp>
+      <p:sp>
+        <p:nvSpPr>
+          <p:cNvPr id="65" name="Google Shape;65;p14"/>
+          <p:cNvSpPr txBox="1"/>
+          <p:nvPr/>
+        </p:nvSpPr>
+        <p:spPr>
+          <a:xfrm>
+            <a:off x="311700" y="445025"/>
+            <a:ext cx="8520600" cy="572700"/>
+          </a:xfrm>
+          <a:prstGeom prst="rect">
+            <a:avLst/>
+          </a:prstGeom>
+          <a:noFill/>
+          <a:ln>
+            <a:noFill/>
+          </a:ln>
+        </p:spPr>
+        <p:txBody>
+          <a:bodyPr spcFirstLastPara="1" wrap="square" lIns="91425" tIns="91425" rIns="91425" bIns="91425" anchor="t" anchorCtr="0">
+            <a:noAutofit/>
+          </a:bodyPr>
+          <a:lstStyle/>
+          <a:p>
+            <a:pPr marL="0" lvl="0" indent="0" algn="l" rtl="0">
+              <a:spcBef>
+                <a:spcPts val="0"/>
+              </a:spcBef>
+              <a:spcAft>
+                <a:spcPts val="0"/>
+              </a:spcAft>
+              <a:buNone/>
+            </a:pPr>
+            <a:r>
+              <a:rPr lang="en" sz="2800">
+                <a:latin typeface="Bungee"/>
+                <a:ea typeface="Bungee"/>
+                <a:cs typeface="Bungee"/>
+                <a:sym typeface="Bungee"/>
+              </a:rPr>
+              <a:t>Balancing Act: Addressing de_nuke’s CT-T Bias Controversies</a:t>
+            </a:r>
+            <a:endParaRPr sz="2800">
+              <a:solidFill>
+                <a:srgbClr val="000000"/>
+              </a:solidFill>
+              <a:latin typeface="Bungee"/>
+              <a:ea typeface="Bungee"/>
+              <a:cs typeface="Bungee"/>
+              <a:sym typeface="Bungee"/>
+            </a:endParaRPr>
+          </a:p>
+        </p:txBody>
+      </p:sp>
+      <p:sp>
+        <p:nvSpPr>
+          <p:cNvPr id="66" name="Google Shape;66;p14"/>
+          <p:cNvSpPr txBox="1"/>
+          <p:nvPr/>
+        </p:nvSpPr>
+        <p:spPr>
+          <a:xfrm>
+            <a:off x="311700" y="1152475"/>
+            <a:ext cx="7422525" cy="3416400"/>
+          </a:xfrm>
+          <a:prstGeom prst="rect">
+            <a:avLst/>
+          </a:prstGeom>
+          <a:noFill/>
+          <a:ln>
+            <a:noFill/>
+          </a:ln>
+        </p:spPr>
+        <p:txBody>
+          <a:bodyPr spcFirstLastPara="1" wrap="square" lIns="91425" tIns="91425" rIns="91425" bIns="91425" anchor="t" anchorCtr="0">
+            <a:noAutofit/>
+          </a:bodyPr>
+          <a:lstStyle/>
+          <a:p>
+            <a:pPr marL="0" lvl="0" indent="0" algn="l" rtl="0">
+              <a:lnSpc>
+                <a:spcPct val="115000"/>
+              </a:lnSpc>
+              <a:spcBef>
+                <a:spcPts val="0"/>
+              </a:spcBef>
+              <a:spcAft>
+                <a:spcPts val="1200"/>
+              </a:spcAft>
+              <a:buNone/>
+            </a:pPr>
+            <a:r>
+              <a:rPr lang="en" sz="1800">
+                <a:solidFill>
+                  <a:srgbClr val="595959"/>
+                </a:solidFill>
+                <a:latin typeface="Oswald"/>
+                <a:ea typeface="Oswald"/>
+                <a:cs typeface="Oswald"/>
+                <a:sym typeface="Oswald"/>
+              </a:rPr>
+              <a:t>Examine the ongoing debates about de_nuke's balance between Counter-Terrorist and Terrorist sides, and efforts to address potential biases.</a:t>
+            </a:r>
+            <a:endParaRPr sz="1800">
+              <a:solidFill>
+                <a:srgbClr val="595959"/>
+              </a:solidFill>
+              <a:latin typeface="Oswald"/>
+              <a:ea typeface="Oswald"/>
+              <a:cs typeface="Oswald"/>
+              <a:sym typeface="Oswald"/>
+            </a:endParaRPr>
+          </a:p>
+        </p:txBody>
+      </p:sp>
+      <p:sp>
+        <p:nvSpPr>
+          <p:cNvPr id="67" name="Google Shape;67;p14"/>
+          <p:cNvSpPr/>
+          <p:nvPr/>
+        </p:nvSpPr>
+        <p:spPr>
+          <a:xfrm>
+            <a:off x="8074450" y="-1345525"/>
+            <a:ext cx="346800" cy="7043400"/>
+          </a:xfrm>
+          <a:prstGeom prst="rect">
+            <a:avLst/>
+          </a:prstGeom>
+          <a:solidFill>
+            <a:srgbClr val="FFB627"/>
+          </a:solidFill>
+          <a:ln>
+            <a:noFill/>
+          </a:ln>
+        </p:spPr>
+        <p:txBody>
+          <a:bodyPr spcFirstLastPara="1" wrap="square" lIns="91425" tIns="91425" rIns="91425" bIns="91425" anchor="ctr" anchorCtr="0">
+            <a:noAutofit/>
+          </a:bodyPr>
+          <a:lstStyle/>
+          <a:p>
+            <a:pPr marL="0" lvl="0" indent="0" algn="l" rtl="0">
+              <a:spcBef>
+                <a:spcPts val="0"/>
+              </a:spcBef>
+              <a:spcAft>
+                <a:spcPts val="0"/>
+              </a:spcAft>
+              <a:buNone/>
+            </a:pPr>
+            <a:endParaRPr/>
+          </a:p>
+        </p:txBody>
+      </p:sp>
+      <p:sp>
+        <p:nvSpPr>
+          <p:cNvPr id="68" name="Google Shape;68;p14"/>
+          <p:cNvSpPr/>
+          <p:nvPr/>
+        </p:nvSpPr>
+        <p:spPr>
+          <a:xfrm>
+            <a:off x="8421250" y="-1345525"/>
+            <a:ext cx="346800" cy="7043400"/>
+          </a:xfrm>
+          <a:prstGeom prst="rect">
+            <a:avLst/>
+          </a:prstGeom>
+          <a:solidFill>
+            <a:srgbClr val="FF9505"/>
+          </a:solidFill>
+          <a:ln>
+            <a:noFill/>
+          </a:ln>
+        </p:spPr>
+        <p:txBody>
+          <a:bodyPr spcFirstLastPara="1" wrap="square" lIns="91425" tIns="91425" rIns="91425" bIns="91425" anchor="ctr" anchorCtr="0">
+            <a:noAutofit/>
+          </a:bodyPr>
+          <a:lstStyle/>
+          <a:p>
+            <a:pPr marL="0" lvl="0" indent="0" algn="l" rtl="0">
+              <a:spcBef>
+                <a:spcPts val="0"/>
+              </a:spcBef>
+              <a:spcAft>
+                <a:spcPts val="0"/>
+              </a:spcAft>
+              <a:buNone/>
+            </a:pPr>
+            <a:endParaRPr/>
+          </a:p>
+        </p:txBody>
+      </p:sp>
+    </p:spTree>
+  </p:cSld>
+  <p:clrMapOvr>
+    <a:masterClrMapping/>
+  </p:clrMapOvr>
+</p:sld>
+</file>
+
+<file path=ppt/slides/slide14.xml><?xml version="1.0" encoding="utf-8"?>
+<p:sld xmlns:a="http://schemas.openxmlformats.org/drawingml/2006/main" xmlns:p="http://schemas.openxmlformats.org/presentationml/2006/main" xmlns:r="http://schemas.openxmlformats.org/officeDocument/2006/relationships">
+  <p:cSld>
+    <p:spTree>
+      <p:nvGrpSpPr>
+        <p:cNvPr id="1" name=""/>
+        <p:cNvGrpSpPr/>
+        <p:nvPr/>
+      </p:nvGrpSpPr>
+      <p:grpSpPr/>
+      <p:sp>
+        <p:nvSpPr>
+          <p:cNvPr id="63" name="Google Shape;63;p14"/>
+          <p:cNvSpPr/>
+          <p:nvPr/>
+        </p:nvSpPr>
+        <p:spPr>
+          <a:xfrm>
+            <a:off x="-54925" y="-1345525"/>
+            <a:ext cx="8816400" cy="7043400"/>
+          </a:xfrm>
+          <a:prstGeom prst="rect">
+            <a:avLst/>
+          </a:prstGeom>
+          <a:solidFill>
+            <a:srgbClr val="FFC971"/>
+          </a:solidFill>
+          <a:ln>
+            <a:noFill/>
+          </a:ln>
+        </p:spPr>
+        <p:txBody>
+          <a:bodyPr spcFirstLastPara="1" wrap="square" lIns="91425" tIns="91425" rIns="91425" bIns="91425" anchor="ctr" anchorCtr="0">
+            <a:noAutofit/>
+          </a:bodyPr>
+          <a:lstStyle/>
+          <a:p>
+            <a:pPr marL="0" lvl="0" indent="0" algn="l" rtl="0">
+              <a:spcBef>
+                <a:spcPts val="0"/>
+              </a:spcBef>
+              <a:spcAft>
+                <a:spcPts val="0"/>
+              </a:spcAft>
+              <a:buNone/>
+            </a:pPr>
+            <a:endParaRPr/>
+          </a:p>
+        </p:txBody>
+      </p:sp>
+      <p:sp>
+        <p:nvSpPr>
+          <p:cNvPr id="64" name="Google Shape;64;p14"/>
+          <p:cNvSpPr/>
+          <p:nvPr/>
+        </p:nvSpPr>
+        <p:spPr>
+          <a:xfrm rot="-5400000">
+            <a:off x="1434900" y="-1489525"/>
+            <a:ext cx="5162400" cy="8141400"/>
+          </a:xfrm>
+          <a:prstGeom prst="rtTriangle">
+            <a:avLst/>
+          </a:prstGeom>
+          <a:solidFill>
+            <a:srgbClr val="FFE599"/>
+          </a:solidFill>
+          <a:ln>
+            <a:noFill/>
+          </a:ln>
+        </p:spPr>
+        <p:txBody>
+          <a:bodyPr spcFirstLastPara="1" wrap="square" lIns="91425" tIns="91425" rIns="91425" bIns="91425" anchor="ctr" anchorCtr="0">
+            <a:noAutofit/>
+          </a:bodyPr>
+          <a:lstStyle/>
+          <a:p>
+            <a:pPr marL="0" lvl="0" indent="0" algn="l" rtl="0">
+              <a:spcBef>
+                <a:spcPts val="0"/>
+              </a:spcBef>
+              <a:spcAft>
+                <a:spcPts val="0"/>
+              </a:spcAft>
+              <a:buNone/>
+            </a:pPr>
+            <a:endParaRPr/>
+          </a:p>
+        </p:txBody>
+      </p:sp>
+      <p:sp>
+        <p:nvSpPr>
+          <p:cNvPr id="65" name="Google Shape;65;p14"/>
+          <p:cNvSpPr txBox="1"/>
+          <p:nvPr/>
+        </p:nvSpPr>
+        <p:spPr>
+          <a:xfrm>
+            <a:off x="311700" y="445025"/>
+            <a:ext cx="8520600" cy="572700"/>
+          </a:xfrm>
+          <a:prstGeom prst="rect">
+            <a:avLst/>
+          </a:prstGeom>
+          <a:noFill/>
+          <a:ln>
+            <a:noFill/>
+          </a:ln>
+        </p:spPr>
+        <p:txBody>
+          <a:bodyPr spcFirstLastPara="1" wrap="square" lIns="91425" tIns="91425" rIns="91425" bIns="91425" anchor="t" anchorCtr="0">
+            <a:noAutofit/>
+          </a:bodyPr>
+          <a:lstStyle/>
+          <a:p>
+            <a:pPr marL="0" lvl="0" indent="0" algn="l" rtl="0">
+              <a:spcBef>
+                <a:spcPts val="0"/>
+              </a:spcBef>
+              <a:spcAft>
+                <a:spcPts val="0"/>
+              </a:spcAft>
+              <a:buNone/>
+            </a:pPr>
+            <a:r>
+              <a:rPr lang="en" sz="2800">
+                <a:latin typeface="Bungee"/>
+                <a:ea typeface="Bungee"/>
+                <a:cs typeface="Bungee"/>
+                <a:sym typeface="Bungee"/>
+              </a:rPr>
+              <a:t>Modding and Custom Content: de_nuke Variants Created by Fans</a:t>
+            </a:r>
+            <a:endParaRPr sz="2800">
+              <a:solidFill>
+                <a:srgbClr val="000000"/>
+              </a:solidFill>
+              <a:latin typeface="Bungee"/>
+              <a:ea typeface="Bungee"/>
+              <a:cs typeface="Bungee"/>
+              <a:sym typeface="Bungee"/>
+            </a:endParaRPr>
+          </a:p>
+        </p:txBody>
+      </p:sp>
+      <p:sp>
+        <p:nvSpPr>
+          <p:cNvPr id="66" name="Google Shape;66;p14"/>
+          <p:cNvSpPr txBox="1"/>
+          <p:nvPr/>
+        </p:nvSpPr>
+        <p:spPr>
+          <a:xfrm>
+            <a:off x="311700" y="1152475"/>
+            <a:ext cx="7422525" cy="3416400"/>
+          </a:xfrm>
+          <a:prstGeom prst="rect">
+            <a:avLst/>
+          </a:prstGeom>
+          <a:noFill/>
+          <a:ln>
+            <a:noFill/>
+          </a:ln>
+        </p:spPr>
+        <p:txBody>
+          <a:bodyPr spcFirstLastPara="1" wrap="square" lIns="91425" tIns="91425" rIns="91425" bIns="91425" anchor="t" anchorCtr="0">
+            <a:noAutofit/>
+          </a:bodyPr>
+          <a:lstStyle/>
+          <a:p>
+            <a:pPr marL="0" lvl="0" indent="0" algn="l" rtl="0">
+              <a:lnSpc>
+                <a:spcPct val="115000"/>
+              </a:lnSpc>
+              <a:spcBef>
+                <a:spcPts val="0"/>
+              </a:spcBef>
+              <a:spcAft>
+                <a:spcPts val="1200"/>
+              </a:spcAft>
+              <a:buNone/>
+            </a:pPr>
+            <a:r>
+              <a:rPr lang="en" sz="1800">
+                <a:solidFill>
+                  <a:srgbClr val="595959"/>
+                </a:solidFill>
+                <a:latin typeface="Oswald"/>
+                <a:ea typeface="Oswald"/>
+                <a:cs typeface="Oswald"/>
+                <a:sym typeface="Oswald"/>
+              </a:rPr>
+              <a:t>Take a look at the creative contributions of the community, with fan-made de_nuke variants and how they've been received.</a:t>
+            </a:r>
+            <a:endParaRPr sz="1800">
+              <a:solidFill>
+                <a:srgbClr val="595959"/>
+              </a:solidFill>
+              <a:latin typeface="Oswald"/>
+              <a:ea typeface="Oswald"/>
+              <a:cs typeface="Oswald"/>
+              <a:sym typeface="Oswald"/>
+            </a:endParaRPr>
+          </a:p>
+        </p:txBody>
+      </p:sp>
+      <p:sp>
+        <p:nvSpPr>
+          <p:cNvPr id="67" name="Google Shape;67;p14"/>
+          <p:cNvSpPr/>
+          <p:nvPr/>
+        </p:nvSpPr>
+        <p:spPr>
+          <a:xfrm>
+            <a:off x="8074450" y="-1345525"/>
+            <a:ext cx="346800" cy="7043400"/>
+          </a:xfrm>
+          <a:prstGeom prst="rect">
+            <a:avLst/>
+          </a:prstGeom>
+          <a:solidFill>
+            <a:srgbClr val="FFB627"/>
+          </a:solidFill>
+          <a:ln>
+            <a:noFill/>
+          </a:ln>
+        </p:spPr>
+        <p:txBody>
+          <a:bodyPr spcFirstLastPara="1" wrap="square" lIns="91425" tIns="91425" rIns="91425" bIns="91425" anchor="ctr" anchorCtr="0">
+            <a:noAutofit/>
+          </a:bodyPr>
+          <a:lstStyle/>
+          <a:p>
+            <a:pPr marL="0" lvl="0" indent="0" algn="l" rtl="0">
+              <a:spcBef>
+                <a:spcPts val="0"/>
+              </a:spcBef>
+              <a:spcAft>
+                <a:spcPts val="0"/>
+              </a:spcAft>
+              <a:buNone/>
+            </a:pPr>
+            <a:endParaRPr/>
+          </a:p>
+        </p:txBody>
+      </p:sp>
+      <p:sp>
+        <p:nvSpPr>
+          <p:cNvPr id="68" name="Google Shape;68;p14"/>
+          <p:cNvSpPr/>
+          <p:nvPr/>
+        </p:nvSpPr>
+        <p:spPr>
+          <a:xfrm>
+            <a:off x="8421250" y="-1345525"/>
+            <a:ext cx="346800" cy="7043400"/>
+          </a:xfrm>
+          <a:prstGeom prst="rect">
+            <a:avLst/>
+          </a:prstGeom>
+          <a:solidFill>
+            <a:srgbClr val="FF9505"/>
+          </a:solidFill>
+          <a:ln>
+            <a:noFill/>
+          </a:ln>
+        </p:spPr>
+        <p:txBody>
+          <a:bodyPr spcFirstLastPara="1" wrap="square" lIns="91425" tIns="91425" rIns="91425" bIns="91425" anchor="ctr" anchorCtr="0">
+            <a:noAutofit/>
+          </a:bodyPr>
+          <a:lstStyle/>
+          <a:p>
+            <a:pPr marL="0" lvl="0" indent="0" algn="l" rtl="0">
+              <a:spcBef>
+                <a:spcPts val="0"/>
+              </a:spcBef>
+              <a:spcAft>
+                <a:spcPts val="0"/>
+              </a:spcAft>
+              <a:buNone/>
+            </a:pPr>
+            <a:endParaRPr/>
+          </a:p>
+        </p:txBody>
+      </p:sp>
+    </p:spTree>
+  </p:cSld>
+  <p:clrMapOvr>
+    <a:masterClrMapping/>
+  </p:clrMapOvr>
+</p:sld>
+</file>
+
+<file path=ppt/slides/slide15.xml><?xml version="1.0" encoding="utf-8"?>
+<p:sld xmlns:a="http://schemas.openxmlformats.org/drawingml/2006/main" xmlns:p="http://schemas.openxmlformats.org/presentationml/2006/main" xmlns:r="http://schemas.openxmlformats.org/officeDocument/2006/relationships">
+  <p:cSld>
+    <p:spTree>
+      <p:nvGrpSpPr>
+        <p:cNvPr id="1" name=""/>
+        <p:cNvGrpSpPr/>
+        <p:nvPr/>
+      </p:nvGrpSpPr>
+      <p:grpSpPr/>
+      <p:sp>
+        <p:nvSpPr>
+          <p:cNvPr id="63" name="Google Shape;63;p14"/>
+          <p:cNvSpPr/>
+          <p:nvPr/>
+        </p:nvSpPr>
+        <p:spPr>
+          <a:xfrm>
+            <a:off x="-54925" y="-1345525"/>
+            <a:ext cx="8816400" cy="7043400"/>
+          </a:xfrm>
+          <a:prstGeom prst="rect">
+            <a:avLst/>
+          </a:prstGeom>
+          <a:solidFill>
+            <a:srgbClr val="FFC971"/>
+          </a:solidFill>
+          <a:ln>
+            <a:noFill/>
+          </a:ln>
+        </p:spPr>
+        <p:txBody>
+          <a:bodyPr spcFirstLastPara="1" wrap="square" lIns="91425" tIns="91425" rIns="91425" bIns="91425" anchor="ctr" anchorCtr="0">
+            <a:noAutofit/>
+          </a:bodyPr>
+          <a:lstStyle/>
+          <a:p>
+            <a:pPr marL="0" lvl="0" indent="0" algn="l" rtl="0">
+              <a:spcBef>
+                <a:spcPts val="0"/>
+              </a:spcBef>
+              <a:spcAft>
+                <a:spcPts val="0"/>
+              </a:spcAft>
+              <a:buNone/>
+            </a:pPr>
+            <a:endParaRPr/>
+          </a:p>
+        </p:txBody>
+      </p:sp>
+      <p:sp>
+        <p:nvSpPr>
+          <p:cNvPr id="64" name="Google Shape;64;p14"/>
+          <p:cNvSpPr/>
+          <p:nvPr/>
+        </p:nvSpPr>
+        <p:spPr>
+          <a:xfrm rot="-5400000">
+            <a:off x="1434900" y="-1489525"/>
+            <a:ext cx="5162400" cy="8141400"/>
+          </a:xfrm>
+          <a:prstGeom prst="rtTriangle">
+            <a:avLst/>
+          </a:prstGeom>
+          <a:solidFill>
+            <a:srgbClr val="FFE599"/>
+          </a:solidFill>
+          <a:ln>
+            <a:noFill/>
+          </a:ln>
+        </p:spPr>
+        <p:txBody>
+          <a:bodyPr spcFirstLastPara="1" wrap="square" lIns="91425" tIns="91425" rIns="91425" bIns="91425" anchor="ctr" anchorCtr="0">
+            <a:noAutofit/>
+          </a:bodyPr>
+          <a:lstStyle/>
+          <a:p>
+            <a:pPr marL="0" lvl="0" indent="0" algn="l" rtl="0">
+              <a:spcBef>
+                <a:spcPts val="0"/>
+              </a:spcBef>
+              <a:spcAft>
+                <a:spcPts val="0"/>
+              </a:spcAft>
+              <a:buNone/>
+            </a:pPr>
+            <a:endParaRPr/>
+          </a:p>
+        </p:txBody>
+      </p:sp>
+      <p:sp>
+        <p:nvSpPr>
+          <p:cNvPr id="65" name="Google Shape;65;p14"/>
+          <p:cNvSpPr txBox="1"/>
+          <p:nvPr/>
+        </p:nvSpPr>
+        <p:spPr>
+          <a:xfrm>
+            <a:off x="311700" y="445025"/>
+            <a:ext cx="8520600" cy="572700"/>
+          </a:xfrm>
+          <a:prstGeom prst="rect">
+            <a:avLst/>
+          </a:prstGeom>
+          <a:noFill/>
+          <a:ln>
+            <a:noFill/>
+          </a:ln>
+        </p:spPr>
+        <p:txBody>
+          <a:bodyPr spcFirstLastPara="1" wrap="square" lIns="91425" tIns="91425" rIns="91425" bIns="91425" anchor="t" anchorCtr="0">
+            <a:noAutofit/>
+          </a:bodyPr>
+          <a:lstStyle/>
+          <a:p>
+            <a:pPr marL="0" lvl="0" indent="0" algn="l" rtl="0">
+              <a:spcBef>
+                <a:spcPts val="0"/>
+              </a:spcBef>
+              <a:spcAft>
+                <a:spcPts val="0"/>
+              </a:spcAft>
+              <a:buNone/>
+            </a:pPr>
+            <a:r>
+              <a:rPr lang="en" sz="2800">
+                <a:latin typeface="Bungee"/>
+                <a:ea typeface="Bungee"/>
+                <a:cs typeface="Bungee"/>
+                <a:sym typeface="Bungee"/>
+              </a:rPr>
+              <a:t>de_nuke in Popular Culture: References Outside of Gaming</a:t>
+            </a:r>
+            <a:endParaRPr sz="2800">
+              <a:solidFill>
+                <a:srgbClr val="000000"/>
+              </a:solidFill>
+              <a:latin typeface="Bungee"/>
+              <a:ea typeface="Bungee"/>
+              <a:cs typeface="Bungee"/>
+              <a:sym typeface="Bungee"/>
+            </a:endParaRPr>
+          </a:p>
+        </p:txBody>
+      </p:sp>
+      <p:sp>
+        <p:nvSpPr>
+          <p:cNvPr id="66" name="Google Shape;66;p14"/>
+          <p:cNvSpPr txBox="1"/>
+          <p:nvPr/>
+        </p:nvSpPr>
+        <p:spPr>
+          <a:xfrm>
+            <a:off x="311700" y="1152475"/>
+            <a:ext cx="7422525" cy="3416400"/>
+          </a:xfrm>
+          <a:prstGeom prst="rect">
+            <a:avLst/>
+          </a:prstGeom>
+          <a:noFill/>
+          <a:ln>
+            <a:noFill/>
+          </a:ln>
+        </p:spPr>
+        <p:txBody>
+          <a:bodyPr spcFirstLastPara="1" wrap="square" lIns="91425" tIns="91425" rIns="91425" bIns="91425" anchor="t" anchorCtr="0">
+            <a:noAutofit/>
+          </a:bodyPr>
+          <a:lstStyle/>
+          <a:p>
+            <a:pPr marL="0" lvl="0" indent="0" algn="l" rtl="0">
+              <a:lnSpc>
+                <a:spcPct val="115000"/>
+              </a:lnSpc>
+              <a:spcBef>
+                <a:spcPts val="0"/>
+              </a:spcBef>
+              <a:spcAft>
+                <a:spcPts val="1200"/>
+              </a:spcAft>
+              <a:buNone/>
+            </a:pPr>
+            <a:r>
+              <a:rPr lang="en" sz="1800">
+                <a:solidFill>
+                  <a:srgbClr val="595959"/>
+                </a:solidFill>
+                <a:latin typeface="Oswald"/>
+                <a:ea typeface="Oswald"/>
+                <a:cs typeface="Oswald"/>
+                <a:sym typeface="Oswald"/>
+              </a:rPr>
+              <a:t>Discover the cultural impact of de_nuke, finding its place in various forms of media and entertainment beyond the gaming world.</a:t>
+            </a:r>
+            <a:endParaRPr sz="1800">
+              <a:solidFill>
+                <a:srgbClr val="595959"/>
+              </a:solidFill>
+              <a:latin typeface="Oswald"/>
+              <a:ea typeface="Oswald"/>
+              <a:cs typeface="Oswald"/>
+              <a:sym typeface="Oswald"/>
+            </a:endParaRPr>
+          </a:p>
+        </p:txBody>
+      </p:sp>
+      <p:sp>
+        <p:nvSpPr>
+          <p:cNvPr id="67" name="Google Shape;67;p14"/>
+          <p:cNvSpPr/>
+          <p:nvPr/>
+        </p:nvSpPr>
+        <p:spPr>
+          <a:xfrm>
+            <a:off x="8074450" y="-1345525"/>
+            <a:ext cx="346800" cy="7043400"/>
+          </a:xfrm>
+          <a:prstGeom prst="rect">
+            <a:avLst/>
+          </a:prstGeom>
+          <a:solidFill>
+            <a:srgbClr val="FFB627"/>
+          </a:solidFill>
+          <a:ln>
+            <a:noFill/>
+          </a:ln>
+        </p:spPr>
+        <p:txBody>
+          <a:bodyPr spcFirstLastPara="1" wrap="square" lIns="91425" tIns="91425" rIns="91425" bIns="91425" anchor="ctr" anchorCtr="0">
+            <a:noAutofit/>
+          </a:bodyPr>
+          <a:lstStyle/>
+          <a:p>
+            <a:pPr marL="0" lvl="0" indent="0" algn="l" rtl="0">
+              <a:spcBef>
+                <a:spcPts val="0"/>
+              </a:spcBef>
+              <a:spcAft>
+                <a:spcPts val="0"/>
+              </a:spcAft>
+              <a:buNone/>
+            </a:pPr>
+            <a:endParaRPr/>
+          </a:p>
+        </p:txBody>
+      </p:sp>
+      <p:sp>
+        <p:nvSpPr>
+          <p:cNvPr id="68" name="Google Shape;68;p14"/>
+          <p:cNvSpPr/>
+          <p:nvPr/>
+        </p:nvSpPr>
+        <p:spPr>
+          <a:xfrm>
+            <a:off x="8421250" y="-1345525"/>
+            <a:ext cx="346800" cy="7043400"/>
+          </a:xfrm>
+          <a:prstGeom prst="rect">
+            <a:avLst/>
+          </a:prstGeom>
+          <a:solidFill>
+            <a:srgbClr val="FF9505"/>
+          </a:solidFill>
+          <a:ln>
+            <a:noFill/>
+          </a:ln>
+        </p:spPr>
+        <p:txBody>
+          <a:bodyPr spcFirstLastPara="1" wrap="square" lIns="91425" tIns="91425" rIns="91425" bIns="91425" anchor="ctr" anchorCtr="0">
+            <a:noAutofit/>
+          </a:bodyPr>
+          <a:lstStyle/>
+          <a:p>
+            <a:pPr marL="0" lvl="0" indent="0" algn="l" rtl="0">
+              <a:spcBef>
+                <a:spcPts val="0"/>
+              </a:spcBef>
+              <a:spcAft>
+                <a:spcPts val="0"/>
+              </a:spcAft>
+              <a:buNone/>
+            </a:pPr>
+            <a:endParaRPr/>
+          </a:p>
+        </p:txBody>
+      </p:sp>
+    </p:spTree>
+  </p:cSld>
+  <p:clrMapOvr>
+    <a:masterClrMapping/>
+  </p:clrMapOvr>
+</p:sld>
+</file>
+
+<file path=ppt/slides/slide16.xml><?xml version="1.0" encoding="utf-8"?>
+<p:sld xmlns:a="http://schemas.openxmlformats.org/drawingml/2006/main" xmlns:p="http://schemas.openxmlformats.org/presentationml/2006/main" xmlns:r="http://schemas.openxmlformats.org/officeDocument/2006/relationships">
+  <p:cSld>
+    <p:spTree>
+      <p:nvGrpSpPr>
+        <p:cNvPr id="1" name=""/>
+        <p:cNvGrpSpPr/>
+        <p:nvPr/>
+      </p:nvGrpSpPr>
+      <p:grpSpPr/>
+      <p:sp>
+        <p:nvSpPr>
+          <p:cNvPr id="63" name="Google Shape;63;p14"/>
+          <p:cNvSpPr/>
+          <p:nvPr/>
+        </p:nvSpPr>
+        <p:spPr>
+          <a:xfrm>
+            <a:off x="-54925" y="-1345525"/>
+            <a:ext cx="8816400" cy="7043400"/>
+          </a:xfrm>
+          <a:prstGeom prst="rect">
+            <a:avLst/>
+          </a:prstGeom>
+          <a:solidFill>
+            <a:srgbClr val="FFC971"/>
+          </a:solidFill>
+          <a:ln>
+            <a:noFill/>
+          </a:ln>
+        </p:spPr>
+        <p:txBody>
+          <a:bodyPr spcFirstLastPara="1" wrap="square" lIns="91425" tIns="91425" rIns="91425" bIns="91425" anchor="ctr" anchorCtr="0">
+            <a:noAutofit/>
+          </a:bodyPr>
+          <a:lstStyle/>
+          <a:p>
+            <a:pPr marL="0" lvl="0" indent="0" algn="l" rtl="0">
+              <a:spcBef>
+                <a:spcPts val="0"/>
+              </a:spcBef>
+              <a:spcAft>
+                <a:spcPts val="0"/>
+              </a:spcAft>
+              <a:buNone/>
+            </a:pPr>
+            <a:endParaRPr/>
+          </a:p>
+        </p:txBody>
+      </p:sp>
+      <p:sp>
+        <p:nvSpPr>
+          <p:cNvPr id="64" name="Google Shape;64;p14"/>
+          <p:cNvSpPr/>
+          <p:nvPr/>
+        </p:nvSpPr>
+        <p:spPr>
+          <a:xfrm rot="-5400000">
+            <a:off x="1434900" y="-1489525"/>
+            <a:ext cx="5162400" cy="8141400"/>
+          </a:xfrm>
+          <a:prstGeom prst="rtTriangle">
+            <a:avLst/>
+          </a:prstGeom>
+          <a:solidFill>
+            <a:srgbClr val="FFE599"/>
+          </a:solidFill>
+          <a:ln>
+            <a:noFill/>
+          </a:ln>
+        </p:spPr>
+        <p:txBody>
+          <a:bodyPr spcFirstLastPara="1" wrap="square" lIns="91425" tIns="91425" rIns="91425" bIns="91425" anchor="ctr" anchorCtr="0">
+            <a:noAutofit/>
+          </a:bodyPr>
+          <a:lstStyle/>
+          <a:p>
+            <a:pPr marL="0" lvl="0" indent="0" algn="l" rtl="0">
+              <a:spcBef>
+                <a:spcPts val="0"/>
+              </a:spcBef>
+              <a:spcAft>
+                <a:spcPts val="0"/>
+              </a:spcAft>
+              <a:buNone/>
+            </a:pPr>
+            <a:endParaRPr/>
+          </a:p>
+        </p:txBody>
+      </p:sp>
+      <p:sp>
+        <p:nvSpPr>
+          <p:cNvPr id="65" name="Google Shape;65;p14"/>
+          <p:cNvSpPr txBox="1"/>
+          <p:nvPr/>
+        </p:nvSpPr>
+        <p:spPr>
+          <a:xfrm>
+            <a:off x="311700" y="445025"/>
+            <a:ext cx="8520600" cy="572700"/>
+          </a:xfrm>
+          <a:prstGeom prst="rect">
+            <a:avLst/>
+          </a:prstGeom>
+          <a:noFill/>
+          <a:ln>
+            <a:noFill/>
+          </a:ln>
+        </p:spPr>
+        <p:txBody>
+          <a:bodyPr spcFirstLastPara="1" wrap="square" lIns="91425" tIns="91425" rIns="91425" bIns="91425" anchor="t" anchorCtr="0">
+            <a:noAutofit/>
+          </a:bodyPr>
+          <a:lstStyle/>
+          <a:p>
+            <a:pPr marL="0" lvl="0" indent="0" algn="l" rtl="0">
+              <a:spcBef>
+                <a:spcPts val="0"/>
+              </a:spcBef>
+              <a:spcAft>
+                <a:spcPts val="0"/>
+              </a:spcAft>
+              <a:buNone/>
+            </a:pPr>
+            <a:r>
+              <a:rPr lang="en" sz="2800">
+                <a:latin typeface="Bungee"/>
+                <a:ea typeface="Bungee"/>
+                <a:cs typeface="Bungee"/>
+                <a:sym typeface="Bungee"/>
+              </a:rPr>
+              <a:t>The Present and Future: de_nuke in Current Competitive Play</a:t>
+            </a:r>
+            <a:endParaRPr sz="2800">
+              <a:solidFill>
+                <a:srgbClr val="000000"/>
+              </a:solidFill>
+              <a:latin typeface="Bungee"/>
+              <a:ea typeface="Bungee"/>
+              <a:cs typeface="Bungee"/>
+              <a:sym typeface="Bungee"/>
+            </a:endParaRPr>
+          </a:p>
+        </p:txBody>
+      </p:sp>
+      <p:sp>
+        <p:nvSpPr>
+          <p:cNvPr id="66" name="Google Shape;66;p14"/>
+          <p:cNvSpPr txBox="1"/>
+          <p:nvPr/>
+        </p:nvSpPr>
+        <p:spPr>
+          <a:xfrm>
+            <a:off x="311700" y="1152475"/>
+            <a:ext cx="7422525" cy="3416400"/>
+          </a:xfrm>
+          <a:prstGeom prst="rect">
+            <a:avLst/>
+          </a:prstGeom>
+          <a:noFill/>
+          <a:ln>
+            <a:noFill/>
+          </a:ln>
+        </p:spPr>
+        <p:txBody>
+          <a:bodyPr spcFirstLastPara="1" wrap="square" lIns="91425" tIns="91425" rIns="91425" bIns="91425" anchor="t" anchorCtr="0">
+            <a:noAutofit/>
+          </a:bodyPr>
+          <a:lstStyle/>
+          <a:p>
+            <a:pPr marL="0" lvl="0" indent="0" algn="l" rtl="0">
+              <a:lnSpc>
+                <a:spcPct val="115000"/>
+              </a:lnSpc>
+              <a:spcBef>
+                <a:spcPts val="0"/>
+              </a:spcBef>
+              <a:spcAft>
+                <a:spcPts val="1200"/>
+              </a:spcAft>
+              <a:buNone/>
+            </a:pPr>
+            <a:r>
+              <a:rPr lang="en" sz="1800">
+                <a:solidFill>
+                  <a:srgbClr val="595959"/>
+                </a:solidFill>
+                <a:latin typeface="Oswald"/>
+                <a:ea typeface="Oswald"/>
+                <a:cs typeface="Oswald"/>
+                <a:sym typeface="Oswald"/>
+              </a:rPr>
+              <a:t>Analyze de_nuke's current role in competitive Counter-Strike, and what future updates or changes may be on the horizon.</a:t>
+            </a:r>
+            <a:endParaRPr sz="1800">
+              <a:solidFill>
+                <a:srgbClr val="595959"/>
+              </a:solidFill>
+              <a:latin typeface="Oswald"/>
+              <a:ea typeface="Oswald"/>
+              <a:cs typeface="Oswald"/>
+              <a:sym typeface="Oswald"/>
+            </a:endParaRPr>
+          </a:p>
+        </p:txBody>
+      </p:sp>
+      <p:sp>
+        <p:nvSpPr>
+          <p:cNvPr id="67" name="Google Shape;67;p14"/>
+          <p:cNvSpPr/>
+          <p:nvPr/>
+        </p:nvSpPr>
+        <p:spPr>
+          <a:xfrm>
+            <a:off x="8074450" y="-1345525"/>
+            <a:ext cx="346800" cy="7043400"/>
+          </a:xfrm>
+          <a:prstGeom prst="rect">
+            <a:avLst/>
+          </a:prstGeom>
+          <a:solidFill>
+            <a:srgbClr val="FFB627"/>
+          </a:solidFill>
+          <a:ln>
+            <a:noFill/>
+          </a:ln>
+        </p:spPr>
+        <p:txBody>
+          <a:bodyPr spcFirstLastPara="1" wrap="square" lIns="91425" tIns="91425" rIns="91425" bIns="91425" anchor="ctr" anchorCtr="0">
+            <a:noAutofit/>
+          </a:bodyPr>
+          <a:lstStyle/>
+          <a:p>
+            <a:pPr marL="0" lvl="0" indent="0" algn="l" rtl="0">
+              <a:spcBef>
+                <a:spcPts val="0"/>
+              </a:spcBef>
+              <a:spcAft>
+                <a:spcPts val="0"/>
+              </a:spcAft>
+              <a:buNone/>
+            </a:pPr>
+            <a:endParaRPr/>
+          </a:p>
+        </p:txBody>
+      </p:sp>
+      <p:sp>
+        <p:nvSpPr>
+          <p:cNvPr id="68" name="Google Shape;68;p14"/>
+          <p:cNvSpPr/>
+          <p:nvPr/>
+        </p:nvSpPr>
+        <p:spPr>
+          <a:xfrm>
+            <a:off x="8421250" y="-1345525"/>
+            <a:ext cx="346800" cy="7043400"/>
+          </a:xfrm>
+          <a:prstGeom prst="rect">
+            <a:avLst/>
+          </a:prstGeom>
+          <a:solidFill>
+            <a:srgbClr val="FF9505"/>
+          </a:solidFill>
+          <a:ln>
+            <a:noFill/>
+          </a:ln>
+        </p:spPr>
+        <p:txBody>
+          <a:bodyPr spcFirstLastPara="1" wrap="square" lIns="91425" tIns="91425" rIns="91425" bIns="91425" anchor="ctr" anchorCtr="0">
+            <a:noAutofit/>
+          </a:bodyPr>
+          <a:lstStyle/>
+          <a:p>
+            <a:pPr marL="0" lvl="0" indent="0" algn="l" rtl="0">
+              <a:spcBef>
+                <a:spcPts val="0"/>
+              </a:spcBef>
+              <a:spcAft>
+                <a:spcPts val="0"/>
+              </a:spcAft>
+              <a:buNone/>
+            </a:pPr>
+            <a:endParaRPr/>
+          </a:p>
+        </p:txBody>
+      </p:sp>
+    </p:spTree>
+  </p:cSld>
+  <p:clrMapOvr>
+    <a:masterClrMapping/>
+  </p:clrMapOvr>
+</p:sld>
+</file>
+
+<file path=ppt/slides/slide17.xml><?xml version="1.0" encoding="utf-8"?>
+<p:sld xmlns:a="http://schemas.openxmlformats.org/drawingml/2006/main" xmlns:p="http://schemas.openxmlformats.org/presentationml/2006/main" xmlns:r="http://schemas.openxmlformats.org/officeDocument/2006/relationships">
+  <p:cSld>
+    <p:spTree>
+      <p:nvGrpSpPr>
+        <p:cNvPr id="1" name=""/>
+        <p:cNvGrpSpPr/>
+        <p:nvPr/>
+      </p:nvGrpSpPr>
+      <p:grpSpPr/>
+      <p:sp>
+        <p:nvSpPr>
+          <p:cNvPr id="63" name="Google Shape;63;p14"/>
+          <p:cNvSpPr/>
+          <p:nvPr/>
+        </p:nvSpPr>
+        <p:spPr>
+          <a:xfrm>
+            <a:off x="-54925" y="-1345525"/>
+            <a:ext cx="8816400" cy="7043400"/>
+          </a:xfrm>
+          <a:prstGeom prst="rect">
+            <a:avLst/>
+          </a:prstGeom>
+          <a:solidFill>
+            <a:srgbClr val="FFC971"/>
+          </a:solidFill>
+          <a:ln>
+            <a:noFill/>
+          </a:ln>
+        </p:spPr>
+        <p:txBody>
+          <a:bodyPr spcFirstLastPara="1" wrap="square" lIns="91425" tIns="91425" rIns="91425" bIns="91425" anchor="ctr" anchorCtr="0">
+            <a:noAutofit/>
+          </a:bodyPr>
+          <a:lstStyle/>
+          <a:p>
+            <a:pPr marL="0" lvl="0" indent="0" algn="l" rtl="0">
+              <a:spcBef>
+                <a:spcPts val="0"/>
+              </a:spcBef>
+              <a:spcAft>
+                <a:spcPts val="0"/>
+              </a:spcAft>
+              <a:buNone/>
+            </a:pPr>
+            <a:endParaRPr/>
+          </a:p>
+        </p:txBody>
+      </p:sp>
+      <p:sp>
+        <p:nvSpPr>
+          <p:cNvPr id="64" name="Google Shape;64;p14"/>
+          <p:cNvSpPr/>
+          <p:nvPr/>
+        </p:nvSpPr>
+        <p:spPr>
+          <a:xfrm rot="-5400000">
+            <a:off x="1434900" y="-1489525"/>
+            <a:ext cx="5162400" cy="8141400"/>
+          </a:xfrm>
+          <a:prstGeom prst="rtTriangle">
+            <a:avLst/>
+          </a:prstGeom>
+          <a:solidFill>
+            <a:srgbClr val="FFE599"/>
+          </a:solidFill>
+          <a:ln>
+            <a:noFill/>
+          </a:ln>
+        </p:spPr>
+        <p:txBody>
+          <a:bodyPr spcFirstLastPara="1" wrap="square" lIns="91425" tIns="91425" rIns="91425" bIns="91425" anchor="ctr" anchorCtr="0">
+            <a:noAutofit/>
+          </a:bodyPr>
+          <a:lstStyle/>
+          <a:p>
+            <a:pPr marL="0" lvl="0" indent="0" algn="l" rtl="0">
+              <a:spcBef>
+                <a:spcPts val="0"/>
+              </a:spcBef>
+              <a:spcAft>
+                <a:spcPts val="0"/>
+              </a:spcAft>
+              <a:buNone/>
+            </a:pPr>
+            <a:endParaRPr/>
+          </a:p>
+        </p:txBody>
+      </p:sp>
+      <p:sp>
+        <p:nvSpPr>
+          <p:cNvPr id="65" name="Google Shape;65;p14"/>
+          <p:cNvSpPr txBox="1"/>
+          <p:nvPr/>
+        </p:nvSpPr>
+        <p:spPr>
+          <a:xfrm>
+            <a:off x="311700" y="445025"/>
+            <a:ext cx="8520600" cy="572700"/>
+          </a:xfrm>
+          <a:prstGeom prst="rect">
+            <a:avLst/>
+          </a:prstGeom>
+          <a:noFill/>
+          <a:ln>
+            <a:noFill/>
+          </a:ln>
+        </p:spPr>
+        <p:txBody>
+          <a:bodyPr spcFirstLastPara="1" wrap="square" lIns="91425" tIns="91425" rIns="91425" bIns="91425" anchor="t" anchorCtr="0">
+            <a:noAutofit/>
+          </a:bodyPr>
+          <a:lstStyle/>
+          <a:p>
+            <a:pPr marL="0" lvl="0" indent="0" algn="l" rtl="0">
+              <a:spcBef>
+                <a:spcPts val="0"/>
+              </a:spcBef>
+              <a:spcAft>
+                <a:spcPts val="0"/>
+              </a:spcAft>
+              <a:buNone/>
+            </a:pPr>
+            <a:r>
+              <a:rPr lang="en" sz="2800">
+                <a:latin typeface="Bungee"/>
+                <a:ea typeface="Bungee"/>
+                <a:cs typeface="Bungee"/>
+                <a:sym typeface="Bungee"/>
+              </a:rPr>
+              <a:t>Preserving Legacy: The Importance of Map Making in Counter-Strike’s Longevity</a:t>
+            </a:r>
+            <a:endParaRPr sz="2800">
+              <a:solidFill>
+                <a:srgbClr val="000000"/>
+              </a:solidFill>
+              <a:latin typeface="Bungee"/>
+              <a:ea typeface="Bungee"/>
+              <a:cs typeface="Bungee"/>
+              <a:sym typeface="Bungee"/>
+            </a:endParaRPr>
+          </a:p>
+        </p:txBody>
+      </p:sp>
+      <p:sp>
+        <p:nvSpPr>
+          <p:cNvPr id="66" name="Google Shape;66;p14"/>
+          <p:cNvSpPr txBox="1"/>
+          <p:nvPr/>
+        </p:nvSpPr>
+        <p:spPr>
+          <a:xfrm>
+            <a:off x="311700" y="1152475"/>
+            <a:ext cx="7422525" cy="3416400"/>
+          </a:xfrm>
+          <a:prstGeom prst="rect">
+            <a:avLst/>
+          </a:prstGeom>
+          <a:noFill/>
+          <a:ln>
+            <a:noFill/>
+          </a:ln>
+        </p:spPr>
+        <p:txBody>
+          <a:bodyPr spcFirstLastPara="1" wrap="square" lIns="91425" tIns="91425" rIns="91425" bIns="91425" anchor="t" anchorCtr="0">
+            <a:noAutofit/>
+          </a:bodyPr>
+          <a:lstStyle/>
+          <a:p>
+            <a:pPr marL="0" lvl="0" indent="0" algn="l" rtl="0">
+              <a:lnSpc>
+                <a:spcPct val="115000"/>
+              </a:lnSpc>
+              <a:spcBef>
+                <a:spcPts val="0"/>
+              </a:spcBef>
+              <a:spcAft>
+                <a:spcPts val="1200"/>
+              </a:spcAft>
+              <a:buNone/>
+            </a:pPr>
+            <a:r>
+              <a:rPr lang="en" sz="1800">
+                <a:solidFill>
+                  <a:srgbClr val="595959"/>
+                </a:solidFill>
+                <a:latin typeface="Oswald"/>
+                <a:ea typeface="Oswald"/>
+                <a:cs typeface="Oswald"/>
+                <a:sym typeface="Oswald"/>
+              </a:rPr>
+              <a:t>Reflect on how the art of map making, exemplified by de_nuke, contributes to the enduring legacy and ongoing success of Counter-Strike.</a:t>
+            </a:r>
+            <a:endParaRPr sz="1800">
+              <a:solidFill>
+                <a:srgbClr val="595959"/>
+              </a:solidFill>
+              <a:latin typeface="Oswald"/>
+              <a:ea typeface="Oswald"/>
+              <a:cs typeface="Oswald"/>
+              <a:sym typeface="Oswald"/>
+            </a:endParaRPr>
+          </a:p>
+        </p:txBody>
+      </p:sp>
+      <p:sp>
+        <p:nvSpPr>
+          <p:cNvPr id="67" name="Google Shape;67;p14"/>
+          <p:cNvSpPr/>
+          <p:nvPr/>
+        </p:nvSpPr>
+        <p:spPr>
+          <a:xfrm>
+            <a:off x="8074450" y="-1345525"/>
+            <a:ext cx="346800" cy="7043400"/>
+          </a:xfrm>
+          <a:prstGeom prst="rect">
+            <a:avLst/>
+          </a:prstGeom>
+          <a:solidFill>
+            <a:srgbClr val="FFB627"/>
+          </a:solidFill>
+          <a:ln>
+            <a:noFill/>
+          </a:ln>
+        </p:spPr>
+        <p:txBody>
+          <a:bodyPr spcFirstLastPara="1" wrap="square" lIns="91425" tIns="91425" rIns="91425" bIns="91425" anchor="ctr" anchorCtr="0">
+            <a:noAutofit/>
+          </a:bodyPr>
+          <a:lstStyle/>
+          <a:p>
+            <a:pPr marL="0" lvl="0" indent="0" algn="l" rtl="0">
+              <a:spcBef>
+                <a:spcPts val="0"/>
+              </a:spcBef>
+              <a:spcAft>
+                <a:spcPts val="0"/>
+              </a:spcAft>
+              <a:buNone/>
+            </a:pPr>
+            <a:endParaRPr/>
+          </a:p>
+        </p:txBody>
+      </p:sp>
+      <p:sp>
+        <p:nvSpPr>
+          <p:cNvPr id="68" name="Google Shape;68;p14"/>
+          <p:cNvSpPr/>
+          <p:nvPr/>
+        </p:nvSpPr>
+        <p:spPr>
+          <a:xfrm>
+            <a:off x="8421250" y="-1345525"/>
+            <a:ext cx="346800" cy="7043400"/>
+          </a:xfrm>
+          <a:prstGeom prst="rect">
+            <a:avLst/>
+          </a:prstGeom>
+          <a:solidFill>
+            <a:srgbClr val="FF9505"/>
+          </a:solidFill>
+          <a:ln>
+            <a:noFill/>
+          </a:ln>
+        </p:spPr>
+        <p:txBody>
+          <a:bodyPr spcFirstLastPara="1" wrap="square" lIns="91425" tIns="91425" rIns="91425" bIns="91425" anchor="ctr" anchorCtr="0">
+            <a:noAutofit/>
+          </a:bodyPr>
+          <a:lstStyle/>
+          <a:p>
+            <a:pPr marL="0" lvl="0" indent="0" algn="l" rtl="0">
+              <a:spcBef>
+                <a:spcPts val="0"/>
+              </a:spcBef>
+              <a:spcAft>
+                <a:spcPts val="0"/>
+              </a:spcAft>
+              <a:buNone/>
+            </a:pPr>
+            <a:endParaRPr/>
+          </a:p>
+        </p:txBody>
+      </p:sp>
+    </p:spTree>
+  </p:cSld>
+  <p:clrMapOvr>
+    <a:masterClrMapping/>
+  </p:clrMapOvr>
+</p:sld>
+</file>
+
+<file path=ppt/slides/slide18.xml><?xml version="1.0" encoding="utf-8"?>
+<p:sld xmlns:a="http://schemas.openxmlformats.org/drawingml/2006/main" xmlns:p="http://schemas.openxmlformats.org/presentationml/2006/main" xmlns:r="http://schemas.openxmlformats.org/officeDocument/2006/relationships">
+  <p:cSld>
+    <p:spTree>
+      <p:nvGrpSpPr>
+        <p:cNvPr id="1" name=""/>
+        <p:cNvGrpSpPr/>
+        <p:nvPr/>
+      </p:nvGrpSpPr>
+      <p:grpSpPr/>
+      <p:sp>
+        <p:nvSpPr>
+          <p:cNvPr id="63" name="Google Shape;63;p14"/>
+          <p:cNvSpPr/>
+          <p:nvPr/>
+        </p:nvSpPr>
+        <p:spPr>
+          <a:xfrm>
+            <a:off x="-54925" y="-1345525"/>
+            <a:ext cx="8816400" cy="7043400"/>
+          </a:xfrm>
+          <a:prstGeom prst="rect">
+            <a:avLst/>
+          </a:prstGeom>
+          <a:solidFill>
+            <a:srgbClr val="FFC971"/>
+          </a:solidFill>
+          <a:ln>
+            <a:noFill/>
+          </a:ln>
+        </p:spPr>
+        <p:txBody>
+          <a:bodyPr spcFirstLastPara="1" wrap="square" lIns="91425" tIns="91425" rIns="91425" bIns="91425" anchor="ctr" anchorCtr="0">
+            <a:noAutofit/>
+          </a:bodyPr>
+          <a:lstStyle/>
+          <a:p>
+            <a:pPr marL="0" lvl="0" indent="0" algn="l" rtl="0">
+              <a:spcBef>
+                <a:spcPts val="0"/>
+              </a:spcBef>
+              <a:spcAft>
+                <a:spcPts val="0"/>
+              </a:spcAft>
+              <a:buNone/>
+            </a:pPr>
+            <a:endParaRPr/>
+          </a:p>
+        </p:txBody>
+      </p:sp>
+      <p:sp>
+        <p:nvSpPr>
+          <p:cNvPr id="64" name="Google Shape;64;p14"/>
+          <p:cNvSpPr/>
+          <p:nvPr/>
+        </p:nvSpPr>
+        <p:spPr>
+          <a:xfrm rot="-5400000">
+            <a:off x="1434900" y="-1489525"/>
+            <a:ext cx="5162400" cy="8141400"/>
+          </a:xfrm>
+          <a:prstGeom prst="rtTriangle">
+            <a:avLst/>
+          </a:prstGeom>
+          <a:solidFill>
+            <a:srgbClr val="FFE599"/>
+          </a:solidFill>
+          <a:ln>
+            <a:noFill/>
+          </a:ln>
+        </p:spPr>
+        <p:txBody>
+          <a:bodyPr spcFirstLastPara="1" wrap="square" lIns="91425" tIns="91425" rIns="91425" bIns="91425" anchor="ctr" anchorCtr="0">
+            <a:noAutofit/>
+          </a:bodyPr>
+          <a:lstStyle/>
+          <a:p>
+            <a:pPr marL="0" lvl="0" indent="0" algn="l" rtl="0">
+              <a:spcBef>
+                <a:spcPts val="0"/>
+              </a:spcBef>
+              <a:spcAft>
+                <a:spcPts val="0"/>
+              </a:spcAft>
+              <a:buNone/>
+            </a:pPr>
+            <a:endParaRPr/>
+          </a:p>
+        </p:txBody>
+      </p:sp>
+      <p:sp>
+        <p:nvSpPr>
+          <p:cNvPr id="65" name="Google Shape;65;p14"/>
+          <p:cNvSpPr txBox="1"/>
+          <p:nvPr/>
+        </p:nvSpPr>
+        <p:spPr>
+          <a:xfrm>
+            <a:off x="311700" y="445025"/>
+            <a:ext cx="8520600" cy="572700"/>
+          </a:xfrm>
+          <a:prstGeom prst="rect">
+            <a:avLst/>
+          </a:prstGeom>
+          <a:noFill/>
+          <a:ln>
+            <a:noFill/>
+          </a:ln>
+        </p:spPr>
+        <p:txBody>
+          <a:bodyPr spcFirstLastPara="1" wrap="square" lIns="91425" tIns="91425" rIns="91425" bIns="91425" anchor="t" anchorCtr="0">
+            <a:noAutofit/>
+          </a:bodyPr>
+          <a:lstStyle/>
+          <a:p>
+            <a:pPr marL="0" lvl="0" indent="0" algn="l" rtl="0">
+              <a:spcBef>
+                <a:spcPts val="0"/>
+              </a:spcBef>
+              <a:spcAft>
+                <a:spcPts val="0"/>
+              </a:spcAft>
+              <a:buNone/>
+            </a:pPr>
+            <a:r>
+              <a:rPr lang="en" sz="2800">
+                <a:latin typeface="Bungee"/>
+                <a:ea typeface="Bungee"/>
+                <a:cs typeface="Bungee"/>
+                <a:sym typeface="Bungee"/>
+              </a:rPr>
+              <a:t>Conclusion: The Enduring Legacy of de_nuke and its Impact on the FPS Genre</a:t>
+            </a:r>
+            <a:endParaRPr sz="2800">
+              <a:solidFill>
+                <a:srgbClr val="000000"/>
+              </a:solidFill>
+              <a:latin typeface="Bungee"/>
+              <a:ea typeface="Bungee"/>
+              <a:cs typeface="Bungee"/>
+              <a:sym typeface="Bungee"/>
+            </a:endParaRPr>
+          </a:p>
+        </p:txBody>
+      </p:sp>
+      <p:sp>
+        <p:nvSpPr>
+          <p:cNvPr id="66" name="Google Shape;66;p14"/>
+          <p:cNvSpPr txBox="1"/>
+          <p:nvPr/>
+        </p:nvSpPr>
+        <p:spPr>
+          <a:xfrm>
+            <a:off x="311700" y="1152475"/>
+            <a:ext cx="7422525" cy="3416400"/>
+          </a:xfrm>
+          <a:prstGeom prst="rect">
+            <a:avLst/>
+          </a:prstGeom>
+          <a:noFill/>
+          <a:ln>
+            <a:noFill/>
+          </a:ln>
+        </p:spPr>
+        <p:txBody>
+          <a:bodyPr spcFirstLastPara="1" wrap="square" lIns="91425" tIns="91425" rIns="91425" bIns="91425" anchor="t" anchorCtr="0">
+            <a:noAutofit/>
+          </a:bodyPr>
+          <a:lstStyle/>
+          <a:p>
+            <a:pPr marL="0" lvl="0" indent="0" algn="l" rtl="0">
+              <a:lnSpc>
+                <a:spcPct val="115000"/>
+              </a:lnSpc>
+              <a:spcBef>
+                <a:spcPts val="0"/>
+              </a:spcBef>
+              <a:spcAft>
+                <a:spcPts val="1200"/>
+              </a:spcAft>
+              <a:buNone/>
+            </a:pPr>
+            <a:r>
+              <a:rPr lang="en" sz="1800">
+                <a:solidFill>
+                  <a:srgbClr val="595959"/>
+                </a:solidFill>
+                <a:latin typeface="Oswald"/>
+                <a:ea typeface="Oswald"/>
+                <a:cs typeface="Oswald"/>
+                <a:sym typeface="Oswald"/>
+              </a:rPr>
+              <a:t>Summarize the lasting influence de_nuke has had on Counter-Strike and the first-person shooter genre, cementing its place in gaming history.</a:t>
             </a:r>
             <a:endParaRPr sz="1800">
               <a:solidFill>
@@ -4068,7 +6133,7 @@
                 <a:cs typeface="Bungee"/>
                 <a:sym typeface="Bungee"/>
               </a:rPr>
-              <a:t>The Importance of Bees</a:t>
+              <a:t>Introduction to Counter-Strike and its Importance in Esports</a:t>
             </a:r>
             <a:endParaRPr sz="2800">
               <a:solidFill>
@@ -4129,7 +6194,7 @@
                 <a:cs typeface="Oswald"/>
                 <a:sym typeface="Oswald"/>
               </a:rPr>
-              <a:t>An overview of how bees contribute to the health of our ecosystem and biodiversity.</a:t>
+              <a:t>Discover the world of Counter-Strike, a pioneering first-person shooter that redefined competitive gaming and paved the way for a new era of esports.</a:t>
             </a:r>
             <a:endParaRPr sz="1800">
               <a:solidFill>
@@ -4362,7 +6427,7 @@
                 <a:cs typeface="Bungee"/>
                 <a:sym typeface="Bungee"/>
               </a:rPr>
-              <a:t>Types of Bees</a:t>
+              <a:t>Introduction to the de_nuke Map</a:t>
             </a:r>
             <a:endParaRPr sz="2800">
               <a:solidFill>
@@ -4423,7 +6488,7 @@
                 <a:cs typeface="Oswald"/>
                 <a:sym typeface="Oswald"/>
               </a:rPr>
-              <a:t>Learn about the various species of bees and their unique features.</a:t>
+              <a:t>An inside look at de_nuke, an iconic map beloved by players for its complex design and strategic depth.</a:t>
             </a:r>
             <a:endParaRPr sz="1800">
               <a:solidFill>
@@ -4656,7 +6721,7 @@
                 <a:cs typeface="Bungee"/>
                 <a:sym typeface="Bungee"/>
               </a:rPr>
-              <a:t>Bees and Pollination</a:t>
+              <a:t>Design Philosophy: Conceptualizing de_nuke</a:t>
             </a:r>
             <a:endParaRPr sz="2800">
               <a:solidFill>
@@ -4717,7 +6782,7 @@
                 <a:cs typeface="Oswald"/>
                 <a:sym typeface="Oswald"/>
               </a:rPr>
-              <a:t>Understanding the critical role bees play in pollinating plants and supporting agriculture.</a:t>
+              <a:t>Uncover the creative process behind de_nuke, from initial sketches to its integration into the Counter-Strike universe.</a:t>
             </a:r>
             <a:endParaRPr sz="1800">
               <a:solidFill>
@@ -4950,7 +7015,7 @@
                 <a:cs typeface="Bungee"/>
                 <a:sym typeface="Bungee"/>
               </a:rPr>
-              <a:t>Threats to Bee Populations</a:t>
+              <a:t>The Original de_nuke: Features and Gameplay</a:t>
             </a:r>
             <a:endParaRPr sz="2800">
               <a:solidFill>
@@ -5011,7 +7076,7 @@
                 <a:cs typeface="Oswald"/>
                 <a:sym typeface="Oswald"/>
               </a:rPr>
-              <a:t>A discussion on the challenges bees face, including habitat loss, pesticides, and climate change.</a:t>
+              <a:t>Step back in time to the release of the original de_nuke, examining its features and how it shaped the gameplay experience.</a:t>
             </a:r>
             <a:endParaRPr sz="1800">
               <a:solidFill>
@@ -5244,7 +7309,7 @@
                 <a:cs typeface="Bungee"/>
                 <a:sym typeface="Bungee"/>
               </a:rPr>
-              <a:t>Protecting Bees</a:t>
+              <a:t>Early Changes and Revisions to de_nuke</a:t>
             </a:r>
             <a:endParaRPr sz="2800">
               <a:solidFill>
@@ -5305,7 +7370,7 @@
                 <a:cs typeface="Oswald"/>
                 <a:sym typeface="Oswald"/>
               </a:rPr>
-              <a:t>Explore ways we can help to protect and preserve bee populations for future generations.</a:t>
+              <a:t>Trace the early evolution of de_nuke, highlighting key changes that addressed initial player feedback and gameplay balance.</a:t>
             </a:r>
             <a:endParaRPr sz="1800">
               <a:solidFill>
@@ -5538,7 +7603,7 @@
                 <a:cs typeface="Bungee"/>
                 <a:sym typeface="Bungee"/>
               </a:rPr>
-              <a:t>The Importance of Bees</a:t>
+              <a:t>Competitive Play: de_nuke's Role in Early Tournaments</a:t>
             </a:r>
             <a:endParaRPr sz="2800">
               <a:solidFill>
@@ -5599,7 +7664,7 @@
                 <a:cs typeface="Oswald"/>
                 <a:sym typeface="Oswald"/>
               </a:rPr>
-              <a:t>Bees play a crucial role within our environment as primary pollinators. They support the growth of trees, flowers, and other plants, which serve as food and shelter for creatures large and small. Without bees, our food supply would suffer, leading to a significant impact on human health and the economy. The interdependent relationship between bees and the vast array of plants they pollinate is central to our ecosystem's health and resilience.</a:t>
+              <a:t>Explore how de_nuke became a staple in competitive play, featuring in some of the most pivotal early tournaments.</a:t>
             </a:r>
             <a:endParaRPr sz="1800">
               <a:solidFill>
@@ -5832,7 +7897,7 @@
                 <a:cs typeface="Bungee"/>
                 <a:sym typeface="Bungee"/>
               </a:rPr>
-              <a:t>Types of Bees</a:t>
+              <a:t>The Evolution of de_nuke: Version Updates and Overhauls</a:t>
             </a:r>
             <a:endParaRPr sz="2800">
               <a:solidFill>
@@ -5893,7 +7958,7 @@
                 <a:cs typeface="Oswald"/>
                 <a:sym typeface="Oswald"/>
               </a:rPr>
-              <a:t>There are over 20,000 distinct species of bees worldwide, each with unique behaviors and attributes. For instance, the honeybee is renowned for its honey production and the complex, social structure of its hives. In contrast, the bumblebee is known for its robust body, fuzzy appearance, and ability to perform 'buzz pollination'. Solitary bees, like carpenter bees, focus on individual nesting and foraging, indicating the diverse lifestyles and contributions of these pollinators.</a:t>
+              <a:t>Follow the timeline of de_nuke's major version updates and overhauls that have kept it relevant in the evolving landscape of Counter-Strike.</a:t>
             </a:r>
             <a:endParaRPr sz="1800">
               <a:solidFill>
@@ -6126,7 +8191,7 @@
                 <a:cs typeface="Bungee"/>
                 <a:sym typeface="Bungee"/>
               </a:rPr>
-              <a:t>Bees and Pollination</a:t>
+              <a:t>Gameplay Mechanics: How de_nuke's Design Influences Strategies</a:t>
             </a:r>
             <a:endParaRPr sz="2800">
               <a:solidFill>
@@ -6187,7 +8252,7 @@
                 <a:cs typeface="Oswald"/>
                 <a:sym typeface="Oswald"/>
               </a:rPr>
-              <a:t>Bees are nature's master pollinators and are indispensable for the reproduction of many flowering plants. As they forage for nectar and pollen, they inadvertently transfer pollen from the male parts of a flower to the female parts, facilitating the growth of seeds and fruits. This service is vital for the production of a significant portion of our crops, including fruits and vegetables that form the backbone of a healthy human diet.</a:t>
+              <a:t>Delve into the unique gameplay mechanics of de_nuke and analyze how its design has influenced team strategies and playstyles.</a:t>
             </a:r>
             <a:endParaRPr sz="1800">
               <a:solidFill>

--- a/cool.pptx
+++ b/cool.pptx
@@ -14,15 +14,6 @@
     <p:sldId id="262" r:id="rId13"/>
     <p:sldId id="263" r:id="rId14"/>
     <p:sldId id="264" r:id="rId15"/>
-    <p:sldId id="265" r:id="rId16"/>
-    <p:sldId id="266" r:id="rId17"/>
-    <p:sldId id="267" r:id="rId18"/>
-    <p:sldId id="268" r:id="rId19"/>
-    <p:sldId id="269" r:id="rId20"/>
-    <p:sldId id="270" r:id="rId21"/>
-    <p:sldId id="271" r:id="rId22"/>
-    <p:sldId id="272" r:id="rId23"/>
-    <p:sldId id="273" r:id="rId24"/>
   </p:sldIdLst>
   <p:sldSz cx="9144000" cy="5143500" type="screen4x3"/>
   <p:notesSz cx="6858000" cy="9144000"/>
@@ -3127,12 +3118,12 @@
           </a:ln>
         </p:spPr>
         <p:txBody>
-          <a:bodyPr spcFirstLastPara="1" wrap="square" lIns="91425" tIns="91425" rIns="91425" bIns="91425" anchor="ctr" anchorCtr="0">
+          <a:bodyPr anchorCtr="0" anchor="ctr" bIns="91425" lIns="91425" spcFirstLastPara="1" rIns="91425" wrap="square" tIns="91425">
             <a:noAutofit/>
           </a:bodyPr>
           <a:lstStyle/>
           <a:p>
-            <a:pPr marL="0" lvl="0" indent="0" algn="l" rtl="0">
+            <a:pPr indent="0" lvl="0" marL="0" rtl="0" algn="l">
               <a:spcBef>
                 <a:spcPts val="0"/>
               </a:spcBef>
@@ -3141,6 +3132,9 @@
               </a:spcAft>
               <a:buNone/>
             </a:pPr>
+            <a:r>
+              <a:t/>
+            </a:r>
             <a:endParaRPr/>
           </a:p>
         </p:txBody>
@@ -3158,29 +3152,29 @@
           </a:xfrm>
           <a:prstGeom prst="diagStripe">
             <a:avLst>
-              <a:gd name="adj" fmla="val 50000"/>
+              <a:gd fmla="val 50000" name="adj"/>
             </a:avLst>
           </a:prstGeom>
           <a:solidFill>
             <a:srgbClr val="FFC971"/>
           </a:solidFill>
-          <a:ln w="9525" cap="flat" cmpd="sng">
+          <a:ln cap="flat" cmpd="sng" w="9525">
             <a:solidFill>
               <a:srgbClr val="FFC971"/>
             </a:solidFill>
             <a:prstDash val="solid"/>
             <a:round/>
-            <a:headEnd type="none" w="sm" len="sm"/>
-            <a:tailEnd type="none" w="sm" len="sm"/>
+            <a:headEnd len="sm" w="sm" type="none"/>
+            <a:tailEnd len="sm" w="sm" type="none"/>
           </a:ln>
         </p:spPr>
         <p:txBody>
-          <a:bodyPr spcFirstLastPara="1" wrap="square" lIns="91425" tIns="91425" rIns="91425" bIns="91425" anchor="ctr" anchorCtr="0">
+          <a:bodyPr anchorCtr="0" anchor="ctr" bIns="91425" lIns="91425" spcFirstLastPara="1" rIns="91425" wrap="square" tIns="91425">
             <a:noAutofit/>
           </a:bodyPr>
           <a:lstStyle/>
           <a:p>
-            <a:pPr marL="0" lvl="0" indent="0" algn="l" rtl="0">
+            <a:pPr indent="0" lvl="0" marL="0" rtl="0" algn="l">
               <a:spcBef>
                 <a:spcPts val="0"/>
               </a:spcBef>
@@ -3189,6 +3183,9 @@
               </a:spcAft>
               <a:buNone/>
             </a:pPr>
+            <a:r>
+              <a:t/>
+            </a:r>
             <a:endParaRPr/>
           </a:p>
         </p:txBody>
@@ -3213,12 +3210,12 @@
           </a:ln>
         </p:spPr>
         <p:txBody>
-          <a:bodyPr spcFirstLastPara="1" wrap="square" lIns="91425" tIns="91425" rIns="91425" bIns="91425" anchor="b" anchorCtr="0">
-            <a:noAutofit/>
+          <a:bodyPr anchorCtr="0" anchor="b" bIns="91425" lIns="91425" spcFirstLastPara="1" rIns="91425" wrap="square" tIns="91425">
+            <a:normAutofit/>
           </a:bodyPr>
           <a:lstStyle/>
           <a:p>
-            <a:pPr marL="0" lvl="0" indent="0" algn="ctr" rtl="0">
+            <a:pPr indent="0" lvl="0" marL="0" rtl="0" algn="ctr">
               <a:spcBef>
                 <a:spcPts val="0"/>
               </a:spcBef>
@@ -3234,7 +3231,7 @@
                 <a:cs typeface="Bungee"/>
                 <a:sym typeface="Bungee"/>
               </a:rPr>
-              <a:t>Decoding de_nuke: A Comprehensive History of an Iconic Counter-Strike Map</a:t>
+              <a:t>Sunny Side Up Eggs</a:t>
             </a:r>
             <a:endParaRPr sz="5200">
               <a:solidFill>
@@ -3268,12 +3265,12 @@
           </a:ln>
         </p:spPr>
         <p:txBody>
-          <a:bodyPr spcFirstLastPara="1" wrap="square" lIns="91425" tIns="91425" rIns="91425" bIns="91425" anchor="t" anchorCtr="0">
+          <a:bodyPr anchorCtr="0" anchor="t" bIns="91425" lIns="91425" spcFirstLastPara="1" rIns="91425" wrap="square" tIns="91425">
             <a:noAutofit/>
           </a:bodyPr>
           <a:lstStyle/>
           <a:p>
-            <a:pPr marL="0" lvl="0" indent="0" algn="ctr" rtl="0">
+            <a:pPr indent="0" lvl="0" marL="0" rtl="0" algn="ctr">
               <a:spcBef>
                 <a:spcPts val="0"/>
               </a:spcBef>
@@ -3292,7 +3289,7 @@
                 <a:cs typeface="Oswald"/>
                 <a:sym typeface="Oswald"/>
               </a:rPr>
-              <a:t>Exploring the Evolution, Strategy, and Legacy</a:t>
+              <a:t>8 Quick &amp; Easy Steps to the Perfect Breakfast</a:t>
             </a:r>
             <a:endParaRPr sz="2800">
               <a:solidFill>
@@ -3319,7 +3316,7 @@
           </a:xfrm>
           <a:prstGeom prst="donut">
             <a:avLst>
-              <a:gd name="adj" fmla="val 25000"/>
+              <a:gd fmla="val 25000" name="adj"/>
             </a:avLst>
           </a:prstGeom>
           <a:solidFill>
@@ -3330,12 +3327,12 @@
           </a:ln>
         </p:spPr>
         <p:txBody>
-          <a:bodyPr spcFirstLastPara="1" wrap="square" lIns="91425" tIns="91425" rIns="91425" bIns="91425" anchor="ctr" anchorCtr="0">
+          <a:bodyPr anchorCtr="0" anchor="ctr" bIns="91425" lIns="91425" spcFirstLastPara="1" rIns="91425" wrap="square" tIns="91425">
             <a:noAutofit/>
           </a:bodyPr>
           <a:lstStyle/>
           <a:p>
-            <a:pPr marL="0" lvl="0" indent="0" algn="l" rtl="0">
+            <a:pPr indent="0" lvl="0" marL="0" rtl="0" algn="l">
               <a:spcBef>
                 <a:spcPts val="0"/>
               </a:spcBef>
@@ -3344,2652 +3341,9 @@
               </a:spcAft>
               <a:buNone/>
             </a:pPr>
-            <a:endParaRPr/>
-          </a:p>
-        </p:txBody>
-      </p:sp>
-    </p:spTree>
-  </p:cSld>
-  <p:clrMapOvr>
-    <a:masterClrMapping/>
-  </p:clrMapOvr>
-</p:sld>
-</file>
-
-<file path=ppt/slides/slide10.xml><?xml version="1.0" encoding="utf-8"?>
-<p:sld xmlns:a="http://schemas.openxmlformats.org/drawingml/2006/main" xmlns:p="http://schemas.openxmlformats.org/presentationml/2006/main" xmlns:r="http://schemas.openxmlformats.org/officeDocument/2006/relationships">
-  <p:cSld>
-    <p:spTree>
-      <p:nvGrpSpPr>
-        <p:cNvPr id="1" name=""/>
-        <p:cNvGrpSpPr/>
-        <p:nvPr/>
-      </p:nvGrpSpPr>
-      <p:grpSpPr/>
-      <p:sp>
-        <p:nvSpPr>
-          <p:cNvPr id="63" name="Google Shape;63;p14"/>
-          <p:cNvSpPr/>
-          <p:nvPr/>
-        </p:nvSpPr>
-        <p:spPr>
-          <a:xfrm>
-            <a:off x="-54925" y="-1345525"/>
-            <a:ext cx="8816400" cy="7043400"/>
-          </a:xfrm>
-          <a:prstGeom prst="rect">
-            <a:avLst/>
-          </a:prstGeom>
-          <a:solidFill>
-            <a:srgbClr val="FFC971"/>
-          </a:solidFill>
-          <a:ln>
-            <a:noFill/>
-          </a:ln>
-        </p:spPr>
-        <p:txBody>
-          <a:bodyPr spcFirstLastPara="1" wrap="square" lIns="91425" tIns="91425" rIns="91425" bIns="91425" anchor="ctr" anchorCtr="0">
-            <a:noAutofit/>
-          </a:bodyPr>
-          <a:lstStyle/>
-          <a:p>
-            <a:pPr marL="0" lvl="0" indent="0" algn="l" rtl="0">
-              <a:spcBef>
-                <a:spcPts val="0"/>
-              </a:spcBef>
-              <a:spcAft>
-                <a:spcPts val="0"/>
-              </a:spcAft>
-              <a:buNone/>
-            </a:pPr>
-            <a:endParaRPr/>
-          </a:p>
-        </p:txBody>
-      </p:sp>
-      <p:sp>
-        <p:nvSpPr>
-          <p:cNvPr id="64" name="Google Shape;64;p14"/>
-          <p:cNvSpPr/>
-          <p:nvPr/>
-        </p:nvSpPr>
-        <p:spPr>
-          <a:xfrm rot="-5400000">
-            <a:off x="1434900" y="-1489525"/>
-            <a:ext cx="5162400" cy="8141400"/>
-          </a:xfrm>
-          <a:prstGeom prst="rtTriangle">
-            <a:avLst/>
-          </a:prstGeom>
-          <a:solidFill>
-            <a:srgbClr val="FFE599"/>
-          </a:solidFill>
-          <a:ln>
-            <a:noFill/>
-          </a:ln>
-        </p:spPr>
-        <p:txBody>
-          <a:bodyPr spcFirstLastPara="1" wrap="square" lIns="91425" tIns="91425" rIns="91425" bIns="91425" anchor="ctr" anchorCtr="0">
-            <a:noAutofit/>
-          </a:bodyPr>
-          <a:lstStyle/>
-          <a:p>
-            <a:pPr marL="0" lvl="0" indent="0" algn="l" rtl="0">
-              <a:spcBef>
-                <a:spcPts val="0"/>
-              </a:spcBef>
-              <a:spcAft>
-                <a:spcPts val="0"/>
-              </a:spcAft>
-              <a:buNone/>
-            </a:pPr>
-            <a:endParaRPr/>
-          </a:p>
-        </p:txBody>
-      </p:sp>
-      <p:sp>
-        <p:nvSpPr>
-          <p:cNvPr id="65" name="Google Shape;65;p14"/>
-          <p:cNvSpPr txBox="1"/>
-          <p:nvPr/>
-        </p:nvSpPr>
-        <p:spPr>
-          <a:xfrm>
-            <a:off x="311700" y="445025"/>
-            <a:ext cx="8520600" cy="572700"/>
-          </a:xfrm>
-          <a:prstGeom prst="rect">
-            <a:avLst/>
-          </a:prstGeom>
-          <a:noFill/>
-          <a:ln>
-            <a:noFill/>
-          </a:ln>
-        </p:spPr>
-        <p:txBody>
-          <a:bodyPr spcFirstLastPara="1" wrap="square" lIns="91425" tIns="91425" rIns="91425" bIns="91425" anchor="t" anchorCtr="0">
-            <a:noAutofit/>
-          </a:bodyPr>
-          <a:lstStyle/>
-          <a:p>
-            <a:pPr marL="0" lvl="0" indent="0" algn="l" rtl="0">
-              <a:spcBef>
-                <a:spcPts val="0"/>
-              </a:spcBef>
-              <a:spcAft>
-                <a:spcPts val="0"/>
-              </a:spcAft>
-              <a:buNone/>
-            </a:pPr>
-            <a:r>
-              <a:rPr lang="en" sz="2800">
-                <a:latin typeface="Bungee"/>
-                <a:ea typeface="Bungee"/>
-                <a:cs typeface="Bungee"/>
-                <a:sym typeface="Bungee"/>
-              </a:rPr>
-              <a:t>Memorable Matches: Highlights from Competitions on de_nuke</a:t>
-            </a:r>
-            <a:endParaRPr sz="2800">
-              <a:solidFill>
-                <a:srgbClr val="000000"/>
-              </a:solidFill>
-              <a:latin typeface="Bungee"/>
-              <a:ea typeface="Bungee"/>
-              <a:cs typeface="Bungee"/>
-              <a:sym typeface="Bungee"/>
-            </a:endParaRPr>
-          </a:p>
-        </p:txBody>
-      </p:sp>
-      <p:sp>
-        <p:nvSpPr>
-          <p:cNvPr id="66" name="Google Shape;66;p14"/>
-          <p:cNvSpPr txBox="1"/>
-          <p:nvPr/>
-        </p:nvSpPr>
-        <p:spPr>
-          <a:xfrm>
-            <a:off x="311700" y="1152475"/>
-            <a:ext cx="7422525" cy="3416400"/>
-          </a:xfrm>
-          <a:prstGeom prst="rect">
-            <a:avLst/>
-          </a:prstGeom>
-          <a:noFill/>
-          <a:ln>
-            <a:noFill/>
-          </a:ln>
-        </p:spPr>
-        <p:txBody>
-          <a:bodyPr spcFirstLastPara="1" wrap="square" lIns="91425" tIns="91425" rIns="91425" bIns="91425" anchor="t" anchorCtr="0">
-            <a:noAutofit/>
-          </a:bodyPr>
-          <a:lstStyle/>
-          <a:p>
-            <a:pPr marL="0" lvl="0" indent="0" algn="l" rtl="0">
-              <a:lnSpc>
-                <a:spcPct val="115000"/>
-              </a:lnSpc>
-              <a:spcBef>
-                <a:spcPts val="0"/>
-              </a:spcBef>
-              <a:spcAft>
-                <a:spcPts val="1200"/>
-              </a:spcAft>
-              <a:buNone/>
-            </a:pPr>
-            <a:r>
-              <a:rPr lang="en" sz="1800">
-                <a:solidFill>
-                  <a:srgbClr val="595959"/>
-                </a:solidFill>
-                <a:latin typeface="Oswald"/>
-                <a:ea typeface="Oswald"/>
-                <a:cs typeface="Oswald"/>
-                <a:sym typeface="Oswald"/>
-              </a:rPr>
-              <a:t>Relive the most memorable matches played on de_nuke, showcasing the high stakes and legendary plays that have taken place.</a:t>
-            </a:r>
-            <a:endParaRPr sz="1800">
-              <a:solidFill>
-                <a:srgbClr val="595959"/>
-              </a:solidFill>
-              <a:latin typeface="Oswald"/>
-              <a:ea typeface="Oswald"/>
-              <a:cs typeface="Oswald"/>
-              <a:sym typeface="Oswald"/>
-            </a:endParaRPr>
-          </a:p>
-        </p:txBody>
-      </p:sp>
-      <p:sp>
-        <p:nvSpPr>
-          <p:cNvPr id="67" name="Google Shape;67;p14"/>
-          <p:cNvSpPr/>
-          <p:nvPr/>
-        </p:nvSpPr>
-        <p:spPr>
-          <a:xfrm>
-            <a:off x="8074450" y="-1345525"/>
-            <a:ext cx="346800" cy="7043400"/>
-          </a:xfrm>
-          <a:prstGeom prst="rect">
-            <a:avLst/>
-          </a:prstGeom>
-          <a:solidFill>
-            <a:srgbClr val="FFB627"/>
-          </a:solidFill>
-          <a:ln>
-            <a:noFill/>
-          </a:ln>
-        </p:spPr>
-        <p:txBody>
-          <a:bodyPr spcFirstLastPara="1" wrap="square" lIns="91425" tIns="91425" rIns="91425" bIns="91425" anchor="ctr" anchorCtr="0">
-            <a:noAutofit/>
-          </a:bodyPr>
-          <a:lstStyle/>
-          <a:p>
-            <a:pPr marL="0" lvl="0" indent="0" algn="l" rtl="0">
-              <a:spcBef>
-                <a:spcPts val="0"/>
-              </a:spcBef>
-              <a:spcAft>
-                <a:spcPts val="0"/>
-              </a:spcAft>
-              <a:buNone/>
-            </a:pPr>
-            <a:endParaRPr/>
-          </a:p>
-        </p:txBody>
-      </p:sp>
-      <p:sp>
-        <p:nvSpPr>
-          <p:cNvPr id="68" name="Google Shape;68;p14"/>
-          <p:cNvSpPr/>
-          <p:nvPr/>
-        </p:nvSpPr>
-        <p:spPr>
-          <a:xfrm>
-            <a:off x="8421250" y="-1345525"/>
-            <a:ext cx="346800" cy="7043400"/>
-          </a:xfrm>
-          <a:prstGeom prst="rect">
-            <a:avLst/>
-          </a:prstGeom>
-          <a:solidFill>
-            <a:srgbClr val="FF9505"/>
-          </a:solidFill>
-          <a:ln>
-            <a:noFill/>
-          </a:ln>
-        </p:spPr>
-        <p:txBody>
-          <a:bodyPr spcFirstLastPara="1" wrap="square" lIns="91425" tIns="91425" rIns="91425" bIns="91425" anchor="ctr" anchorCtr="0">
-            <a:noAutofit/>
-          </a:bodyPr>
-          <a:lstStyle/>
-          <a:p>
-            <a:pPr marL="0" lvl="0" indent="0" algn="l" rtl="0">
-              <a:spcBef>
-                <a:spcPts val="0"/>
-              </a:spcBef>
-              <a:spcAft>
-                <a:spcPts val="0"/>
-              </a:spcAft>
-              <a:buNone/>
-            </a:pPr>
-            <a:endParaRPr/>
-          </a:p>
-        </p:txBody>
-      </p:sp>
-    </p:spTree>
-  </p:cSld>
-  <p:clrMapOvr>
-    <a:masterClrMapping/>
-  </p:clrMapOvr>
-</p:sld>
-</file>
-
-<file path=ppt/slides/slide11.xml><?xml version="1.0" encoding="utf-8"?>
-<p:sld xmlns:a="http://schemas.openxmlformats.org/drawingml/2006/main" xmlns:p="http://schemas.openxmlformats.org/presentationml/2006/main" xmlns:r="http://schemas.openxmlformats.org/officeDocument/2006/relationships">
-  <p:cSld>
-    <p:spTree>
-      <p:nvGrpSpPr>
-        <p:cNvPr id="1" name=""/>
-        <p:cNvGrpSpPr/>
-        <p:nvPr/>
-      </p:nvGrpSpPr>
-      <p:grpSpPr/>
-      <p:sp>
-        <p:nvSpPr>
-          <p:cNvPr id="63" name="Google Shape;63;p14"/>
-          <p:cNvSpPr/>
-          <p:nvPr/>
-        </p:nvSpPr>
-        <p:spPr>
-          <a:xfrm>
-            <a:off x="-54925" y="-1345525"/>
-            <a:ext cx="8816400" cy="7043400"/>
-          </a:xfrm>
-          <a:prstGeom prst="rect">
-            <a:avLst/>
-          </a:prstGeom>
-          <a:solidFill>
-            <a:srgbClr val="FFC971"/>
-          </a:solidFill>
-          <a:ln>
-            <a:noFill/>
-          </a:ln>
-        </p:spPr>
-        <p:txBody>
-          <a:bodyPr spcFirstLastPara="1" wrap="square" lIns="91425" tIns="91425" rIns="91425" bIns="91425" anchor="ctr" anchorCtr="0">
-            <a:noAutofit/>
-          </a:bodyPr>
-          <a:lstStyle/>
-          <a:p>
-            <a:pPr marL="0" lvl="0" indent="0" algn="l" rtl="0">
-              <a:spcBef>
-                <a:spcPts val="0"/>
-              </a:spcBef>
-              <a:spcAft>
-                <a:spcPts val="0"/>
-              </a:spcAft>
-              <a:buNone/>
-            </a:pPr>
-            <a:endParaRPr/>
-          </a:p>
-        </p:txBody>
-      </p:sp>
-      <p:sp>
-        <p:nvSpPr>
-          <p:cNvPr id="64" name="Google Shape;64;p14"/>
-          <p:cNvSpPr/>
-          <p:nvPr/>
-        </p:nvSpPr>
-        <p:spPr>
-          <a:xfrm rot="-5400000">
-            <a:off x="1434900" y="-1489525"/>
-            <a:ext cx="5162400" cy="8141400"/>
-          </a:xfrm>
-          <a:prstGeom prst="rtTriangle">
-            <a:avLst/>
-          </a:prstGeom>
-          <a:solidFill>
-            <a:srgbClr val="FFE599"/>
-          </a:solidFill>
-          <a:ln>
-            <a:noFill/>
-          </a:ln>
-        </p:spPr>
-        <p:txBody>
-          <a:bodyPr spcFirstLastPara="1" wrap="square" lIns="91425" tIns="91425" rIns="91425" bIns="91425" anchor="ctr" anchorCtr="0">
-            <a:noAutofit/>
-          </a:bodyPr>
-          <a:lstStyle/>
-          <a:p>
-            <a:pPr marL="0" lvl="0" indent="0" algn="l" rtl="0">
-              <a:spcBef>
-                <a:spcPts val="0"/>
-              </a:spcBef>
-              <a:spcAft>
-                <a:spcPts val="0"/>
-              </a:spcAft>
-              <a:buNone/>
-            </a:pPr>
-            <a:endParaRPr/>
-          </a:p>
-        </p:txBody>
-      </p:sp>
-      <p:sp>
-        <p:nvSpPr>
-          <p:cNvPr id="65" name="Google Shape;65;p14"/>
-          <p:cNvSpPr txBox="1"/>
-          <p:nvPr/>
-        </p:nvSpPr>
-        <p:spPr>
-          <a:xfrm>
-            <a:off x="311700" y="445025"/>
-            <a:ext cx="8520600" cy="572700"/>
-          </a:xfrm>
-          <a:prstGeom prst="rect">
-            <a:avLst/>
-          </a:prstGeom>
-          <a:noFill/>
-          <a:ln>
-            <a:noFill/>
-          </a:ln>
-        </p:spPr>
-        <p:txBody>
-          <a:bodyPr spcFirstLastPara="1" wrap="square" lIns="91425" tIns="91425" rIns="91425" bIns="91425" anchor="t" anchorCtr="0">
-            <a:noAutofit/>
-          </a:bodyPr>
-          <a:lstStyle/>
-          <a:p>
-            <a:pPr marL="0" lvl="0" indent="0" algn="l" rtl="0">
-              <a:spcBef>
-                <a:spcPts val="0"/>
-              </a:spcBef>
-              <a:spcAft>
-                <a:spcPts val="0"/>
-              </a:spcAft>
-              <a:buNone/>
-            </a:pPr>
-            <a:r>
-              <a:rPr lang="en" sz="2800">
-                <a:latin typeface="Bungee"/>
-                <a:ea typeface="Bungee"/>
-                <a:cs typeface="Bungee"/>
-                <a:sym typeface="Bungee"/>
-              </a:rPr>
-              <a:t>Map Aesthetics: Graphical Updates Through the Years</a:t>
-            </a:r>
-            <a:endParaRPr sz="2800">
-              <a:solidFill>
-                <a:srgbClr val="000000"/>
-              </a:solidFill>
-              <a:latin typeface="Bungee"/>
-              <a:ea typeface="Bungee"/>
-              <a:cs typeface="Bungee"/>
-              <a:sym typeface="Bungee"/>
-            </a:endParaRPr>
-          </a:p>
-        </p:txBody>
-      </p:sp>
-      <p:sp>
-        <p:nvSpPr>
-          <p:cNvPr id="66" name="Google Shape;66;p14"/>
-          <p:cNvSpPr txBox="1"/>
-          <p:nvPr/>
-        </p:nvSpPr>
-        <p:spPr>
-          <a:xfrm>
-            <a:off x="311700" y="1152475"/>
-            <a:ext cx="7422525" cy="3416400"/>
-          </a:xfrm>
-          <a:prstGeom prst="rect">
-            <a:avLst/>
-          </a:prstGeom>
-          <a:noFill/>
-          <a:ln>
-            <a:noFill/>
-          </a:ln>
-        </p:spPr>
-        <p:txBody>
-          <a:bodyPr spcFirstLastPara="1" wrap="square" lIns="91425" tIns="91425" rIns="91425" bIns="91425" anchor="t" anchorCtr="0">
-            <a:noAutofit/>
-          </a:bodyPr>
-          <a:lstStyle/>
-          <a:p>
-            <a:pPr marL="0" lvl="0" indent="0" algn="l" rtl="0">
-              <a:lnSpc>
-                <a:spcPct val="115000"/>
-              </a:lnSpc>
-              <a:spcBef>
-                <a:spcPts val="0"/>
-              </a:spcBef>
-              <a:spcAft>
-                <a:spcPts val="1200"/>
-              </a:spcAft>
-              <a:buNone/>
-            </a:pPr>
-            <a:r>
-              <a:rPr lang="en" sz="1800">
-                <a:solidFill>
-                  <a:srgbClr val="595959"/>
-                </a:solidFill>
-                <a:latin typeface="Oswald"/>
-                <a:ea typeface="Oswald"/>
-                <a:cs typeface="Oswald"/>
-                <a:sym typeface="Oswald"/>
-              </a:rPr>
-              <a:t>Witness the transformation of de_nuke's visuals with each graphical update, reflecting the advances in game development technology.</a:t>
-            </a:r>
-            <a:endParaRPr sz="1800">
-              <a:solidFill>
-                <a:srgbClr val="595959"/>
-              </a:solidFill>
-              <a:latin typeface="Oswald"/>
-              <a:ea typeface="Oswald"/>
-              <a:cs typeface="Oswald"/>
-              <a:sym typeface="Oswald"/>
-            </a:endParaRPr>
-          </a:p>
-        </p:txBody>
-      </p:sp>
-      <p:sp>
-        <p:nvSpPr>
-          <p:cNvPr id="67" name="Google Shape;67;p14"/>
-          <p:cNvSpPr/>
-          <p:nvPr/>
-        </p:nvSpPr>
-        <p:spPr>
-          <a:xfrm>
-            <a:off x="8074450" y="-1345525"/>
-            <a:ext cx="346800" cy="7043400"/>
-          </a:xfrm>
-          <a:prstGeom prst="rect">
-            <a:avLst/>
-          </a:prstGeom>
-          <a:solidFill>
-            <a:srgbClr val="FFB627"/>
-          </a:solidFill>
-          <a:ln>
-            <a:noFill/>
-          </a:ln>
-        </p:spPr>
-        <p:txBody>
-          <a:bodyPr spcFirstLastPara="1" wrap="square" lIns="91425" tIns="91425" rIns="91425" bIns="91425" anchor="ctr" anchorCtr="0">
-            <a:noAutofit/>
-          </a:bodyPr>
-          <a:lstStyle/>
-          <a:p>
-            <a:pPr marL="0" lvl="0" indent="0" algn="l" rtl="0">
-              <a:spcBef>
-                <a:spcPts val="0"/>
-              </a:spcBef>
-              <a:spcAft>
-                <a:spcPts val="0"/>
-              </a:spcAft>
-              <a:buNone/>
-            </a:pPr>
-            <a:endParaRPr/>
-          </a:p>
-        </p:txBody>
-      </p:sp>
-      <p:sp>
-        <p:nvSpPr>
-          <p:cNvPr id="68" name="Google Shape;68;p14"/>
-          <p:cNvSpPr/>
-          <p:nvPr/>
-        </p:nvSpPr>
-        <p:spPr>
-          <a:xfrm>
-            <a:off x="8421250" y="-1345525"/>
-            <a:ext cx="346800" cy="7043400"/>
-          </a:xfrm>
-          <a:prstGeom prst="rect">
-            <a:avLst/>
-          </a:prstGeom>
-          <a:solidFill>
-            <a:srgbClr val="FF9505"/>
-          </a:solidFill>
-          <a:ln>
-            <a:noFill/>
-          </a:ln>
-        </p:spPr>
-        <p:txBody>
-          <a:bodyPr spcFirstLastPara="1" wrap="square" lIns="91425" tIns="91425" rIns="91425" bIns="91425" anchor="ctr" anchorCtr="0">
-            <a:noAutofit/>
-          </a:bodyPr>
-          <a:lstStyle/>
-          <a:p>
-            <a:pPr marL="0" lvl="0" indent="0" algn="l" rtl="0">
-              <a:spcBef>
-                <a:spcPts val="0"/>
-              </a:spcBef>
-              <a:spcAft>
-                <a:spcPts val="0"/>
-              </a:spcAft>
-              <a:buNone/>
-            </a:pPr>
-            <a:endParaRPr/>
-          </a:p>
-        </p:txBody>
-      </p:sp>
-    </p:spTree>
-  </p:cSld>
-  <p:clrMapOvr>
-    <a:masterClrMapping/>
-  </p:clrMapOvr>
-</p:sld>
-</file>
-
-<file path=ppt/slides/slide12.xml><?xml version="1.0" encoding="utf-8"?>
-<p:sld xmlns:a="http://schemas.openxmlformats.org/drawingml/2006/main" xmlns:p="http://schemas.openxmlformats.org/presentationml/2006/main" xmlns:r="http://schemas.openxmlformats.org/officeDocument/2006/relationships">
-  <p:cSld>
-    <p:spTree>
-      <p:nvGrpSpPr>
-        <p:cNvPr id="1" name=""/>
-        <p:cNvGrpSpPr/>
-        <p:nvPr/>
-      </p:nvGrpSpPr>
-      <p:grpSpPr/>
-      <p:sp>
-        <p:nvSpPr>
-          <p:cNvPr id="63" name="Google Shape;63;p14"/>
-          <p:cNvSpPr/>
-          <p:nvPr/>
-        </p:nvSpPr>
-        <p:spPr>
-          <a:xfrm>
-            <a:off x="-54925" y="-1345525"/>
-            <a:ext cx="8816400" cy="7043400"/>
-          </a:xfrm>
-          <a:prstGeom prst="rect">
-            <a:avLst/>
-          </a:prstGeom>
-          <a:solidFill>
-            <a:srgbClr val="FFC971"/>
-          </a:solidFill>
-          <a:ln>
-            <a:noFill/>
-          </a:ln>
-        </p:spPr>
-        <p:txBody>
-          <a:bodyPr spcFirstLastPara="1" wrap="square" lIns="91425" tIns="91425" rIns="91425" bIns="91425" anchor="ctr" anchorCtr="0">
-            <a:noAutofit/>
-          </a:bodyPr>
-          <a:lstStyle/>
-          <a:p>
-            <a:pPr marL="0" lvl="0" indent="0" algn="l" rtl="0">
-              <a:spcBef>
-                <a:spcPts val="0"/>
-              </a:spcBef>
-              <a:spcAft>
-                <a:spcPts val="0"/>
-              </a:spcAft>
-              <a:buNone/>
-            </a:pPr>
-            <a:endParaRPr/>
-          </a:p>
-        </p:txBody>
-      </p:sp>
-      <p:sp>
-        <p:nvSpPr>
-          <p:cNvPr id="64" name="Google Shape;64;p14"/>
-          <p:cNvSpPr/>
-          <p:nvPr/>
-        </p:nvSpPr>
-        <p:spPr>
-          <a:xfrm rot="-5400000">
-            <a:off x="1434900" y="-1489525"/>
-            <a:ext cx="5162400" cy="8141400"/>
-          </a:xfrm>
-          <a:prstGeom prst="rtTriangle">
-            <a:avLst/>
-          </a:prstGeom>
-          <a:solidFill>
-            <a:srgbClr val="FFE599"/>
-          </a:solidFill>
-          <a:ln>
-            <a:noFill/>
-          </a:ln>
-        </p:spPr>
-        <p:txBody>
-          <a:bodyPr spcFirstLastPara="1" wrap="square" lIns="91425" tIns="91425" rIns="91425" bIns="91425" anchor="ctr" anchorCtr="0">
-            <a:noAutofit/>
-          </a:bodyPr>
-          <a:lstStyle/>
-          <a:p>
-            <a:pPr marL="0" lvl="0" indent="0" algn="l" rtl="0">
-              <a:spcBef>
-                <a:spcPts val="0"/>
-              </a:spcBef>
-              <a:spcAft>
-                <a:spcPts val="0"/>
-              </a:spcAft>
-              <a:buNone/>
-            </a:pPr>
-            <a:endParaRPr/>
-          </a:p>
-        </p:txBody>
-      </p:sp>
-      <p:sp>
-        <p:nvSpPr>
-          <p:cNvPr id="65" name="Google Shape;65;p14"/>
-          <p:cNvSpPr txBox="1"/>
-          <p:nvPr/>
-        </p:nvSpPr>
-        <p:spPr>
-          <a:xfrm>
-            <a:off x="311700" y="445025"/>
-            <a:ext cx="8520600" cy="572700"/>
-          </a:xfrm>
-          <a:prstGeom prst="rect">
-            <a:avLst/>
-          </a:prstGeom>
-          <a:noFill/>
-          <a:ln>
-            <a:noFill/>
-          </a:ln>
-        </p:spPr>
-        <p:txBody>
-          <a:bodyPr spcFirstLastPara="1" wrap="square" lIns="91425" tIns="91425" rIns="91425" bIns="91425" anchor="t" anchorCtr="0">
-            <a:noAutofit/>
-          </a:bodyPr>
-          <a:lstStyle/>
-          <a:p>
-            <a:pPr marL="0" lvl="0" indent="0" algn="l" rtl="0">
-              <a:spcBef>
-                <a:spcPts val="0"/>
-              </a:spcBef>
-              <a:spcAft>
-                <a:spcPts val="0"/>
-              </a:spcAft>
-              <a:buNone/>
-            </a:pPr>
-            <a:r>
-              <a:rPr lang="en" sz="2800">
-                <a:latin typeface="Bungee"/>
-                <a:ea typeface="Bungee"/>
-                <a:cs typeface="Bungee"/>
-                <a:sym typeface="Bungee"/>
-              </a:rPr>
-              <a:t>Player and Community Perspectives on de_nuke</a:t>
-            </a:r>
-            <a:endParaRPr sz="2800">
-              <a:solidFill>
-                <a:srgbClr val="000000"/>
-              </a:solidFill>
-              <a:latin typeface="Bungee"/>
-              <a:ea typeface="Bungee"/>
-              <a:cs typeface="Bungee"/>
-              <a:sym typeface="Bungee"/>
-            </a:endParaRPr>
-          </a:p>
-        </p:txBody>
-      </p:sp>
-      <p:sp>
-        <p:nvSpPr>
-          <p:cNvPr id="66" name="Google Shape;66;p14"/>
-          <p:cNvSpPr txBox="1"/>
-          <p:nvPr/>
-        </p:nvSpPr>
-        <p:spPr>
-          <a:xfrm>
-            <a:off x="311700" y="1152475"/>
-            <a:ext cx="7422525" cy="3416400"/>
-          </a:xfrm>
-          <a:prstGeom prst="rect">
-            <a:avLst/>
-          </a:prstGeom>
-          <a:noFill/>
-          <a:ln>
-            <a:noFill/>
-          </a:ln>
-        </p:spPr>
-        <p:txBody>
-          <a:bodyPr spcFirstLastPara="1" wrap="square" lIns="91425" tIns="91425" rIns="91425" bIns="91425" anchor="t" anchorCtr="0">
-            <a:noAutofit/>
-          </a:bodyPr>
-          <a:lstStyle/>
-          <a:p>
-            <a:pPr marL="0" lvl="0" indent="0" algn="l" rtl="0">
-              <a:lnSpc>
-                <a:spcPct val="115000"/>
-              </a:lnSpc>
-              <a:spcBef>
-                <a:spcPts val="0"/>
-              </a:spcBef>
-              <a:spcAft>
-                <a:spcPts val="1200"/>
-              </a:spcAft>
-              <a:buNone/>
-            </a:pPr>
-            <a:r>
-              <a:rPr lang="en" sz="1800">
-                <a:solidFill>
-                  <a:srgbClr val="595959"/>
-                </a:solidFill>
-                <a:latin typeface="Oswald"/>
-                <a:ea typeface="Oswald"/>
-                <a:cs typeface="Oswald"/>
-                <a:sym typeface="Oswald"/>
-              </a:rPr>
-              <a:t>Gauge the varied opinions and perspectives from the player community regarding the layout, balance, and design of de_nuke.</a:t>
-            </a:r>
-            <a:endParaRPr sz="1800">
-              <a:solidFill>
-                <a:srgbClr val="595959"/>
-              </a:solidFill>
-              <a:latin typeface="Oswald"/>
-              <a:ea typeface="Oswald"/>
-              <a:cs typeface="Oswald"/>
-              <a:sym typeface="Oswald"/>
-            </a:endParaRPr>
-          </a:p>
-        </p:txBody>
-      </p:sp>
-      <p:sp>
-        <p:nvSpPr>
-          <p:cNvPr id="67" name="Google Shape;67;p14"/>
-          <p:cNvSpPr/>
-          <p:nvPr/>
-        </p:nvSpPr>
-        <p:spPr>
-          <a:xfrm>
-            <a:off x="8074450" y="-1345525"/>
-            <a:ext cx="346800" cy="7043400"/>
-          </a:xfrm>
-          <a:prstGeom prst="rect">
-            <a:avLst/>
-          </a:prstGeom>
-          <a:solidFill>
-            <a:srgbClr val="FFB627"/>
-          </a:solidFill>
-          <a:ln>
-            <a:noFill/>
-          </a:ln>
-        </p:spPr>
-        <p:txBody>
-          <a:bodyPr spcFirstLastPara="1" wrap="square" lIns="91425" tIns="91425" rIns="91425" bIns="91425" anchor="ctr" anchorCtr="0">
-            <a:noAutofit/>
-          </a:bodyPr>
-          <a:lstStyle/>
-          <a:p>
-            <a:pPr marL="0" lvl="0" indent="0" algn="l" rtl="0">
-              <a:spcBef>
-                <a:spcPts val="0"/>
-              </a:spcBef>
-              <a:spcAft>
-                <a:spcPts val="0"/>
-              </a:spcAft>
-              <a:buNone/>
-            </a:pPr>
-            <a:endParaRPr/>
-          </a:p>
-        </p:txBody>
-      </p:sp>
-      <p:sp>
-        <p:nvSpPr>
-          <p:cNvPr id="68" name="Google Shape;68;p14"/>
-          <p:cNvSpPr/>
-          <p:nvPr/>
-        </p:nvSpPr>
-        <p:spPr>
-          <a:xfrm>
-            <a:off x="8421250" y="-1345525"/>
-            <a:ext cx="346800" cy="7043400"/>
-          </a:xfrm>
-          <a:prstGeom prst="rect">
-            <a:avLst/>
-          </a:prstGeom>
-          <a:solidFill>
-            <a:srgbClr val="FF9505"/>
-          </a:solidFill>
-          <a:ln>
-            <a:noFill/>
-          </a:ln>
-        </p:spPr>
-        <p:txBody>
-          <a:bodyPr spcFirstLastPara="1" wrap="square" lIns="91425" tIns="91425" rIns="91425" bIns="91425" anchor="ctr" anchorCtr="0">
-            <a:noAutofit/>
-          </a:bodyPr>
-          <a:lstStyle/>
-          <a:p>
-            <a:pPr marL="0" lvl="0" indent="0" algn="l" rtl="0">
-              <a:spcBef>
-                <a:spcPts val="0"/>
-              </a:spcBef>
-              <a:spcAft>
-                <a:spcPts val="0"/>
-              </a:spcAft>
-              <a:buNone/>
-            </a:pPr>
-            <a:endParaRPr/>
-          </a:p>
-        </p:txBody>
-      </p:sp>
-    </p:spTree>
-  </p:cSld>
-  <p:clrMapOvr>
-    <a:masterClrMapping/>
-  </p:clrMapOvr>
-</p:sld>
-</file>
-
-<file path=ppt/slides/slide13.xml><?xml version="1.0" encoding="utf-8"?>
-<p:sld xmlns:a="http://schemas.openxmlformats.org/drawingml/2006/main" xmlns:p="http://schemas.openxmlformats.org/presentationml/2006/main" xmlns:r="http://schemas.openxmlformats.org/officeDocument/2006/relationships">
-  <p:cSld>
-    <p:spTree>
-      <p:nvGrpSpPr>
-        <p:cNvPr id="1" name=""/>
-        <p:cNvGrpSpPr/>
-        <p:nvPr/>
-      </p:nvGrpSpPr>
-      <p:grpSpPr/>
-      <p:sp>
-        <p:nvSpPr>
-          <p:cNvPr id="63" name="Google Shape;63;p14"/>
-          <p:cNvSpPr/>
-          <p:nvPr/>
-        </p:nvSpPr>
-        <p:spPr>
-          <a:xfrm>
-            <a:off x="-54925" y="-1345525"/>
-            <a:ext cx="8816400" cy="7043400"/>
-          </a:xfrm>
-          <a:prstGeom prst="rect">
-            <a:avLst/>
-          </a:prstGeom>
-          <a:solidFill>
-            <a:srgbClr val="FFC971"/>
-          </a:solidFill>
-          <a:ln>
-            <a:noFill/>
-          </a:ln>
-        </p:spPr>
-        <p:txBody>
-          <a:bodyPr spcFirstLastPara="1" wrap="square" lIns="91425" tIns="91425" rIns="91425" bIns="91425" anchor="ctr" anchorCtr="0">
-            <a:noAutofit/>
-          </a:bodyPr>
-          <a:lstStyle/>
-          <a:p>
-            <a:pPr marL="0" lvl="0" indent="0" algn="l" rtl="0">
-              <a:spcBef>
-                <a:spcPts val="0"/>
-              </a:spcBef>
-              <a:spcAft>
-                <a:spcPts val="0"/>
-              </a:spcAft>
-              <a:buNone/>
-            </a:pPr>
-            <a:endParaRPr/>
-          </a:p>
-        </p:txBody>
-      </p:sp>
-      <p:sp>
-        <p:nvSpPr>
-          <p:cNvPr id="64" name="Google Shape;64;p14"/>
-          <p:cNvSpPr/>
-          <p:nvPr/>
-        </p:nvSpPr>
-        <p:spPr>
-          <a:xfrm rot="-5400000">
-            <a:off x="1434900" y="-1489525"/>
-            <a:ext cx="5162400" cy="8141400"/>
-          </a:xfrm>
-          <a:prstGeom prst="rtTriangle">
-            <a:avLst/>
-          </a:prstGeom>
-          <a:solidFill>
-            <a:srgbClr val="FFE599"/>
-          </a:solidFill>
-          <a:ln>
-            <a:noFill/>
-          </a:ln>
-        </p:spPr>
-        <p:txBody>
-          <a:bodyPr spcFirstLastPara="1" wrap="square" lIns="91425" tIns="91425" rIns="91425" bIns="91425" anchor="ctr" anchorCtr="0">
-            <a:noAutofit/>
-          </a:bodyPr>
-          <a:lstStyle/>
-          <a:p>
-            <a:pPr marL="0" lvl="0" indent="0" algn="l" rtl="0">
-              <a:spcBef>
-                <a:spcPts val="0"/>
-              </a:spcBef>
-              <a:spcAft>
-                <a:spcPts val="0"/>
-              </a:spcAft>
-              <a:buNone/>
-            </a:pPr>
-            <a:endParaRPr/>
-          </a:p>
-        </p:txBody>
-      </p:sp>
-      <p:sp>
-        <p:nvSpPr>
-          <p:cNvPr id="65" name="Google Shape;65;p14"/>
-          <p:cNvSpPr txBox="1"/>
-          <p:nvPr/>
-        </p:nvSpPr>
-        <p:spPr>
-          <a:xfrm>
-            <a:off x="311700" y="445025"/>
-            <a:ext cx="8520600" cy="572700"/>
-          </a:xfrm>
-          <a:prstGeom prst="rect">
-            <a:avLst/>
-          </a:prstGeom>
-          <a:noFill/>
-          <a:ln>
-            <a:noFill/>
-          </a:ln>
-        </p:spPr>
-        <p:txBody>
-          <a:bodyPr spcFirstLastPara="1" wrap="square" lIns="91425" tIns="91425" rIns="91425" bIns="91425" anchor="t" anchorCtr="0">
-            <a:noAutofit/>
-          </a:bodyPr>
-          <a:lstStyle/>
-          <a:p>
-            <a:pPr marL="0" lvl="0" indent="0" algn="l" rtl="0">
-              <a:spcBef>
-                <a:spcPts val="0"/>
-              </a:spcBef>
-              <a:spcAft>
-                <a:spcPts val="0"/>
-              </a:spcAft>
-              <a:buNone/>
-            </a:pPr>
-            <a:r>
-              <a:rPr lang="en" sz="2800">
-                <a:latin typeface="Bungee"/>
-                <a:ea typeface="Bungee"/>
-                <a:cs typeface="Bungee"/>
-                <a:sym typeface="Bungee"/>
-              </a:rPr>
-              <a:t>Balancing Act: Addressing de_nuke’s CT-T Bias Controversies</a:t>
-            </a:r>
-            <a:endParaRPr sz="2800">
-              <a:solidFill>
-                <a:srgbClr val="000000"/>
-              </a:solidFill>
-              <a:latin typeface="Bungee"/>
-              <a:ea typeface="Bungee"/>
-              <a:cs typeface="Bungee"/>
-              <a:sym typeface="Bungee"/>
-            </a:endParaRPr>
-          </a:p>
-        </p:txBody>
-      </p:sp>
-      <p:sp>
-        <p:nvSpPr>
-          <p:cNvPr id="66" name="Google Shape;66;p14"/>
-          <p:cNvSpPr txBox="1"/>
-          <p:nvPr/>
-        </p:nvSpPr>
-        <p:spPr>
-          <a:xfrm>
-            <a:off x="311700" y="1152475"/>
-            <a:ext cx="7422525" cy="3416400"/>
-          </a:xfrm>
-          <a:prstGeom prst="rect">
-            <a:avLst/>
-          </a:prstGeom>
-          <a:noFill/>
-          <a:ln>
-            <a:noFill/>
-          </a:ln>
-        </p:spPr>
-        <p:txBody>
-          <a:bodyPr spcFirstLastPara="1" wrap="square" lIns="91425" tIns="91425" rIns="91425" bIns="91425" anchor="t" anchorCtr="0">
-            <a:noAutofit/>
-          </a:bodyPr>
-          <a:lstStyle/>
-          <a:p>
-            <a:pPr marL="0" lvl="0" indent="0" algn="l" rtl="0">
-              <a:lnSpc>
-                <a:spcPct val="115000"/>
-              </a:lnSpc>
-              <a:spcBef>
-                <a:spcPts val="0"/>
-              </a:spcBef>
-              <a:spcAft>
-                <a:spcPts val="1200"/>
-              </a:spcAft>
-              <a:buNone/>
-            </a:pPr>
-            <a:r>
-              <a:rPr lang="en" sz="1800">
-                <a:solidFill>
-                  <a:srgbClr val="595959"/>
-                </a:solidFill>
-                <a:latin typeface="Oswald"/>
-                <a:ea typeface="Oswald"/>
-                <a:cs typeface="Oswald"/>
-                <a:sym typeface="Oswald"/>
-              </a:rPr>
-              <a:t>Examine the ongoing debates about de_nuke's balance between Counter-Terrorist and Terrorist sides, and efforts to address potential biases.</a:t>
-            </a:r>
-            <a:endParaRPr sz="1800">
-              <a:solidFill>
-                <a:srgbClr val="595959"/>
-              </a:solidFill>
-              <a:latin typeface="Oswald"/>
-              <a:ea typeface="Oswald"/>
-              <a:cs typeface="Oswald"/>
-              <a:sym typeface="Oswald"/>
-            </a:endParaRPr>
-          </a:p>
-        </p:txBody>
-      </p:sp>
-      <p:sp>
-        <p:nvSpPr>
-          <p:cNvPr id="67" name="Google Shape;67;p14"/>
-          <p:cNvSpPr/>
-          <p:nvPr/>
-        </p:nvSpPr>
-        <p:spPr>
-          <a:xfrm>
-            <a:off x="8074450" y="-1345525"/>
-            <a:ext cx="346800" cy="7043400"/>
-          </a:xfrm>
-          <a:prstGeom prst="rect">
-            <a:avLst/>
-          </a:prstGeom>
-          <a:solidFill>
-            <a:srgbClr val="FFB627"/>
-          </a:solidFill>
-          <a:ln>
-            <a:noFill/>
-          </a:ln>
-        </p:spPr>
-        <p:txBody>
-          <a:bodyPr spcFirstLastPara="1" wrap="square" lIns="91425" tIns="91425" rIns="91425" bIns="91425" anchor="ctr" anchorCtr="0">
-            <a:noAutofit/>
-          </a:bodyPr>
-          <a:lstStyle/>
-          <a:p>
-            <a:pPr marL="0" lvl="0" indent="0" algn="l" rtl="0">
-              <a:spcBef>
-                <a:spcPts val="0"/>
-              </a:spcBef>
-              <a:spcAft>
-                <a:spcPts val="0"/>
-              </a:spcAft>
-              <a:buNone/>
-            </a:pPr>
-            <a:endParaRPr/>
-          </a:p>
-        </p:txBody>
-      </p:sp>
-      <p:sp>
-        <p:nvSpPr>
-          <p:cNvPr id="68" name="Google Shape;68;p14"/>
-          <p:cNvSpPr/>
-          <p:nvPr/>
-        </p:nvSpPr>
-        <p:spPr>
-          <a:xfrm>
-            <a:off x="8421250" y="-1345525"/>
-            <a:ext cx="346800" cy="7043400"/>
-          </a:xfrm>
-          <a:prstGeom prst="rect">
-            <a:avLst/>
-          </a:prstGeom>
-          <a:solidFill>
-            <a:srgbClr val="FF9505"/>
-          </a:solidFill>
-          <a:ln>
-            <a:noFill/>
-          </a:ln>
-        </p:spPr>
-        <p:txBody>
-          <a:bodyPr spcFirstLastPara="1" wrap="square" lIns="91425" tIns="91425" rIns="91425" bIns="91425" anchor="ctr" anchorCtr="0">
-            <a:noAutofit/>
-          </a:bodyPr>
-          <a:lstStyle/>
-          <a:p>
-            <a:pPr marL="0" lvl="0" indent="0" algn="l" rtl="0">
-              <a:spcBef>
-                <a:spcPts val="0"/>
-              </a:spcBef>
-              <a:spcAft>
-                <a:spcPts val="0"/>
-              </a:spcAft>
-              <a:buNone/>
-            </a:pPr>
-            <a:endParaRPr/>
-          </a:p>
-        </p:txBody>
-      </p:sp>
-    </p:spTree>
-  </p:cSld>
-  <p:clrMapOvr>
-    <a:masterClrMapping/>
-  </p:clrMapOvr>
-</p:sld>
-</file>
-
-<file path=ppt/slides/slide14.xml><?xml version="1.0" encoding="utf-8"?>
-<p:sld xmlns:a="http://schemas.openxmlformats.org/drawingml/2006/main" xmlns:p="http://schemas.openxmlformats.org/presentationml/2006/main" xmlns:r="http://schemas.openxmlformats.org/officeDocument/2006/relationships">
-  <p:cSld>
-    <p:spTree>
-      <p:nvGrpSpPr>
-        <p:cNvPr id="1" name=""/>
-        <p:cNvGrpSpPr/>
-        <p:nvPr/>
-      </p:nvGrpSpPr>
-      <p:grpSpPr/>
-      <p:sp>
-        <p:nvSpPr>
-          <p:cNvPr id="63" name="Google Shape;63;p14"/>
-          <p:cNvSpPr/>
-          <p:nvPr/>
-        </p:nvSpPr>
-        <p:spPr>
-          <a:xfrm>
-            <a:off x="-54925" y="-1345525"/>
-            <a:ext cx="8816400" cy="7043400"/>
-          </a:xfrm>
-          <a:prstGeom prst="rect">
-            <a:avLst/>
-          </a:prstGeom>
-          <a:solidFill>
-            <a:srgbClr val="FFC971"/>
-          </a:solidFill>
-          <a:ln>
-            <a:noFill/>
-          </a:ln>
-        </p:spPr>
-        <p:txBody>
-          <a:bodyPr spcFirstLastPara="1" wrap="square" lIns="91425" tIns="91425" rIns="91425" bIns="91425" anchor="ctr" anchorCtr="0">
-            <a:noAutofit/>
-          </a:bodyPr>
-          <a:lstStyle/>
-          <a:p>
-            <a:pPr marL="0" lvl="0" indent="0" algn="l" rtl="0">
-              <a:spcBef>
-                <a:spcPts val="0"/>
-              </a:spcBef>
-              <a:spcAft>
-                <a:spcPts val="0"/>
-              </a:spcAft>
-              <a:buNone/>
-            </a:pPr>
-            <a:endParaRPr/>
-          </a:p>
-        </p:txBody>
-      </p:sp>
-      <p:sp>
-        <p:nvSpPr>
-          <p:cNvPr id="64" name="Google Shape;64;p14"/>
-          <p:cNvSpPr/>
-          <p:nvPr/>
-        </p:nvSpPr>
-        <p:spPr>
-          <a:xfrm rot="-5400000">
-            <a:off x="1434900" y="-1489525"/>
-            <a:ext cx="5162400" cy="8141400"/>
-          </a:xfrm>
-          <a:prstGeom prst="rtTriangle">
-            <a:avLst/>
-          </a:prstGeom>
-          <a:solidFill>
-            <a:srgbClr val="FFE599"/>
-          </a:solidFill>
-          <a:ln>
-            <a:noFill/>
-          </a:ln>
-        </p:spPr>
-        <p:txBody>
-          <a:bodyPr spcFirstLastPara="1" wrap="square" lIns="91425" tIns="91425" rIns="91425" bIns="91425" anchor="ctr" anchorCtr="0">
-            <a:noAutofit/>
-          </a:bodyPr>
-          <a:lstStyle/>
-          <a:p>
-            <a:pPr marL="0" lvl="0" indent="0" algn="l" rtl="0">
-              <a:spcBef>
-                <a:spcPts val="0"/>
-              </a:spcBef>
-              <a:spcAft>
-                <a:spcPts val="0"/>
-              </a:spcAft>
-              <a:buNone/>
-            </a:pPr>
-            <a:endParaRPr/>
-          </a:p>
-        </p:txBody>
-      </p:sp>
-      <p:sp>
-        <p:nvSpPr>
-          <p:cNvPr id="65" name="Google Shape;65;p14"/>
-          <p:cNvSpPr txBox="1"/>
-          <p:nvPr/>
-        </p:nvSpPr>
-        <p:spPr>
-          <a:xfrm>
-            <a:off x="311700" y="445025"/>
-            <a:ext cx="8520600" cy="572700"/>
-          </a:xfrm>
-          <a:prstGeom prst="rect">
-            <a:avLst/>
-          </a:prstGeom>
-          <a:noFill/>
-          <a:ln>
-            <a:noFill/>
-          </a:ln>
-        </p:spPr>
-        <p:txBody>
-          <a:bodyPr spcFirstLastPara="1" wrap="square" lIns="91425" tIns="91425" rIns="91425" bIns="91425" anchor="t" anchorCtr="0">
-            <a:noAutofit/>
-          </a:bodyPr>
-          <a:lstStyle/>
-          <a:p>
-            <a:pPr marL="0" lvl="0" indent="0" algn="l" rtl="0">
-              <a:spcBef>
-                <a:spcPts val="0"/>
-              </a:spcBef>
-              <a:spcAft>
-                <a:spcPts val="0"/>
-              </a:spcAft>
-              <a:buNone/>
-            </a:pPr>
-            <a:r>
-              <a:rPr lang="en" sz="2800">
-                <a:latin typeface="Bungee"/>
-                <a:ea typeface="Bungee"/>
-                <a:cs typeface="Bungee"/>
-                <a:sym typeface="Bungee"/>
-              </a:rPr>
-              <a:t>Modding and Custom Content: de_nuke Variants Created by Fans</a:t>
-            </a:r>
-            <a:endParaRPr sz="2800">
-              <a:solidFill>
-                <a:srgbClr val="000000"/>
-              </a:solidFill>
-              <a:latin typeface="Bungee"/>
-              <a:ea typeface="Bungee"/>
-              <a:cs typeface="Bungee"/>
-              <a:sym typeface="Bungee"/>
-            </a:endParaRPr>
-          </a:p>
-        </p:txBody>
-      </p:sp>
-      <p:sp>
-        <p:nvSpPr>
-          <p:cNvPr id="66" name="Google Shape;66;p14"/>
-          <p:cNvSpPr txBox="1"/>
-          <p:nvPr/>
-        </p:nvSpPr>
-        <p:spPr>
-          <a:xfrm>
-            <a:off x="311700" y="1152475"/>
-            <a:ext cx="7422525" cy="3416400"/>
-          </a:xfrm>
-          <a:prstGeom prst="rect">
-            <a:avLst/>
-          </a:prstGeom>
-          <a:noFill/>
-          <a:ln>
-            <a:noFill/>
-          </a:ln>
-        </p:spPr>
-        <p:txBody>
-          <a:bodyPr spcFirstLastPara="1" wrap="square" lIns="91425" tIns="91425" rIns="91425" bIns="91425" anchor="t" anchorCtr="0">
-            <a:noAutofit/>
-          </a:bodyPr>
-          <a:lstStyle/>
-          <a:p>
-            <a:pPr marL="0" lvl="0" indent="0" algn="l" rtl="0">
-              <a:lnSpc>
-                <a:spcPct val="115000"/>
-              </a:lnSpc>
-              <a:spcBef>
-                <a:spcPts val="0"/>
-              </a:spcBef>
-              <a:spcAft>
-                <a:spcPts val="1200"/>
-              </a:spcAft>
-              <a:buNone/>
-            </a:pPr>
-            <a:r>
-              <a:rPr lang="en" sz="1800">
-                <a:solidFill>
-                  <a:srgbClr val="595959"/>
-                </a:solidFill>
-                <a:latin typeface="Oswald"/>
-                <a:ea typeface="Oswald"/>
-                <a:cs typeface="Oswald"/>
-                <a:sym typeface="Oswald"/>
-              </a:rPr>
-              <a:t>Take a look at the creative contributions of the community, with fan-made de_nuke variants and how they've been received.</a:t>
-            </a:r>
-            <a:endParaRPr sz="1800">
-              <a:solidFill>
-                <a:srgbClr val="595959"/>
-              </a:solidFill>
-              <a:latin typeface="Oswald"/>
-              <a:ea typeface="Oswald"/>
-              <a:cs typeface="Oswald"/>
-              <a:sym typeface="Oswald"/>
-            </a:endParaRPr>
-          </a:p>
-        </p:txBody>
-      </p:sp>
-      <p:sp>
-        <p:nvSpPr>
-          <p:cNvPr id="67" name="Google Shape;67;p14"/>
-          <p:cNvSpPr/>
-          <p:nvPr/>
-        </p:nvSpPr>
-        <p:spPr>
-          <a:xfrm>
-            <a:off x="8074450" y="-1345525"/>
-            <a:ext cx="346800" cy="7043400"/>
-          </a:xfrm>
-          <a:prstGeom prst="rect">
-            <a:avLst/>
-          </a:prstGeom>
-          <a:solidFill>
-            <a:srgbClr val="FFB627"/>
-          </a:solidFill>
-          <a:ln>
-            <a:noFill/>
-          </a:ln>
-        </p:spPr>
-        <p:txBody>
-          <a:bodyPr spcFirstLastPara="1" wrap="square" lIns="91425" tIns="91425" rIns="91425" bIns="91425" anchor="ctr" anchorCtr="0">
-            <a:noAutofit/>
-          </a:bodyPr>
-          <a:lstStyle/>
-          <a:p>
-            <a:pPr marL="0" lvl="0" indent="0" algn="l" rtl="0">
-              <a:spcBef>
-                <a:spcPts val="0"/>
-              </a:spcBef>
-              <a:spcAft>
-                <a:spcPts val="0"/>
-              </a:spcAft>
-              <a:buNone/>
-            </a:pPr>
-            <a:endParaRPr/>
-          </a:p>
-        </p:txBody>
-      </p:sp>
-      <p:sp>
-        <p:nvSpPr>
-          <p:cNvPr id="68" name="Google Shape;68;p14"/>
-          <p:cNvSpPr/>
-          <p:nvPr/>
-        </p:nvSpPr>
-        <p:spPr>
-          <a:xfrm>
-            <a:off x="8421250" y="-1345525"/>
-            <a:ext cx="346800" cy="7043400"/>
-          </a:xfrm>
-          <a:prstGeom prst="rect">
-            <a:avLst/>
-          </a:prstGeom>
-          <a:solidFill>
-            <a:srgbClr val="FF9505"/>
-          </a:solidFill>
-          <a:ln>
-            <a:noFill/>
-          </a:ln>
-        </p:spPr>
-        <p:txBody>
-          <a:bodyPr spcFirstLastPara="1" wrap="square" lIns="91425" tIns="91425" rIns="91425" bIns="91425" anchor="ctr" anchorCtr="0">
-            <a:noAutofit/>
-          </a:bodyPr>
-          <a:lstStyle/>
-          <a:p>
-            <a:pPr marL="0" lvl="0" indent="0" algn="l" rtl="0">
-              <a:spcBef>
-                <a:spcPts val="0"/>
-              </a:spcBef>
-              <a:spcAft>
-                <a:spcPts val="0"/>
-              </a:spcAft>
-              <a:buNone/>
-            </a:pPr>
-            <a:endParaRPr/>
-          </a:p>
-        </p:txBody>
-      </p:sp>
-    </p:spTree>
-  </p:cSld>
-  <p:clrMapOvr>
-    <a:masterClrMapping/>
-  </p:clrMapOvr>
-</p:sld>
-</file>
-
-<file path=ppt/slides/slide15.xml><?xml version="1.0" encoding="utf-8"?>
-<p:sld xmlns:a="http://schemas.openxmlformats.org/drawingml/2006/main" xmlns:p="http://schemas.openxmlformats.org/presentationml/2006/main" xmlns:r="http://schemas.openxmlformats.org/officeDocument/2006/relationships">
-  <p:cSld>
-    <p:spTree>
-      <p:nvGrpSpPr>
-        <p:cNvPr id="1" name=""/>
-        <p:cNvGrpSpPr/>
-        <p:nvPr/>
-      </p:nvGrpSpPr>
-      <p:grpSpPr/>
-      <p:sp>
-        <p:nvSpPr>
-          <p:cNvPr id="63" name="Google Shape;63;p14"/>
-          <p:cNvSpPr/>
-          <p:nvPr/>
-        </p:nvSpPr>
-        <p:spPr>
-          <a:xfrm>
-            <a:off x="-54925" y="-1345525"/>
-            <a:ext cx="8816400" cy="7043400"/>
-          </a:xfrm>
-          <a:prstGeom prst="rect">
-            <a:avLst/>
-          </a:prstGeom>
-          <a:solidFill>
-            <a:srgbClr val="FFC971"/>
-          </a:solidFill>
-          <a:ln>
-            <a:noFill/>
-          </a:ln>
-        </p:spPr>
-        <p:txBody>
-          <a:bodyPr spcFirstLastPara="1" wrap="square" lIns="91425" tIns="91425" rIns="91425" bIns="91425" anchor="ctr" anchorCtr="0">
-            <a:noAutofit/>
-          </a:bodyPr>
-          <a:lstStyle/>
-          <a:p>
-            <a:pPr marL="0" lvl="0" indent="0" algn="l" rtl="0">
-              <a:spcBef>
-                <a:spcPts val="0"/>
-              </a:spcBef>
-              <a:spcAft>
-                <a:spcPts val="0"/>
-              </a:spcAft>
-              <a:buNone/>
-            </a:pPr>
-            <a:endParaRPr/>
-          </a:p>
-        </p:txBody>
-      </p:sp>
-      <p:sp>
-        <p:nvSpPr>
-          <p:cNvPr id="64" name="Google Shape;64;p14"/>
-          <p:cNvSpPr/>
-          <p:nvPr/>
-        </p:nvSpPr>
-        <p:spPr>
-          <a:xfrm rot="-5400000">
-            <a:off x="1434900" y="-1489525"/>
-            <a:ext cx="5162400" cy="8141400"/>
-          </a:xfrm>
-          <a:prstGeom prst="rtTriangle">
-            <a:avLst/>
-          </a:prstGeom>
-          <a:solidFill>
-            <a:srgbClr val="FFE599"/>
-          </a:solidFill>
-          <a:ln>
-            <a:noFill/>
-          </a:ln>
-        </p:spPr>
-        <p:txBody>
-          <a:bodyPr spcFirstLastPara="1" wrap="square" lIns="91425" tIns="91425" rIns="91425" bIns="91425" anchor="ctr" anchorCtr="0">
-            <a:noAutofit/>
-          </a:bodyPr>
-          <a:lstStyle/>
-          <a:p>
-            <a:pPr marL="0" lvl="0" indent="0" algn="l" rtl="0">
-              <a:spcBef>
-                <a:spcPts val="0"/>
-              </a:spcBef>
-              <a:spcAft>
-                <a:spcPts val="0"/>
-              </a:spcAft>
-              <a:buNone/>
-            </a:pPr>
-            <a:endParaRPr/>
-          </a:p>
-        </p:txBody>
-      </p:sp>
-      <p:sp>
-        <p:nvSpPr>
-          <p:cNvPr id="65" name="Google Shape;65;p14"/>
-          <p:cNvSpPr txBox="1"/>
-          <p:nvPr/>
-        </p:nvSpPr>
-        <p:spPr>
-          <a:xfrm>
-            <a:off x="311700" y="445025"/>
-            <a:ext cx="8520600" cy="572700"/>
-          </a:xfrm>
-          <a:prstGeom prst="rect">
-            <a:avLst/>
-          </a:prstGeom>
-          <a:noFill/>
-          <a:ln>
-            <a:noFill/>
-          </a:ln>
-        </p:spPr>
-        <p:txBody>
-          <a:bodyPr spcFirstLastPara="1" wrap="square" lIns="91425" tIns="91425" rIns="91425" bIns="91425" anchor="t" anchorCtr="0">
-            <a:noAutofit/>
-          </a:bodyPr>
-          <a:lstStyle/>
-          <a:p>
-            <a:pPr marL="0" lvl="0" indent="0" algn="l" rtl="0">
-              <a:spcBef>
-                <a:spcPts val="0"/>
-              </a:spcBef>
-              <a:spcAft>
-                <a:spcPts val="0"/>
-              </a:spcAft>
-              <a:buNone/>
-            </a:pPr>
-            <a:r>
-              <a:rPr lang="en" sz="2800">
-                <a:latin typeface="Bungee"/>
-                <a:ea typeface="Bungee"/>
-                <a:cs typeface="Bungee"/>
-                <a:sym typeface="Bungee"/>
-              </a:rPr>
-              <a:t>de_nuke in Popular Culture: References Outside of Gaming</a:t>
-            </a:r>
-            <a:endParaRPr sz="2800">
-              <a:solidFill>
-                <a:srgbClr val="000000"/>
-              </a:solidFill>
-              <a:latin typeface="Bungee"/>
-              <a:ea typeface="Bungee"/>
-              <a:cs typeface="Bungee"/>
-              <a:sym typeface="Bungee"/>
-            </a:endParaRPr>
-          </a:p>
-        </p:txBody>
-      </p:sp>
-      <p:sp>
-        <p:nvSpPr>
-          <p:cNvPr id="66" name="Google Shape;66;p14"/>
-          <p:cNvSpPr txBox="1"/>
-          <p:nvPr/>
-        </p:nvSpPr>
-        <p:spPr>
-          <a:xfrm>
-            <a:off x="311700" y="1152475"/>
-            <a:ext cx="7422525" cy="3416400"/>
-          </a:xfrm>
-          <a:prstGeom prst="rect">
-            <a:avLst/>
-          </a:prstGeom>
-          <a:noFill/>
-          <a:ln>
-            <a:noFill/>
-          </a:ln>
-        </p:spPr>
-        <p:txBody>
-          <a:bodyPr spcFirstLastPara="1" wrap="square" lIns="91425" tIns="91425" rIns="91425" bIns="91425" anchor="t" anchorCtr="0">
-            <a:noAutofit/>
-          </a:bodyPr>
-          <a:lstStyle/>
-          <a:p>
-            <a:pPr marL="0" lvl="0" indent="0" algn="l" rtl="0">
-              <a:lnSpc>
-                <a:spcPct val="115000"/>
-              </a:lnSpc>
-              <a:spcBef>
-                <a:spcPts val="0"/>
-              </a:spcBef>
-              <a:spcAft>
-                <a:spcPts val="1200"/>
-              </a:spcAft>
-              <a:buNone/>
-            </a:pPr>
-            <a:r>
-              <a:rPr lang="en" sz="1800">
-                <a:solidFill>
-                  <a:srgbClr val="595959"/>
-                </a:solidFill>
-                <a:latin typeface="Oswald"/>
-                <a:ea typeface="Oswald"/>
-                <a:cs typeface="Oswald"/>
-                <a:sym typeface="Oswald"/>
-              </a:rPr>
-              <a:t>Discover the cultural impact of de_nuke, finding its place in various forms of media and entertainment beyond the gaming world.</a:t>
-            </a:r>
-            <a:endParaRPr sz="1800">
-              <a:solidFill>
-                <a:srgbClr val="595959"/>
-              </a:solidFill>
-              <a:latin typeface="Oswald"/>
-              <a:ea typeface="Oswald"/>
-              <a:cs typeface="Oswald"/>
-              <a:sym typeface="Oswald"/>
-            </a:endParaRPr>
-          </a:p>
-        </p:txBody>
-      </p:sp>
-      <p:sp>
-        <p:nvSpPr>
-          <p:cNvPr id="67" name="Google Shape;67;p14"/>
-          <p:cNvSpPr/>
-          <p:nvPr/>
-        </p:nvSpPr>
-        <p:spPr>
-          <a:xfrm>
-            <a:off x="8074450" y="-1345525"/>
-            <a:ext cx="346800" cy="7043400"/>
-          </a:xfrm>
-          <a:prstGeom prst="rect">
-            <a:avLst/>
-          </a:prstGeom>
-          <a:solidFill>
-            <a:srgbClr val="FFB627"/>
-          </a:solidFill>
-          <a:ln>
-            <a:noFill/>
-          </a:ln>
-        </p:spPr>
-        <p:txBody>
-          <a:bodyPr spcFirstLastPara="1" wrap="square" lIns="91425" tIns="91425" rIns="91425" bIns="91425" anchor="ctr" anchorCtr="0">
-            <a:noAutofit/>
-          </a:bodyPr>
-          <a:lstStyle/>
-          <a:p>
-            <a:pPr marL="0" lvl="0" indent="0" algn="l" rtl="0">
-              <a:spcBef>
-                <a:spcPts val="0"/>
-              </a:spcBef>
-              <a:spcAft>
-                <a:spcPts val="0"/>
-              </a:spcAft>
-              <a:buNone/>
-            </a:pPr>
-            <a:endParaRPr/>
-          </a:p>
-        </p:txBody>
-      </p:sp>
-      <p:sp>
-        <p:nvSpPr>
-          <p:cNvPr id="68" name="Google Shape;68;p14"/>
-          <p:cNvSpPr/>
-          <p:nvPr/>
-        </p:nvSpPr>
-        <p:spPr>
-          <a:xfrm>
-            <a:off x="8421250" y="-1345525"/>
-            <a:ext cx="346800" cy="7043400"/>
-          </a:xfrm>
-          <a:prstGeom prst="rect">
-            <a:avLst/>
-          </a:prstGeom>
-          <a:solidFill>
-            <a:srgbClr val="FF9505"/>
-          </a:solidFill>
-          <a:ln>
-            <a:noFill/>
-          </a:ln>
-        </p:spPr>
-        <p:txBody>
-          <a:bodyPr spcFirstLastPara="1" wrap="square" lIns="91425" tIns="91425" rIns="91425" bIns="91425" anchor="ctr" anchorCtr="0">
-            <a:noAutofit/>
-          </a:bodyPr>
-          <a:lstStyle/>
-          <a:p>
-            <a:pPr marL="0" lvl="0" indent="0" algn="l" rtl="0">
-              <a:spcBef>
-                <a:spcPts val="0"/>
-              </a:spcBef>
-              <a:spcAft>
-                <a:spcPts val="0"/>
-              </a:spcAft>
-              <a:buNone/>
-            </a:pPr>
-            <a:endParaRPr/>
-          </a:p>
-        </p:txBody>
-      </p:sp>
-    </p:spTree>
-  </p:cSld>
-  <p:clrMapOvr>
-    <a:masterClrMapping/>
-  </p:clrMapOvr>
-</p:sld>
-</file>
-
-<file path=ppt/slides/slide16.xml><?xml version="1.0" encoding="utf-8"?>
-<p:sld xmlns:a="http://schemas.openxmlformats.org/drawingml/2006/main" xmlns:p="http://schemas.openxmlformats.org/presentationml/2006/main" xmlns:r="http://schemas.openxmlformats.org/officeDocument/2006/relationships">
-  <p:cSld>
-    <p:spTree>
-      <p:nvGrpSpPr>
-        <p:cNvPr id="1" name=""/>
-        <p:cNvGrpSpPr/>
-        <p:nvPr/>
-      </p:nvGrpSpPr>
-      <p:grpSpPr/>
-      <p:sp>
-        <p:nvSpPr>
-          <p:cNvPr id="63" name="Google Shape;63;p14"/>
-          <p:cNvSpPr/>
-          <p:nvPr/>
-        </p:nvSpPr>
-        <p:spPr>
-          <a:xfrm>
-            <a:off x="-54925" y="-1345525"/>
-            <a:ext cx="8816400" cy="7043400"/>
-          </a:xfrm>
-          <a:prstGeom prst="rect">
-            <a:avLst/>
-          </a:prstGeom>
-          <a:solidFill>
-            <a:srgbClr val="FFC971"/>
-          </a:solidFill>
-          <a:ln>
-            <a:noFill/>
-          </a:ln>
-        </p:spPr>
-        <p:txBody>
-          <a:bodyPr spcFirstLastPara="1" wrap="square" lIns="91425" tIns="91425" rIns="91425" bIns="91425" anchor="ctr" anchorCtr="0">
-            <a:noAutofit/>
-          </a:bodyPr>
-          <a:lstStyle/>
-          <a:p>
-            <a:pPr marL="0" lvl="0" indent="0" algn="l" rtl="0">
-              <a:spcBef>
-                <a:spcPts val="0"/>
-              </a:spcBef>
-              <a:spcAft>
-                <a:spcPts val="0"/>
-              </a:spcAft>
-              <a:buNone/>
-            </a:pPr>
-            <a:endParaRPr/>
-          </a:p>
-        </p:txBody>
-      </p:sp>
-      <p:sp>
-        <p:nvSpPr>
-          <p:cNvPr id="64" name="Google Shape;64;p14"/>
-          <p:cNvSpPr/>
-          <p:nvPr/>
-        </p:nvSpPr>
-        <p:spPr>
-          <a:xfrm rot="-5400000">
-            <a:off x="1434900" y="-1489525"/>
-            <a:ext cx="5162400" cy="8141400"/>
-          </a:xfrm>
-          <a:prstGeom prst="rtTriangle">
-            <a:avLst/>
-          </a:prstGeom>
-          <a:solidFill>
-            <a:srgbClr val="FFE599"/>
-          </a:solidFill>
-          <a:ln>
-            <a:noFill/>
-          </a:ln>
-        </p:spPr>
-        <p:txBody>
-          <a:bodyPr spcFirstLastPara="1" wrap="square" lIns="91425" tIns="91425" rIns="91425" bIns="91425" anchor="ctr" anchorCtr="0">
-            <a:noAutofit/>
-          </a:bodyPr>
-          <a:lstStyle/>
-          <a:p>
-            <a:pPr marL="0" lvl="0" indent="0" algn="l" rtl="0">
-              <a:spcBef>
-                <a:spcPts val="0"/>
-              </a:spcBef>
-              <a:spcAft>
-                <a:spcPts val="0"/>
-              </a:spcAft>
-              <a:buNone/>
-            </a:pPr>
-            <a:endParaRPr/>
-          </a:p>
-        </p:txBody>
-      </p:sp>
-      <p:sp>
-        <p:nvSpPr>
-          <p:cNvPr id="65" name="Google Shape;65;p14"/>
-          <p:cNvSpPr txBox="1"/>
-          <p:nvPr/>
-        </p:nvSpPr>
-        <p:spPr>
-          <a:xfrm>
-            <a:off x="311700" y="445025"/>
-            <a:ext cx="8520600" cy="572700"/>
-          </a:xfrm>
-          <a:prstGeom prst="rect">
-            <a:avLst/>
-          </a:prstGeom>
-          <a:noFill/>
-          <a:ln>
-            <a:noFill/>
-          </a:ln>
-        </p:spPr>
-        <p:txBody>
-          <a:bodyPr spcFirstLastPara="1" wrap="square" lIns="91425" tIns="91425" rIns="91425" bIns="91425" anchor="t" anchorCtr="0">
-            <a:noAutofit/>
-          </a:bodyPr>
-          <a:lstStyle/>
-          <a:p>
-            <a:pPr marL="0" lvl="0" indent="0" algn="l" rtl="0">
-              <a:spcBef>
-                <a:spcPts val="0"/>
-              </a:spcBef>
-              <a:spcAft>
-                <a:spcPts val="0"/>
-              </a:spcAft>
-              <a:buNone/>
-            </a:pPr>
-            <a:r>
-              <a:rPr lang="en" sz="2800">
-                <a:latin typeface="Bungee"/>
-                <a:ea typeface="Bungee"/>
-                <a:cs typeface="Bungee"/>
-                <a:sym typeface="Bungee"/>
-              </a:rPr>
-              <a:t>The Present and Future: de_nuke in Current Competitive Play</a:t>
-            </a:r>
-            <a:endParaRPr sz="2800">
-              <a:solidFill>
-                <a:srgbClr val="000000"/>
-              </a:solidFill>
-              <a:latin typeface="Bungee"/>
-              <a:ea typeface="Bungee"/>
-              <a:cs typeface="Bungee"/>
-              <a:sym typeface="Bungee"/>
-            </a:endParaRPr>
-          </a:p>
-        </p:txBody>
-      </p:sp>
-      <p:sp>
-        <p:nvSpPr>
-          <p:cNvPr id="66" name="Google Shape;66;p14"/>
-          <p:cNvSpPr txBox="1"/>
-          <p:nvPr/>
-        </p:nvSpPr>
-        <p:spPr>
-          <a:xfrm>
-            <a:off x="311700" y="1152475"/>
-            <a:ext cx="7422525" cy="3416400"/>
-          </a:xfrm>
-          <a:prstGeom prst="rect">
-            <a:avLst/>
-          </a:prstGeom>
-          <a:noFill/>
-          <a:ln>
-            <a:noFill/>
-          </a:ln>
-        </p:spPr>
-        <p:txBody>
-          <a:bodyPr spcFirstLastPara="1" wrap="square" lIns="91425" tIns="91425" rIns="91425" bIns="91425" anchor="t" anchorCtr="0">
-            <a:noAutofit/>
-          </a:bodyPr>
-          <a:lstStyle/>
-          <a:p>
-            <a:pPr marL="0" lvl="0" indent="0" algn="l" rtl="0">
-              <a:lnSpc>
-                <a:spcPct val="115000"/>
-              </a:lnSpc>
-              <a:spcBef>
-                <a:spcPts val="0"/>
-              </a:spcBef>
-              <a:spcAft>
-                <a:spcPts val="1200"/>
-              </a:spcAft>
-              <a:buNone/>
-            </a:pPr>
-            <a:r>
-              <a:rPr lang="en" sz="1800">
-                <a:solidFill>
-                  <a:srgbClr val="595959"/>
-                </a:solidFill>
-                <a:latin typeface="Oswald"/>
-                <a:ea typeface="Oswald"/>
-                <a:cs typeface="Oswald"/>
-                <a:sym typeface="Oswald"/>
-              </a:rPr>
-              <a:t>Analyze de_nuke's current role in competitive Counter-Strike, and what future updates or changes may be on the horizon.</a:t>
-            </a:r>
-            <a:endParaRPr sz="1800">
-              <a:solidFill>
-                <a:srgbClr val="595959"/>
-              </a:solidFill>
-              <a:latin typeface="Oswald"/>
-              <a:ea typeface="Oswald"/>
-              <a:cs typeface="Oswald"/>
-              <a:sym typeface="Oswald"/>
-            </a:endParaRPr>
-          </a:p>
-        </p:txBody>
-      </p:sp>
-      <p:sp>
-        <p:nvSpPr>
-          <p:cNvPr id="67" name="Google Shape;67;p14"/>
-          <p:cNvSpPr/>
-          <p:nvPr/>
-        </p:nvSpPr>
-        <p:spPr>
-          <a:xfrm>
-            <a:off x="8074450" y="-1345525"/>
-            <a:ext cx="346800" cy="7043400"/>
-          </a:xfrm>
-          <a:prstGeom prst="rect">
-            <a:avLst/>
-          </a:prstGeom>
-          <a:solidFill>
-            <a:srgbClr val="FFB627"/>
-          </a:solidFill>
-          <a:ln>
-            <a:noFill/>
-          </a:ln>
-        </p:spPr>
-        <p:txBody>
-          <a:bodyPr spcFirstLastPara="1" wrap="square" lIns="91425" tIns="91425" rIns="91425" bIns="91425" anchor="ctr" anchorCtr="0">
-            <a:noAutofit/>
-          </a:bodyPr>
-          <a:lstStyle/>
-          <a:p>
-            <a:pPr marL="0" lvl="0" indent="0" algn="l" rtl="0">
-              <a:spcBef>
-                <a:spcPts val="0"/>
-              </a:spcBef>
-              <a:spcAft>
-                <a:spcPts val="0"/>
-              </a:spcAft>
-              <a:buNone/>
-            </a:pPr>
-            <a:endParaRPr/>
-          </a:p>
-        </p:txBody>
-      </p:sp>
-      <p:sp>
-        <p:nvSpPr>
-          <p:cNvPr id="68" name="Google Shape;68;p14"/>
-          <p:cNvSpPr/>
-          <p:nvPr/>
-        </p:nvSpPr>
-        <p:spPr>
-          <a:xfrm>
-            <a:off x="8421250" y="-1345525"/>
-            <a:ext cx="346800" cy="7043400"/>
-          </a:xfrm>
-          <a:prstGeom prst="rect">
-            <a:avLst/>
-          </a:prstGeom>
-          <a:solidFill>
-            <a:srgbClr val="FF9505"/>
-          </a:solidFill>
-          <a:ln>
-            <a:noFill/>
-          </a:ln>
-        </p:spPr>
-        <p:txBody>
-          <a:bodyPr spcFirstLastPara="1" wrap="square" lIns="91425" tIns="91425" rIns="91425" bIns="91425" anchor="ctr" anchorCtr="0">
-            <a:noAutofit/>
-          </a:bodyPr>
-          <a:lstStyle/>
-          <a:p>
-            <a:pPr marL="0" lvl="0" indent="0" algn="l" rtl="0">
-              <a:spcBef>
-                <a:spcPts val="0"/>
-              </a:spcBef>
-              <a:spcAft>
-                <a:spcPts val="0"/>
-              </a:spcAft>
-              <a:buNone/>
-            </a:pPr>
-            <a:endParaRPr/>
-          </a:p>
-        </p:txBody>
-      </p:sp>
-    </p:spTree>
-  </p:cSld>
-  <p:clrMapOvr>
-    <a:masterClrMapping/>
-  </p:clrMapOvr>
-</p:sld>
-</file>
-
-<file path=ppt/slides/slide17.xml><?xml version="1.0" encoding="utf-8"?>
-<p:sld xmlns:a="http://schemas.openxmlformats.org/drawingml/2006/main" xmlns:p="http://schemas.openxmlformats.org/presentationml/2006/main" xmlns:r="http://schemas.openxmlformats.org/officeDocument/2006/relationships">
-  <p:cSld>
-    <p:spTree>
-      <p:nvGrpSpPr>
-        <p:cNvPr id="1" name=""/>
-        <p:cNvGrpSpPr/>
-        <p:nvPr/>
-      </p:nvGrpSpPr>
-      <p:grpSpPr/>
-      <p:sp>
-        <p:nvSpPr>
-          <p:cNvPr id="63" name="Google Shape;63;p14"/>
-          <p:cNvSpPr/>
-          <p:nvPr/>
-        </p:nvSpPr>
-        <p:spPr>
-          <a:xfrm>
-            <a:off x="-54925" y="-1345525"/>
-            <a:ext cx="8816400" cy="7043400"/>
-          </a:xfrm>
-          <a:prstGeom prst="rect">
-            <a:avLst/>
-          </a:prstGeom>
-          <a:solidFill>
-            <a:srgbClr val="FFC971"/>
-          </a:solidFill>
-          <a:ln>
-            <a:noFill/>
-          </a:ln>
-        </p:spPr>
-        <p:txBody>
-          <a:bodyPr spcFirstLastPara="1" wrap="square" lIns="91425" tIns="91425" rIns="91425" bIns="91425" anchor="ctr" anchorCtr="0">
-            <a:noAutofit/>
-          </a:bodyPr>
-          <a:lstStyle/>
-          <a:p>
-            <a:pPr marL="0" lvl="0" indent="0" algn="l" rtl="0">
-              <a:spcBef>
-                <a:spcPts val="0"/>
-              </a:spcBef>
-              <a:spcAft>
-                <a:spcPts val="0"/>
-              </a:spcAft>
-              <a:buNone/>
-            </a:pPr>
-            <a:endParaRPr/>
-          </a:p>
-        </p:txBody>
-      </p:sp>
-      <p:sp>
-        <p:nvSpPr>
-          <p:cNvPr id="64" name="Google Shape;64;p14"/>
-          <p:cNvSpPr/>
-          <p:nvPr/>
-        </p:nvSpPr>
-        <p:spPr>
-          <a:xfrm rot="-5400000">
-            <a:off x="1434900" y="-1489525"/>
-            <a:ext cx="5162400" cy="8141400"/>
-          </a:xfrm>
-          <a:prstGeom prst="rtTriangle">
-            <a:avLst/>
-          </a:prstGeom>
-          <a:solidFill>
-            <a:srgbClr val="FFE599"/>
-          </a:solidFill>
-          <a:ln>
-            <a:noFill/>
-          </a:ln>
-        </p:spPr>
-        <p:txBody>
-          <a:bodyPr spcFirstLastPara="1" wrap="square" lIns="91425" tIns="91425" rIns="91425" bIns="91425" anchor="ctr" anchorCtr="0">
-            <a:noAutofit/>
-          </a:bodyPr>
-          <a:lstStyle/>
-          <a:p>
-            <a:pPr marL="0" lvl="0" indent="0" algn="l" rtl="0">
-              <a:spcBef>
-                <a:spcPts val="0"/>
-              </a:spcBef>
-              <a:spcAft>
-                <a:spcPts val="0"/>
-              </a:spcAft>
-              <a:buNone/>
-            </a:pPr>
-            <a:endParaRPr/>
-          </a:p>
-        </p:txBody>
-      </p:sp>
-      <p:sp>
-        <p:nvSpPr>
-          <p:cNvPr id="65" name="Google Shape;65;p14"/>
-          <p:cNvSpPr txBox="1"/>
-          <p:nvPr/>
-        </p:nvSpPr>
-        <p:spPr>
-          <a:xfrm>
-            <a:off x="311700" y="445025"/>
-            <a:ext cx="8520600" cy="572700"/>
-          </a:xfrm>
-          <a:prstGeom prst="rect">
-            <a:avLst/>
-          </a:prstGeom>
-          <a:noFill/>
-          <a:ln>
-            <a:noFill/>
-          </a:ln>
-        </p:spPr>
-        <p:txBody>
-          <a:bodyPr spcFirstLastPara="1" wrap="square" lIns="91425" tIns="91425" rIns="91425" bIns="91425" anchor="t" anchorCtr="0">
-            <a:noAutofit/>
-          </a:bodyPr>
-          <a:lstStyle/>
-          <a:p>
-            <a:pPr marL="0" lvl="0" indent="0" algn="l" rtl="0">
-              <a:spcBef>
-                <a:spcPts val="0"/>
-              </a:spcBef>
-              <a:spcAft>
-                <a:spcPts val="0"/>
-              </a:spcAft>
-              <a:buNone/>
-            </a:pPr>
-            <a:r>
-              <a:rPr lang="en" sz="2800">
-                <a:latin typeface="Bungee"/>
-                <a:ea typeface="Bungee"/>
-                <a:cs typeface="Bungee"/>
-                <a:sym typeface="Bungee"/>
-              </a:rPr>
-              <a:t>Preserving Legacy: The Importance of Map Making in Counter-Strike’s Longevity</a:t>
-            </a:r>
-            <a:endParaRPr sz="2800">
-              <a:solidFill>
-                <a:srgbClr val="000000"/>
-              </a:solidFill>
-              <a:latin typeface="Bungee"/>
-              <a:ea typeface="Bungee"/>
-              <a:cs typeface="Bungee"/>
-              <a:sym typeface="Bungee"/>
-            </a:endParaRPr>
-          </a:p>
-        </p:txBody>
-      </p:sp>
-      <p:sp>
-        <p:nvSpPr>
-          <p:cNvPr id="66" name="Google Shape;66;p14"/>
-          <p:cNvSpPr txBox="1"/>
-          <p:nvPr/>
-        </p:nvSpPr>
-        <p:spPr>
-          <a:xfrm>
-            <a:off x="311700" y="1152475"/>
-            <a:ext cx="7422525" cy="3416400"/>
-          </a:xfrm>
-          <a:prstGeom prst="rect">
-            <a:avLst/>
-          </a:prstGeom>
-          <a:noFill/>
-          <a:ln>
-            <a:noFill/>
-          </a:ln>
-        </p:spPr>
-        <p:txBody>
-          <a:bodyPr spcFirstLastPara="1" wrap="square" lIns="91425" tIns="91425" rIns="91425" bIns="91425" anchor="t" anchorCtr="0">
-            <a:noAutofit/>
-          </a:bodyPr>
-          <a:lstStyle/>
-          <a:p>
-            <a:pPr marL="0" lvl="0" indent="0" algn="l" rtl="0">
-              <a:lnSpc>
-                <a:spcPct val="115000"/>
-              </a:lnSpc>
-              <a:spcBef>
-                <a:spcPts val="0"/>
-              </a:spcBef>
-              <a:spcAft>
-                <a:spcPts val="1200"/>
-              </a:spcAft>
-              <a:buNone/>
-            </a:pPr>
-            <a:r>
-              <a:rPr lang="en" sz="1800">
-                <a:solidFill>
-                  <a:srgbClr val="595959"/>
-                </a:solidFill>
-                <a:latin typeface="Oswald"/>
-                <a:ea typeface="Oswald"/>
-                <a:cs typeface="Oswald"/>
-                <a:sym typeface="Oswald"/>
-              </a:rPr>
-              <a:t>Reflect on how the art of map making, exemplified by de_nuke, contributes to the enduring legacy and ongoing success of Counter-Strike.</a:t>
-            </a:r>
-            <a:endParaRPr sz="1800">
-              <a:solidFill>
-                <a:srgbClr val="595959"/>
-              </a:solidFill>
-              <a:latin typeface="Oswald"/>
-              <a:ea typeface="Oswald"/>
-              <a:cs typeface="Oswald"/>
-              <a:sym typeface="Oswald"/>
-            </a:endParaRPr>
-          </a:p>
-        </p:txBody>
-      </p:sp>
-      <p:sp>
-        <p:nvSpPr>
-          <p:cNvPr id="67" name="Google Shape;67;p14"/>
-          <p:cNvSpPr/>
-          <p:nvPr/>
-        </p:nvSpPr>
-        <p:spPr>
-          <a:xfrm>
-            <a:off x="8074450" y="-1345525"/>
-            <a:ext cx="346800" cy="7043400"/>
-          </a:xfrm>
-          <a:prstGeom prst="rect">
-            <a:avLst/>
-          </a:prstGeom>
-          <a:solidFill>
-            <a:srgbClr val="FFB627"/>
-          </a:solidFill>
-          <a:ln>
-            <a:noFill/>
-          </a:ln>
-        </p:spPr>
-        <p:txBody>
-          <a:bodyPr spcFirstLastPara="1" wrap="square" lIns="91425" tIns="91425" rIns="91425" bIns="91425" anchor="ctr" anchorCtr="0">
-            <a:noAutofit/>
-          </a:bodyPr>
-          <a:lstStyle/>
-          <a:p>
-            <a:pPr marL="0" lvl="0" indent="0" algn="l" rtl="0">
-              <a:spcBef>
-                <a:spcPts val="0"/>
-              </a:spcBef>
-              <a:spcAft>
-                <a:spcPts val="0"/>
-              </a:spcAft>
-              <a:buNone/>
-            </a:pPr>
-            <a:endParaRPr/>
-          </a:p>
-        </p:txBody>
-      </p:sp>
-      <p:sp>
-        <p:nvSpPr>
-          <p:cNvPr id="68" name="Google Shape;68;p14"/>
-          <p:cNvSpPr/>
-          <p:nvPr/>
-        </p:nvSpPr>
-        <p:spPr>
-          <a:xfrm>
-            <a:off x="8421250" y="-1345525"/>
-            <a:ext cx="346800" cy="7043400"/>
-          </a:xfrm>
-          <a:prstGeom prst="rect">
-            <a:avLst/>
-          </a:prstGeom>
-          <a:solidFill>
-            <a:srgbClr val="FF9505"/>
-          </a:solidFill>
-          <a:ln>
-            <a:noFill/>
-          </a:ln>
-        </p:spPr>
-        <p:txBody>
-          <a:bodyPr spcFirstLastPara="1" wrap="square" lIns="91425" tIns="91425" rIns="91425" bIns="91425" anchor="ctr" anchorCtr="0">
-            <a:noAutofit/>
-          </a:bodyPr>
-          <a:lstStyle/>
-          <a:p>
-            <a:pPr marL="0" lvl="0" indent="0" algn="l" rtl="0">
-              <a:spcBef>
-                <a:spcPts val="0"/>
-              </a:spcBef>
-              <a:spcAft>
-                <a:spcPts val="0"/>
-              </a:spcAft>
-              <a:buNone/>
-            </a:pPr>
-            <a:endParaRPr/>
-          </a:p>
-        </p:txBody>
-      </p:sp>
-    </p:spTree>
-  </p:cSld>
-  <p:clrMapOvr>
-    <a:masterClrMapping/>
-  </p:clrMapOvr>
-</p:sld>
-</file>
-
-<file path=ppt/slides/slide18.xml><?xml version="1.0" encoding="utf-8"?>
-<p:sld xmlns:a="http://schemas.openxmlformats.org/drawingml/2006/main" xmlns:p="http://schemas.openxmlformats.org/presentationml/2006/main" xmlns:r="http://schemas.openxmlformats.org/officeDocument/2006/relationships">
-  <p:cSld>
-    <p:spTree>
-      <p:nvGrpSpPr>
-        <p:cNvPr id="1" name=""/>
-        <p:cNvGrpSpPr/>
-        <p:nvPr/>
-      </p:nvGrpSpPr>
-      <p:grpSpPr/>
-      <p:sp>
-        <p:nvSpPr>
-          <p:cNvPr id="63" name="Google Shape;63;p14"/>
-          <p:cNvSpPr/>
-          <p:nvPr/>
-        </p:nvSpPr>
-        <p:spPr>
-          <a:xfrm>
-            <a:off x="-54925" y="-1345525"/>
-            <a:ext cx="8816400" cy="7043400"/>
-          </a:xfrm>
-          <a:prstGeom prst="rect">
-            <a:avLst/>
-          </a:prstGeom>
-          <a:solidFill>
-            <a:srgbClr val="FFC971"/>
-          </a:solidFill>
-          <a:ln>
-            <a:noFill/>
-          </a:ln>
-        </p:spPr>
-        <p:txBody>
-          <a:bodyPr spcFirstLastPara="1" wrap="square" lIns="91425" tIns="91425" rIns="91425" bIns="91425" anchor="ctr" anchorCtr="0">
-            <a:noAutofit/>
-          </a:bodyPr>
-          <a:lstStyle/>
-          <a:p>
-            <a:pPr marL="0" lvl="0" indent="0" algn="l" rtl="0">
-              <a:spcBef>
-                <a:spcPts val="0"/>
-              </a:spcBef>
-              <a:spcAft>
-                <a:spcPts val="0"/>
-              </a:spcAft>
-              <a:buNone/>
-            </a:pPr>
-            <a:endParaRPr/>
-          </a:p>
-        </p:txBody>
-      </p:sp>
-      <p:sp>
-        <p:nvSpPr>
-          <p:cNvPr id="64" name="Google Shape;64;p14"/>
-          <p:cNvSpPr/>
-          <p:nvPr/>
-        </p:nvSpPr>
-        <p:spPr>
-          <a:xfrm rot="-5400000">
-            <a:off x="1434900" y="-1489525"/>
-            <a:ext cx="5162400" cy="8141400"/>
-          </a:xfrm>
-          <a:prstGeom prst="rtTriangle">
-            <a:avLst/>
-          </a:prstGeom>
-          <a:solidFill>
-            <a:srgbClr val="FFE599"/>
-          </a:solidFill>
-          <a:ln>
-            <a:noFill/>
-          </a:ln>
-        </p:spPr>
-        <p:txBody>
-          <a:bodyPr spcFirstLastPara="1" wrap="square" lIns="91425" tIns="91425" rIns="91425" bIns="91425" anchor="ctr" anchorCtr="0">
-            <a:noAutofit/>
-          </a:bodyPr>
-          <a:lstStyle/>
-          <a:p>
-            <a:pPr marL="0" lvl="0" indent="0" algn="l" rtl="0">
-              <a:spcBef>
-                <a:spcPts val="0"/>
-              </a:spcBef>
-              <a:spcAft>
-                <a:spcPts val="0"/>
-              </a:spcAft>
-              <a:buNone/>
-            </a:pPr>
-            <a:endParaRPr/>
-          </a:p>
-        </p:txBody>
-      </p:sp>
-      <p:sp>
-        <p:nvSpPr>
-          <p:cNvPr id="65" name="Google Shape;65;p14"/>
-          <p:cNvSpPr txBox="1"/>
-          <p:nvPr/>
-        </p:nvSpPr>
-        <p:spPr>
-          <a:xfrm>
-            <a:off x="311700" y="445025"/>
-            <a:ext cx="8520600" cy="572700"/>
-          </a:xfrm>
-          <a:prstGeom prst="rect">
-            <a:avLst/>
-          </a:prstGeom>
-          <a:noFill/>
-          <a:ln>
-            <a:noFill/>
-          </a:ln>
-        </p:spPr>
-        <p:txBody>
-          <a:bodyPr spcFirstLastPara="1" wrap="square" lIns="91425" tIns="91425" rIns="91425" bIns="91425" anchor="t" anchorCtr="0">
-            <a:noAutofit/>
-          </a:bodyPr>
-          <a:lstStyle/>
-          <a:p>
-            <a:pPr marL="0" lvl="0" indent="0" algn="l" rtl="0">
-              <a:spcBef>
-                <a:spcPts val="0"/>
-              </a:spcBef>
-              <a:spcAft>
-                <a:spcPts val="0"/>
-              </a:spcAft>
-              <a:buNone/>
-            </a:pPr>
-            <a:r>
-              <a:rPr lang="en" sz="2800">
-                <a:latin typeface="Bungee"/>
-                <a:ea typeface="Bungee"/>
-                <a:cs typeface="Bungee"/>
-                <a:sym typeface="Bungee"/>
-              </a:rPr>
-              <a:t>Conclusion: The Enduring Legacy of de_nuke and its Impact on the FPS Genre</a:t>
-            </a:r>
-            <a:endParaRPr sz="2800">
-              <a:solidFill>
-                <a:srgbClr val="000000"/>
-              </a:solidFill>
-              <a:latin typeface="Bungee"/>
-              <a:ea typeface="Bungee"/>
-              <a:cs typeface="Bungee"/>
-              <a:sym typeface="Bungee"/>
-            </a:endParaRPr>
-          </a:p>
-        </p:txBody>
-      </p:sp>
-      <p:sp>
-        <p:nvSpPr>
-          <p:cNvPr id="66" name="Google Shape;66;p14"/>
-          <p:cNvSpPr txBox="1"/>
-          <p:nvPr/>
-        </p:nvSpPr>
-        <p:spPr>
-          <a:xfrm>
-            <a:off x="311700" y="1152475"/>
-            <a:ext cx="7422525" cy="3416400"/>
-          </a:xfrm>
-          <a:prstGeom prst="rect">
-            <a:avLst/>
-          </a:prstGeom>
-          <a:noFill/>
-          <a:ln>
-            <a:noFill/>
-          </a:ln>
-        </p:spPr>
-        <p:txBody>
-          <a:bodyPr spcFirstLastPara="1" wrap="square" lIns="91425" tIns="91425" rIns="91425" bIns="91425" anchor="t" anchorCtr="0">
-            <a:noAutofit/>
-          </a:bodyPr>
-          <a:lstStyle/>
-          <a:p>
-            <a:pPr marL="0" lvl="0" indent="0" algn="l" rtl="0">
-              <a:lnSpc>
-                <a:spcPct val="115000"/>
-              </a:lnSpc>
-              <a:spcBef>
-                <a:spcPts val="0"/>
-              </a:spcBef>
-              <a:spcAft>
-                <a:spcPts val="1200"/>
-              </a:spcAft>
-              <a:buNone/>
-            </a:pPr>
-            <a:r>
-              <a:rPr lang="en" sz="1800">
-                <a:solidFill>
-                  <a:srgbClr val="595959"/>
-                </a:solidFill>
-                <a:latin typeface="Oswald"/>
-                <a:ea typeface="Oswald"/>
-                <a:cs typeface="Oswald"/>
-                <a:sym typeface="Oswald"/>
-              </a:rPr>
-              <a:t>Summarize the lasting influence de_nuke has had on Counter-Strike and the first-person shooter genre, cementing its place in gaming history.</a:t>
-            </a:r>
-            <a:endParaRPr sz="1800">
-              <a:solidFill>
-                <a:srgbClr val="595959"/>
-              </a:solidFill>
-              <a:latin typeface="Oswald"/>
-              <a:ea typeface="Oswald"/>
-              <a:cs typeface="Oswald"/>
-              <a:sym typeface="Oswald"/>
-            </a:endParaRPr>
-          </a:p>
-        </p:txBody>
-      </p:sp>
-      <p:sp>
-        <p:nvSpPr>
-          <p:cNvPr id="67" name="Google Shape;67;p14"/>
-          <p:cNvSpPr/>
-          <p:nvPr/>
-        </p:nvSpPr>
-        <p:spPr>
-          <a:xfrm>
-            <a:off x="8074450" y="-1345525"/>
-            <a:ext cx="346800" cy="7043400"/>
-          </a:xfrm>
-          <a:prstGeom prst="rect">
-            <a:avLst/>
-          </a:prstGeom>
-          <a:solidFill>
-            <a:srgbClr val="FFB627"/>
-          </a:solidFill>
-          <a:ln>
-            <a:noFill/>
-          </a:ln>
-        </p:spPr>
-        <p:txBody>
-          <a:bodyPr spcFirstLastPara="1" wrap="square" lIns="91425" tIns="91425" rIns="91425" bIns="91425" anchor="ctr" anchorCtr="0">
-            <a:noAutofit/>
-          </a:bodyPr>
-          <a:lstStyle/>
-          <a:p>
-            <a:pPr marL="0" lvl="0" indent="0" algn="l" rtl="0">
-              <a:spcBef>
-                <a:spcPts val="0"/>
-              </a:spcBef>
-              <a:spcAft>
-                <a:spcPts val="0"/>
-              </a:spcAft>
-              <a:buNone/>
-            </a:pPr>
-            <a:endParaRPr/>
-          </a:p>
-        </p:txBody>
-      </p:sp>
-      <p:sp>
-        <p:nvSpPr>
-          <p:cNvPr id="68" name="Google Shape;68;p14"/>
-          <p:cNvSpPr/>
-          <p:nvPr/>
-        </p:nvSpPr>
-        <p:spPr>
-          <a:xfrm>
-            <a:off x="8421250" y="-1345525"/>
-            <a:ext cx="346800" cy="7043400"/>
-          </a:xfrm>
-          <a:prstGeom prst="rect">
-            <a:avLst/>
-          </a:prstGeom>
-          <a:solidFill>
-            <a:srgbClr val="FF9505"/>
-          </a:solidFill>
-          <a:ln>
-            <a:noFill/>
-          </a:ln>
-        </p:spPr>
-        <p:txBody>
-          <a:bodyPr spcFirstLastPara="1" wrap="square" lIns="91425" tIns="91425" rIns="91425" bIns="91425" anchor="ctr" anchorCtr="0">
-            <a:noAutofit/>
-          </a:bodyPr>
-          <a:lstStyle/>
-          <a:p>
-            <a:pPr marL="0" lvl="0" indent="0" algn="l" rtl="0">
-              <a:spcBef>
-                <a:spcPts val="0"/>
-              </a:spcBef>
-              <a:spcAft>
-                <a:spcPts val="0"/>
-              </a:spcAft>
-              <a:buNone/>
-            </a:pPr>
+            <a:r>
+              <a:t/>
+            </a:r>
             <a:endParaRPr/>
           </a:p>
         </p:txBody>
@@ -6034,12 +3388,12 @@
           </a:ln>
         </p:spPr>
         <p:txBody>
-          <a:bodyPr spcFirstLastPara="1" wrap="square" lIns="91425" tIns="91425" rIns="91425" bIns="91425" anchor="ctr" anchorCtr="0">
+          <a:bodyPr anchorCtr="0" anchor="ctr" bIns="91425" lIns="91425" spcFirstLastPara="1" rIns="91425" wrap="square" tIns="91425">
             <a:noAutofit/>
           </a:bodyPr>
           <a:lstStyle/>
           <a:p>
-            <a:pPr marL="0" lvl="0" indent="0" algn="l" rtl="0">
+            <a:pPr indent="0" lvl="0" marL="0" rtl="0" algn="l">
               <a:spcBef>
                 <a:spcPts val="0"/>
               </a:spcBef>
@@ -6048,6 +3402,9 @@
               </a:spcAft>
               <a:buNone/>
             </a:pPr>
+            <a:r>
+              <a:t/>
+            </a:r>
             <a:endParaRPr/>
           </a:p>
         </p:txBody>
@@ -6074,12 +3431,12 @@
           </a:ln>
         </p:spPr>
         <p:txBody>
-          <a:bodyPr spcFirstLastPara="1" wrap="square" lIns="91425" tIns="91425" rIns="91425" bIns="91425" anchor="ctr" anchorCtr="0">
+          <a:bodyPr anchorCtr="0" anchor="ctr" bIns="91425" lIns="91425" spcFirstLastPara="1" rIns="91425" wrap="square" tIns="91425">
             <a:noAutofit/>
           </a:bodyPr>
           <a:lstStyle/>
           <a:p>
-            <a:pPr marL="0" lvl="0" indent="0" algn="l" rtl="0">
+            <a:pPr indent="0" lvl="0" marL="0" rtl="0" algn="l">
               <a:spcBef>
                 <a:spcPts val="0"/>
               </a:spcBef>
@@ -6088,6 +3445,9 @@
               </a:spcAft>
               <a:buNone/>
             </a:pPr>
+            <a:r>
+              <a:t/>
+            </a:r>
             <a:endParaRPr/>
           </a:p>
         </p:txBody>
@@ -6112,12 +3472,12 @@
           </a:ln>
         </p:spPr>
         <p:txBody>
-          <a:bodyPr spcFirstLastPara="1" wrap="square" lIns="91425" tIns="91425" rIns="91425" bIns="91425" anchor="t" anchorCtr="0">
-            <a:noAutofit/>
+          <a:bodyPr anchorCtr="0" anchor="t" bIns="91425" lIns="91425" spcFirstLastPara="1" rIns="91425" wrap="square" tIns="91425">
+            <a:normAutofit lnSpcReduction="10000"/>
           </a:bodyPr>
           <a:lstStyle/>
           <a:p>
-            <a:pPr marL="0" lvl="0" indent="0" algn="l" rtl="0">
+            <a:pPr indent="0" lvl="0" marL="0" rtl="0" algn="l">
               <a:spcBef>
                 <a:spcPts val="0"/>
               </a:spcBef>
@@ -6133,7 +3493,7 @@
                 <a:cs typeface="Bungee"/>
                 <a:sym typeface="Bungee"/>
               </a:rPr>
-              <a:t>Introduction to Counter-Strike and its Importance in Esports</a:t>
+              <a:t>Step 1: Gather Ingredients &amp; Tools</a:t>
             </a:r>
             <a:endParaRPr sz="2800">
               <a:solidFill>
@@ -6156,7 +3516,7 @@
         <p:spPr>
           <a:xfrm>
             <a:off x="311700" y="1152475"/>
-            <a:ext cx="7422525" cy="3416400"/>
+            <a:ext cx="8520600" cy="3416400"/>
           </a:xfrm>
           <a:prstGeom prst="rect">
             <a:avLst/>
@@ -6167,12 +3527,12 @@
           </a:ln>
         </p:spPr>
         <p:txBody>
-          <a:bodyPr spcFirstLastPara="1" wrap="square" lIns="91425" tIns="91425" rIns="91425" bIns="91425" anchor="t" anchorCtr="0">
+          <a:bodyPr anchorCtr="0" anchor="t" bIns="91425" lIns="91425" spcFirstLastPara="1" rIns="91425" wrap="square" tIns="91425">
             <a:noAutofit/>
           </a:bodyPr>
           <a:lstStyle/>
           <a:p>
-            <a:pPr marL="0" lvl="0" indent="0" algn="l" rtl="0">
+            <a:pPr indent="0" lvl="0" marL="0" rtl="0" algn="l">
               <a:lnSpc>
                 <a:spcPct val="115000"/>
               </a:lnSpc>
@@ -6194,7 +3554,7 @@
                 <a:cs typeface="Oswald"/>
                 <a:sym typeface="Oswald"/>
               </a:rPr>
-              <a:t>Discover the world of Counter-Strike, a pioneering first-person shooter that redefined competitive gaming and paved the way for a new era of esports.</a:t>
+              <a:t>Begin your egg-cellent adventure by getting fresh eggs and the necessary kitchen tools. You'll need a non-stick frying pan, a spatula, and some oil or butter. Choose the freshest eggs for the best taste and appearance.</a:t>
             </a:r>
             <a:endParaRPr sz="1800">
               <a:solidFill>
@@ -6230,12 +3590,12 @@
           </a:ln>
         </p:spPr>
         <p:txBody>
-          <a:bodyPr spcFirstLastPara="1" wrap="square" lIns="91425" tIns="91425" rIns="91425" bIns="91425" anchor="ctr" anchorCtr="0">
+          <a:bodyPr anchorCtr="0" anchor="ctr" bIns="91425" lIns="91425" spcFirstLastPara="1" rIns="91425" wrap="square" tIns="91425">
             <a:noAutofit/>
           </a:bodyPr>
           <a:lstStyle/>
           <a:p>
-            <a:pPr marL="0" lvl="0" indent="0" algn="l" rtl="0">
+            <a:pPr indent="0" lvl="0" marL="0" rtl="0" algn="l">
               <a:spcBef>
                 <a:spcPts val="0"/>
               </a:spcBef>
@@ -6244,6 +3604,9 @@
               </a:spcAft>
               <a:buNone/>
             </a:pPr>
+            <a:r>
+              <a:t/>
+            </a:r>
             <a:endParaRPr/>
           </a:p>
         </p:txBody>
@@ -6270,12 +3633,12 @@
           </a:ln>
         </p:spPr>
         <p:txBody>
-          <a:bodyPr spcFirstLastPara="1" wrap="square" lIns="91425" tIns="91425" rIns="91425" bIns="91425" anchor="ctr" anchorCtr="0">
+          <a:bodyPr anchorCtr="0" anchor="ctr" bIns="91425" lIns="91425" spcFirstLastPara="1" rIns="91425" wrap="square" tIns="91425">
             <a:noAutofit/>
           </a:bodyPr>
           <a:lstStyle/>
           <a:p>
-            <a:pPr marL="0" lvl="0" indent="0" algn="l" rtl="0">
+            <a:pPr indent="0" lvl="0" marL="0" rtl="0" algn="l">
               <a:spcBef>
                 <a:spcPts val="0"/>
               </a:spcBef>
@@ -6284,6 +3647,9 @@
               </a:spcAft>
               <a:buNone/>
             </a:pPr>
+            <a:r>
+              <a:t/>
+            </a:r>
             <a:endParaRPr/>
           </a:p>
         </p:txBody>
@@ -6328,12 +3694,12 @@
           </a:ln>
         </p:spPr>
         <p:txBody>
-          <a:bodyPr spcFirstLastPara="1" wrap="square" lIns="91425" tIns="91425" rIns="91425" bIns="91425" anchor="ctr" anchorCtr="0">
+          <a:bodyPr anchorCtr="0" anchor="ctr" bIns="91425" lIns="91425" spcFirstLastPara="1" rIns="91425" wrap="square" tIns="91425">
             <a:noAutofit/>
           </a:bodyPr>
           <a:lstStyle/>
           <a:p>
-            <a:pPr marL="0" lvl="0" indent="0" algn="l" rtl="0">
+            <a:pPr indent="0" lvl="0" marL="0" rtl="0" algn="l">
               <a:spcBef>
                 <a:spcPts val="0"/>
               </a:spcBef>
@@ -6342,6 +3708,9 @@
               </a:spcAft>
               <a:buNone/>
             </a:pPr>
+            <a:r>
+              <a:t/>
+            </a:r>
             <a:endParaRPr/>
           </a:p>
         </p:txBody>
@@ -6368,12 +3737,12 @@
           </a:ln>
         </p:spPr>
         <p:txBody>
-          <a:bodyPr spcFirstLastPara="1" wrap="square" lIns="91425" tIns="91425" rIns="91425" bIns="91425" anchor="ctr" anchorCtr="0">
+          <a:bodyPr anchorCtr="0" anchor="ctr" bIns="91425" lIns="91425" spcFirstLastPara="1" rIns="91425" wrap="square" tIns="91425">
             <a:noAutofit/>
           </a:bodyPr>
           <a:lstStyle/>
           <a:p>
-            <a:pPr marL="0" lvl="0" indent="0" algn="l" rtl="0">
+            <a:pPr indent="0" lvl="0" marL="0" rtl="0" algn="l">
               <a:spcBef>
                 <a:spcPts val="0"/>
               </a:spcBef>
@@ -6382,6 +3751,9 @@
               </a:spcAft>
               <a:buNone/>
             </a:pPr>
+            <a:r>
+              <a:t/>
+            </a:r>
             <a:endParaRPr/>
           </a:p>
         </p:txBody>
@@ -6406,12 +3778,12 @@
           </a:ln>
         </p:spPr>
         <p:txBody>
-          <a:bodyPr spcFirstLastPara="1" wrap="square" lIns="91425" tIns="91425" rIns="91425" bIns="91425" anchor="t" anchorCtr="0">
-            <a:noAutofit/>
+          <a:bodyPr anchorCtr="0" anchor="t" bIns="91425" lIns="91425" spcFirstLastPara="1" rIns="91425" wrap="square" tIns="91425">
+            <a:normAutofit lnSpcReduction="10000"/>
           </a:bodyPr>
           <a:lstStyle/>
           <a:p>
-            <a:pPr marL="0" lvl="0" indent="0" algn="l" rtl="0">
+            <a:pPr indent="0" lvl="0" marL="0" rtl="0" algn="l">
               <a:spcBef>
                 <a:spcPts val="0"/>
               </a:spcBef>
@@ -6427,7 +3799,7 @@
                 <a:cs typeface="Bungee"/>
                 <a:sym typeface="Bungee"/>
               </a:rPr>
-              <a:t>Introduction to the de_nuke Map</a:t>
+              <a:t>Step 2: Preheat the Pan</a:t>
             </a:r>
             <a:endParaRPr sz="2800">
               <a:solidFill>
@@ -6450,7 +3822,7 @@
         <p:spPr>
           <a:xfrm>
             <a:off x="311700" y="1152475"/>
-            <a:ext cx="7422525" cy="3416400"/>
+            <a:ext cx="8520600" cy="3416400"/>
           </a:xfrm>
           <a:prstGeom prst="rect">
             <a:avLst/>
@@ -6461,12 +3833,12 @@
           </a:ln>
         </p:spPr>
         <p:txBody>
-          <a:bodyPr spcFirstLastPara="1" wrap="square" lIns="91425" tIns="91425" rIns="91425" bIns="91425" anchor="t" anchorCtr="0">
+          <a:bodyPr anchorCtr="0" anchor="t" bIns="91425" lIns="91425" spcFirstLastPara="1" rIns="91425" wrap="square" tIns="91425">
             <a:noAutofit/>
           </a:bodyPr>
           <a:lstStyle/>
           <a:p>
-            <a:pPr marL="0" lvl="0" indent="0" algn="l" rtl="0">
+            <a:pPr indent="0" lvl="0" marL="0" rtl="0" algn="l">
               <a:lnSpc>
                 <a:spcPct val="115000"/>
               </a:lnSpc>
@@ -6488,7 +3860,7 @@
                 <a:cs typeface="Oswald"/>
                 <a:sym typeface="Oswald"/>
               </a:rPr>
-              <a:t>An inside look at de_nuke, an iconic map beloved by players for its complex design and strategic depth.</a:t>
+              <a:t>Place your non-stick frying pan on the stove over medium heat. Allow it to warm up for a minute or two. A properly preheated pan ensures your egg will cook evenly without burning.</a:t>
             </a:r>
             <a:endParaRPr sz="1800">
               <a:solidFill>
@@ -6524,12 +3896,12 @@
           </a:ln>
         </p:spPr>
         <p:txBody>
-          <a:bodyPr spcFirstLastPara="1" wrap="square" lIns="91425" tIns="91425" rIns="91425" bIns="91425" anchor="ctr" anchorCtr="0">
+          <a:bodyPr anchorCtr="0" anchor="ctr" bIns="91425" lIns="91425" spcFirstLastPara="1" rIns="91425" wrap="square" tIns="91425">
             <a:noAutofit/>
           </a:bodyPr>
           <a:lstStyle/>
           <a:p>
-            <a:pPr marL="0" lvl="0" indent="0" algn="l" rtl="0">
+            <a:pPr indent="0" lvl="0" marL="0" rtl="0" algn="l">
               <a:spcBef>
                 <a:spcPts val="0"/>
               </a:spcBef>
@@ -6538,6 +3910,9 @@
               </a:spcAft>
               <a:buNone/>
             </a:pPr>
+            <a:r>
+              <a:t/>
+            </a:r>
             <a:endParaRPr/>
           </a:p>
         </p:txBody>
@@ -6564,12 +3939,12 @@
           </a:ln>
         </p:spPr>
         <p:txBody>
-          <a:bodyPr spcFirstLastPara="1" wrap="square" lIns="91425" tIns="91425" rIns="91425" bIns="91425" anchor="ctr" anchorCtr="0">
+          <a:bodyPr anchorCtr="0" anchor="ctr" bIns="91425" lIns="91425" spcFirstLastPara="1" rIns="91425" wrap="square" tIns="91425">
             <a:noAutofit/>
           </a:bodyPr>
           <a:lstStyle/>
           <a:p>
-            <a:pPr marL="0" lvl="0" indent="0" algn="l" rtl="0">
+            <a:pPr indent="0" lvl="0" marL="0" rtl="0" algn="l">
               <a:spcBef>
                 <a:spcPts val="0"/>
               </a:spcBef>
@@ -6578,6 +3953,9 @@
               </a:spcAft>
               <a:buNone/>
             </a:pPr>
+            <a:r>
+              <a:t/>
+            </a:r>
             <a:endParaRPr/>
           </a:p>
         </p:txBody>
@@ -6622,12 +4000,12 @@
           </a:ln>
         </p:spPr>
         <p:txBody>
-          <a:bodyPr spcFirstLastPara="1" wrap="square" lIns="91425" tIns="91425" rIns="91425" bIns="91425" anchor="ctr" anchorCtr="0">
+          <a:bodyPr anchorCtr="0" anchor="ctr" bIns="91425" lIns="91425" spcFirstLastPara="1" rIns="91425" wrap="square" tIns="91425">
             <a:noAutofit/>
           </a:bodyPr>
           <a:lstStyle/>
           <a:p>
-            <a:pPr marL="0" lvl="0" indent="0" algn="l" rtl="0">
+            <a:pPr indent="0" lvl="0" marL="0" rtl="0" algn="l">
               <a:spcBef>
                 <a:spcPts val="0"/>
               </a:spcBef>
@@ -6636,6 +4014,9 @@
               </a:spcAft>
               <a:buNone/>
             </a:pPr>
+            <a:r>
+              <a:t/>
+            </a:r>
             <a:endParaRPr/>
           </a:p>
         </p:txBody>
@@ -6662,12 +4043,12 @@
           </a:ln>
         </p:spPr>
         <p:txBody>
-          <a:bodyPr spcFirstLastPara="1" wrap="square" lIns="91425" tIns="91425" rIns="91425" bIns="91425" anchor="ctr" anchorCtr="0">
+          <a:bodyPr anchorCtr="0" anchor="ctr" bIns="91425" lIns="91425" spcFirstLastPara="1" rIns="91425" wrap="square" tIns="91425">
             <a:noAutofit/>
           </a:bodyPr>
           <a:lstStyle/>
           <a:p>
-            <a:pPr marL="0" lvl="0" indent="0" algn="l" rtl="0">
+            <a:pPr indent="0" lvl="0" marL="0" rtl="0" algn="l">
               <a:spcBef>
                 <a:spcPts val="0"/>
               </a:spcBef>
@@ -6676,6 +4057,9 @@
               </a:spcAft>
               <a:buNone/>
             </a:pPr>
+            <a:r>
+              <a:t/>
+            </a:r>
             <a:endParaRPr/>
           </a:p>
         </p:txBody>
@@ -6700,12 +4084,12 @@
           </a:ln>
         </p:spPr>
         <p:txBody>
-          <a:bodyPr spcFirstLastPara="1" wrap="square" lIns="91425" tIns="91425" rIns="91425" bIns="91425" anchor="t" anchorCtr="0">
-            <a:noAutofit/>
+          <a:bodyPr anchorCtr="0" anchor="t" bIns="91425" lIns="91425" spcFirstLastPara="1" rIns="91425" wrap="square" tIns="91425">
+            <a:normAutofit lnSpcReduction="10000"/>
           </a:bodyPr>
           <a:lstStyle/>
           <a:p>
-            <a:pPr marL="0" lvl="0" indent="0" algn="l" rtl="0">
+            <a:pPr indent="0" lvl="0" marL="0" rtl="0" algn="l">
               <a:spcBef>
                 <a:spcPts val="0"/>
               </a:spcBef>
@@ -6721,7 +4105,7 @@
                 <a:cs typeface="Bungee"/>
                 <a:sym typeface="Bungee"/>
               </a:rPr>
-              <a:t>Design Philosophy: Conceptualizing de_nuke</a:t>
+              <a:t>Step 3: Add Oil or Butter</a:t>
             </a:r>
             <a:endParaRPr sz="2800">
               <a:solidFill>
@@ -6744,7 +4128,7 @@
         <p:spPr>
           <a:xfrm>
             <a:off x="311700" y="1152475"/>
-            <a:ext cx="7422525" cy="3416400"/>
+            <a:ext cx="8520600" cy="3416400"/>
           </a:xfrm>
           <a:prstGeom prst="rect">
             <a:avLst/>
@@ -6755,12 +4139,12 @@
           </a:ln>
         </p:spPr>
         <p:txBody>
-          <a:bodyPr spcFirstLastPara="1" wrap="square" lIns="91425" tIns="91425" rIns="91425" bIns="91425" anchor="t" anchorCtr="0">
+          <a:bodyPr anchorCtr="0" anchor="t" bIns="91425" lIns="91425" spcFirstLastPara="1" rIns="91425" wrap="square" tIns="91425">
             <a:noAutofit/>
           </a:bodyPr>
           <a:lstStyle/>
           <a:p>
-            <a:pPr marL="0" lvl="0" indent="0" algn="l" rtl="0">
+            <a:pPr indent="0" lvl="0" marL="0" rtl="0" algn="l">
               <a:lnSpc>
                 <a:spcPct val="115000"/>
               </a:lnSpc>
@@ -6782,7 +4166,7 @@
                 <a:cs typeface="Oswald"/>
                 <a:sym typeface="Oswald"/>
               </a:rPr>
-              <a:t>Uncover the creative process behind de_nuke, from initial sketches to its integration into the Counter-Strike universe.</a:t>
+              <a:t>Once the pan is heated, add a small amount of oil or butter. Swirl it around to coat the bottom of the pan. This prevents sticking and adds flavor to your sunny side up eggs.</a:t>
             </a:r>
             <a:endParaRPr sz="1800">
               <a:solidFill>
@@ -6818,12 +4202,12 @@
           </a:ln>
         </p:spPr>
         <p:txBody>
-          <a:bodyPr spcFirstLastPara="1" wrap="square" lIns="91425" tIns="91425" rIns="91425" bIns="91425" anchor="ctr" anchorCtr="0">
+          <a:bodyPr anchorCtr="0" anchor="ctr" bIns="91425" lIns="91425" spcFirstLastPara="1" rIns="91425" wrap="square" tIns="91425">
             <a:noAutofit/>
           </a:bodyPr>
           <a:lstStyle/>
           <a:p>
-            <a:pPr marL="0" lvl="0" indent="0" algn="l" rtl="0">
+            <a:pPr indent="0" lvl="0" marL="0" rtl="0" algn="l">
               <a:spcBef>
                 <a:spcPts val="0"/>
               </a:spcBef>
@@ -6832,6 +4216,9 @@
               </a:spcAft>
               <a:buNone/>
             </a:pPr>
+            <a:r>
+              <a:t/>
+            </a:r>
             <a:endParaRPr/>
           </a:p>
         </p:txBody>
@@ -6858,12 +4245,12 @@
           </a:ln>
         </p:spPr>
         <p:txBody>
-          <a:bodyPr spcFirstLastPara="1" wrap="square" lIns="91425" tIns="91425" rIns="91425" bIns="91425" anchor="ctr" anchorCtr="0">
+          <a:bodyPr anchorCtr="0" anchor="ctr" bIns="91425" lIns="91425" spcFirstLastPara="1" rIns="91425" wrap="square" tIns="91425">
             <a:noAutofit/>
           </a:bodyPr>
           <a:lstStyle/>
           <a:p>
-            <a:pPr marL="0" lvl="0" indent="0" algn="l" rtl="0">
+            <a:pPr indent="0" lvl="0" marL="0" rtl="0" algn="l">
               <a:spcBef>
                 <a:spcPts val="0"/>
               </a:spcBef>
@@ -6872,6 +4259,9 @@
               </a:spcAft>
               <a:buNone/>
             </a:pPr>
+            <a:r>
+              <a:t/>
+            </a:r>
             <a:endParaRPr/>
           </a:p>
         </p:txBody>
@@ -6916,12 +4306,12 @@
           </a:ln>
         </p:spPr>
         <p:txBody>
-          <a:bodyPr spcFirstLastPara="1" wrap="square" lIns="91425" tIns="91425" rIns="91425" bIns="91425" anchor="ctr" anchorCtr="0">
+          <a:bodyPr anchorCtr="0" anchor="ctr" bIns="91425" lIns="91425" spcFirstLastPara="1" rIns="91425" wrap="square" tIns="91425">
             <a:noAutofit/>
           </a:bodyPr>
           <a:lstStyle/>
           <a:p>
-            <a:pPr marL="0" lvl="0" indent="0" algn="l" rtl="0">
+            <a:pPr indent="0" lvl="0" marL="0" rtl="0" algn="l">
               <a:spcBef>
                 <a:spcPts val="0"/>
               </a:spcBef>
@@ -6930,6 +4320,9 @@
               </a:spcAft>
               <a:buNone/>
             </a:pPr>
+            <a:r>
+              <a:t/>
+            </a:r>
             <a:endParaRPr/>
           </a:p>
         </p:txBody>
@@ -6956,12 +4349,12 @@
           </a:ln>
         </p:spPr>
         <p:txBody>
-          <a:bodyPr spcFirstLastPara="1" wrap="square" lIns="91425" tIns="91425" rIns="91425" bIns="91425" anchor="ctr" anchorCtr="0">
+          <a:bodyPr anchorCtr="0" anchor="ctr" bIns="91425" lIns="91425" spcFirstLastPara="1" rIns="91425" wrap="square" tIns="91425">
             <a:noAutofit/>
           </a:bodyPr>
           <a:lstStyle/>
           <a:p>
-            <a:pPr marL="0" lvl="0" indent="0" algn="l" rtl="0">
+            <a:pPr indent="0" lvl="0" marL="0" rtl="0" algn="l">
               <a:spcBef>
                 <a:spcPts val="0"/>
               </a:spcBef>
@@ -6970,6 +4363,9 @@
               </a:spcAft>
               <a:buNone/>
             </a:pPr>
+            <a:r>
+              <a:t/>
+            </a:r>
             <a:endParaRPr/>
           </a:p>
         </p:txBody>
@@ -6994,12 +4390,12 @@
           </a:ln>
         </p:spPr>
         <p:txBody>
-          <a:bodyPr spcFirstLastPara="1" wrap="square" lIns="91425" tIns="91425" rIns="91425" bIns="91425" anchor="t" anchorCtr="0">
-            <a:noAutofit/>
+          <a:bodyPr anchorCtr="0" anchor="t" bIns="91425" lIns="91425" spcFirstLastPara="1" rIns="91425" wrap="square" tIns="91425">
+            <a:normAutofit lnSpcReduction="10000"/>
           </a:bodyPr>
           <a:lstStyle/>
           <a:p>
-            <a:pPr marL="0" lvl="0" indent="0" algn="l" rtl="0">
+            <a:pPr indent="0" lvl="0" marL="0" rtl="0" algn="l">
               <a:spcBef>
                 <a:spcPts val="0"/>
               </a:spcBef>
@@ -7015,7 +4411,7 @@
                 <a:cs typeface="Bungee"/>
                 <a:sym typeface="Bungee"/>
               </a:rPr>
-              <a:t>The Original de_nuke: Features and Gameplay</a:t>
+              <a:t>Step 4: Crack the Egg</a:t>
             </a:r>
             <a:endParaRPr sz="2800">
               <a:solidFill>
@@ -7038,7 +4434,7 @@
         <p:spPr>
           <a:xfrm>
             <a:off x="311700" y="1152475"/>
-            <a:ext cx="7422525" cy="3416400"/>
+            <a:ext cx="8520600" cy="3416400"/>
           </a:xfrm>
           <a:prstGeom prst="rect">
             <a:avLst/>
@@ -7049,12 +4445,12 @@
           </a:ln>
         </p:spPr>
         <p:txBody>
-          <a:bodyPr spcFirstLastPara="1" wrap="square" lIns="91425" tIns="91425" rIns="91425" bIns="91425" anchor="t" anchorCtr="0">
+          <a:bodyPr anchorCtr="0" anchor="t" bIns="91425" lIns="91425" spcFirstLastPara="1" rIns="91425" wrap="square" tIns="91425">
             <a:noAutofit/>
           </a:bodyPr>
           <a:lstStyle/>
           <a:p>
-            <a:pPr marL="0" lvl="0" indent="0" algn="l" rtl="0">
+            <a:pPr indent="0" lvl="0" marL="0" rtl="0" algn="l">
               <a:lnSpc>
                 <a:spcPct val="115000"/>
               </a:lnSpc>
@@ -7076,7 +4472,7 @@
                 <a:cs typeface="Oswald"/>
                 <a:sym typeface="Oswald"/>
               </a:rPr>
-              <a:t>Step back in time to the release of the original de_nuke, examining its features and how it shaped the gameplay experience.</a:t>
+              <a:t>Carefully crack the egg into a small bowl to avoid shell fragments. Then gently slide the egg from the bowl into the pan. This helps keep the yolk intact for that perfect sunny side up appearance.</a:t>
             </a:r>
             <a:endParaRPr sz="1800">
               <a:solidFill>
@@ -7112,12 +4508,12 @@
           </a:ln>
         </p:spPr>
         <p:txBody>
-          <a:bodyPr spcFirstLastPara="1" wrap="square" lIns="91425" tIns="91425" rIns="91425" bIns="91425" anchor="ctr" anchorCtr="0">
+          <a:bodyPr anchorCtr="0" anchor="ctr" bIns="91425" lIns="91425" spcFirstLastPara="1" rIns="91425" wrap="square" tIns="91425">
             <a:noAutofit/>
           </a:bodyPr>
           <a:lstStyle/>
           <a:p>
-            <a:pPr marL="0" lvl="0" indent="0" algn="l" rtl="0">
+            <a:pPr indent="0" lvl="0" marL="0" rtl="0" algn="l">
               <a:spcBef>
                 <a:spcPts val="0"/>
               </a:spcBef>
@@ -7126,6 +4522,9 @@
               </a:spcAft>
               <a:buNone/>
             </a:pPr>
+            <a:r>
+              <a:t/>
+            </a:r>
             <a:endParaRPr/>
           </a:p>
         </p:txBody>
@@ -7152,12 +4551,12 @@
           </a:ln>
         </p:spPr>
         <p:txBody>
-          <a:bodyPr spcFirstLastPara="1" wrap="square" lIns="91425" tIns="91425" rIns="91425" bIns="91425" anchor="ctr" anchorCtr="0">
+          <a:bodyPr anchorCtr="0" anchor="ctr" bIns="91425" lIns="91425" spcFirstLastPara="1" rIns="91425" wrap="square" tIns="91425">
             <a:noAutofit/>
           </a:bodyPr>
           <a:lstStyle/>
           <a:p>
-            <a:pPr marL="0" lvl="0" indent="0" algn="l" rtl="0">
+            <a:pPr indent="0" lvl="0" marL="0" rtl="0" algn="l">
               <a:spcBef>
                 <a:spcPts val="0"/>
               </a:spcBef>
@@ -7166,6 +4565,9 @@
               </a:spcAft>
               <a:buNone/>
             </a:pPr>
+            <a:r>
+              <a:t/>
+            </a:r>
             <a:endParaRPr/>
           </a:p>
         </p:txBody>
@@ -7210,12 +4612,12 @@
           </a:ln>
         </p:spPr>
         <p:txBody>
-          <a:bodyPr spcFirstLastPara="1" wrap="square" lIns="91425" tIns="91425" rIns="91425" bIns="91425" anchor="ctr" anchorCtr="0">
+          <a:bodyPr anchorCtr="0" anchor="ctr" bIns="91425" lIns="91425" spcFirstLastPara="1" rIns="91425" wrap="square" tIns="91425">
             <a:noAutofit/>
           </a:bodyPr>
           <a:lstStyle/>
           <a:p>
-            <a:pPr marL="0" lvl="0" indent="0" algn="l" rtl="0">
+            <a:pPr indent="0" lvl="0" marL="0" rtl="0" algn="l">
               <a:spcBef>
                 <a:spcPts val="0"/>
               </a:spcBef>
@@ -7224,6 +4626,9 @@
               </a:spcAft>
               <a:buNone/>
             </a:pPr>
+            <a:r>
+              <a:t/>
+            </a:r>
             <a:endParaRPr/>
           </a:p>
         </p:txBody>
@@ -7250,12 +4655,12 @@
           </a:ln>
         </p:spPr>
         <p:txBody>
-          <a:bodyPr spcFirstLastPara="1" wrap="square" lIns="91425" tIns="91425" rIns="91425" bIns="91425" anchor="ctr" anchorCtr="0">
+          <a:bodyPr anchorCtr="0" anchor="ctr" bIns="91425" lIns="91425" spcFirstLastPara="1" rIns="91425" wrap="square" tIns="91425">
             <a:noAutofit/>
           </a:bodyPr>
           <a:lstStyle/>
           <a:p>
-            <a:pPr marL="0" lvl="0" indent="0" algn="l" rtl="0">
+            <a:pPr indent="0" lvl="0" marL="0" rtl="0" algn="l">
               <a:spcBef>
                 <a:spcPts val="0"/>
               </a:spcBef>
@@ -7264,6 +4669,9 @@
               </a:spcAft>
               <a:buNone/>
             </a:pPr>
+            <a:r>
+              <a:t/>
+            </a:r>
             <a:endParaRPr/>
           </a:p>
         </p:txBody>
@@ -7288,12 +4696,12 @@
           </a:ln>
         </p:spPr>
         <p:txBody>
-          <a:bodyPr spcFirstLastPara="1" wrap="square" lIns="91425" tIns="91425" rIns="91425" bIns="91425" anchor="t" anchorCtr="0">
-            <a:noAutofit/>
+          <a:bodyPr anchorCtr="0" anchor="t" bIns="91425" lIns="91425" spcFirstLastPara="1" rIns="91425" wrap="square" tIns="91425">
+            <a:normAutofit lnSpcReduction="10000"/>
           </a:bodyPr>
           <a:lstStyle/>
           <a:p>
-            <a:pPr marL="0" lvl="0" indent="0" algn="l" rtl="0">
+            <a:pPr indent="0" lvl="0" marL="0" rtl="0" algn="l">
               <a:spcBef>
                 <a:spcPts val="0"/>
               </a:spcBef>
@@ -7309,7 +4717,7 @@
                 <a:cs typeface="Bungee"/>
                 <a:sym typeface="Bungee"/>
               </a:rPr>
-              <a:t>Early Changes and Revisions to de_nuke</a:t>
+              <a:t>Step 5: Cook on Low Heat</a:t>
             </a:r>
             <a:endParaRPr sz="2800">
               <a:solidFill>
@@ -7332,7 +4740,7 @@
         <p:spPr>
           <a:xfrm>
             <a:off x="311700" y="1152475"/>
-            <a:ext cx="7422525" cy="3416400"/>
+            <a:ext cx="8520600" cy="3416400"/>
           </a:xfrm>
           <a:prstGeom prst="rect">
             <a:avLst/>
@@ -7343,12 +4751,12 @@
           </a:ln>
         </p:spPr>
         <p:txBody>
-          <a:bodyPr spcFirstLastPara="1" wrap="square" lIns="91425" tIns="91425" rIns="91425" bIns="91425" anchor="t" anchorCtr="0">
+          <a:bodyPr anchorCtr="0" anchor="t" bIns="91425" lIns="91425" spcFirstLastPara="1" rIns="91425" wrap="square" tIns="91425">
             <a:noAutofit/>
           </a:bodyPr>
           <a:lstStyle/>
           <a:p>
-            <a:pPr marL="0" lvl="0" indent="0" algn="l" rtl="0">
+            <a:pPr indent="0" lvl="0" marL="0" rtl="0" algn="l">
               <a:lnSpc>
                 <a:spcPct val="115000"/>
               </a:lnSpc>
@@ -7370,7 +4778,7 @@
                 <a:cs typeface="Oswald"/>
                 <a:sym typeface="Oswald"/>
               </a:rPr>
-              <a:t>Trace the early evolution of de_nuke, highlighting key changes that addressed initial player feedback and gameplay balance.</a:t>
+              <a:t>Reduce the heat to low immediately after adding the egg. This allows the egg white to slowly firm up without overcooking the yolk, keeping it runny and warm.</a:t>
             </a:r>
             <a:endParaRPr sz="1800">
               <a:solidFill>
@@ -7406,12 +4814,12 @@
           </a:ln>
         </p:spPr>
         <p:txBody>
-          <a:bodyPr spcFirstLastPara="1" wrap="square" lIns="91425" tIns="91425" rIns="91425" bIns="91425" anchor="ctr" anchorCtr="0">
+          <a:bodyPr anchorCtr="0" anchor="ctr" bIns="91425" lIns="91425" spcFirstLastPara="1" rIns="91425" wrap="square" tIns="91425">
             <a:noAutofit/>
           </a:bodyPr>
           <a:lstStyle/>
           <a:p>
-            <a:pPr marL="0" lvl="0" indent="0" algn="l" rtl="0">
+            <a:pPr indent="0" lvl="0" marL="0" rtl="0" algn="l">
               <a:spcBef>
                 <a:spcPts val="0"/>
               </a:spcBef>
@@ -7420,6 +4828,9 @@
               </a:spcAft>
               <a:buNone/>
             </a:pPr>
+            <a:r>
+              <a:t/>
+            </a:r>
             <a:endParaRPr/>
           </a:p>
         </p:txBody>
@@ -7446,12 +4857,12 @@
           </a:ln>
         </p:spPr>
         <p:txBody>
-          <a:bodyPr spcFirstLastPara="1" wrap="square" lIns="91425" tIns="91425" rIns="91425" bIns="91425" anchor="ctr" anchorCtr="0">
+          <a:bodyPr anchorCtr="0" anchor="ctr" bIns="91425" lIns="91425" spcFirstLastPara="1" rIns="91425" wrap="square" tIns="91425">
             <a:noAutofit/>
           </a:bodyPr>
           <a:lstStyle/>
           <a:p>
-            <a:pPr marL="0" lvl="0" indent="0" algn="l" rtl="0">
+            <a:pPr indent="0" lvl="0" marL="0" rtl="0" algn="l">
               <a:spcBef>
                 <a:spcPts val="0"/>
               </a:spcBef>
@@ -7460,6 +4871,9 @@
               </a:spcAft>
               <a:buNone/>
             </a:pPr>
+            <a:r>
+              <a:t/>
+            </a:r>
             <a:endParaRPr/>
           </a:p>
         </p:txBody>
@@ -7504,12 +4918,12 @@
           </a:ln>
         </p:spPr>
         <p:txBody>
-          <a:bodyPr spcFirstLastPara="1" wrap="square" lIns="91425" tIns="91425" rIns="91425" bIns="91425" anchor="ctr" anchorCtr="0">
+          <a:bodyPr anchorCtr="0" anchor="ctr" bIns="91425" lIns="91425" spcFirstLastPara="1" rIns="91425" wrap="square" tIns="91425">
             <a:noAutofit/>
           </a:bodyPr>
           <a:lstStyle/>
           <a:p>
-            <a:pPr marL="0" lvl="0" indent="0" algn="l" rtl="0">
+            <a:pPr indent="0" lvl="0" marL="0" rtl="0" algn="l">
               <a:spcBef>
                 <a:spcPts val="0"/>
               </a:spcBef>
@@ -7518,6 +4932,9 @@
               </a:spcAft>
               <a:buNone/>
             </a:pPr>
+            <a:r>
+              <a:t/>
+            </a:r>
             <a:endParaRPr/>
           </a:p>
         </p:txBody>
@@ -7544,12 +4961,12 @@
           </a:ln>
         </p:spPr>
         <p:txBody>
-          <a:bodyPr spcFirstLastPara="1" wrap="square" lIns="91425" tIns="91425" rIns="91425" bIns="91425" anchor="ctr" anchorCtr="0">
+          <a:bodyPr anchorCtr="0" anchor="ctr" bIns="91425" lIns="91425" spcFirstLastPara="1" rIns="91425" wrap="square" tIns="91425">
             <a:noAutofit/>
           </a:bodyPr>
           <a:lstStyle/>
           <a:p>
-            <a:pPr marL="0" lvl="0" indent="0" algn="l" rtl="0">
+            <a:pPr indent="0" lvl="0" marL="0" rtl="0" algn="l">
               <a:spcBef>
                 <a:spcPts val="0"/>
               </a:spcBef>
@@ -7558,6 +4975,9 @@
               </a:spcAft>
               <a:buNone/>
             </a:pPr>
+            <a:r>
+              <a:t/>
+            </a:r>
             <a:endParaRPr/>
           </a:p>
         </p:txBody>
@@ -7582,12 +5002,12 @@
           </a:ln>
         </p:spPr>
         <p:txBody>
-          <a:bodyPr spcFirstLastPara="1" wrap="square" lIns="91425" tIns="91425" rIns="91425" bIns="91425" anchor="t" anchorCtr="0">
-            <a:noAutofit/>
+          <a:bodyPr anchorCtr="0" anchor="t" bIns="91425" lIns="91425" spcFirstLastPara="1" rIns="91425" wrap="square" tIns="91425">
+            <a:normAutofit lnSpcReduction="10000"/>
           </a:bodyPr>
           <a:lstStyle/>
           <a:p>
-            <a:pPr marL="0" lvl="0" indent="0" algn="l" rtl="0">
+            <a:pPr indent="0" lvl="0" marL="0" rtl="0" algn="l">
               <a:spcBef>
                 <a:spcPts val="0"/>
               </a:spcBef>
@@ -7603,7 +5023,7 @@
                 <a:cs typeface="Bungee"/>
                 <a:sym typeface="Bungee"/>
               </a:rPr>
-              <a:t>Competitive Play: de_nuke's Role in Early Tournaments</a:t>
+              <a:t>Step 6: Cover with a Lid (Optional)</a:t>
             </a:r>
             <a:endParaRPr sz="2800">
               <a:solidFill>
@@ -7626,7 +5046,7 @@
         <p:spPr>
           <a:xfrm>
             <a:off x="311700" y="1152475"/>
-            <a:ext cx="7422525" cy="3416400"/>
+            <a:ext cx="8520600" cy="3416400"/>
           </a:xfrm>
           <a:prstGeom prst="rect">
             <a:avLst/>
@@ -7637,12 +5057,12 @@
           </a:ln>
         </p:spPr>
         <p:txBody>
-          <a:bodyPr spcFirstLastPara="1" wrap="square" lIns="91425" tIns="91425" rIns="91425" bIns="91425" anchor="t" anchorCtr="0">
+          <a:bodyPr anchorCtr="0" anchor="t" bIns="91425" lIns="91425" spcFirstLastPara="1" rIns="91425" wrap="square" tIns="91425">
             <a:noAutofit/>
           </a:bodyPr>
           <a:lstStyle/>
           <a:p>
-            <a:pPr marL="0" lvl="0" indent="0" algn="l" rtl="0">
+            <a:pPr indent="0" lvl="0" marL="0" rtl="0" algn="l">
               <a:lnSpc>
                 <a:spcPct val="115000"/>
               </a:lnSpc>
@@ -7664,7 +5084,7 @@
                 <a:cs typeface="Oswald"/>
                 <a:sym typeface="Oswald"/>
               </a:rPr>
-              <a:t>Explore how de_nuke became a staple in competitive play, featuring in some of the most pivotal early tournaments.</a:t>
+              <a:t>Covering the pan with a lid creates steam that helps cook the top of the egg. This step is optional but can result in more evenly cooked egg whites while keeping the yolk runny.</a:t>
             </a:r>
             <a:endParaRPr sz="1800">
               <a:solidFill>
@@ -7700,12 +5120,12 @@
           </a:ln>
         </p:spPr>
         <p:txBody>
-          <a:bodyPr spcFirstLastPara="1" wrap="square" lIns="91425" tIns="91425" rIns="91425" bIns="91425" anchor="ctr" anchorCtr="0">
+          <a:bodyPr anchorCtr="0" anchor="ctr" bIns="91425" lIns="91425" spcFirstLastPara="1" rIns="91425" wrap="square" tIns="91425">
             <a:noAutofit/>
           </a:bodyPr>
           <a:lstStyle/>
           <a:p>
-            <a:pPr marL="0" lvl="0" indent="0" algn="l" rtl="0">
+            <a:pPr indent="0" lvl="0" marL="0" rtl="0" algn="l">
               <a:spcBef>
                 <a:spcPts val="0"/>
               </a:spcBef>
@@ -7714,6 +5134,9 @@
               </a:spcAft>
               <a:buNone/>
             </a:pPr>
+            <a:r>
+              <a:t/>
+            </a:r>
             <a:endParaRPr/>
           </a:p>
         </p:txBody>
@@ -7740,12 +5163,12 @@
           </a:ln>
         </p:spPr>
         <p:txBody>
-          <a:bodyPr spcFirstLastPara="1" wrap="square" lIns="91425" tIns="91425" rIns="91425" bIns="91425" anchor="ctr" anchorCtr="0">
+          <a:bodyPr anchorCtr="0" anchor="ctr" bIns="91425" lIns="91425" spcFirstLastPara="1" rIns="91425" wrap="square" tIns="91425">
             <a:noAutofit/>
           </a:bodyPr>
           <a:lstStyle/>
           <a:p>
-            <a:pPr marL="0" lvl="0" indent="0" algn="l" rtl="0">
+            <a:pPr indent="0" lvl="0" marL="0" rtl="0" algn="l">
               <a:spcBef>
                 <a:spcPts val="0"/>
               </a:spcBef>
@@ -7754,6 +5177,9 @@
               </a:spcAft>
               <a:buNone/>
             </a:pPr>
+            <a:r>
+              <a:t/>
+            </a:r>
             <a:endParaRPr/>
           </a:p>
         </p:txBody>
@@ -7798,12 +5224,12 @@
           </a:ln>
         </p:spPr>
         <p:txBody>
-          <a:bodyPr spcFirstLastPara="1" wrap="square" lIns="91425" tIns="91425" rIns="91425" bIns="91425" anchor="ctr" anchorCtr="0">
+          <a:bodyPr anchorCtr="0" anchor="ctr" bIns="91425" lIns="91425" spcFirstLastPara="1" rIns="91425" wrap="square" tIns="91425">
             <a:noAutofit/>
           </a:bodyPr>
           <a:lstStyle/>
           <a:p>
-            <a:pPr marL="0" lvl="0" indent="0" algn="l" rtl="0">
+            <a:pPr indent="0" lvl="0" marL="0" rtl="0" algn="l">
               <a:spcBef>
                 <a:spcPts val="0"/>
               </a:spcBef>
@@ -7812,6 +5238,9 @@
               </a:spcAft>
               <a:buNone/>
             </a:pPr>
+            <a:r>
+              <a:t/>
+            </a:r>
             <a:endParaRPr/>
           </a:p>
         </p:txBody>
@@ -7838,12 +5267,12 @@
           </a:ln>
         </p:spPr>
         <p:txBody>
-          <a:bodyPr spcFirstLastPara="1" wrap="square" lIns="91425" tIns="91425" rIns="91425" bIns="91425" anchor="ctr" anchorCtr="0">
+          <a:bodyPr anchorCtr="0" anchor="ctr" bIns="91425" lIns="91425" spcFirstLastPara="1" rIns="91425" wrap="square" tIns="91425">
             <a:noAutofit/>
           </a:bodyPr>
           <a:lstStyle/>
           <a:p>
-            <a:pPr marL="0" lvl="0" indent="0" algn="l" rtl="0">
+            <a:pPr indent="0" lvl="0" marL="0" rtl="0" algn="l">
               <a:spcBef>
                 <a:spcPts val="0"/>
               </a:spcBef>
@@ -7852,6 +5281,9 @@
               </a:spcAft>
               <a:buNone/>
             </a:pPr>
+            <a:r>
+              <a:t/>
+            </a:r>
             <a:endParaRPr/>
           </a:p>
         </p:txBody>
@@ -7876,12 +5308,12 @@
           </a:ln>
         </p:spPr>
         <p:txBody>
-          <a:bodyPr spcFirstLastPara="1" wrap="square" lIns="91425" tIns="91425" rIns="91425" bIns="91425" anchor="t" anchorCtr="0">
-            <a:noAutofit/>
+          <a:bodyPr anchorCtr="0" anchor="t" bIns="91425" lIns="91425" spcFirstLastPara="1" rIns="91425" wrap="square" tIns="91425">
+            <a:normAutofit lnSpcReduction="10000"/>
           </a:bodyPr>
           <a:lstStyle/>
           <a:p>
-            <a:pPr marL="0" lvl="0" indent="0" algn="l" rtl="0">
+            <a:pPr indent="0" lvl="0" marL="0" rtl="0" algn="l">
               <a:spcBef>
                 <a:spcPts val="0"/>
               </a:spcBef>
@@ -7897,7 +5329,7 @@
                 <a:cs typeface="Bungee"/>
                 <a:sym typeface="Bungee"/>
               </a:rPr>
-              <a:t>The Evolution of de_nuke: Version Updates and Overhauls</a:t>
+              <a:t>Step 7: Check the Whites</a:t>
             </a:r>
             <a:endParaRPr sz="2800">
               <a:solidFill>
@@ -7920,7 +5352,7 @@
         <p:spPr>
           <a:xfrm>
             <a:off x="311700" y="1152475"/>
-            <a:ext cx="7422525" cy="3416400"/>
+            <a:ext cx="8520600" cy="3416400"/>
           </a:xfrm>
           <a:prstGeom prst="rect">
             <a:avLst/>
@@ -7931,12 +5363,12 @@
           </a:ln>
         </p:spPr>
         <p:txBody>
-          <a:bodyPr spcFirstLastPara="1" wrap="square" lIns="91425" tIns="91425" rIns="91425" bIns="91425" anchor="t" anchorCtr="0">
+          <a:bodyPr anchorCtr="0" anchor="t" bIns="91425" lIns="91425" spcFirstLastPara="1" rIns="91425" wrap="square" tIns="91425">
             <a:noAutofit/>
           </a:bodyPr>
           <a:lstStyle/>
           <a:p>
-            <a:pPr marL="0" lvl="0" indent="0" algn="l" rtl="0">
+            <a:pPr indent="0" lvl="0" marL="0" rtl="0" algn="l">
               <a:lnSpc>
                 <a:spcPct val="115000"/>
               </a:lnSpc>
@@ -7958,7 +5390,7 @@
                 <a:cs typeface="Oswald"/>
                 <a:sym typeface="Oswald"/>
               </a:rPr>
-              <a:t>Follow the timeline of de_nuke's major version updates and overhauls that have kept it relevant in the evolving landscape of Counter-Strike.</a:t>
+              <a:t>Cook until the whites are fully set but the yolk remains runny. Peek under the lid periodically to avoid overcooking. The egg is ready when the edges are slightly crispy and the whites are no longer translucent.</a:t>
             </a:r>
             <a:endParaRPr sz="1800">
               <a:solidFill>
@@ -7994,12 +5426,12 @@
           </a:ln>
         </p:spPr>
         <p:txBody>
-          <a:bodyPr spcFirstLastPara="1" wrap="square" lIns="91425" tIns="91425" rIns="91425" bIns="91425" anchor="ctr" anchorCtr="0">
+          <a:bodyPr anchorCtr="0" anchor="ctr" bIns="91425" lIns="91425" spcFirstLastPara="1" rIns="91425" wrap="square" tIns="91425">
             <a:noAutofit/>
           </a:bodyPr>
           <a:lstStyle/>
           <a:p>
-            <a:pPr marL="0" lvl="0" indent="0" algn="l" rtl="0">
+            <a:pPr indent="0" lvl="0" marL="0" rtl="0" algn="l">
               <a:spcBef>
                 <a:spcPts val="0"/>
               </a:spcBef>
@@ -8008,6 +5440,9 @@
               </a:spcAft>
               <a:buNone/>
             </a:pPr>
+            <a:r>
+              <a:t/>
+            </a:r>
             <a:endParaRPr/>
           </a:p>
         </p:txBody>
@@ -8034,12 +5469,12 @@
           </a:ln>
         </p:spPr>
         <p:txBody>
-          <a:bodyPr spcFirstLastPara="1" wrap="square" lIns="91425" tIns="91425" rIns="91425" bIns="91425" anchor="ctr" anchorCtr="0">
+          <a:bodyPr anchorCtr="0" anchor="ctr" bIns="91425" lIns="91425" spcFirstLastPara="1" rIns="91425" wrap="square" tIns="91425">
             <a:noAutofit/>
           </a:bodyPr>
           <a:lstStyle/>
           <a:p>
-            <a:pPr marL="0" lvl="0" indent="0" algn="l" rtl="0">
+            <a:pPr indent="0" lvl="0" marL="0" rtl="0" algn="l">
               <a:spcBef>
                 <a:spcPts val="0"/>
               </a:spcBef>
@@ -8048,6 +5483,9 @@
               </a:spcAft>
               <a:buNone/>
             </a:pPr>
+            <a:r>
+              <a:t/>
+            </a:r>
             <a:endParaRPr/>
           </a:p>
         </p:txBody>
@@ -8092,12 +5530,12 @@
           </a:ln>
         </p:spPr>
         <p:txBody>
-          <a:bodyPr spcFirstLastPara="1" wrap="square" lIns="91425" tIns="91425" rIns="91425" bIns="91425" anchor="ctr" anchorCtr="0">
+          <a:bodyPr anchorCtr="0" anchor="ctr" bIns="91425" lIns="91425" spcFirstLastPara="1" rIns="91425" wrap="square" tIns="91425">
             <a:noAutofit/>
           </a:bodyPr>
           <a:lstStyle/>
           <a:p>
-            <a:pPr marL="0" lvl="0" indent="0" algn="l" rtl="0">
+            <a:pPr indent="0" lvl="0" marL="0" rtl="0" algn="l">
               <a:spcBef>
                 <a:spcPts val="0"/>
               </a:spcBef>
@@ -8106,6 +5544,9 @@
               </a:spcAft>
               <a:buNone/>
             </a:pPr>
+            <a:r>
+              <a:t/>
+            </a:r>
             <a:endParaRPr/>
           </a:p>
         </p:txBody>
@@ -8132,12 +5573,12 @@
           </a:ln>
         </p:spPr>
         <p:txBody>
-          <a:bodyPr spcFirstLastPara="1" wrap="square" lIns="91425" tIns="91425" rIns="91425" bIns="91425" anchor="ctr" anchorCtr="0">
+          <a:bodyPr anchorCtr="0" anchor="ctr" bIns="91425" lIns="91425" spcFirstLastPara="1" rIns="91425" wrap="square" tIns="91425">
             <a:noAutofit/>
           </a:bodyPr>
           <a:lstStyle/>
           <a:p>
-            <a:pPr marL="0" lvl="0" indent="0" algn="l" rtl="0">
+            <a:pPr indent="0" lvl="0" marL="0" rtl="0" algn="l">
               <a:spcBef>
                 <a:spcPts val="0"/>
               </a:spcBef>
@@ -8146,6 +5587,9 @@
               </a:spcAft>
               <a:buNone/>
             </a:pPr>
+            <a:r>
+              <a:t/>
+            </a:r>
             <a:endParaRPr/>
           </a:p>
         </p:txBody>
@@ -8170,12 +5614,12 @@
           </a:ln>
         </p:spPr>
         <p:txBody>
-          <a:bodyPr spcFirstLastPara="1" wrap="square" lIns="91425" tIns="91425" rIns="91425" bIns="91425" anchor="t" anchorCtr="0">
-            <a:noAutofit/>
+          <a:bodyPr anchorCtr="0" anchor="t" bIns="91425" lIns="91425" spcFirstLastPara="1" rIns="91425" wrap="square" tIns="91425">
+            <a:normAutofit lnSpcReduction="10000"/>
           </a:bodyPr>
           <a:lstStyle/>
           <a:p>
-            <a:pPr marL="0" lvl="0" indent="0" algn="l" rtl="0">
+            <a:pPr indent="0" lvl="0" marL="0" rtl="0" algn="l">
               <a:spcBef>
                 <a:spcPts val="0"/>
               </a:spcBef>
@@ -8191,7 +5635,7 @@
                 <a:cs typeface="Bungee"/>
                 <a:sym typeface="Bungee"/>
               </a:rPr>
-              <a:t>Gameplay Mechanics: How de_nuke's Design Influences Strategies</a:t>
+              <a:t>Step 8: Serve and Enjoy</a:t>
             </a:r>
             <a:endParaRPr sz="2800">
               <a:solidFill>
@@ -8214,7 +5658,7 @@
         <p:spPr>
           <a:xfrm>
             <a:off x="311700" y="1152475"/>
-            <a:ext cx="7422525" cy="3416400"/>
+            <a:ext cx="8520600" cy="3416400"/>
           </a:xfrm>
           <a:prstGeom prst="rect">
             <a:avLst/>
@@ -8225,12 +5669,12 @@
           </a:ln>
         </p:spPr>
         <p:txBody>
-          <a:bodyPr spcFirstLastPara="1" wrap="square" lIns="91425" tIns="91425" rIns="91425" bIns="91425" anchor="t" anchorCtr="0">
+          <a:bodyPr anchorCtr="0" anchor="t" bIns="91425" lIns="91425" spcFirstLastPara="1" rIns="91425" wrap="square" tIns="91425">
             <a:noAutofit/>
           </a:bodyPr>
           <a:lstStyle/>
           <a:p>
-            <a:pPr marL="0" lvl="0" indent="0" algn="l" rtl="0">
+            <a:pPr indent="0" lvl="0" marL="0" rtl="0" algn="l">
               <a:lnSpc>
                 <a:spcPct val="115000"/>
               </a:lnSpc>
@@ -8252,7 +5696,7 @@
                 <a:cs typeface="Oswald"/>
                 <a:sym typeface="Oswald"/>
               </a:rPr>
-              <a:t>Delve into the unique gameplay mechanics of de_nuke and analyze how its design has influenced team strategies and playstyles.</a:t>
+              <a:t>Once the egg is cooked to your liking, use the spatula to gently slide it onto a plate. Season with salt and pepper as desired, and enjoy your delicious sunny side up egg!</a:t>
             </a:r>
             <a:endParaRPr sz="1800">
               <a:solidFill>
@@ -8288,12 +5732,12 @@
           </a:ln>
         </p:spPr>
         <p:txBody>
-          <a:bodyPr spcFirstLastPara="1" wrap="square" lIns="91425" tIns="91425" rIns="91425" bIns="91425" anchor="ctr" anchorCtr="0">
+          <a:bodyPr anchorCtr="0" anchor="ctr" bIns="91425" lIns="91425" spcFirstLastPara="1" rIns="91425" wrap="square" tIns="91425">
             <a:noAutofit/>
           </a:bodyPr>
           <a:lstStyle/>
           <a:p>
-            <a:pPr marL="0" lvl="0" indent="0" algn="l" rtl="0">
+            <a:pPr indent="0" lvl="0" marL="0" rtl="0" algn="l">
               <a:spcBef>
                 <a:spcPts val="0"/>
               </a:spcBef>
@@ -8302,6 +5746,9 @@
               </a:spcAft>
               <a:buNone/>
             </a:pPr>
+            <a:r>
+              <a:t/>
+            </a:r>
             <a:endParaRPr/>
           </a:p>
         </p:txBody>
@@ -8328,12 +5775,12 @@
           </a:ln>
         </p:spPr>
         <p:txBody>
-          <a:bodyPr spcFirstLastPara="1" wrap="square" lIns="91425" tIns="91425" rIns="91425" bIns="91425" anchor="ctr" anchorCtr="0">
+          <a:bodyPr anchorCtr="0" anchor="ctr" bIns="91425" lIns="91425" spcFirstLastPara="1" rIns="91425" wrap="square" tIns="91425">
             <a:noAutofit/>
           </a:bodyPr>
           <a:lstStyle/>
           <a:p>
-            <a:pPr marL="0" lvl="0" indent="0" algn="l" rtl="0">
+            <a:pPr indent="0" lvl="0" marL="0" rtl="0" algn="l">
               <a:spcBef>
                 <a:spcPts val="0"/>
               </a:spcBef>
@@ -8342,6 +5789,9 @@
               </a:spcAft>
               <a:buNone/>
             </a:pPr>
+            <a:r>
+              <a:t/>
+            </a:r>
             <a:endParaRPr/>
           </a:p>
         </p:txBody>

--- a/cool.pptx
+++ b/cool.pptx
@@ -14,6 +14,15 @@
     <p:sldId id="262" r:id="rId13"/>
     <p:sldId id="263" r:id="rId14"/>
     <p:sldId id="264" r:id="rId15"/>
+    <p:sldId id="265" r:id="rId16"/>
+    <p:sldId id="266" r:id="rId17"/>
+    <p:sldId id="267" r:id="rId18"/>
+    <p:sldId id="268" r:id="rId19"/>
+    <p:sldId id="269" r:id="rId20"/>
+    <p:sldId id="270" r:id="rId21"/>
+    <p:sldId id="271" r:id="rId22"/>
+    <p:sldId id="272" r:id="rId23"/>
+    <p:sldId id="273" r:id="rId24"/>
   </p:sldIdLst>
   <p:sldSz cx="9144000" cy="5143500" type="screen4x3"/>
   <p:notesSz cx="6858000" cy="9144000"/>
@@ -3321,6 +3330,2724 @@
           </a:prstGeom>
           <a:solidFill>
             <a:srgbClr val="FFB627"/>
+          </a:solidFill>
+          <a:ln>
+            <a:noFill/>
+          </a:ln>
+        </p:spPr>
+        <p:txBody>
+          <a:bodyPr anchorCtr="0" anchor="ctr" bIns="91425" lIns="91425" spcFirstLastPara="1" rIns="91425" wrap="square" tIns="91425">
+            <a:noAutofit/>
+          </a:bodyPr>
+          <a:lstStyle/>
+          <a:p>
+            <a:pPr indent="0" lvl="0" marL="0" rtl="0" algn="l">
+              <a:spcBef>
+                <a:spcPts val="0"/>
+              </a:spcBef>
+              <a:spcAft>
+                <a:spcPts val="0"/>
+              </a:spcAft>
+              <a:buNone/>
+            </a:pPr>
+            <a:r>
+              <a:t/>
+            </a:r>
+            <a:endParaRPr/>
+          </a:p>
+        </p:txBody>
+      </p:sp>
+    </p:spTree>
+  </p:cSld>
+  <p:clrMapOvr>
+    <a:masterClrMapping/>
+  </p:clrMapOvr>
+</p:sld>
+</file>
+
+<file path=ppt/slides/slide10.xml><?xml version="1.0" encoding="utf-8"?>
+<p:sld xmlns:a="http://schemas.openxmlformats.org/drawingml/2006/main" xmlns:p="http://schemas.openxmlformats.org/presentationml/2006/main" xmlns:r="http://schemas.openxmlformats.org/officeDocument/2006/relationships">
+  <p:cSld>
+    <p:spTree>
+      <p:nvGrpSpPr>
+        <p:cNvPr id="1" name=""/>
+        <p:cNvGrpSpPr/>
+        <p:nvPr/>
+      </p:nvGrpSpPr>
+      <p:grpSpPr/>
+      <p:sp>
+        <p:nvSpPr>
+          <p:cNvPr id="54" name="Google Shape;54;p13"/>
+          <p:cNvSpPr/>
+          <p:nvPr/>
+        </p:nvSpPr>
+        <p:spPr>
+          <a:xfrm rot="-5400000">
+            <a:off x="1983975" y="-2011225"/>
+            <a:ext cx="5175900" cy="9171300"/>
+          </a:xfrm>
+          <a:prstGeom prst="rtTriangle">
+            <a:avLst/>
+          </a:prstGeom>
+          <a:solidFill>
+            <a:srgbClr val="FFE599"/>
+          </a:solidFill>
+          <a:ln>
+            <a:noFill/>
+          </a:ln>
+        </p:spPr>
+        <p:txBody>
+          <a:bodyPr anchorCtr="0" anchor="ctr" bIns="91425" lIns="91425" spcFirstLastPara="1" rIns="91425" wrap="square" tIns="91425">
+            <a:noAutofit/>
+          </a:bodyPr>
+          <a:lstStyle/>
+          <a:p>
+            <a:pPr indent="0" lvl="0" marL="0" rtl="0" algn="l">
+              <a:spcBef>
+                <a:spcPts val="0"/>
+              </a:spcBef>
+              <a:spcAft>
+                <a:spcPts val="0"/>
+              </a:spcAft>
+              <a:buNone/>
+            </a:pPr>
+            <a:r>
+              <a:t/>
+            </a:r>
+            <a:endParaRPr/>
+          </a:p>
+        </p:txBody>
+      </p:sp>
+      <p:sp>
+        <p:nvSpPr>
+          <p:cNvPr id="55" name="Google Shape;55;p13"/>
+          <p:cNvSpPr/>
+          <p:nvPr/>
+        </p:nvSpPr>
+        <p:spPr>
+          <a:xfrm>
+            <a:off x="125" y="0"/>
+            <a:ext cx="9144000" cy="5143500"/>
+          </a:xfrm>
+          <a:prstGeom prst="diagStripe">
+            <a:avLst>
+              <a:gd fmla="val 50000" name="adj"/>
+            </a:avLst>
+          </a:prstGeom>
+          <a:solidFill>
+            <a:srgbClr val="FFC971"/>
+          </a:solidFill>
+          <a:ln cap="flat" cmpd="sng" w="9525">
+            <a:solidFill>
+              <a:srgbClr val="FFC971"/>
+            </a:solidFill>
+            <a:prstDash val="solid"/>
+            <a:round/>
+            <a:headEnd len="sm" w="sm" type="none"/>
+            <a:tailEnd len="sm" w="sm" type="none"/>
+          </a:ln>
+        </p:spPr>
+        <p:txBody>
+          <a:bodyPr anchorCtr="0" anchor="ctr" bIns="91425" lIns="91425" spcFirstLastPara="1" rIns="91425" wrap="square" tIns="91425">
+            <a:noAutofit/>
+          </a:bodyPr>
+          <a:lstStyle/>
+          <a:p>
+            <a:pPr indent="0" lvl="0" marL="0" rtl="0" algn="l">
+              <a:spcBef>
+                <a:spcPts val="0"/>
+              </a:spcBef>
+              <a:spcAft>
+                <a:spcPts val="0"/>
+              </a:spcAft>
+              <a:buNone/>
+            </a:pPr>
+            <a:r>
+              <a:t/>
+            </a:r>
+            <a:endParaRPr/>
+          </a:p>
+        </p:txBody>
+      </p:sp>
+      <p:sp>
+        <p:nvSpPr>
+          <p:cNvPr id="56" name="Google Shape;56;p13"/>
+          <p:cNvSpPr txBox="1"/>
+          <p:nvPr/>
+        </p:nvSpPr>
+        <p:spPr>
+          <a:xfrm>
+            <a:off x="1625008" y="973175"/>
+            <a:ext cx="7283400" cy="2052600"/>
+          </a:xfrm>
+          <a:prstGeom prst="rect">
+            <a:avLst/>
+          </a:prstGeom>
+          <a:noFill/>
+          <a:ln>
+            <a:noFill/>
+          </a:ln>
+        </p:spPr>
+        <p:txBody>
+          <a:bodyPr anchorCtr="0" anchor="b" bIns="91425" lIns="91425" spcFirstLastPara="1" rIns="91425" wrap="square" tIns="91425">
+            <a:normAutofit/>
+          </a:bodyPr>
+          <a:lstStyle/>
+          <a:p>
+            <a:pPr indent="0" lvl="0" marL="0" rtl="0" algn="ctr">
+              <a:spcBef>
+                <a:spcPts val="0"/>
+              </a:spcBef>
+              <a:spcAft>
+                <a:spcPts val="0"/>
+              </a:spcAft>
+              <a:buNone/>
+            </a:pPr>
+            <a:r>
+              <a:rPr lang="en" sz="5200">
+                <a:latin typeface="Bungee"/>
+                <a:ea typeface="Bungee"/>
+                <a:cs typeface="Bungee"/>
+                <a:sym typeface="Bungee"/>
+              </a:rPr>
+              <a:t>Sunny Side Up Eggs</a:t>
+            </a:r>
+            <a:endParaRPr sz="5200">
+              <a:solidFill>
+                <a:srgbClr val="000000"/>
+              </a:solidFill>
+              <a:latin typeface="Bungee"/>
+              <a:ea typeface="Bungee"/>
+              <a:cs typeface="Bungee"/>
+              <a:sym typeface="Bungee"/>
+            </a:endParaRPr>
+          </a:p>
+        </p:txBody>
+      </p:sp>
+      <p:sp>
+        <p:nvSpPr>
+          <p:cNvPr id="57" name="Google Shape;57;p13"/>
+          <p:cNvSpPr txBox="1"/>
+          <p:nvPr/>
+        </p:nvSpPr>
+        <p:spPr>
+          <a:xfrm>
+            <a:off x="1625001" y="3062725"/>
+            <a:ext cx="7283400" cy="792600"/>
+          </a:xfrm>
+          <a:prstGeom prst="rect">
+            <a:avLst/>
+          </a:prstGeom>
+          <a:noFill/>
+          <a:ln>
+            <a:noFill/>
+          </a:ln>
+        </p:spPr>
+        <p:txBody>
+          <a:bodyPr anchorCtr="0" anchor="t" bIns="91425" lIns="91425" spcFirstLastPara="1" rIns="91425" wrap="square" tIns="91425">
+            <a:noAutofit/>
+          </a:bodyPr>
+          <a:lstStyle/>
+          <a:p>
+            <a:pPr indent="0" lvl="0" marL="0" rtl="0" algn="ctr">
+              <a:spcBef>
+                <a:spcPts val="0"/>
+              </a:spcBef>
+              <a:spcAft>
+                <a:spcPts val="0"/>
+              </a:spcAft>
+              <a:buNone/>
+            </a:pPr>
+            <a:r>
+              <a:rPr lang="en" sz="2800">
+                <a:solidFill>
+                  <a:srgbClr val="595959"/>
+                </a:solidFill>
+                <a:latin typeface="Oswald"/>
+                <a:ea typeface="Oswald"/>
+                <a:cs typeface="Oswald"/>
+                <a:sym typeface="Oswald"/>
+              </a:rPr>
+              <a:t>8 Quick &amp; Easy Steps to the Perfect Breakfast</a:t>
+            </a:r>
+            <a:endParaRPr sz="2800">
+              <a:solidFill>
+                <a:srgbClr val="595959"/>
+              </a:solidFill>
+              <a:latin typeface="Oswald"/>
+              <a:ea typeface="Oswald"/>
+              <a:cs typeface="Oswald"/>
+              <a:sym typeface="Oswald"/>
+            </a:endParaRPr>
+          </a:p>
+        </p:txBody>
+      </p:sp>
+      <p:sp>
+        <p:nvSpPr>
+          <p:cNvPr id="58" name="Google Shape;58;p13"/>
+          <p:cNvSpPr/>
+          <p:nvPr/>
+        </p:nvSpPr>
+        <p:spPr>
+          <a:xfrm>
+            <a:off x="-928600" y="-961100"/>
+            <a:ext cx="2553600" cy="2553600"/>
+          </a:xfrm>
+          <a:prstGeom prst="donut">
+            <a:avLst>
+              <a:gd fmla="val 25000" name="adj"/>
+            </a:avLst>
+          </a:prstGeom>
+          <a:solidFill>
+            <a:srgbClr val="FFB627"/>
+          </a:solidFill>
+          <a:ln>
+            <a:noFill/>
+          </a:ln>
+        </p:spPr>
+        <p:txBody>
+          <a:bodyPr anchorCtr="0" anchor="ctr" bIns="91425" lIns="91425" spcFirstLastPara="1" rIns="91425" wrap="square" tIns="91425">
+            <a:noAutofit/>
+          </a:bodyPr>
+          <a:lstStyle/>
+          <a:p>
+            <a:pPr indent="0" lvl="0" marL="0" rtl="0" algn="l">
+              <a:spcBef>
+                <a:spcPts val="0"/>
+              </a:spcBef>
+              <a:spcAft>
+                <a:spcPts val="0"/>
+              </a:spcAft>
+              <a:buNone/>
+            </a:pPr>
+            <a:r>
+              <a:t/>
+            </a:r>
+            <a:endParaRPr/>
+          </a:p>
+        </p:txBody>
+      </p:sp>
+    </p:spTree>
+  </p:cSld>
+  <p:clrMapOvr>
+    <a:masterClrMapping/>
+  </p:clrMapOvr>
+</p:sld>
+</file>
+
+<file path=ppt/slides/slide11.xml><?xml version="1.0" encoding="utf-8"?>
+<p:sld xmlns:a="http://schemas.openxmlformats.org/drawingml/2006/main" xmlns:p="http://schemas.openxmlformats.org/presentationml/2006/main" xmlns:r="http://schemas.openxmlformats.org/officeDocument/2006/relationships">
+  <p:cSld>
+    <p:spTree>
+      <p:nvGrpSpPr>
+        <p:cNvPr id="1" name=""/>
+        <p:cNvGrpSpPr/>
+        <p:nvPr/>
+      </p:nvGrpSpPr>
+      <p:grpSpPr/>
+      <p:sp>
+        <p:nvSpPr>
+          <p:cNvPr id="63" name="Google Shape;63;p14"/>
+          <p:cNvSpPr/>
+          <p:nvPr/>
+        </p:nvSpPr>
+        <p:spPr>
+          <a:xfrm>
+            <a:off x="-54925" y="-1345525"/>
+            <a:ext cx="8816400" cy="7043400"/>
+          </a:xfrm>
+          <a:prstGeom prst="rect">
+            <a:avLst/>
+          </a:prstGeom>
+          <a:solidFill>
+            <a:srgbClr val="FFC971"/>
+          </a:solidFill>
+          <a:ln>
+            <a:noFill/>
+          </a:ln>
+        </p:spPr>
+        <p:txBody>
+          <a:bodyPr anchorCtr="0" anchor="ctr" bIns="91425" lIns="91425" spcFirstLastPara="1" rIns="91425" wrap="square" tIns="91425">
+            <a:noAutofit/>
+          </a:bodyPr>
+          <a:lstStyle/>
+          <a:p>
+            <a:pPr indent="0" lvl="0" marL="0" rtl="0" algn="l">
+              <a:spcBef>
+                <a:spcPts val="0"/>
+              </a:spcBef>
+              <a:spcAft>
+                <a:spcPts val="0"/>
+              </a:spcAft>
+              <a:buNone/>
+            </a:pPr>
+            <a:r>
+              <a:t/>
+            </a:r>
+            <a:endParaRPr/>
+          </a:p>
+        </p:txBody>
+      </p:sp>
+      <p:sp>
+        <p:nvSpPr>
+          <p:cNvPr id="64" name="Google Shape;64;p14"/>
+          <p:cNvSpPr/>
+          <p:nvPr/>
+        </p:nvSpPr>
+        <p:spPr>
+          <a:xfrm rot="-5400000">
+            <a:off x="1434900" y="-1489525"/>
+            <a:ext cx="5162400" cy="8141400"/>
+          </a:xfrm>
+          <a:prstGeom prst="rtTriangle">
+            <a:avLst/>
+          </a:prstGeom>
+          <a:solidFill>
+            <a:srgbClr val="FFE599"/>
+          </a:solidFill>
+          <a:ln>
+            <a:noFill/>
+          </a:ln>
+        </p:spPr>
+        <p:txBody>
+          <a:bodyPr anchorCtr="0" anchor="ctr" bIns="91425" lIns="91425" spcFirstLastPara="1" rIns="91425" wrap="square" tIns="91425">
+            <a:noAutofit/>
+          </a:bodyPr>
+          <a:lstStyle/>
+          <a:p>
+            <a:pPr indent="0" lvl="0" marL="0" rtl="0" algn="l">
+              <a:spcBef>
+                <a:spcPts val="0"/>
+              </a:spcBef>
+              <a:spcAft>
+                <a:spcPts val="0"/>
+              </a:spcAft>
+              <a:buNone/>
+            </a:pPr>
+            <a:r>
+              <a:t/>
+            </a:r>
+            <a:endParaRPr/>
+          </a:p>
+        </p:txBody>
+      </p:sp>
+      <p:sp>
+        <p:nvSpPr>
+          <p:cNvPr id="65" name="Google Shape;65;p14"/>
+          <p:cNvSpPr txBox="1"/>
+          <p:nvPr/>
+        </p:nvSpPr>
+        <p:spPr>
+          <a:xfrm>
+            <a:off x="311700" y="445025"/>
+            <a:ext cx="8520600" cy="572700"/>
+          </a:xfrm>
+          <a:prstGeom prst="rect">
+            <a:avLst/>
+          </a:prstGeom>
+          <a:noFill/>
+          <a:ln>
+            <a:noFill/>
+          </a:ln>
+        </p:spPr>
+        <p:txBody>
+          <a:bodyPr anchorCtr="0" anchor="t" bIns="91425" lIns="91425" spcFirstLastPara="1" rIns="91425" wrap="square" tIns="91425">
+            <a:normAutofit lnSpcReduction="10000"/>
+          </a:bodyPr>
+          <a:lstStyle/>
+          <a:p>
+            <a:pPr indent="0" lvl="0" marL="0" rtl="0" algn="l">
+              <a:spcBef>
+                <a:spcPts val="0"/>
+              </a:spcBef>
+              <a:spcAft>
+                <a:spcPts val="0"/>
+              </a:spcAft>
+              <a:buNone/>
+            </a:pPr>
+            <a:r>
+              <a:rPr lang="en" sz="2800">
+                <a:latin typeface="Bungee"/>
+                <a:ea typeface="Bungee"/>
+                <a:cs typeface="Bungee"/>
+                <a:sym typeface="Bungee"/>
+              </a:rPr>
+              <a:t>Step 1: Gather Ingredients &amp; Tools</a:t>
+            </a:r>
+            <a:endParaRPr sz="2800">
+              <a:solidFill>
+                <a:srgbClr val="000000"/>
+              </a:solidFill>
+              <a:latin typeface="Bungee"/>
+              <a:ea typeface="Bungee"/>
+              <a:cs typeface="Bungee"/>
+              <a:sym typeface="Bungee"/>
+            </a:endParaRPr>
+          </a:p>
+        </p:txBody>
+      </p:sp>
+      <p:sp>
+        <p:nvSpPr>
+          <p:cNvPr id="66" name="Google Shape;66;p14"/>
+          <p:cNvSpPr txBox="1"/>
+          <p:nvPr/>
+        </p:nvSpPr>
+        <p:spPr>
+          <a:xfrm>
+            <a:off x="311700" y="1152475"/>
+            <a:ext cx="8520600" cy="3416400"/>
+          </a:xfrm>
+          <a:prstGeom prst="rect">
+            <a:avLst/>
+          </a:prstGeom>
+          <a:noFill/>
+          <a:ln>
+            <a:noFill/>
+          </a:ln>
+        </p:spPr>
+        <p:txBody>
+          <a:bodyPr anchorCtr="0" anchor="t" bIns="91425" lIns="91425" spcFirstLastPara="1" rIns="91425" wrap="square" tIns="91425">
+            <a:noAutofit/>
+          </a:bodyPr>
+          <a:lstStyle/>
+          <a:p>
+            <a:pPr indent="0" lvl="0" marL="0" rtl="0" algn="l">
+              <a:lnSpc>
+                <a:spcPct val="115000"/>
+              </a:lnSpc>
+              <a:spcBef>
+                <a:spcPts val="0"/>
+              </a:spcBef>
+              <a:spcAft>
+                <a:spcPts val="1200"/>
+              </a:spcAft>
+              <a:buNone/>
+            </a:pPr>
+            <a:r>
+              <a:rPr lang="en" sz="1800">
+                <a:solidFill>
+                  <a:srgbClr val="595959"/>
+                </a:solidFill>
+                <a:latin typeface="Oswald"/>
+                <a:ea typeface="Oswald"/>
+                <a:cs typeface="Oswald"/>
+                <a:sym typeface="Oswald"/>
+              </a:rPr>
+              <a:t>Begin your egg-cellent adventure by getting fresh eggs and the necessary kitchen tools. You'll need a non-stick frying pan, a spatula, and some oil or butter. Choose the freshest eggs for the best taste and appearance.</a:t>
+            </a:r>
+            <a:endParaRPr sz="1800">
+              <a:solidFill>
+                <a:srgbClr val="595959"/>
+              </a:solidFill>
+              <a:latin typeface="Oswald"/>
+              <a:ea typeface="Oswald"/>
+              <a:cs typeface="Oswald"/>
+              <a:sym typeface="Oswald"/>
+            </a:endParaRPr>
+          </a:p>
+        </p:txBody>
+      </p:sp>
+      <p:sp>
+        <p:nvSpPr>
+          <p:cNvPr id="67" name="Google Shape;67;p14"/>
+          <p:cNvSpPr/>
+          <p:nvPr/>
+        </p:nvSpPr>
+        <p:spPr>
+          <a:xfrm>
+            <a:off x="8074450" y="-1345525"/>
+            <a:ext cx="346800" cy="7043400"/>
+          </a:xfrm>
+          <a:prstGeom prst="rect">
+            <a:avLst/>
+          </a:prstGeom>
+          <a:solidFill>
+            <a:srgbClr val="FFB627"/>
+          </a:solidFill>
+          <a:ln>
+            <a:noFill/>
+          </a:ln>
+        </p:spPr>
+        <p:txBody>
+          <a:bodyPr anchorCtr="0" anchor="ctr" bIns="91425" lIns="91425" spcFirstLastPara="1" rIns="91425" wrap="square" tIns="91425">
+            <a:noAutofit/>
+          </a:bodyPr>
+          <a:lstStyle/>
+          <a:p>
+            <a:pPr indent="0" lvl="0" marL="0" rtl="0" algn="l">
+              <a:spcBef>
+                <a:spcPts val="0"/>
+              </a:spcBef>
+              <a:spcAft>
+                <a:spcPts val="0"/>
+              </a:spcAft>
+              <a:buNone/>
+            </a:pPr>
+            <a:r>
+              <a:t/>
+            </a:r>
+            <a:endParaRPr/>
+          </a:p>
+        </p:txBody>
+      </p:sp>
+      <p:sp>
+        <p:nvSpPr>
+          <p:cNvPr id="68" name="Google Shape;68;p14"/>
+          <p:cNvSpPr/>
+          <p:nvPr/>
+        </p:nvSpPr>
+        <p:spPr>
+          <a:xfrm>
+            <a:off x="8421250" y="-1345525"/>
+            <a:ext cx="346800" cy="7043400"/>
+          </a:xfrm>
+          <a:prstGeom prst="rect">
+            <a:avLst/>
+          </a:prstGeom>
+          <a:solidFill>
+            <a:srgbClr val="FF9505"/>
+          </a:solidFill>
+          <a:ln>
+            <a:noFill/>
+          </a:ln>
+        </p:spPr>
+        <p:txBody>
+          <a:bodyPr anchorCtr="0" anchor="ctr" bIns="91425" lIns="91425" spcFirstLastPara="1" rIns="91425" wrap="square" tIns="91425">
+            <a:noAutofit/>
+          </a:bodyPr>
+          <a:lstStyle/>
+          <a:p>
+            <a:pPr indent="0" lvl="0" marL="0" rtl="0" algn="l">
+              <a:spcBef>
+                <a:spcPts val="0"/>
+              </a:spcBef>
+              <a:spcAft>
+                <a:spcPts val="0"/>
+              </a:spcAft>
+              <a:buNone/>
+            </a:pPr>
+            <a:r>
+              <a:t/>
+            </a:r>
+            <a:endParaRPr/>
+          </a:p>
+        </p:txBody>
+      </p:sp>
+    </p:spTree>
+  </p:cSld>
+  <p:clrMapOvr>
+    <a:masterClrMapping/>
+  </p:clrMapOvr>
+</p:sld>
+</file>
+
+<file path=ppt/slides/slide12.xml><?xml version="1.0" encoding="utf-8"?>
+<p:sld xmlns:a="http://schemas.openxmlformats.org/drawingml/2006/main" xmlns:p="http://schemas.openxmlformats.org/presentationml/2006/main" xmlns:r="http://schemas.openxmlformats.org/officeDocument/2006/relationships">
+  <p:cSld>
+    <p:spTree>
+      <p:nvGrpSpPr>
+        <p:cNvPr id="1" name=""/>
+        <p:cNvGrpSpPr/>
+        <p:nvPr/>
+      </p:nvGrpSpPr>
+      <p:grpSpPr/>
+      <p:sp>
+        <p:nvSpPr>
+          <p:cNvPr id="63" name="Google Shape;63;p14"/>
+          <p:cNvSpPr/>
+          <p:nvPr/>
+        </p:nvSpPr>
+        <p:spPr>
+          <a:xfrm>
+            <a:off x="-54925" y="-1345525"/>
+            <a:ext cx="8816400" cy="7043400"/>
+          </a:xfrm>
+          <a:prstGeom prst="rect">
+            <a:avLst/>
+          </a:prstGeom>
+          <a:solidFill>
+            <a:srgbClr val="FFC971"/>
+          </a:solidFill>
+          <a:ln>
+            <a:noFill/>
+          </a:ln>
+        </p:spPr>
+        <p:txBody>
+          <a:bodyPr anchorCtr="0" anchor="ctr" bIns="91425" lIns="91425" spcFirstLastPara="1" rIns="91425" wrap="square" tIns="91425">
+            <a:noAutofit/>
+          </a:bodyPr>
+          <a:lstStyle/>
+          <a:p>
+            <a:pPr indent="0" lvl="0" marL="0" rtl="0" algn="l">
+              <a:spcBef>
+                <a:spcPts val="0"/>
+              </a:spcBef>
+              <a:spcAft>
+                <a:spcPts val="0"/>
+              </a:spcAft>
+              <a:buNone/>
+            </a:pPr>
+            <a:r>
+              <a:t/>
+            </a:r>
+            <a:endParaRPr/>
+          </a:p>
+        </p:txBody>
+      </p:sp>
+      <p:sp>
+        <p:nvSpPr>
+          <p:cNvPr id="64" name="Google Shape;64;p14"/>
+          <p:cNvSpPr/>
+          <p:nvPr/>
+        </p:nvSpPr>
+        <p:spPr>
+          <a:xfrm rot="-5400000">
+            <a:off x="1434900" y="-1489525"/>
+            <a:ext cx="5162400" cy="8141400"/>
+          </a:xfrm>
+          <a:prstGeom prst="rtTriangle">
+            <a:avLst/>
+          </a:prstGeom>
+          <a:solidFill>
+            <a:srgbClr val="FFE599"/>
+          </a:solidFill>
+          <a:ln>
+            <a:noFill/>
+          </a:ln>
+        </p:spPr>
+        <p:txBody>
+          <a:bodyPr anchorCtr="0" anchor="ctr" bIns="91425" lIns="91425" spcFirstLastPara="1" rIns="91425" wrap="square" tIns="91425">
+            <a:noAutofit/>
+          </a:bodyPr>
+          <a:lstStyle/>
+          <a:p>
+            <a:pPr indent="0" lvl="0" marL="0" rtl="0" algn="l">
+              <a:spcBef>
+                <a:spcPts val="0"/>
+              </a:spcBef>
+              <a:spcAft>
+                <a:spcPts val="0"/>
+              </a:spcAft>
+              <a:buNone/>
+            </a:pPr>
+            <a:r>
+              <a:t/>
+            </a:r>
+            <a:endParaRPr/>
+          </a:p>
+        </p:txBody>
+      </p:sp>
+      <p:sp>
+        <p:nvSpPr>
+          <p:cNvPr id="65" name="Google Shape;65;p14"/>
+          <p:cNvSpPr txBox="1"/>
+          <p:nvPr/>
+        </p:nvSpPr>
+        <p:spPr>
+          <a:xfrm>
+            <a:off x="311700" y="445025"/>
+            <a:ext cx="8520600" cy="572700"/>
+          </a:xfrm>
+          <a:prstGeom prst="rect">
+            <a:avLst/>
+          </a:prstGeom>
+          <a:noFill/>
+          <a:ln>
+            <a:noFill/>
+          </a:ln>
+        </p:spPr>
+        <p:txBody>
+          <a:bodyPr anchorCtr="0" anchor="t" bIns="91425" lIns="91425" spcFirstLastPara="1" rIns="91425" wrap="square" tIns="91425">
+            <a:normAutofit lnSpcReduction="10000"/>
+          </a:bodyPr>
+          <a:lstStyle/>
+          <a:p>
+            <a:pPr indent="0" lvl="0" marL="0" rtl="0" algn="l">
+              <a:spcBef>
+                <a:spcPts val="0"/>
+              </a:spcBef>
+              <a:spcAft>
+                <a:spcPts val="0"/>
+              </a:spcAft>
+              <a:buNone/>
+            </a:pPr>
+            <a:r>
+              <a:rPr lang="en" sz="2800">
+                <a:latin typeface="Bungee"/>
+                <a:ea typeface="Bungee"/>
+                <a:cs typeface="Bungee"/>
+                <a:sym typeface="Bungee"/>
+              </a:rPr>
+              <a:t>Step 2: Preheat the Pan</a:t>
+            </a:r>
+            <a:endParaRPr sz="2800">
+              <a:solidFill>
+                <a:srgbClr val="000000"/>
+              </a:solidFill>
+              <a:latin typeface="Bungee"/>
+              <a:ea typeface="Bungee"/>
+              <a:cs typeface="Bungee"/>
+              <a:sym typeface="Bungee"/>
+            </a:endParaRPr>
+          </a:p>
+        </p:txBody>
+      </p:sp>
+      <p:sp>
+        <p:nvSpPr>
+          <p:cNvPr id="66" name="Google Shape;66;p14"/>
+          <p:cNvSpPr txBox="1"/>
+          <p:nvPr/>
+        </p:nvSpPr>
+        <p:spPr>
+          <a:xfrm>
+            <a:off x="311700" y="1152475"/>
+            <a:ext cx="8520600" cy="3416400"/>
+          </a:xfrm>
+          <a:prstGeom prst="rect">
+            <a:avLst/>
+          </a:prstGeom>
+          <a:noFill/>
+          <a:ln>
+            <a:noFill/>
+          </a:ln>
+        </p:spPr>
+        <p:txBody>
+          <a:bodyPr anchorCtr="0" anchor="t" bIns="91425" lIns="91425" spcFirstLastPara="1" rIns="91425" wrap="square" tIns="91425">
+            <a:noAutofit/>
+          </a:bodyPr>
+          <a:lstStyle/>
+          <a:p>
+            <a:pPr indent="0" lvl="0" marL="0" rtl="0" algn="l">
+              <a:lnSpc>
+                <a:spcPct val="115000"/>
+              </a:lnSpc>
+              <a:spcBef>
+                <a:spcPts val="0"/>
+              </a:spcBef>
+              <a:spcAft>
+                <a:spcPts val="1200"/>
+              </a:spcAft>
+              <a:buNone/>
+            </a:pPr>
+            <a:r>
+              <a:rPr lang="en" sz="1800">
+                <a:solidFill>
+                  <a:srgbClr val="595959"/>
+                </a:solidFill>
+                <a:latin typeface="Oswald"/>
+                <a:ea typeface="Oswald"/>
+                <a:cs typeface="Oswald"/>
+                <a:sym typeface="Oswald"/>
+              </a:rPr>
+              <a:t>Place your non-stick frying pan on the stove over medium heat. Allow it to warm up for a minute or two. A properly preheated pan ensures your egg will cook evenly without burning.</a:t>
+            </a:r>
+            <a:endParaRPr sz="1800">
+              <a:solidFill>
+                <a:srgbClr val="595959"/>
+              </a:solidFill>
+              <a:latin typeface="Oswald"/>
+              <a:ea typeface="Oswald"/>
+              <a:cs typeface="Oswald"/>
+              <a:sym typeface="Oswald"/>
+            </a:endParaRPr>
+          </a:p>
+        </p:txBody>
+      </p:sp>
+      <p:sp>
+        <p:nvSpPr>
+          <p:cNvPr id="67" name="Google Shape;67;p14"/>
+          <p:cNvSpPr/>
+          <p:nvPr/>
+        </p:nvSpPr>
+        <p:spPr>
+          <a:xfrm>
+            <a:off x="8074450" y="-1345525"/>
+            <a:ext cx="346800" cy="7043400"/>
+          </a:xfrm>
+          <a:prstGeom prst="rect">
+            <a:avLst/>
+          </a:prstGeom>
+          <a:solidFill>
+            <a:srgbClr val="FFB627"/>
+          </a:solidFill>
+          <a:ln>
+            <a:noFill/>
+          </a:ln>
+        </p:spPr>
+        <p:txBody>
+          <a:bodyPr anchorCtr="0" anchor="ctr" bIns="91425" lIns="91425" spcFirstLastPara="1" rIns="91425" wrap="square" tIns="91425">
+            <a:noAutofit/>
+          </a:bodyPr>
+          <a:lstStyle/>
+          <a:p>
+            <a:pPr indent="0" lvl="0" marL="0" rtl="0" algn="l">
+              <a:spcBef>
+                <a:spcPts val="0"/>
+              </a:spcBef>
+              <a:spcAft>
+                <a:spcPts val="0"/>
+              </a:spcAft>
+              <a:buNone/>
+            </a:pPr>
+            <a:r>
+              <a:t/>
+            </a:r>
+            <a:endParaRPr/>
+          </a:p>
+        </p:txBody>
+      </p:sp>
+      <p:sp>
+        <p:nvSpPr>
+          <p:cNvPr id="68" name="Google Shape;68;p14"/>
+          <p:cNvSpPr/>
+          <p:nvPr/>
+        </p:nvSpPr>
+        <p:spPr>
+          <a:xfrm>
+            <a:off x="8421250" y="-1345525"/>
+            <a:ext cx="346800" cy="7043400"/>
+          </a:xfrm>
+          <a:prstGeom prst="rect">
+            <a:avLst/>
+          </a:prstGeom>
+          <a:solidFill>
+            <a:srgbClr val="FF9505"/>
+          </a:solidFill>
+          <a:ln>
+            <a:noFill/>
+          </a:ln>
+        </p:spPr>
+        <p:txBody>
+          <a:bodyPr anchorCtr="0" anchor="ctr" bIns="91425" lIns="91425" spcFirstLastPara="1" rIns="91425" wrap="square" tIns="91425">
+            <a:noAutofit/>
+          </a:bodyPr>
+          <a:lstStyle/>
+          <a:p>
+            <a:pPr indent="0" lvl="0" marL="0" rtl="0" algn="l">
+              <a:spcBef>
+                <a:spcPts val="0"/>
+              </a:spcBef>
+              <a:spcAft>
+                <a:spcPts val="0"/>
+              </a:spcAft>
+              <a:buNone/>
+            </a:pPr>
+            <a:r>
+              <a:t/>
+            </a:r>
+            <a:endParaRPr/>
+          </a:p>
+        </p:txBody>
+      </p:sp>
+    </p:spTree>
+  </p:cSld>
+  <p:clrMapOvr>
+    <a:masterClrMapping/>
+  </p:clrMapOvr>
+</p:sld>
+</file>
+
+<file path=ppt/slides/slide13.xml><?xml version="1.0" encoding="utf-8"?>
+<p:sld xmlns:a="http://schemas.openxmlformats.org/drawingml/2006/main" xmlns:p="http://schemas.openxmlformats.org/presentationml/2006/main" xmlns:r="http://schemas.openxmlformats.org/officeDocument/2006/relationships">
+  <p:cSld>
+    <p:spTree>
+      <p:nvGrpSpPr>
+        <p:cNvPr id="1" name=""/>
+        <p:cNvGrpSpPr/>
+        <p:nvPr/>
+      </p:nvGrpSpPr>
+      <p:grpSpPr/>
+      <p:sp>
+        <p:nvSpPr>
+          <p:cNvPr id="63" name="Google Shape;63;p14"/>
+          <p:cNvSpPr/>
+          <p:nvPr/>
+        </p:nvSpPr>
+        <p:spPr>
+          <a:xfrm>
+            <a:off x="-54925" y="-1345525"/>
+            <a:ext cx="8816400" cy="7043400"/>
+          </a:xfrm>
+          <a:prstGeom prst="rect">
+            <a:avLst/>
+          </a:prstGeom>
+          <a:solidFill>
+            <a:srgbClr val="FFC971"/>
+          </a:solidFill>
+          <a:ln>
+            <a:noFill/>
+          </a:ln>
+        </p:spPr>
+        <p:txBody>
+          <a:bodyPr anchorCtr="0" anchor="ctr" bIns="91425" lIns="91425" spcFirstLastPara="1" rIns="91425" wrap="square" tIns="91425">
+            <a:noAutofit/>
+          </a:bodyPr>
+          <a:lstStyle/>
+          <a:p>
+            <a:pPr indent="0" lvl="0" marL="0" rtl="0" algn="l">
+              <a:spcBef>
+                <a:spcPts val="0"/>
+              </a:spcBef>
+              <a:spcAft>
+                <a:spcPts val="0"/>
+              </a:spcAft>
+              <a:buNone/>
+            </a:pPr>
+            <a:r>
+              <a:t/>
+            </a:r>
+            <a:endParaRPr/>
+          </a:p>
+        </p:txBody>
+      </p:sp>
+      <p:sp>
+        <p:nvSpPr>
+          <p:cNvPr id="64" name="Google Shape;64;p14"/>
+          <p:cNvSpPr/>
+          <p:nvPr/>
+        </p:nvSpPr>
+        <p:spPr>
+          <a:xfrm rot="-5400000">
+            <a:off x="1434900" y="-1489525"/>
+            <a:ext cx="5162400" cy="8141400"/>
+          </a:xfrm>
+          <a:prstGeom prst="rtTriangle">
+            <a:avLst/>
+          </a:prstGeom>
+          <a:solidFill>
+            <a:srgbClr val="FFE599"/>
+          </a:solidFill>
+          <a:ln>
+            <a:noFill/>
+          </a:ln>
+        </p:spPr>
+        <p:txBody>
+          <a:bodyPr anchorCtr="0" anchor="ctr" bIns="91425" lIns="91425" spcFirstLastPara="1" rIns="91425" wrap="square" tIns="91425">
+            <a:noAutofit/>
+          </a:bodyPr>
+          <a:lstStyle/>
+          <a:p>
+            <a:pPr indent="0" lvl="0" marL="0" rtl="0" algn="l">
+              <a:spcBef>
+                <a:spcPts val="0"/>
+              </a:spcBef>
+              <a:spcAft>
+                <a:spcPts val="0"/>
+              </a:spcAft>
+              <a:buNone/>
+            </a:pPr>
+            <a:r>
+              <a:t/>
+            </a:r>
+            <a:endParaRPr/>
+          </a:p>
+        </p:txBody>
+      </p:sp>
+      <p:sp>
+        <p:nvSpPr>
+          <p:cNvPr id="65" name="Google Shape;65;p14"/>
+          <p:cNvSpPr txBox="1"/>
+          <p:nvPr/>
+        </p:nvSpPr>
+        <p:spPr>
+          <a:xfrm>
+            <a:off x="311700" y="445025"/>
+            <a:ext cx="8520600" cy="572700"/>
+          </a:xfrm>
+          <a:prstGeom prst="rect">
+            <a:avLst/>
+          </a:prstGeom>
+          <a:noFill/>
+          <a:ln>
+            <a:noFill/>
+          </a:ln>
+        </p:spPr>
+        <p:txBody>
+          <a:bodyPr anchorCtr="0" anchor="t" bIns="91425" lIns="91425" spcFirstLastPara="1" rIns="91425" wrap="square" tIns="91425">
+            <a:normAutofit lnSpcReduction="10000"/>
+          </a:bodyPr>
+          <a:lstStyle/>
+          <a:p>
+            <a:pPr indent="0" lvl="0" marL="0" rtl="0" algn="l">
+              <a:spcBef>
+                <a:spcPts val="0"/>
+              </a:spcBef>
+              <a:spcAft>
+                <a:spcPts val="0"/>
+              </a:spcAft>
+              <a:buNone/>
+            </a:pPr>
+            <a:r>
+              <a:rPr lang="en" sz="2800">
+                <a:latin typeface="Bungee"/>
+                <a:ea typeface="Bungee"/>
+                <a:cs typeface="Bungee"/>
+                <a:sym typeface="Bungee"/>
+              </a:rPr>
+              <a:t>Step 3: Add Oil or Butter</a:t>
+            </a:r>
+            <a:endParaRPr sz="2800">
+              <a:solidFill>
+                <a:srgbClr val="000000"/>
+              </a:solidFill>
+              <a:latin typeface="Bungee"/>
+              <a:ea typeface="Bungee"/>
+              <a:cs typeface="Bungee"/>
+              <a:sym typeface="Bungee"/>
+            </a:endParaRPr>
+          </a:p>
+        </p:txBody>
+      </p:sp>
+      <p:sp>
+        <p:nvSpPr>
+          <p:cNvPr id="66" name="Google Shape;66;p14"/>
+          <p:cNvSpPr txBox="1"/>
+          <p:nvPr/>
+        </p:nvSpPr>
+        <p:spPr>
+          <a:xfrm>
+            <a:off x="311700" y="1152475"/>
+            <a:ext cx="8520600" cy="3416400"/>
+          </a:xfrm>
+          <a:prstGeom prst="rect">
+            <a:avLst/>
+          </a:prstGeom>
+          <a:noFill/>
+          <a:ln>
+            <a:noFill/>
+          </a:ln>
+        </p:spPr>
+        <p:txBody>
+          <a:bodyPr anchorCtr="0" anchor="t" bIns="91425" lIns="91425" spcFirstLastPara="1" rIns="91425" wrap="square" tIns="91425">
+            <a:noAutofit/>
+          </a:bodyPr>
+          <a:lstStyle/>
+          <a:p>
+            <a:pPr indent="0" lvl="0" marL="0" rtl="0" algn="l">
+              <a:lnSpc>
+                <a:spcPct val="115000"/>
+              </a:lnSpc>
+              <a:spcBef>
+                <a:spcPts val="0"/>
+              </a:spcBef>
+              <a:spcAft>
+                <a:spcPts val="1200"/>
+              </a:spcAft>
+              <a:buNone/>
+            </a:pPr>
+            <a:r>
+              <a:rPr lang="en" sz="1800">
+                <a:solidFill>
+                  <a:srgbClr val="595959"/>
+                </a:solidFill>
+                <a:latin typeface="Oswald"/>
+                <a:ea typeface="Oswald"/>
+                <a:cs typeface="Oswald"/>
+                <a:sym typeface="Oswald"/>
+              </a:rPr>
+              <a:t>Once the pan is heated, add a small amount of oil or butter. Swirl it around to coat the bottom of the pan. This prevents sticking and adds flavor to your sunny side up eggs.</a:t>
+            </a:r>
+            <a:endParaRPr sz="1800">
+              <a:solidFill>
+                <a:srgbClr val="595959"/>
+              </a:solidFill>
+              <a:latin typeface="Oswald"/>
+              <a:ea typeface="Oswald"/>
+              <a:cs typeface="Oswald"/>
+              <a:sym typeface="Oswald"/>
+            </a:endParaRPr>
+          </a:p>
+        </p:txBody>
+      </p:sp>
+      <p:sp>
+        <p:nvSpPr>
+          <p:cNvPr id="67" name="Google Shape;67;p14"/>
+          <p:cNvSpPr/>
+          <p:nvPr/>
+        </p:nvSpPr>
+        <p:spPr>
+          <a:xfrm>
+            <a:off x="8074450" y="-1345525"/>
+            <a:ext cx="346800" cy="7043400"/>
+          </a:xfrm>
+          <a:prstGeom prst="rect">
+            <a:avLst/>
+          </a:prstGeom>
+          <a:solidFill>
+            <a:srgbClr val="FFB627"/>
+          </a:solidFill>
+          <a:ln>
+            <a:noFill/>
+          </a:ln>
+        </p:spPr>
+        <p:txBody>
+          <a:bodyPr anchorCtr="0" anchor="ctr" bIns="91425" lIns="91425" spcFirstLastPara="1" rIns="91425" wrap="square" tIns="91425">
+            <a:noAutofit/>
+          </a:bodyPr>
+          <a:lstStyle/>
+          <a:p>
+            <a:pPr indent="0" lvl="0" marL="0" rtl="0" algn="l">
+              <a:spcBef>
+                <a:spcPts val="0"/>
+              </a:spcBef>
+              <a:spcAft>
+                <a:spcPts val="0"/>
+              </a:spcAft>
+              <a:buNone/>
+            </a:pPr>
+            <a:r>
+              <a:t/>
+            </a:r>
+            <a:endParaRPr/>
+          </a:p>
+        </p:txBody>
+      </p:sp>
+      <p:sp>
+        <p:nvSpPr>
+          <p:cNvPr id="68" name="Google Shape;68;p14"/>
+          <p:cNvSpPr/>
+          <p:nvPr/>
+        </p:nvSpPr>
+        <p:spPr>
+          <a:xfrm>
+            <a:off x="8421250" y="-1345525"/>
+            <a:ext cx="346800" cy="7043400"/>
+          </a:xfrm>
+          <a:prstGeom prst="rect">
+            <a:avLst/>
+          </a:prstGeom>
+          <a:solidFill>
+            <a:srgbClr val="FF9505"/>
+          </a:solidFill>
+          <a:ln>
+            <a:noFill/>
+          </a:ln>
+        </p:spPr>
+        <p:txBody>
+          <a:bodyPr anchorCtr="0" anchor="ctr" bIns="91425" lIns="91425" spcFirstLastPara="1" rIns="91425" wrap="square" tIns="91425">
+            <a:noAutofit/>
+          </a:bodyPr>
+          <a:lstStyle/>
+          <a:p>
+            <a:pPr indent="0" lvl="0" marL="0" rtl="0" algn="l">
+              <a:spcBef>
+                <a:spcPts val="0"/>
+              </a:spcBef>
+              <a:spcAft>
+                <a:spcPts val="0"/>
+              </a:spcAft>
+              <a:buNone/>
+            </a:pPr>
+            <a:r>
+              <a:t/>
+            </a:r>
+            <a:endParaRPr/>
+          </a:p>
+        </p:txBody>
+      </p:sp>
+    </p:spTree>
+  </p:cSld>
+  <p:clrMapOvr>
+    <a:masterClrMapping/>
+  </p:clrMapOvr>
+</p:sld>
+</file>
+
+<file path=ppt/slides/slide14.xml><?xml version="1.0" encoding="utf-8"?>
+<p:sld xmlns:a="http://schemas.openxmlformats.org/drawingml/2006/main" xmlns:p="http://schemas.openxmlformats.org/presentationml/2006/main" xmlns:r="http://schemas.openxmlformats.org/officeDocument/2006/relationships">
+  <p:cSld>
+    <p:spTree>
+      <p:nvGrpSpPr>
+        <p:cNvPr id="1" name=""/>
+        <p:cNvGrpSpPr/>
+        <p:nvPr/>
+      </p:nvGrpSpPr>
+      <p:grpSpPr/>
+      <p:sp>
+        <p:nvSpPr>
+          <p:cNvPr id="63" name="Google Shape;63;p14"/>
+          <p:cNvSpPr/>
+          <p:nvPr/>
+        </p:nvSpPr>
+        <p:spPr>
+          <a:xfrm>
+            <a:off x="-54925" y="-1345525"/>
+            <a:ext cx="8816400" cy="7043400"/>
+          </a:xfrm>
+          <a:prstGeom prst="rect">
+            <a:avLst/>
+          </a:prstGeom>
+          <a:solidFill>
+            <a:srgbClr val="FFC971"/>
+          </a:solidFill>
+          <a:ln>
+            <a:noFill/>
+          </a:ln>
+        </p:spPr>
+        <p:txBody>
+          <a:bodyPr anchorCtr="0" anchor="ctr" bIns="91425" lIns="91425" spcFirstLastPara="1" rIns="91425" wrap="square" tIns="91425">
+            <a:noAutofit/>
+          </a:bodyPr>
+          <a:lstStyle/>
+          <a:p>
+            <a:pPr indent="0" lvl="0" marL="0" rtl="0" algn="l">
+              <a:spcBef>
+                <a:spcPts val="0"/>
+              </a:spcBef>
+              <a:spcAft>
+                <a:spcPts val="0"/>
+              </a:spcAft>
+              <a:buNone/>
+            </a:pPr>
+            <a:r>
+              <a:t/>
+            </a:r>
+            <a:endParaRPr/>
+          </a:p>
+        </p:txBody>
+      </p:sp>
+      <p:sp>
+        <p:nvSpPr>
+          <p:cNvPr id="64" name="Google Shape;64;p14"/>
+          <p:cNvSpPr/>
+          <p:nvPr/>
+        </p:nvSpPr>
+        <p:spPr>
+          <a:xfrm rot="-5400000">
+            <a:off x="1434900" y="-1489525"/>
+            <a:ext cx="5162400" cy="8141400"/>
+          </a:xfrm>
+          <a:prstGeom prst="rtTriangle">
+            <a:avLst/>
+          </a:prstGeom>
+          <a:solidFill>
+            <a:srgbClr val="FFE599"/>
+          </a:solidFill>
+          <a:ln>
+            <a:noFill/>
+          </a:ln>
+        </p:spPr>
+        <p:txBody>
+          <a:bodyPr anchorCtr="0" anchor="ctr" bIns="91425" lIns="91425" spcFirstLastPara="1" rIns="91425" wrap="square" tIns="91425">
+            <a:noAutofit/>
+          </a:bodyPr>
+          <a:lstStyle/>
+          <a:p>
+            <a:pPr indent="0" lvl="0" marL="0" rtl="0" algn="l">
+              <a:spcBef>
+                <a:spcPts val="0"/>
+              </a:spcBef>
+              <a:spcAft>
+                <a:spcPts val="0"/>
+              </a:spcAft>
+              <a:buNone/>
+            </a:pPr>
+            <a:r>
+              <a:t/>
+            </a:r>
+            <a:endParaRPr/>
+          </a:p>
+        </p:txBody>
+      </p:sp>
+      <p:sp>
+        <p:nvSpPr>
+          <p:cNvPr id="65" name="Google Shape;65;p14"/>
+          <p:cNvSpPr txBox="1"/>
+          <p:nvPr/>
+        </p:nvSpPr>
+        <p:spPr>
+          <a:xfrm>
+            <a:off x="311700" y="445025"/>
+            <a:ext cx="8520600" cy="572700"/>
+          </a:xfrm>
+          <a:prstGeom prst="rect">
+            <a:avLst/>
+          </a:prstGeom>
+          <a:noFill/>
+          <a:ln>
+            <a:noFill/>
+          </a:ln>
+        </p:spPr>
+        <p:txBody>
+          <a:bodyPr anchorCtr="0" anchor="t" bIns="91425" lIns="91425" spcFirstLastPara="1" rIns="91425" wrap="square" tIns="91425">
+            <a:normAutofit lnSpcReduction="10000"/>
+          </a:bodyPr>
+          <a:lstStyle/>
+          <a:p>
+            <a:pPr indent="0" lvl="0" marL="0" rtl="0" algn="l">
+              <a:spcBef>
+                <a:spcPts val="0"/>
+              </a:spcBef>
+              <a:spcAft>
+                <a:spcPts val="0"/>
+              </a:spcAft>
+              <a:buNone/>
+            </a:pPr>
+            <a:r>
+              <a:rPr lang="en" sz="2800">
+                <a:latin typeface="Bungee"/>
+                <a:ea typeface="Bungee"/>
+                <a:cs typeface="Bungee"/>
+                <a:sym typeface="Bungee"/>
+              </a:rPr>
+              <a:t>Step 4: Crack the Egg</a:t>
+            </a:r>
+            <a:endParaRPr sz="2800">
+              <a:solidFill>
+                <a:srgbClr val="000000"/>
+              </a:solidFill>
+              <a:latin typeface="Bungee"/>
+              <a:ea typeface="Bungee"/>
+              <a:cs typeface="Bungee"/>
+              <a:sym typeface="Bungee"/>
+            </a:endParaRPr>
+          </a:p>
+        </p:txBody>
+      </p:sp>
+      <p:sp>
+        <p:nvSpPr>
+          <p:cNvPr id="66" name="Google Shape;66;p14"/>
+          <p:cNvSpPr txBox="1"/>
+          <p:nvPr/>
+        </p:nvSpPr>
+        <p:spPr>
+          <a:xfrm>
+            <a:off x="311700" y="1152475"/>
+            <a:ext cx="8520600" cy="3416400"/>
+          </a:xfrm>
+          <a:prstGeom prst="rect">
+            <a:avLst/>
+          </a:prstGeom>
+          <a:noFill/>
+          <a:ln>
+            <a:noFill/>
+          </a:ln>
+        </p:spPr>
+        <p:txBody>
+          <a:bodyPr anchorCtr="0" anchor="t" bIns="91425" lIns="91425" spcFirstLastPara="1" rIns="91425" wrap="square" tIns="91425">
+            <a:noAutofit/>
+          </a:bodyPr>
+          <a:lstStyle/>
+          <a:p>
+            <a:pPr indent="0" lvl="0" marL="0" rtl="0" algn="l">
+              <a:lnSpc>
+                <a:spcPct val="115000"/>
+              </a:lnSpc>
+              <a:spcBef>
+                <a:spcPts val="0"/>
+              </a:spcBef>
+              <a:spcAft>
+                <a:spcPts val="1200"/>
+              </a:spcAft>
+              <a:buNone/>
+            </a:pPr>
+            <a:r>
+              <a:rPr lang="en" sz="1800">
+                <a:solidFill>
+                  <a:srgbClr val="595959"/>
+                </a:solidFill>
+                <a:latin typeface="Oswald"/>
+                <a:ea typeface="Oswald"/>
+                <a:cs typeface="Oswald"/>
+                <a:sym typeface="Oswald"/>
+              </a:rPr>
+              <a:t>Carefully crack the egg into a small bowl to avoid shell fragments. Then gently slide the egg from the bowl into the pan. This helps keep the yolk intact for that perfect sunny side up appearance.</a:t>
+            </a:r>
+            <a:endParaRPr sz="1800">
+              <a:solidFill>
+                <a:srgbClr val="595959"/>
+              </a:solidFill>
+              <a:latin typeface="Oswald"/>
+              <a:ea typeface="Oswald"/>
+              <a:cs typeface="Oswald"/>
+              <a:sym typeface="Oswald"/>
+            </a:endParaRPr>
+          </a:p>
+        </p:txBody>
+      </p:sp>
+      <p:sp>
+        <p:nvSpPr>
+          <p:cNvPr id="67" name="Google Shape;67;p14"/>
+          <p:cNvSpPr/>
+          <p:nvPr/>
+        </p:nvSpPr>
+        <p:spPr>
+          <a:xfrm>
+            <a:off x="8074450" y="-1345525"/>
+            <a:ext cx="346800" cy="7043400"/>
+          </a:xfrm>
+          <a:prstGeom prst="rect">
+            <a:avLst/>
+          </a:prstGeom>
+          <a:solidFill>
+            <a:srgbClr val="FFB627"/>
+          </a:solidFill>
+          <a:ln>
+            <a:noFill/>
+          </a:ln>
+        </p:spPr>
+        <p:txBody>
+          <a:bodyPr anchorCtr="0" anchor="ctr" bIns="91425" lIns="91425" spcFirstLastPara="1" rIns="91425" wrap="square" tIns="91425">
+            <a:noAutofit/>
+          </a:bodyPr>
+          <a:lstStyle/>
+          <a:p>
+            <a:pPr indent="0" lvl="0" marL="0" rtl="0" algn="l">
+              <a:spcBef>
+                <a:spcPts val="0"/>
+              </a:spcBef>
+              <a:spcAft>
+                <a:spcPts val="0"/>
+              </a:spcAft>
+              <a:buNone/>
+            </a:pPr>
+            <a:r>
+              <a:t/>
+            </a:r>
+            <a:endParaRPr/>
+          </a:p>
+        </p:txBody>
+      </p:sp>
+      <p:sp>
+        <p:nvSpPr>
+          <p:cNvPr id="68" name="Google Shape;68;p14"/>
+          <p:cNvSpPr/>
+          <p:nvPr/>
+        </p:nvSpPr>
+        <p:spPr>
+          <a:xfrm>
+            <a:off x="8421250" y="-1345525"/>
+            <a:ext cx="346800" cy="7043400"/>
+          </a:xfrm>
+          <a:prstGeom prst="rect">
+            <a:avLst/>
+          </a:prstGeom>
+          <a:solidFill>
+            <a:srgbClr val="FF9505"/>
+          </a:solidFill>
+          <a:ln>
+            <a:noFill/>
+          </a:ln>
+        </p:spPr>
+        <p:txBody>
+          <a:bodyPr anchorCtr="0" anchor="ctr" bIns="91425" lIns="91425" spcFirstLastPara="1" rIns="91425" wrap="square" tIns="91425">
+            <a:noAutofit/>
+          </a:bodyPr>
+          <a:lstStyle/>
+          <a:p>
+            <a:pPr indent="0" lvl="0" marL="0" rtl="0" algn="l">
+              <a:spcBef>
+                <a:spcPts val="0"/>
+              </a:spcBef>
+              <a:spcAft>
+                <a:spcPts val="0"/>
+              </a:spcAft>
+              <a:buNone/>
+            </a:pPr>
+            <a:r>
+              <a:t/>
+            </a:r>
+            <a:endParaRPr/>
+          </a:p>
+        </p:txBody>
+      </p:sp>
+    </p:spTree>
+  </p:cSld>
+  <p:clrMapOvr>
+    <a:masterClrMapping/>
+  </p:clrMapOvr>
+</p:sld>
+</file>
+
+<file path=ppt/slides/slide15.xml><?xml version="1.0" encoding="utf-8"?>
+<p:sld xmlns:a="http://schemas.openxmlformats.org/drawingml/2006/main" xmlns:p="http://schemas.openxmlformats.org/presentationml/2006/main" xmlns:r="http://schemas.openxmlformats.org/officeDocument/2006/relationships">
+  <p:cSld>
+    <p:spTree>
+      <p:nvGrpSpPr>
+        <p:cNvPr id="1" name=""/>
+        <p:cNvGrpSpPr/>
+        <p:nvPr/>
+      </p:nvGrpSpPr>
+      <p:grpSpPr/>
+      <p:sp>
+        <p:nvSpPr>
+          <p:cNvPr id="63" name="Google Shape;63;p14"/>
+          <p:cNvSpPr/>
+          <p:nvPr/>
+        </p:nvSpPr>
+        <p:spPr>
+          <a:xfrm>
+            <a:off x="-54925" y="-1345525"/>
+            <a:ext cx="8816400" cy="7043400"/>
+          </a:xfrm>
+          <a:prstGeom prst="rect">
+            <a:avLst/>
+          </a:prstGeom>
+          <a:solidFill>
+            <a:srgbClr val="FFC971"/>
+          </a:solidFill>
+          <a:ln>
+            <a:noFill/>
+          </a:ln>
+        </p:spPr>
+        <p:txBody>
+          <a:bodyPr anchorCtr="0" anchor="ctr" bIns="91425" lIns="91425" spcFirstLastPara="1" rIns="91425" wrap="square" tIns="91425">
+            <a:noAutofit/>
+          </a:bodyPr>
+          <a:lstStyle/>
+          <a:p>
+            <a:pPr indent="0" lvl="0" marL="0" rtl="0" algn="l">
+              <a:spcBef>
+                <a:spcPts val="0"/>
+              </a:spcBef>
+              <a:spcAft>
+                <a:spcPts val="0"/>
+              </a:spcAft>
+              <a:buNone/>
+            </a:pPr>
+            <a:r>
+              <a:t/>
+            </a:r>
+            <a:endParaRPr/>
+          </a:p>
+        </p:txBody>
+      </p:sp>
+      <p:sp>
+        <p:nvSpPr>
+          <p:cNvPr id="64" name="Google Shape;64;p14"/>
+          <p:cNvSpPr/>
+          <p:nvPr/>
+        </p:nvSpPr>
+        <p:spPr>
+          <a:xfrm rot="-5400000">
+            <a:off x="1434900" y="-1489525"/>
+            <a:ext cx="5162400" cy="8141400"/>
+          </a:xfrm>
+          <a:prstGeom prst="rtTriangle">
+            <a:avLst/>
+          </a:prstGeom>
+          <a:solidFill>
+            <a:srgbClr val="FFE599"/>
+          </a:solidFill>
+          <a:ln>
+            <a:noFill/>
+          </a:ln>
+        </p:spPr>
+        <p:txBody>
+          <a:bodyPr anchorCtr="0" anchor="ctr" bIns="91425" lIns="91425" spcFirstLastPara="1" rIns="91425" wrap="square" tIns="91425">
+            <a:noAutofit/>
+          </a:bodyPr>
+          <a:lstStyle/>
+          <a:p>
+            <a:pPr indent="0" lvl="0" marL="0" rtl="0" algn="l">
+              <a:spcBef>
+                <a:spcPts val="0"/>
+              </a:spcBef>
+              <a:spcAft>
+                <a:spcPts val="0"/>
+              </a:spcAft>
+              <a:buNone/>
+            </a:pPr>
+            <a:r>
+              <a:t/>
+            </a:r>
+            <a:endParaRPr/>
+          </a:p>
+        </p:txBody>
+      </p:sp>
+      <p:sp>
+        <p:nvSpPr>
+          <p:cNvPr id="65" name="Google Shape;65;p14"/>
+          <p:cNvSpPr txBox="1"/>
+          <p:nvPr/>
+        </p:nvSpPr>
+        <p:spPr>
+          <a:xfrm>
+            <a:off x="311700" y="445025"/>
+            <a:ext cx="8520600" cy="572700"/>
+          </a:xfrm>
+          <a:prstGeom prst="rect">
+            <a:avLst/>
+          </a:prstGeom>
+          <a:noFill/>
+          <a:ln>
+            <a:noFill/>
+          </a:ln>
+        </p:spPr>
+        <p:txBody>
+          <a:bodyPr anchorCtr="0" anchor="t" bIns="91425" lIns="91425" spcFirstLastPara="1" rIns="91425" wrap="square" tIns="91425">
+            <a:normAutofit lnSpcReduction="10000"/>
+          </a:bodyPr>
+          <a:lstStyle/>
+          <a:p>
+            <a:pPr indent="0" lvl="0" marL="0" rtl="0" algn="l">
+              <a:spcBef>
+                <a:spcPts val="0"/>
+              </a:spcBef>
+              <a:spcAft>
+                <a:spcPts val="0"/>
+              </a:spcAft>
+              <a:buNone/>
+            </a:pPr>
+            <a:r>
+              <a:rPr lang="en" sz="2800">
+                <a:latin typeface="Bungee"/>
+                <a:ea typeface="Bungee"/>
+                <a:cs typeface="Bungee"/>
+                <a:sym typeface="Bungee"/>
+              </a:rPr>
+              <a:t>Step 5: Cook on Low Heat</a:t>
+            </a:r>
+            <a:endParaRPr sz="2800">
+              <a:solidFill>
+                <a:srgbClr val="000000"/>
+              </a:solidFill>
+              <a:latin typeface="Bungee"/>
+              <a:ea typeface="Bungee"/>
+              <a:cs typeface="Bungee"/>
+              <a:sym typeface="Bungee"/>
+            </a:endParaRPr>
+          </a:p>
+        </p:txBody>
+      </p:sp>
+      <p:sp>
+        <p:nvSpPr>
+          <p:cNvPr id="66" name="Google Shape;66;p14"/>
+          <p:cNvSpPr txBox="1"/>
+          <p:nvPr/>
+        </p:nvSpPr>
+        <p:spPr>
+          <a:xfrm>
+            <a:off x="311700" y="1152475"/>
+            <a:ext cx="8520600" cy="3416400"/>
+          </a:xfrm>
+          <a:prstGeom prst="rect">
+            <a:avLst/>
+          </a:prstGeom>
+          <a:noFill/>
+          <a:ln>
+            <a:noFill/>
+          </a:ln>
+        </p:spPr>
+        <p:txBody>
+          <a:bodyPr anchorCtr="0" anchor="t" bIns="91425" lIns="91425" spcFirstLastPara="1" rIns="91425" wrap="square" tIns="91425">
+            <a:noAutofit/>
+          </a:bodyPr>
+          <a:lstStyle/>
+          <a:p>
+            <a:pPr indent="0" lvl="0" marL="0" rtl="0" algn="l">
+              <a:lnSpc>
+                <a:spcPct val="115000"/>
+              </a:lnSpc>
+              <a:spcBef>
+                <a:spcPts val="0"/>
+              </a:spcBef>
+              <a:spcAft>
+                <a:spcPts val="1200"/>
+              </a:spcAft>
+              <a:buNone/>
+            </a:pPr>
+            <a:r>
+              <a:rPr lang="en" sz="1800">
+                <a:solidFill>
+                  <a:srgbClr val="595959"/>
+                </a:solidFill>
+                <a:latin typeface="Oswald"/>
+                <a:ea typeface="Oswald"/>
+                <a:cs typeface="Oswald"/>
+                <a:sym typeface="Oswald"/>
+              </a:rPr>
+              <a:t>Reduce the heat to low immediately after adding the egg. This allows the egg white to slowly firm up without overcooking the yolk, keeping it runny and warm.</a:t>
+            </a:r>
+            <a:endParaRPr sz="1800">
+              <a:solidFill>
+                <a:srgbClr val="595959"/>
+              </a:solidFill>
+              <a:latin typeface="Oswald"/>
+              <a:ea typeface="Oswald"/>
+              <a:cs typeface="Oswald"/>
+              <a:sym typeface="Oswald"/>
+            </a:endParaRPr>
+          </a:p>
+        </p:txBody>
+      </p:sp>
+      <p:sp>
+        <p:nvSpPr>
+          <p:cNvPr id="67" name="Google Shape;67;p14"/>
+          <p:cNvSpPr/>
+          <p:nvPr/>
+        </p:nvSpPr>
+        <p:spPr>
+          <a:xfrm>
+            <a:off x="8074450" y="-1345525"/>
+            <a:ext cx="346800" cy="7043400"/>
+          </a:xfrm>
+          <a:prstGeom prst="rect">
+            <a:avLst/>
+          </a:prstGeom>
+          <a:solidFill>
+            <a:srgbClr val="FFB627"/>
+          </a:solidFill>
+          <a:ln>
+            <a:noFill/>
+          </a:ln>
+        </p:spPr>
+        <p:txBody>
+          <a:bodyPr anchorCtr="0" anchor="ctr" bIns="91425" lIns="91425" spcFirstLastPara="1" rIns="91425" wrap="square" tIns="91425">
+            <a:noAutofit/>
+          </a:bodyPr>
+          <a:lstStyle/>
+          <a:p>
+            <a:pPr indent="0" lvl="0" marL="0" rtl="0" algn="l">
+              <a:spcBef>
+                <a:spcPts val="0"/>
+              </a:spcBef>
+              <a:spcAft>
+                <a:spcPts val="0"/>
+              </a:spcAft>
+              <a:buNone/>
+            </a:pPr>
+            <a:r>
+              <a:t/>
+            </a:r>
+            <a:endParaRPr/>
+          </a:p>
+        </p:txBody>
+      </p:sp>
+      <p:sp>
+        <p:nvSpPr>
+          <p:cNvPr id="68" name="Google Shape;68;p14"/>
+          <p:cNvSpPr/>
+          <p:nvPr/>
+        </p:nvSpPr>
+        <p:spPr>
+          <a:xfrm>
+            <a:off x="8421250" y="-1345525"/>
+            <a:ext cx="346800" cy="7043400"/>
+          </a:xfrm>
+          <a:prstGeom prst="rect">
+            <a:avLst/>
+          </a:prstGeom>
+          <a:solidFill>
+            <a:srgbClr val="FF9505"/>
+          </a:solidFill>
+          <a:ln>
+            <a:noFill/>
+          </a:ln>
+        </p:spPr>
+        <p:txBody>
+          <a:bodyPr anchorCtr="0" anchor="ctr" bIns="91425" lIns="91425" spcFirstLastPara="1" rIns="91425" wrap="square" tIns="91425">
+            <a:noAutofit/>
+          </a:bodyPr>
+          <a:lstStyle/>
+          <a:p>
+            <a:pPr indent="0" lvl="0" marL="0" rtl="0" algn="l">
+              <a:spcBef>
+                <a:spcPts val="0"/>
+              </a:spcBef>
+              <a:spcAft>
+                <a:spcPts val="0"/>
+              </a:spcAft>
+              <a:buNone/>
+            </a:pPr>
+            <a:r>
+              <a:t/>
+            </a:r>
+            <a:endParaRPr/>
+          </a:p>
+        </p:txBody>
+      </p:sp>
+    </p:spTree>
+  </p:cSld>
+  <p:clrMapOvr>
+    <a:masterClrMapping/>
+  </p:clrMapOvr>
+</p:sld>
+</file>
+
+<file path=ppt/slides/slide16.xml><?xml version="1.0" encoding="utf-8"?>
+<p:sld xmlns:a="http://schemas.openxmlformats.org/drawingml/2006/main" xmlns:p="http://schemas.openxmlformats.org/presentationml/2006/main" xmlns:r="http://schemas.openxmlformats.org/officeDocument/2006/relationships">
+  <p:cSld>
+    <p:spTree>
+      <p:nvGrpSpPr>
+        <p:cNvPr id="1" name=""/>
+        <p:cNvGrpSpPr/>
+        <p:nvPr/>
+      </p:nvGrpSpPr>
+      <p:grpSpPr/>
+      <p:sp>
+        <p:nvSpPr>
+          <p:cNvPr id="63" name="Google Shape;63;p14"/>
+          <p:cNvSpPr/>
+          <p:nvPr/>
+        </p:nvSpPr>
+        <p:spPr>
+          <a:xfrm>
+            <a:off x="-54925" y="-1345525"/>
+            <a:ext cx="8816400" cy="7043400"/>
+          </a:xfrm>
+          <a:prstGeom prst="rect">
+            <a:avLst/>
+          </a:prstGeom>
+          <a:solidFill>
+            <a:srgbClr val="FFC971"/>
+          </a:solidFill>
+          <a:ln>
+            <a:noFill/>
+          </a:ln>
+        </p:spPr>
+        <p:txBody>
+          <a:bodyPr anchorCtr="0" anchor="ctr" bIns="91425" lIns="91425" spcFirstLastPara="1" rIns="91425" wrap="square" tIns="91425">
+            <a:noAutofit/>
+          </a:bodyPr>
+          <a:lstStyle/>
+          <a:p>
+            <a:pPr indent="0" lvl="0" marL="0" rtl="0" algn="l">
+              <a:spcBef>
+                <a:spcPts val="0"/>
+              </a:spcBef>
+              <a:spcAft>
+                <a:spcPts val="0"/>
+              </a:spcAft>
+              <a:buNone/>
+            </a:pPr>
+            <a:r>
+              <a:t/>
+            </a:r>
+            <a:endParaRPr/>
+          </a:p>
+        </p:txBody>
+      </p:sp>
+      <p:sp>
+        <p:nvSpPr>
+          <p:cNvPr id="64" name="Google Shape;64;p14"/>
+          <p:cNvSpPr/>
+          <p:nvPr/>
+        </p:nvSpPr>
+        <p:spPr>
+          <a:xfrm rot="-5400000">
+            <a:off x="1434900" y="-1489525"/>
+            <a:ext cx="5162400" cy="8141400"/>
+          </a:xfrm>
+          <a:prstGeom prst="rtTriangle">
+            <a:avLst/>
+          </a:prstGeom>
+          <a:solidFill>
+            <a:srgbClr val="FFE599"/>
+          </a:solidFill>
+          <a:ln>
+            <a:noFill/>
+          </a:ln>
+        </p:spPr>
+        <p:txBody>
+          <a:bodyPr anchorCtr="0" anchor="ctr" bIns="91425" lIns="91425" spcFirstLastPara="1" rIns="91425" wrap="square" tIns="91425">
+            <a:noAutofit/>
+          </a:bodyPr>
+          <a:lstStyle/>
+          <a:p>
+            <a:pPr indent="0" lvl="0" marL="0" rtl="0" algn="l">
+              <a:spcBef>
+                <a:spcPts val="0"/>
+              </a:spcBef>
+              <a:spcAft>
+                <a:spcPts val="0"/>
+              </a:spcAft>
+              <a:buNone/>
+            </a:pPr>
+            <a:r>
+              <a:t/>
+            </a:r>
+            <a:endParaRPr/>
+          </a:p>
+        </p:txBody>
+      </p:sp>
+      <p:sp>
+        <p:nvSpPr>
+          <p:cNvPr id="65" name="Google Shape;65;p14"/>
+          <p:cNvSpPr txBox="1"/>
+          <p:nvPr/>
+        </p:nvSpPr>
+        <p:spPr>
+          <a:xfrm>
+            <a:off x="311700" y="445025"/>
+            <a:ext cx="8520600" cy="572700"/>
+          </a:xfrm>
+          <a:prstGeom prst="rect">
+            <a:avLst/>
+          </a:prstGeom>
+          <a:noFill/>
+          <a:ln>
+            <a:noFill/>
+          </a:ln>
+        </p:spPr>
+        <p:txBody>
+          <a:bodyPr anchorCtr="0" anchor="t" bIns="91425" lIns="91425" spcFirstLastPara="1" rIns="91425" wrap="square" tIns="91425">
+            <a:normAutofit lnSpcReduction="10000"/>
+          </a:bodyPr>
+          <a:lstStyle/>
+          <a:p>
+            <a:pPr indent="0" lvl="0" marL="0" rtl="0" algn="l">
+              <a:spcBef>
+                <a:spcPts val="0"/>
+              </a:spcBef>
+              <a:spcAft>
+                <a:spcPts val="0"/>
+              </a:spcAft>
+              <a:buNone/>
+            </a:pPr>
+            <a:r>
+              <a:rPr lang="en" sz="2800">
+                <a:latin typeface="Bungee"/>
+                <a:ea typeface="Bungee"/>
+                <a:cs typeface="Bungee"/>
+                <a:sym typeface="Bungee"/>
+              </a:rPr>
+              <a:t>Step 6: Cover with a Lid (Optional)</a:t>
+            </a:r>
+            <a:endParaRPr sz="2800">
+              <a:solidFill>
+                <a:srgbClr val="000000"/>
+              </a:solidFill>
+              <a:latin typeface="Bungee"/>
+              <a:ea typeface="Bungee"/>
+              <a:cs typeface="Bungee"/>
+              <a:sym typeface="Bungee"/>
+            </a:endParaRPr>
+          </a:p>
+        </p:txBody>
+      </p:sp>
+      <p:sp>
+        <p:nvSpPr>
+          <p:cNvPr id="66" name="Google Shape;66;p14"/>
+          <p:cNvSpPr txBox="1"/>
+          <p:nvPr/>
+        </p:nvSpPr>
+        <p:spPr>
+          <a:xfrm>
+            <a:off x="311700" y="1152475"/>
+            <a:ext cx="8520600" cy="3416400"/>
+          </a:xfrm>
+          <a:prstGeom prst="rect">
+            <a:avLst/>
+          </a:prstGeom>
+          <a:noFill/>
+          <a:ln>
+            <a:noFill/>
+          </a:ln>
+        </p:spPr>
+        <p:txBody>
+          <a:bodyPr anchorCtr="0" anchor="t" bIns="91425" lIns="91425" spcFirstLastPara="1" rIns="91425" wrap="square" tIns="91425">
+            <a:noAutofit/>
+          </a:bodyPr>
+          <a:lstStyle/>
+          <a:p>
+            <a:pPr indent="0" lvl="0" marL="0" rtl="0" algn="l">
+              <a:lnSpc>
+                <a:spcPct val="115000"/>
+              </a:lnSpc>
+              <a:spcBef>
+                <a:spcPts val="0"/>
+              </a:spcBef>
+              <a:spcAft>
+                <a:spcPts val="1200"/>
+              </a:spcAft>
+              <a:buNone/>
+            </a:pPr>
+            <a:r>
+              <a:rPr lang="en" sz="1800">
+                <a:solidFill>
+                  <a:srgbClr val="595959"/>
+                </a:solidFill>
+                <a:latin typeface="Oswald"/>
+                <a:ea typeface="Oswald"/>
+                <a:cs typeface="Oswald"/>
+                <a:sym typeface="Oswald"/>
+              </a:rPr>
+              <a:t>Covering the pan with a lid creates steam that helps cook the top of the egg. This step is optional but can result in more evenly cooked egg whites while keeping the yolk runny.</a:t>
+            </a:r>
+            <a:endParaRPr sz="1800">
+              <a:solidFill>
+                <a:srgbClr val="595959"/>
+              </a:solidFill>
+              <a:latin typeface="Oswald"/>
+              <a:ea typeface="Oswald"/>
+              <a:cs typeface="Oswald"/>
+              <a:sym typeface="Oswald"/>
+            </a:endParaRPr>
+          </a:p>
+        </p:txBody>
+      </p:sp>
+      <p:sp>
+        <p:nvSpPr>
+          <p:cNvPr id="67" name="Google Shape;67;p14"/>
+          <p:cNvSpPr/>
+          <p:nvPr/>
+        </p:nvSpPr>
+        <p:spPr>
+          <a:xfrm>
+            <a:off x="8074450" y="-1345525"/>
+            <a:ext cx="346800" cy="7043400"/>
+          </a:xfrm>
+          <a:prstGeom prst="rect">
+            <a:avLst/>
+          </a:prstGeom>
+          <a:solidFill>
+            <a:srgbClr val="FFB627"/>
+          </a:solidFill>
+          <a:ln>
+            <a:noFill/>
+          </a:ln>
+        </p:spPr>
+        <p:txBody>
+          <a:bodyPr anchorCtr="0" anchor="ctr" bIns="91425" lIns="91425" spcFirstLastPara="1" rIns="91425" wrap="square" tIns="91425">
+            <a:noAutofit/>
+          </a:bodyPr>
+          <a:lstStyle/>
+          <a:p>
+            <a:pPr indent="0" lvl="0" marL="0" rtl="0" algn="l">
+              <a:spcBef>
+                <a:spcPts val="0"/>
+              </a:spcBef>
+              <a:spcAft>
+                <a:spcPts val="0"/>
+              </a:spcAft>
+              <a:buNone/>
+            </a:pPr>
+            <a:r>
+              <a:t/>
+            </a:r>
+            <a:endParaRPr/>
+          </a:p>
+        </p:txBody>
+      </p:sp>
+      <p:sp>
+        <p:nvSpPr>
+          <p:cNvPr id="68" name="Google Shape;68;p14"/>
+          <p:cNvSpPr/>
+          <p:nvPr/>
+        </p:nvSpPr>
+        <p:spPr>
+          <a:xfrm>
+            <a:off x="8421250" y="-1345525"/>
+            <a:ext cx="346800" cy="7043400"/>
+          </a:xfrm>
+          <a:prstGeom prst="rect">
+            <a:avLst/>
+          </a:prstGeom>
+          <a:solidFill>
+            <a:srgbClr val="FF9505"/>
+          </a:solidFill>
+          <a:ln>
+            <a:noFill/>
+          </a:ln>
+        </p:spPr>
+        <p:txBody>
+          <a:bodyPr anchorCtr="0" anchor="ctr" bIns="91425" lIns="91425" spcFirstLastPara="1" rIns="91425" wrap="square" tIns="91425">
+            <a:noAutofit/>
+          </a:bodyPr>
+          <a:lstStyle/>
+          <a:p>
+            <a:pPr indent="0" lvl="0" marL="0" rtl="0" algn="l">
+              <a:spcBef>
+                <a:spcPts val="0"/>
+              </a:spcBef>
+              <a:spcAft>
+                <a:spcPts val="0"/>
+              </a:spcAft>
+              <a:buNone/>
+            </a:pPr>
+            <a:r>
+              <a:t/>
+            </a:r>
+            <a:endParaRPr/>
+          </a:p>
+        </p:txBody>
+      </p:sp>
+    </p:spTree>
+  </p:cSld>
+  <p:clrMapOvr>
+    <a:masterClrMapping/>
+  </p:clrMapOvr>
+</p:sld>
+</file>
+
+<file path=ppt/slides/slide17.xml><?xml version="1.0" encoding="utf-8"?>
+<p:sld xmlns:a="http://schemas.openxmlformats.org/drawingml/2006/main" xmlns:p="http://schemas.openxmlformats.org/presentationml/2006/main" xmlns:r="http://schemas.openxmlformats.org/officeDocument/2006/relationships">
+  <p:cSld>
+    <p:spTree>
+      <p:nvGrpSpPr>
+        <p:cNvPr id="1" name=""/>
+        <p:cNvGrpSpPr/>
+        <p:nvPr/>
+      </p:nvGrpSpPr>
+      <p:grpSpPr/>
+      <p:sp>
+        <p:nvSpPr>
+          <p:cNvPr id="63" name="Google Shape;63;p14"/>
+          <p:cNvSpPr/>
+          <p:nvPr/>
+        </p:nvSpPr>
+        <p:spPr>
+          <a:xfrm>
+            <a:off x="-54925" y="-1345525"/>
+            <a:ext cx="8816400" cy="7043400"/>
+          </a:xfrm>
+          <a:prstGeom prst="rect">
+            <a:avLst/>
+          </a:prstGeom>
+          <a:solidFill>
+            <a:srgbClr val="FFC971"/>
+          </a:solidFill>
+          <a:ln>
+            <a:noFill/>
+          </a:ln>
+        </p:spPr>
+        <p:txBody>
+          <a:bodyPr anchorCtr="0" anchor="ctr" bIns="91425" lIns="91425" spcFirstLastPara="1" rIns="91425" wrap="square" tIns="91425">
+            <a:noAutofit/>
+          </a:bodyPr>
+          <a:lstStyle/>
+          <a:p>
+            <a:pPr indent="0" lvl="0" marL="0" rtl="0" algn="l">
+              <a:spcBef>
+                <a:spcPts val="0"/>
+              </a:spcBef>
+              <a:spcAft>
+                <a:spcPts val="0"/>
+              </a:spcAft>
+              <a:buNone/>
+            </a:pPr>
+            <a:r>
+              <a:t/>
+            </a:r>
+            <a:endParaRPr/>
+          </a:p>
+        </p:txBody>
+      </p:sp>
+      <p:sp>
+        <p:nvSpPr>
+          <p:cNvPr id="64" name="Google Shape;64;p14"/>
+          <p:cNvSpPr/>
+          <p:nvPr/>
+        </p:nvSpPr>
+        <p:spPr>
+          <a:xfrm rot="-5400000">
+            <a:off x="1434900" y="-1489525"/>
+            <a:ext cx="5162400" cy="8141400"/>
+          </a:xfrm>
+          <a:prstGeom prst="rtTriangle">
+            <a:avLst/>
+          </a:prstGeom>
+          <a:solidFill>
+            <a:srgbClr val="FFE599"/>
+          </a:solidFill>
+          <a:ln>
+            <a:noFill/>
+          </a:ln>
+        </p:spPr>
+        <p:txBody>
+          <a:bodyPr anchorCtr="0" anchor="ctr" bIns="91425" lIns="91425" spcFirstLastPara="1" rIns="91425" wrap="square" tIns="91425">
+            <a:noAutofit/>
+          </a:bodyPr>
+          <a:lstStyle/>
+          <a:p>
+            <a:pPr indent="0" lvl="0" marL="0" rtl="0" algn="l">
+              <a:spcBef>
+                <a:spcPts val="0"/>
+              </a:spcBef>
+              <a:spcAft>
+                <a:spcPts val="0"/>
+              </a:spcAft>
+              <a:buNone/>
+            </a:pPr>
+            <a:r>
+              <a:t/>
+            </a:r>
+            <a:endParaRPr/>
+          </a:p>
+        </p:txBody>
+      </p:sp>
+      <p:sp>
+        <p:nvSpPr>
+          <p:cNvPr id="65" name="Google Shape;65;p14"/>
+          <p:cNvSpPr txBox="1"/>
+          <p:nvPr/>
+        </p:nvSpPr>
+        <p:spPr>
+          <a:xfrm>
+            <a:off x="311700" y="445025"/>
+            <a:ext cx="8520600" cy="572700"/>
+          </a:xfrm>
+          <a:prstGeom prst="rect">
+            <a:avLst/>
+          </a:prstGeom>
+          <a:noFill/>
+          <a:ln>
+            <a:noFill/>
+          </a:ln>
+        </p:spPr>
+        <p:txBody>
+          <a:bodyPr anchorCtr="0" anchor="t" bIns="91425" lIns="91425" spcFirstLastPara="1" rIns="91425" wrap="square" tIns="91425">
+            <a:normAutofit lnSpcReduction="10000"/>
+          </a:bodyPr>
+          <a:lstStyle/>
+          <a:p>
+            <a:pPr indent="0" lvl="0" marL="0" rtl="0" algn="l">
+              <a:spcBef>
+                <a:spcPts val="0"/>
+              </a:spcBef>
+              <a:spcAft>
+                <a:spcPts val="0"/>
+              </a:spcAft>
+              <a:buNone/>
+            </a:pPr>
+            <a:r>
+              <a:rPr lang="en" sz="2800">
+                <a:latin typeface="Bungee"/>
+                <a:ea typeface="Bungee"/>
+                <a:cs typeface="Bungee"/>
+                <a:sym typeface="Bungee"/>
+              </a:rPr>
+              <a:t>Step 7: Check the Whites</a:t>
+            </a:r>
+            <a:endParaRPr sz="2800">
+              <a:solidFill>
+                <a:srgbClr val="000000"/>
+              </a:solidFill>
+              <a:latin typeface="Bungee"/>
+              <a:ea typeface="Bungee"/>
+              <a:cs typeface="Bungee"/>
+              <a:sym typeface="Bungee"/>
+            </a:endParaRPr>
+          </a:p>
+        </p:txBody>
+      </p:sp>
+      <p:sp>
+        <p:nvSpPr>
+          <p:cNvPr id="66" name="Google Shape;66;p14"/>
+          <p:cNvSpPr txBox="1"/>
+          <p:nvPr/>
+        </p:nvSpPr>
+        <p:spPr>
+          <a:xfrm>
+            <a:off x="311700" y="1152475"/>
+            <a:ext cx="8520600" cy="3416400"/>
+          </a:xfrm>
+          <a:prstGeom prst="rect">
+            <a:avLst/>
+          </a:prstGeom>
+          <a:noFill/>
+          <a:ln>
+            <a:noFill/>
+          </a:ln>
+        </p:spPr>
+        <p:txBody>
+          <a:bodyPr anchorCtr="0" anchor="t" bIns="91425" lIns="91425" spcFirstLastPara="1" rIns="91425" wrap="square" tIns="91425">
+            <a:noAutofit/>
+          </a:bodyPr>
+          <a:lstStyle/>
+          <a:p>
+            <a:pPr indent="0" lvl="0" marL="0" rtl="0" algn="l">
+              <a:lnSpc>
+                <a:spcPct val="115000"/>
+              </a:lnSpc>
+              <a:spcBef>
+                <a:spcPts val="0"/>
+              </a:spcBef>
+              <a:spcAft>
+                <a:spcPts val="1200"/>
+              </a:spcAft>
+              <a:buNone/>
+            </a:pPr>
+            <a:r>
+              <a:rPr lang="en" sz="1800">
+                <a:solidFill>
+                  <a:srgbClr val="595959"/>
+                </a:solidFill>
+                <a:latin typeface="Oswald"/>
+                <a:ea typeface="Oswald"/>
+                <a:cs typeface="Oswald"/>
+                <a:sym typeface="Oswald"/>
+              </a:rPr>
+              <a:t>Cook until the whites are fully set but the yolk remains runny. Peek under the lid periodically to avoid overcooking. The egg is ready when the edges are slightly crispy and the whites are no longer translucent.</a:t>
+            </a:r>
+            <a:endParaRPr sz="1800">
+              <a:solidFill>
+                <a:srgbClr val="595959"/>
+              </a:solidFill>
+              <a:latin typeface="Oswald"/>
+              <a:ea typeface="Oswald"/>
+              <a:cs typeface="Oswald"/>
+              <a:sym typeface="Oswald"/>
+            </a:endParaRPr>
+          </a:p>
+        </p:txBody>
+      </p:sp>
+      <p:sp>
+        <p:nvSpPr>
+          <p:cNvPr id="67" name="Google Shape;67;p14"/>
+          <p:cNvSpPr/>
+          <p:nvPr/>
+        </p:nvSpPr>
+        <p:spPr>
+          <a:xfrm>
+            <a:off x="8074450" y="-1345525"/>
+            <a:ext cx="346800" cy="7043400"/>
+          </a:xfrm>
+          <a:prstGeom prst="rect">
+            <a:avLst/>
+          </a:prstGeom>
+          <a:solidFill>
+            <a:srgbClr val="FFB627"/>
+          </a:solidFill>
+          <a:ln>
+            <a:noFill/>
+          </a:ln>
+        </p:spPr>
+        <p:txBody>
+          <a:bodyPr anchorCtr="0" anchor="ctr" bIns="91425" lIns="91425" spcFirstLastPara="1" rIns="91425" wrap="square" tIns="91425">
+            <a:noAutofit/>
+          </a:bodyPr>
+          <a:lstStyle/>
+          <a:p>
+            <a:pPr indent="0" lvl="0" marL="0" rtl="0" algn="l">
+              <a:spcBef>
+                <a:spcPts val="0"/>
+              </a:spcBef>
+              <a:spcAft>
+                <a:spcPts val="0"/>
+              </a:spcAft>
+              <a:buNone/>
+            </a:pPr>
+            <a:r>
+              <a:t/>
+            </a:r>
+            <a:endParaRPr/>
+          </a:p>
+        </p:txBody>
+      </p:sp>
+      <p:sp>
+        <p:nvSpPr>
+          <p:cNvPr id="68" name="Google Shape;68;p14"/>
+          <p:cNvSpPr/>
+          <p:nvPr/>
+        </p:nvSpPr>
+        <p:spPr>
+          <a:xfrm>
+            <a:off x="8421250" y="-1345525"/>
+            <a:ext cx="346800" cy="7043400"/>
+          </a:xfrm>
+          <a:prstGeom prst="rect">
+            <a:avLst/>
+          </a:prstGeom>
+          <a:solidFill>
+            <a:srgbClr val="FF9505"/>
+          </a:solidFill>
+          <a:ln>
+            <a:noFill/>
+          </a:ln>
+        </p:spPr>
+        <p:txBody>
+          <a:bodyPr anchorCtr="0" anchor="ctr" bIns="91425" lIns="91425" spcFirstLastPara="1" rIns="91425" wrap="square" tIns="91425">
+            <a:noAutofit/>
+          </a:bodyPr>
+          <a:lstStyle/>
+          <a:p>
+            <a:pPr indent="0" lvl="0" marL="0" rtl="0" algn="l">
+              <a:spcBef>
+                <a:spcPts val="0"/>
+              </a:spcBef>
+              <a:spcAft>
+                <a:spcPts val="0"/>
+              </a:spcAft>
+              <a:buNone/>
+            </a:pPr>
+            <a:r>
+              <a:t/>
+            </a:r>
+            <a:endParaRPr/>
+          </a:p>
+        </p:txBody>
+      </p:sp>
+    </p:spTree>
+  </p:cSld>
+  <p:clrMapOvr>
+    <a:masterClrMapping/>
+  </p:clrMapOvr>
+</p:sld>
+</file>
+
+<file path=ppt/slides/slide18.xml><?xml version="1.0" encoding="utf-8"?>
+<p:sld xmlns:a="http://schemas.openxmlformats.org/drawingml/2006/main" xmlns:p="http://schemas.openxmlformats.org/presentationml/2006/main" xmlns:r="http://schemas.openxmlformats.org/officeDocument/2006/relationships">
+  <p:cSld>
+    <p:spTree>
+      <p:nvGrpSpPr>
+        <p:cNvPr id="1" name=""/>
+        <p:cNvGrpSpPr/>
+        <p:nvPr/>
+      </p:nvGrpSpPr>
+      <p:grpSpPr/>
+      <p:sp>
+        <p:nvSpPr>
+          <p:cNvPr id="63" name="Google Shape;63;p14"/>
+          <p:cNvSpPr/>
+          <p:nvPr/>
+        </p:nvSpPr>
+        <p:spPr>
+          <a:xfrm>
+            <a:off x="-54925" y="-1345525"/>
+            <a:ext cx="8816400" cy="7043400"/>
+          </a:xfrm>
+          <a:prstGeom prst="rect">
+            <a:avLst/>
+          </a:prstGeom>
+          <a:solidFill>
+            <a:srgbClr val="FFC971"/>
+          </a:solidFill>
+          <a:ln>
+            <a:noFill/>
+          </a:ln>
+        </p:spPr>
+        <p:txBody>
+          <a:bodyPr anchorCtr="0" anchor="ctr" bIns="91425" lIns="91425" spcFirstLastPara="1" rIns="91425" wrap="square" tIns="91425">
+            <a:noAutofit/>
+          </a:bodyPr>
+          <a:lstStyle/>
+          <a:p>
+            <a:pPr indent="0" lvl="0" marL="0" rtl="0" algn="l">
+              <a:spcBef>
+                <a:spcPts val="0"/>
+              </a:spcBef>
+              <a:spcAft>
+                <a:spcPts val="0"/>
+              </a:spcAft>
+              <a:buNone/>
+            </a:pPr>
+            <a:r>
+              <a:t/>
+            </a:r>
+            <a:endParaRPr/>
+          </a:p>
+        </p:txBody>
+      </p:sp>
+      <p:sp>
+        <p:nvSpPr>
+          <p:cNvPr id="64" name="Google Shape;64;p14"/>
+          <p:cNvSpPr/>
+          <p:nvPr/>
+        </p:nvSpPr>
+        <p:spPr>
+          <a:xfrm rot="-5400000">
+            <a:off x="1434900" y="-1489525"/>
+            <a:ext cx="5162400" cy="8141400"/>
+          </a:xfrm>
+          <a:prstGeom prst="rtTriangle">
+            <a:avLst/>
+          </a:prstGeom>
+          <a:solidFill>
+            <a:srgbClr val="FFE599"/>
+          </a:solidFill>
+          <a:ln>
+            <a:noFill/>
+          </a:ln>
+        </p:spPr>
+        <p:txBody>
+          <a:bodyPr anchorCtr="0" anchor="ctr" bIns="91425" lIns="91425" spcFirstLastPara="1" rIns="91425" wrap="square" tIns="91425">
+            <a:noAutofit/>
+          </a:bodyPr>
+          <a:lstStyle/>
+          <a:p>
+            <a:pPr indent="0" lvl="0" marL="0" rtl="0" algn="l">
+              <a:spcBef>
+                <a:spcPts val="0"/>
+              </a:spcBef>
+              <a:spcAft>
+                <a:spcPts val="0"/>
+              </a:spcAft>
+              <a:buNone/>
+            </a:pPr>
+            <a:r>
+              <a:t/>
+            </a:r>
+            <a:endParaRPr/>
+          </a:p>
+        </p:txBody>
+      </p:sp>
+      <p:sp>
+        <p:nvSpPr>
+          <p:cNvPr id="65" name="Google Shape;65;p14"/>
+          <p:cNvSpPr txBox="1"/>
+          <p:nvPr/>
+        </p:nvSpPr>
+        <p:spPr>
+          <a:xfrm>
+            <a:off x="311700" y="445025"/>
+            <a:ext cx="8520600" cy="572700"/>
+          </a:xfrm>
+          <a:prstGeom prst="rect">
+            <a:avLst/>
+          </a:prstGeom>
+          <a:noFill/>
+          <a:ln>
+            <a:noFill/>
+          </a:ln>
+        </p:spPr>
+        <p:txBody>
+          <a:bodyPr anchorCtr="0" anchor="t" bIns="91425" lIns="91425" spcFirstLastPara="1" rIns="91425" wrap="square" tIns="91425">
+            <a:normAutofit lnSpcReduction="10000"/>
+          </a:bodyPr>
+          <a:lstStyle/>
+          <a:p>
+            <a:pPr indent="0" lvl="0" marL="0" rtl="0" algn="l">
+              <a:spcBef>
+                <a:spcPts val="0"/>
+              </a:spcBef>
+              <a:spcAft>
+                <a:spcPts val="0"/>
+              </a:spcAft>
+              <a:buNone/>
+            </a:pPr>
+            <a:r>
+              <a:rPr lang="en" sz="2800">
+                <a:latin typeface="Bungee"/>
+                <a:ea typeface="Bungee"/>
+                <a:cs typeface="Bungee"/>
+                <a:sym typeface="Bungee"/>
+              </a:rPr>
+              <a:t>Step 8: Serve and Enjoy</a:t>
+            </a:r>
+            <a:endParaRPr sz="2800">
+              <a:solidFill>
+                <a:srgbClr val="000000"/>
+              </a:solidFill>
+              <a:latin typeface="Bungee"/>
+              <a:ea typeface="Bungee"/>
+              <a:cs typeface="Bungee"/>
+              <a:sym typeface="Bungee"/>
+            </a:endParaRPr>
+          </a:p>
+        </p:txBody>
+      </p:sp>
+      <p:sp>
+        <p:nvSpPr>
+          <p:cNvPr id="66" name="Google Shape;66;p14"/>
+          <p:cNvSpPr txBox="1"/>
+          <p:nvPr/>
+        </p:nvSpPr>
+        <p:spPr>
+          <a:xfrm>
+            <a:off x="311700" y="1152475"/>
+            <a:ext cx="8520600" cy="3416400"/>
+          </a:xfrm>
+          <a:prstGeom prst="rect">
+            <a:avLst/>
+          </a:prstGeom>
+          <a:noFill/>
+          <a:ln>
+            <a:noFill/>
+          </a:ln>
+        </p:spPr>
+        <p:txBody>
+          <a:bodyPr anchorCtr="0" anchor="t" bIns="91425" lIns="91425" spcFirstLastPara="1" rIns="91425" wrap="square" tIns="91425">
+            <a:noAutofit/>
+          </a:bodyPr>
+          <a:lstStyle/>
+          <a:p>
+            <a:pPr indent="0" lvl="0" marL="0" rtl="0" algn="l">
+              <a:lnSpc>
+                <a:spcPct val="115000"/>
+              </a:lnSpc>
+              <a:spcBef>
+                <a:spcPts val="0"/>
+              </a:spcBef>
+              <a:spcAft>
+                <a:spcPts val="1200"/>
+              </a:spcAft>
+              <a:buNone/>
+            </a:pPr>
+            <a:r>
+              <a:rPr lang="en" sz="1800">
+                <a:solidFill>
+                  <a:srgbClr val="595959"/>
+                </a:solidFill>
+                <a:latin typeface="Oswald"/>
+                <a:ea typeface="Oswald"/>
+                <a:cs typeface="Oswald"/>
+                <a:sym typeface="Oswald"/>
+              </a:rPr>
+              <a:t>Once the egg is cooked to your liking, use the spatula to gently slide it onto a plate. Season with salt and pepper as desired, and enjoy your delicious sunny side up egg!</a:t>
+            </a:r>
+            <a:endParaRPr sz="1800">
+              <a:solidFill>
+                <a:srgbClr val="595959"/>
+              </a:solidFill>
+              <a:latin typeface="Oswald"/>
+              <a:ea typeface="Oswald"/>
+              <a:cs typeface="Oswald"/>
+              <a:sym typeface="Oswald"/>
+            </a:endParaRPr>
+          </a:p>
+        </p:txBody>
+      </p:sp>
+      <p:sp>
+        <p:nvSpPr>
+          <p:cNvPr id="67" name="Google Shape;67;p14"/>
+          <p:cNvSpPr/>
+          <p:nvPr/>
+        </p:nvSpPr>
+        <p:spPr>
+          <a:xfrm>
+            <a:off x="8074450" y="-1345525"/>
+            <a:ext cx="346800" cy="7043400"/>
+          </a:xfrm>
+          <a:prstGeom prst="rect">
+            <a:avLst/>
+          </a:prstGeom>
+          <a:solidFill>
+            <a:srgbClr val="FFB627"/>
+          </a:solidFill>
+          <a:ln>
+            <a:noFill/>
+          </a:ln>
+        </p:spPr>
+        <p:txBody>
+          <a:bodyPr anchorCtr="0" anchor="ctr" bIns="91425" lIns="91425" spcFirstLastPara="1" rIns="91425" wrap="square" tIns="91425">
+            <a:noAutofit/>
+          </a:bodyPr>
+          <a:lstStyle/>
+          <a:p>
+            <a:pPr indent="0" lvl="0" marL="0" rtl="0" algn="l">
+              <a:spcBef>
+                <a:spcPts val="0"/>
+              </a:spcBef>
+              <a:spcAft>
+                <a:spcPts val="0"/>
+              </a:spcAft>
+              <a:buNone/>
+            </a:pPr>
+            <a:r>
+              <a:t/>
+            </a:r>
+            <a:endParaRPr/>
+          </a:p>
+        </p:txBody>
+      </p:sp>
+      <p:sp>
+        <p:nvSpPr>
+          <p:cNvPr id="68" name="Google Shape;68;p14"/>
+          <p:cNvSpPr/>
+          <p:nvPr/>
+        </p:nvSpPr>
+        <p:spPr>
+          <a:xfrm>
+            <a:off x="8421250" y="-1345525"/>
+            <a:ext cx="346800" cy="7043400"/>
+          </a:xfrm>
+          <a:prstGeom prst="rect">
+            <a:avLst/>
+          </a:prstGeom>
+          <a:solidFill>
+            <a:srgbClr val="FF9505"/>
           </a:solidFill>
           <a:ln>
             <a:noFill/>
